--- a/Manuscript/Figures/04_Results_Probabilities_NumGP.pptx
+++ b/Manuscript/Figures/04_Results_Probabilities_NumGP.pptx
@@ -2,13 +2,13 @@
 <file path=ppt/presentation.xml><?xml version="1.0" encoding="utf-8"?>
 <p:presentation xmlns:a="http://schemas.openxmlformats.org/drawingml/2006/main" xmlns:r="http://schemas.openxmlformats.org/officeDocument/2006/relationships" xmlns:p="http://schemas.openxmlformats.org/presentationml/2006/main" saveSubsetFonts="1">
   <p:sldMasterIdLst>
-    <p:sldMasterId id="2147483684" r:id="rId1"/>
+    <p:sldMasterId id="2147483708" r:id="rId1"/>
   </p:sldMasterIdLst>
   <p:sldIdLst>
     <p:sldId id="256" r:id="rId2"/>
   </p:sldIdLst>
-  <p:sldSz cx="6083300" cy="3527425"/>
-  <p:notesSz cx="6858000" cy="9144000"/>
+  <p:sldSz cx="7559675" cy="4103688"/>
+  <p:notesSz cx="9144000" cy="6858000"/>
   <p:defaultTextStyle>
     <a:defPPr>
       <a:defRPr lang="en-US"/>
@@ -104,19 +104,2079 @@
       </a:defRPr>
     </a:lvl9pPr>
   </p:defaultTextStyle>
+  <p:extLst>
+    <p:ext uri="{EFAFB233-063F-42B5-8137-9DF3F51BA10A}">
+      <p15:sldGuideLst xmlns:p15="http://schemas.microsoft.com/office/powerpoint/2012/main"/>
+    </p:ext>
+  </p:extLst>
 </p:presentation>
 </file>
 
 <file path=ppt/revisionInfo.xml><?xml version="1.0" encoding="utf-8"?>
 <p1510:revInfo xmlns:a="http://schemas.openxmlformats.org/drawingml/2006/main" xmlns:r="http://schemas.openxmlformats.org/officeDocument/2006/relationships" xmlns:p1510="http://schemas.microsoft.com/office/powerpoint/2015/10/main">
   <p1510:revLst>
-    <p1510:client id="{2F856B84-E7F2-42B1-B652-585ABF37E7E2}" v="17" dt="2024-04-15T00:17:34.589"/>
+    <p1510:client id="{7C54D53B-6D8A-4D6C-B453-C340742CA252}" v="30" dt="2024-05-09T06:37:00.648"/>
   </p1510:revLst>
 </p1510:revInfo>
 </file>
 
 <file path=ppt/changesInfos/changesInfo1.xml><?xml version="1.0" encoding="utf-8"?>
 <pc:chgInfo xmlns:a="http://schemas.openxmlformats.org/drawingml/2006/main" xmlns:r="http://schemas.openxmlformats.org/officeDocument/2006/relationships" xmlns:ac="http://schemas.microsoft.com/office/drawing/2013/main/command" xmlns:pc="http://schemas.microsoft.com/office/powerpoint/2013/main/command">
+  <pc:docChgLst>
+    <pc:chgData name="Fatima Pillosu" userId="a6295d4dc9e22643" providerId="LiveId" clId="{7C54D53B-6D8A-4D6C-B453-C340742CA252}"/>
+    <pc:docChg chg="undo custSel addSld delSld modSld">
+      <pc:chgData name="Fatima Pillosu" userId="a6295d4dc9e22643" providerId="LiveId" clId="{7C54D53B-6D8A-4D6C-B453-C340742CA252}" dt="2024-05-09T06:56:05.591" v="2562" actId="20577"/>
+      <pc:docMkLst>
+        <pc:docMk/>
+      </pc:docMkLst>
+      <pc:sldChg chg="addSp delSp modSp mod">
+        <pc:chgData name="Fatima Pillosu" userId="a6295d4dc9e22643" providerId="LiveId" clId="{7C54D53B-6D8A-4D6C-B453-C340742CA252}" dt="2024-05-09T06:56:05.591" v="2562" actId="20577"/>
+        <pc:sldMkLst>
+          <pc:docMk/>
+          <pc:sldMk cId="3388292743" sldId="256"/>
+        </pc:sldMkLst>
+        <pc:spChg chg="add del mod">
+          <ac:chgData name="Fatima Pillosu" userId="a6295d4dc9e22643" providerId="LiveId" clId="{7C54D53B-6D8A-4D6C-B453-C340742CA252}" dt="2024-05-08T21:01:51.861" v="550" actId="21"/>
+          <ac:spMkLst>
+            <pc:docMk/>
+            <pc:sldMk cId="3388292743" sldId="256"/>
+            <ac:spMk id="25" creationId="{2956D653-FAE9-05F8-7300-F71E832AAB1A}"/>
+          </ac:spMkLst>
+        </pc:spChg>
+        <pc:spChg chg="add del mod">
+          <ac:chgData name="Fatima Pillosu" userId="a6295d4dc9e22643" providerId="LiveId" clId="{7C54D53B-6D8A-4D6C-B453-C340742CA252}" dt="2024-05-08T21:01:51.861" v="550" actId="21"/>
+          <ac:spMkLst>
+            <pc:docMk/>
+            <pc:sldMk cId="3388292743" sldId="256"/>
+            <ac:spMk id="28" creationId="{178E0FC2-7685-2C80-D189-279DD49E6D91}"/>
+          </ac:spMkLst>
+        </pc:spChg>
+        <pc:spChg chg="add del mod">
+          <ac:chgData name="Fatima Pillosu" userId="a6295d4dc9e22643" providerId="LiveId" clId="{7C54D53B-6D8A-4D6C-B453-C340742CA252}" dt="2024-05-08T21:01:51.861" v="550" actId="21"/>
+          <ac:spMkLst>
+            <pc:docMk/>
+            <pc:sldMk cId="3388292743" sldId="256"/>
+            <ac:spMk id="32" creationId="{BB5D6168-092E-06BD-B424-36E08D0E0D3E}"/>
+          </ac:spMkLst>
+        </pc:spChg>
+        <pc:spChg chg="add del mod">
+          <ac:chgData name="Fatima Pillosu" userId="a6295d4dc9e22643" providerId="LiveId" clId="{7C54D53B-6D8A-4D6C-B453-C340742CA252}" dt="2024-05-08T21:01:51.861" v="550" actId="21"/>
+          <ac:spMkLst>
+            <pc:docMk/>
+            <pc:sldMk cId="3388292743" sldId="256"/>
+            <ac:spMk id="33" creationId="{6463C341-A1E7-6364-B1BE-F0BBDA1C8E6C}"/>
+          </ac:spMkLst>
+        </pc:spChg>
+        <pc:spChg chg="add del mod">
+          <ac:chgData name="Fatima Pillosu" userId="a6295d4dc9e22643" providerId="LiveId" clId="{7C54D53B-6D8A-4D6C-B453-C340742CA252}" dt="2024-05-08T21:08:19.672" v="774" actId="478"/>
+          <ac:spMkLst>
+            <pc:docMk/>
+            <pc:sldMk cId="3388292743" sldId="256"/>
+            <ac:spMk id="36" creationId="{D15FA73C-5B4E-3967-F4ED-DBACC0DE4856}"/>
+          </ac:spMkLst>
+        </pc:spChg>
+        <pc:spChg chg="add del mod">
+          <ac:chgData name="Fatima Pillosu" userId="a6295d4dc9e22643" providerId="LiveId" clId="{7C54D53B-6D8A-4D6C-B453-C340742CA252}" dt="2024-05-09T06:19:33.859" v="2497" actId="21"/>
+          <ac:spMkLst>
+            <pc:docMk/>
+            <pc:sldMk cId="3388292743" sldId="256"/>
+            <ac:spMk id="37" creationId="{68382F1F-4611-8F53-7D36-953CA98ACFC0}"/>
+          </ac:spMkLst>
+        </pc:spChg>
+        <pc:spChg chg="add del mod">
+          <ac:chgData name="Fatima Pillosu" userId="a6295d4dc9e22643" providerId="LiveId" clId="{7C54D53B-6D8A-4D6C-B453-C340742CA252}" dt="2024-05-09T06:19:33.859" v="2497" actId="21"/>
+          <ac:spMkLst>
+            <pc:docMk/>
+            <pc:sldMk cId="3388292743" sldId="256"/>
+            <ac:spMk id="38" creationId="{38C938A3-7D38-804F-AC5C-8A0502DB8CF6}"/>
+          </ac:spMkLst>
+        </pc:spChg>
+        <pc:spChg chg="add del mod">
+          <ac:chgData name="Fatima Pillosu" userId="a6295d4dc9e22643" providerId="LiveId" clId="{7C54D53B-6D8A-4D6C-B453-C340742CA252}" dt="2024-05-09T06:19:33.859" v="2497" actId="21"/>
+          <ac:spMkLst>
+            <pc:docMk/>
+            <pc:sldMk cId="3388292743" sldId="256"/>
+            <ac:spMk id="39" creationId="{ED009E88-C596-C74C-5B28-281D9F643262}"/>
+          </ac:spMkLst>
+        </pc:spChg>
+        <pc:spChg chg="add del mod">
+          <ac:chgData name="Fatima Pillosu" userId="a6295d4dc9e22643" providerId="LiveId" clId="{7C54D53B-6D8A-4D6C-B453-C340742CA252}" dt="2024-05-09T06:19:33.859" v="2497" actId="21"/>
+          <ac:spMkLst>
+            <pc:docMk/>
+            <pc:sldMk cId="3388292743" sldId="256"/>
+            <ac:spMk id="40" creationId="{57B05807-D35D-CAE3-53E9-9D763408EA2B}"/>
+          </ac:spMkLst>
+        </pc:spChg>
+        <pc:spChg chg="add del mod">
+          <ac:chgData name="Fatima Pillosu" userId="a6295d4dc9e22643" providerId="LiveId" clId="{7C54D53B-6D8A-4D6C-B453-C340742CA252}" dt="2024-05-09T06:19:33.859" v="2497" actId="21"/>
+          <ac:spMkLst>
+            <pc:docMk/>
+            <pc:sldMk cId="3388292743" sldId="256"/>
+            <ac:spMk id="41" creationId="{E177F19E-7969-E255-3ED9-2235D51D66D5}"/>
+          </ac:spMkLst>
+        </pc:spChg>
+        <pc:spChg chg="add del mod">
+          <ac:chgData name="Fatima Pillosu" userId="a6295d4dc9e22643" providerId="LiveId" clId="{7C54D53B-6D8A-4D6C-B453-C340742CA252}" dt="2024-05-09T06:19:33.859" v="2497" actId="21"/>
+          <ac:spMkLst>
+            <pc:docMk/>
+            <pc:sldMk cId="3388292743" sldId="256"/>
+            <ac:spMk id="42" creationId="{2506ED95-7126-4C4E-8053-F421261E2E2A}"/>
+          </ac:spMkLst>
+        </pc:spChg>
+        <pc:spChg chg="add del mod">
+          <ac:chgData name="Fatima Pillosu" userId="a6295d4dc9e22643" providerId="LiveId" clId="{7C54D53B-6D8A-4D6C-B453-C340742CA252}" dt="2024-05-09T06:19:33.859" v="2497" actId="21"/>
+          <ac:spMkLst>
+            <pc:docMk/>
+            <pc:sldMk cId="3388292743" sldId="256"/>
+            <ac:spMk id="43" creationId="{B47F9DBB-AA9A-1D26-63A5-7D05B96CEF8E}"/>
+          </ac:spMkLst>
+        </pc:spChg>
+        <pc:spChg chg="add del mod">
+          <ac:chgData name="Fatima Pillosu" userId="a6295d4dc9e22643" providerId="LiveId" clId="{7C54D53B-6D8A-4D6C-B453-C340742CA252}" dt="2024-05-09T06:19:33.859" v="2497" actId="21"/>
+          <ac:spMkLst>
+            <pc:docMk/>
+            <pc:sldMk cId="3388292743" sldId="256"/>
+            <ac:spMk id="44" creationId="{3CF93E9C-D52A-420A-938F-5AA924BF93E5}"/>
+          </ac:spMkLst>
+        </pc:spChg>
+        <pc:spChg chg="add del mod">
+          <ac:chgData name="Fatima Pillosu" userId="a6295d4dc9e22643" providerId="LiveId" clId="{7C54D53B-6D8A-4D6C-B453-C340742CA252}" dt="2024-05-09T06:19:33.859" v="2497" actId="21"/>
+          <ac:spMkLst>
+            <pc:docMk/>
+            <pc:sldMk cId="3388292743" sldId="256"/>
+            <ac:spMk id="45" creationId="{E20B6C12-1B7D-6D82-EF70-8E8AAD53B55A}"/>
+          </ac:spMkLst>
+        </pc:spChg>
+        <pc:spChg chg="add del mod">
+          <ac:chgData name="Fatima Pillosu" userId="a6295d4dc9e22643" providerId="LiveId" clId="{7C54D53B-6D8A-4D6C-B453-C340742CA252}" dt="2024-05-09T06:19:33.859" v="2497" actId="21"/>
+          <ac:spMkLst>
+            <pc:docMk/>
+            <pc:sldMk cId="3388292743" sldId="256"/>
+            <ac:spMk id="46" creationId="{3B39C289-2DA0-4EF9-863F-90F4747F650E}"/>
+          </ac:spMkLst>
+        </pc:spChg>
+        <pc:spChg chg="add del mod">
+          <ac:chgData name="Fatima Pillosu" userId="a6295d4dc9e22643" providerId="LiveId" clId="{7C54D53B-6D8A-4D6C-B453-C340742CA252}" dt="2024-05-09T06:19:33.859" v="2497" actId="21"/>
+          <ac:spMkLst>
+            <pc:docMk/>
+            <pc:sldMk cId="3388292743" sldId="256"/>
+            <ac:spMk id="48" creationId="{F6768F5F-F1DB-C3C0-3A4F-2575B7D2A691}"/>
+          </ac:spMkLst>
+        </pc:spChg>
+        <pc:spChg chg="add del mod">
+          <ac:chgData name="Fatima Pillosu" userId="a6295d4dc9e22643" providerId="LiveId" clId="{7C54D53B-6D8A-4D6C-B453-C340742CA252}" dt="2024-05-09T06:19:33.859" v="2497" actId="21"/>
+          <ac:spMkLst>
+            <pc:docMk/>
+            <pc:sldMk cId="3388292743" sldId="256"/>
+            <ac:spMk id="49" creationId="{A1CD31C2-DCDE-77BA-7B8F-2AF9129A3044}"/>
+          </ac:spMkLst>
+        </pc:spChg>
+        <pc:spChg chg="add del mod">
+          <ac:chgData name="Fatima Pillosu" userId="a6295d4dc9e22643" providerId="LiveId" clId="{7C54D53B-6D8A-4D6C-B453-C340742CA252}" dt="2024-05-09T06:19:33.859" v="2497" actId="21"/>
+          <ac:spMkLst>
+            <pc:docMk/>
+            <pc:sldMk cId="3388292743" sldId="256"/>
+            <ac:spMk id="50" creationId="{D0F145D2-F583-5AF0-52F4-60BC588E0A4A}"/>
+          </ac:spMkLst>
+        </pc:spChg>
+        <pc:spChg chg="add del mod">
+          <ac:chgData name="Fatima Pillosu" userId="a6295d4dc9e22643" providerId="LiveId" clId="{7C54D53B-6D8A-4D6C-B453-C340742CA252}" dt="2024-05-09T06:19:33.859" v="2497" actId="21"/>
+          <ac:spMkLst>
+            <pc:docMk/>
+            <pc:sldMk cId="3388292743" sldId="256"/>
+            <ac:spMk id="51" creationId="{87B946C7-C4FE-40D5-9823-51590B509D02}"/>
+          </ac:spMkLst>
+        </pc:spChg>
+        <pc:spChg chg="add del mod">
+          <ac:chgData name="Fatima Pillosu" userId="a6295d4dc9e22643" providerId="LiveId" clId="{7C54D53B-6D8A-4D6C-B453-C340742CA252}" dt="2024-05-09T06:19:33.859" v="2497" actId="21"/>
+          <ac:spMkLst>
+            <pc:docMk/>
+            <pc:sldMk cId="3388292743" sldId="256"/>
+            <ac:spMk id="52" creationId="{7686ACCF-76EA-2C1C-C805-2F45016595C9}"/>
+          </ac:spMkLst>
+        </pc:spChg>
+        <pc:spChg chg="add del mod">
+          <ac:chgData name="Fatima Pillosu" userId="a6295d4dc9e22643" providerId="LiveId" clId="{7C54D53B-6D8A-4D6C-B453-C340742CA252}" dt="2024-05-09T06:19:33.859" v="2497" actId="21"/>
+          <ac:spMkLst>
+            <pc:docMk/>
+            <pc:sldMk cId="3388292743" sldId="256"/>
+            <ac:spMk id="53" creationId="{5AA4A5E1-1D58-2158-D050-87538EF41186}"/>
+          </ac:spMkLst>
+        </pc:spChg>
+        <pc:spChg chg="add del mod">
+          <ac:chgData name="Fatima Pillosu" userId="a6295d4dc9e22643" providerId="LiveId" clId="{7C54D53B-6D8A-4D6C-B453-C340742CA252}" dt="2024-05-09T06:19:33.859" v="2497" actId="21"/>
+          <ac:spMkLst>
+            <pc:docMk/>
+            <pc:sldMk cId="3388292743" sldId="256"/>
+            <ac:spMk id="54" creationId="{BAE44AC5-78D6-B000-F335-A8F1C5D29F0B}"/>
+          </ac:spMkLst>
+        </pc:spChg>
+        <pc:spChg chg="add del mod">
+          <ac:chgData name="Fatima Pillosu" userId="a6295d4dc9e22643" providerId="LiveId" clId="{7C54D53B-6D8A-4D6C-B453-C340742CA252}" dt="2024-05-09T06:19:33.859" v="2497" actId="21"/>
+          <ac:spMkLst>
+            <pc:docMk/>
+            <pc:sldMk cId="3388292743" sldId="256"/>
+            <ac:spMk id="55" creationId="{5E3C11B5-F16D-5844-851A-FF31A45C2BCF}"/>
+          </ac:spMkLst>
+        </pc:spChg>
+        <pc:spChg chg="add del mod">
+          <ac:chgData name="Fatima Pillosu" userId="a6295d4dc9e22643" providerId="LiveId" clId="{7C54D53B-6D8A-4D6C-B453-C340742CA252}" dt="2024-05-09T06:19:33.859" v="2497" actId="21"/>
+          <ac:spMkLst>
+            <pc:docMk/>
+            <pc:sldMk cId="3388292743" sldId="256"/>
+            <ac:spMk id="56" creationId="{0002009F-073E-693D-B276-9ADDF96C5B2E}"/>
+          </ac:spMkLst>
+        </pc:spChg>
+        <pc:spChg chg="add del mod">
+          <ac:chgData name="Fatima Pillosu" userId="a6295d4dc9e22643" providerId="LiveId" clId="{7C54D53B-6D8A-4D6C-B453-C340742CA252}" dt="2024-05-09T06:19:33.859" v="2497" actId="21"/>
+          <ac:spMkLst>
+            <pc:docMk/>
+            <pc:sldMk cId="3388292743" sldId="256"/>
+            <ac:spMk id="57" creationId="{F65E0357-40F7-AB1C-AF51-0DCEAB57F4DD}"/>
+          </ac:spMkLst>
+        </pc:spChg>
+        <pc:spChg chg="add del mod">
+          <ac:chgData name="Fatima Pillosu" userId="a6295d4dc9e22643" providerId="LiveId" clId="{7C54D53B-6D8A-4D6C-B453-C340742CA252}" dt="2024-05-09T06:19:33.859" v="2497" actId="21"/>
+          <ac:spMkLst>
+            <pc:docMk/>
+            <pc:sldMk cId="3388292743" sldId="256"/>
+            <ac:spMk id="58" creationId="{8E5D7019-7C6E-99D3-D1B9-A1963B4A2220}"/>
+          </ac:spMkLst>
+        </pc:spChg>
+        <pc:spChg chg="add del mod">
+          <ac:chgData name="Fatima Pillosu" userId="a6295d4dc9e22643" providerId="LiveId" clId="{7C54D53B-6D8A-4D6C-B453-C340742CA252}" dt="2024-05-09T06:19:33.859" v="2497" actId="21"/>
+          <ac:spMkLst>
+            <pc:docMk/>
+            <pc:sldMk cId="3388292743" sldId="256"/>
+            <ac:spMk id="59" creationId="{B2B1AD61-B7FD-16C4-D800-929CE7D676B3}"/>
+          </ac:spMkLst>
+        </pc:spChg>
+        <pc:spChg chg="add del mod">
+          <ac:chgData name="Fatima Pillosu" userId="a6295d4dc9e22643" providerId="LiveId" clId="{7C54D53B-6D8A-4D6C-B453-C340742CA252}" dt="2024-05-09T06:19:33.859" v="2497" actId="21"/>
+          <ac:spMkLst>
+            <pc:docMk/>
+            <pc:sldMk cId="3388292743" sldId="256"/>
+            <ac:spMk id="60" creationId="{A80C2F58-CF47-5E0B-57DD-106541A53DE0}"/>
+          </ac:spMkLst>
+        </pc:spChg>
+        <pc:spChg chg="add del mod">
+          <ac:chgData name="Fatima Pillosu" userId="a6295d4dc9e22643" providerId="LiveId" clId="{7C54D53B-6D8A-4D6C-B453-C340742CA252}" dt="2024-05-09T06:19:33.859" v="2497" actId="21"/>
+          <ac:spMkLst>
+            <pc:docMk/>
+            <pc:sldMk cId="3388292743" sldId="256"/>
+            <ac:spMk id="61" creationId="{1CDA55D1-98D2-094C-4329-A884375E8615}"/>
+          </ac:spMkLst>
+        </pc:spChg>
+        <pc:spChg chg="add del mod">
+          <ac:chgData name="Fatima Pillosu" userId="a6295d4dc9e22643" providerId="LiveId" clId="{7C54D53B-6D8A-4D6C-B453-C340742CA252}" dt="2024-05-09T06:19:33.859" v="2497" actId="21"/>
+          <ac:spMkLst>
+            <pc:docMk/>
+            <pc:sldMk cId="3388292743" sldId="256"/>
+            <ac:spMk id="62" creationId="{40113F2D-A34B-13C0-8812-61DB62FBF662}"/>
+          </ac:spMkLst>
+        </pc:spChg>
+        <pc:spChg chg="del mod">
+          <ac:chgData name="Fatima Pillosu" userId="a6295d4dc9e22643" providerId="LiveId" clId="{7C54D53B-6D8A-4D6C-B453-C340742CA252}" dt="2024-05-08T21:01:51.861" v="550" actId="21"/>
+          <ac:spMkLst>
+            <pc:docMk/>
+            <pc:sldMk cId="3388292743" sldId="256"/>
+            <ac:spMk id="153" creationId="{D2AB30F9-38FC-373C-3451-FD974E7D6C4D}"/>
+          </ac:spMkLst>
+        </pc:spChg>
+        <pc:spChg chg="del mod">
+          <ac:chgData name="Fatima Pillosu" userId="a6295d4dc9e22643" providerId="LiveId" clId="{7C54D53B-6D8A-4D6C-B453-C340742CA252}" dt="2024-05-08T16:41:39.884" v="247" actId="478"/>
+          <ac:spMkLst>
+            <pc:docMk/>
+            <pc:sldMk cId="3388292743" sldId="256"/>
+            <ac:spMk id="154" creationId="{803874FC-1A0A-2CB3-385F-70C47B73DED4}"/>
+          </ac:spMkLst>
+        </pc:spChg>
+        <pc:spChg chg="del mod">
+          <ac:chgData name="Fatima Pillosu" userId="a6295d4dc9e22643" providerId="LiveId" clId="{7C54D53B-6D8A-4D6C-B453-C340742CA252}" dt="2024-05-08T16:41:39.884" v="247" actId="478"/>
+          <ac:spMkLst>
+            <pc:docMk/>
+            <pc:sldMk cId="3388292743" sldId="256"/>
+            <ac:spMk id="155" creationId="{70BFFEE2-BC9C-0047-235A-6B7C19450015}"/>
+          </ac:spMkLst>
+        </pc:spChg>
+        <pc:spChg chg="del mod">
+          <ac:chgData name="Fatima Pillosu" userId="a6295d4dc9e22643" providerId="LiveId" clId="{7C54D53B-6D8A-4D6C-B453-C340742CA252}" dt="2024-05-08T16:41:39.884" v="247" actId="478"/>
+          <ac:spMkLst>
+            <pc:docMk/>
+            <pc:sldMk cId="3388292743" sldId="256"/>
+            <ac:spMk id="156" creationId="{124B18A2-8999-39EB-1088-2AC5271DF04C}"/>
+          </ac:spMkLst>
+        </pc:spChg>
+        <pc:spChg chg="del mod">
+          <ac:chgData name="Fatima Pillosu" userId="a6295d4dc9e22643" providerId="LiveId" clId="{7C54D53B-6D8A-4D6C-B453-C340742CA252}" dt="2024-05-08T16:41:39.884" v="247" actId="478"/>
+          <ac:spMkLst>
+            <pc:docMk/>
+            <pc:sldMk cId="3388292743" sldId="256"/>
+            <ac:spMk id="157" creationId="{D9929BCA-E18C-B078-5127-B621ED62FC36}"/>
+          </ac:spMkLst>
+        </pc:spChg>
+        <pc:spChg chg="del mod">
+          <ac:chgData name="Fatima Pillosu" userId="a6295d4dc9e22643" providerId="LiveId" clId="{7C54D53B-6D8A-4D6C-B453-C340742CA252}" dt="2024-05-08T16:41:39.884" v="247" actId="478"/>
+          <ac:spMkLst>
+            <pc:docMk/>
+            <pc:sldMk cId="3388292743" sldId="256"/>
+            <ac:spMk id="158" creationId="{95325DBE-9C30-8FC2-FC63-3C4AE58E11CE}"/>
+          </ac:spMkLst>
+        </pc:spChg>
+        <pc:spChg chg="del mod">
+          <ac:chgData name="Fatima Pillosu" userId="a6295d4dc9e22643" providerId="LiveId" clId="{7C54D53B-6D8A-4D6C-B453-C340742CA252}" dt="2024-05-08T16:41:39.884" v="247" actId="478"/>
+          <ac:spMkLst>
+            <pc:docMk/>
+            <pc:sldMk cId="3388292743" sldId="256"/>
+            <ac:spMk id="159" creationId="{5C8440C5-06AA-3B5A-3CEF-13DD79F0BF7E}"/>
+          </ac:spMkLst>
+        </pc:spChg>
+        <pc:spChg chg="del mod">
+          <ac:chgData name="Fatima Pillosu" userId="a6295d4dc9e22643" providerId="LiveId" clId="{7C54D53B-6D8A-4D6C-B453-C340742CA252}" dt="2024-05-08T16:41:39.884" v="247" actId="478"/>
+          <ac:spMkLst>
+            <pc:docMk/>
+            <pc:sldMk cId="3388292743" sldId="256"/>
+            <ac:spMk id="160" creationId="{E45BF172-FA5E-E718-0F33-63002FE01660}"/>
+          </ac:spMkLst>
+        </pc:spChg>
+        <pc:spChg chg="del mod">
+          <ac:chgData name="Fatima Pillosu" userId="a6295d4dc9e22643" providerId="LiveId" clId="{7C54D53B-6D8A-4D6C-B453-C340742CA252}" dt="2024-05-08T16:41:39.884" v="247" actId="478"/>
+          <ac:spMkLst>
+            <pc:docMk/>
+            <pc:sldMk cId="3388292743" sldId="256"/>
+            <ac:spMk id="161" creationId="{78228F64-4F48-0903-D91F-2AFA628D6C62}"/>
+          </ac:spMkLst>
+        </pc:spChg>
+        <pc:spChg chg="del mod">
+          <ac:chgData name="Fatima Pillosu" userId="a6295d4dc9e22643" providerId="LiveId" clId="{7C54D53B-6D8A-4D6C-B453-C340742CA252}" dt="2024-05-08T16:41:39.884" v="247" actId="478"/>
+          <ac:spMkLst>
+            <pc:docMk/>
+            <pc:sldMk cId="3388292743" sldId="256"/>
+            <ac:spMk id="162" creationId="{5AF9F56D-FF17-EB23-23C5-9F77235E66E8}"/>
+          </ac:spMkLst>
+        </pc:spChg>
+        <pc:spChg chg="del mod">
+          <ac:chgData name="Fatima Pillosu" userId="a6295d4dc9e22643" providerId="LiveId" clId="{7C54D53B-6D8A-4D6C-B453-C340742CA252}" dt="2024-05-08T21:01:51.861" v="550" actId="21"/>
+          <ac:spMkLst>
+            <pc:docMk/>
+            <pc:sldMk cId="3388292743" sldId="256"/>
+            <ac:spMk id="163" creationId="{42FE1052-0826-2F0D-E55D-EAE4580F9862}"/>
+          </ac:spMkLst>
+        </pc:spChg>
+        <pc:spChg chg="del mod">
+          <ac:chgData name="Fatima Pillosu" userId="a6295d4dc9e22643" providerId="LiveId" clId="{7C54D53B-6D8A-4D6C-B453-C340742CA252}" dt="2024-05-08T20:51:48.946" v="379" actId="478"/>
+          <ac:spMkLst>
+            <pc:docMk/>
+            <pc:sldMk cId="3388292743" sldId="256"/>
+            <ac:spMk id="164" creationId="{4CF9F185-4CBB-7253-5A08-6E7D44972D75}"/>
+          </ac:spMkLst>
+        </pc:spChg>
+        <pc:spChg chg="del">
+          <ac:chgData name="Fatima Pillosu" userId="a6295d4dc9e22643" providerId="LiveId" clId="{7C54D53B-6D8A-4D6C-B453-C340742CA252}" dt="2024-05-08T21:01:51.861" v="550" actId="21"/>
+          <ac:spMkLst>
+            <pc:docMk/>
+            <pc:sldMk cId="3388292743" sldId="256"/>
+            <ac:spMk id="165" creationId="{7D112BAC-8C54-6FBD-65AF-BE3F56F2D333}"/>
+          </ac:spMkLst>
+        </pc:spChg>
+        <pc:spChg chg="del">
+          <ac:chgData name="Fatima Pillosu" userId="a6295d4dc9e22643" providerId="LiveId" clId="{7C54D53B-6D8A-4D6C-B453-C340742CA252}" dt="2024-05-08T21:01:51.861" v="550" actId="21"/>
+          <ac:spMkLst>
+            <pc:docMk/>
+            <pc:sldMk cId="3388292743" sldId="256"/>
+            <ac:spMk id="166" creationId="{64F08175-4E24-D5B3-0F7B-18F2A604D71A}"/>
+          </ac:spMkLst>
+        </pc:spChg>
+        <pc:spChg chg="del">
+          <ac:chgData name="Fatima Pillosu" userId="a6295d4dc9e22643" providerId="LiveId" clId="{7C54D53B-6D8A-4D6C-B453-C340742CA252}" dt="2024-05-08T21:01:51.861" v="550" actId="21"/>
+          <ac:spMkLst>
+            <pc:docMk/>
+            <pc:sldMk cId="3388292743" sldId="256"/>
+            <ac:spMk id="167" creationId="{5DD3B105-F8A2-E8EF-724F-90A8BB14F452}"/>
+          </ac:spMkLst>
+        </pc:spChg>
+        <pc:spChg chg="del">
+          <ac:chgData name="Fatima Pillosu" userId="a6295d4dc9e22643" providerId="LiveId" clId="{7C54D53B-6D8A-4D6C-B453-C340742CA252}" dt="2024-05-08T21:01:51.861" v="550" actId="21"/>
+          <ac:spMkLst>
+            <pc:docMk/>
+            <pc:sldMk cId="3388292743" sldId="256"/>
+            <ac:spMk id="168" creationId="{3BF41DCA-D54D-A8D1-304C-A170C8F69342}"/>
+          </ac:spMkLst>
+        </pc:spChg>
+        <pc:spChg chg="del">
+          <ac:chgData name="Fatima Pillosu" userId="a6295d4dc9e22643" providerId="LiveId" clId="{7C54D53B-6D8A-4D6C-B453-C340742CA252}" dt="2024-05-08T21:01:51.861" v="550" actId="21"/>
+          <ac:spMkLst>
+            <pc:docMk/>
+            <pc:sldMk cId="3388292743" sldId="256"/>
+            <ac:spMk id="169" creationId="{C2842732-D070-D809-66FC-9E9EC9F1B584}"/>
+          </ac:spMkLst>
+        </pc:spChg>
+        <pc:spChg chg="del">
+          <ac:chgData name="Fatima Pillosu" userId="a6295d4dc9e22643" providerId="LiveId" clId="{7C54D53B-6D8A-4D6C-B453-C340742CA252}" dt="2024-05-08T21:01:51.861" v="550" actId="21"/>
+          <ac:spMkLst>
+            <pc:docMk/>
+            <pc:sldMk cId="3388292743" sldId="256"/>
+            <ac:spMk id="170" creationId="{1EA73855-0172-6795-C7BD-A406340C136F}"/>
+          </ac:spMkLst>
+        </pc:spChg>
+        <pc:spChg chg="del">
+          <ac:chgData name="Fatima Pillosu" userId="a6295d4dc9e22643" providerId="LiveId" clId="{7C54D53B-6D8A-4D6C-B453-C340742CA252}" dt="2024-05-08T21:01:51.861" v="550" actId="21"/>
+          <ac:spMkLst>
+            <pc:docMk/>
+            <pc:sldMk cId="3388292743" sldId="256"/>
+            <ac:spMk id="171" creationId="{674360D7-72C0-7DFE-1ADA-300CF411CB87}"/>
+          </ac:spMkLst>
+        </pc:spChg>
+        <pc:spChg chg="del">
+          <ac:chgData name="Fatima Pillosu" userId="a6295d4dc9e22643" providerId="LiveId" clId="{7C54D53B-6D8A-4D6C-B453-C340742CA252}" dt="2024-05-08T21:01:51.861" v="550" actId="21"/>
+          <ac:spMkLst>
+            <pc:docMk/>
+            <pc:sldMk cId="3388292743" sldId="256"/>
+            <ac:spMk id="172" creationId="{35D1D282-55C3-6663-BE59-F79D96D840C5}"/>
+          </ac:spMkLst>
+        </pc:spChg>
+        <pc:spChg chg="del">
+          <ac:chgData name="Fatima Pillosu" userId="a6295d4dc9e22643" providerId="LiveId" clId="{7C54D53B-6D8A-4D6C-B453-C340742CA252}" dt="2024-05-08T21:01:51.861" v="550" actId="21"/>
+          <ac:spMkLst>
+            <pc:docMk/>
+            <pc:sldMk cId="3388292743" sldId="256"/>
+            <ac:spMk id="173" creationId="{3A99DC02-401A-D121-A9D8-7FEC69A264A9}"/>
+          </ac:spMkLst>
+        </pc:spChg>
+        <pc:spChg chg="del mod">
+          <ac:chgData name="Fatima Pillosu" userId="a6295d4dc9e22643" providerId="LiveId" clId="{7C54D53B-6D8A-4D6C-B453-C340742CA252}" dt="2024-05-08T21:01:51.861" v="550" actId="21"/>
+          <ac:spMkLst>
+            <pc:docMk/>
+            <pc:sldMk cId="3388292743" sldId="256"/>
+            <ac:spMk id="177" creationId="{3C28882B-D592-7823-9559-0111E55E7196}"/>
+          </ac:spMkLst>
+        </pc:spChg>
+        <pc:spChg chg="del">
+          <ac:chgData name="Fatima Pillosu" userId="a6295d4dc9e22643" providerId="LiveId" clId="{7C54D53B-6D8A-4D6C-B453-C340742CA252}" dt="2024-05-08T16:38:05.629" v="227" actId="478"/>
+          <ac:spMkLst>
+            <pc:docMk/>
+            <pc:sldMk cId="3388292743" sldId="256"/>
+            <ac:spMk id="179" creationId="{45F5AAEE-1C8F-34BA-9E28-A461586E6F8E}"/>
+          </ac:spMkLst>
+        </pc:spChg>
+        <pc:spChg chg="del">
+          <ac:chgData name="Fatima Pillosu" userId="a6295d4dc9e22643" providerId="LiveId" clId="{7C54D53B-6D8A-4D6C-B453-C340742CA252}" dt="2024-05-08T16:37:54.763" v="225" actId="478"/>
+          <ac:spMkLst>
+            <pc:docMk/>
+            <pc:sldMk cId="3388292743" sldId="256"/>
+            <ac:spMk id="180" creationId="{0C51F898-AC3A-18AB-6C86-A43713C00944}"/>
+          </ac:spMkLst>
+        </pc:spChg>
+        <pc:spChg chg="del">
+          <ac:chgData name="Fatima Pillosu" userId="a6295d4dc9e22643" providerId="LiveId" clId="{7C54D53B-6D8A-4D6C-B453-C340742CA252}" dt="2024-05-08T16:37:45.352" v="223" actId="478"/>
+          <ac:spMkLst>
+            <pc:docMk/>
+            <pc:sldMk cId="3388292743" sldId="256"/>
+            <ac:spMk id="181" creationId="{A40118BF-9077-9F62-6B11-94879C1E2B5D}"/>
+          </ac:spMkLst>
+        </pc:spChg>
+        <pc:spChg chg="del">
+          <ac:chgData name="Fatima Pillosu" userId="a6295d4dc9e22643" providerId="LiveId" clId="{7C54D53B-6D8A-4D6C-B453-C340742CA252}" dt="2024-05-08T16:37:37.510" v="221" actId="478"/>
+          <ac:spMkLst>
+            <pc:docMk/>
+            <pc:sldMk cId="3388292743" sldId="256"/>
+            <ac:spMk id="182" creationId="{F73327A5-B0B9-AE36-EAFD-E92D60DE43EE}"/>
+          </ac:spMkLst>
+        </pc:spChg>
+        <pc:spChg chg="del">
+          <ac:chgData name="Fatima Pillosu" userId="a6295d4dc9e22643" providerId="LiveId" clId="{7C54D53B-6D8A-4D6C-B453-C340742CA252}" dt="2024-05-08T16:37:31.441" v="219" actId="478"/>
+          <ac:spMkLst>
+            <pc:docMk/>
+            <pc:sldMk cId="3388292743" sldId="256"/>
+            <ac:spMk id="183" creationId="{91959072-4518-E61C-FF04-2D8353521810}"/>
+          </ac:spMkLst>
+        </pc:spChg>
+        <pc:spChg chg="del">
+          <ac:chgData name="Fatima Pillosu" userId="a6295d4dc9e22643" providerId="LiveId" clId="{7C54D53B-6D8A-4D6C-B453-C340742CA252}" dt="2024-05-08T16:37:22.231" v="217" actId="478"/>
+          <ac:spMkLst>
+            <pc:docMk/>
+            <pc:sldMk cId="3388292743" sldId="256"/>
+            <ac:spMk id="184" creationId="{8B3394C6-045B-2B37-968C-ADC3A242E065}"/>
+          </ac:spMkLst>
+        </pc:spChg>
+        <pc:spChg chg="del">
+          <ac:chgData name="Fatima Pillosu" userId="a6295d4dc9e22643" providerId="LiveId" clId="{7C54D53B-6D8A-4D6C-B453-C340742CA252}" dt="2024-05-08T16:37:09.969" v="215" actId="478"/>
+          <ac:spMkLst>
+            <pc:docMk/>
+            <pc:sldMk cId="3388292743" sldId="256"/>
+            <ac:spMk id="185" creationId="{D7367D7D-4314-0A11-899D-C29A2922E180}"/>
+          </ac:spMkLst>
+        </pc:spChg>
+        <pc:spChg chg="del">
+          <ac:chgData name="Fatima Pillosu" userId="a6295d4dc9e22643" providerId="LiveId" clId="{7C54D53B-6D8A-4D6C-B453-C340742CA252}" dt="2024-05-08T16:37:00.630" v="213" actId="478"/>
+          <ac:spMkLst>
+            <pc:docMk/>
+            <pc:sldMk cId="3388292743" sldId="256"/>
+            <ac:spMk id="186" creationId="{8841C720-B8EE-161E-7D7A-B729B9B7BB45}"/>
+          </ac:spMkLst>
+        </pc:spChg>
+        <pc:spChg chg="del">
+          <ac:chgData name="Fatima Pillosu" userId="a6295d4dc9e22643" providerId="LiveId" clId="{7C54D53B-6D8A-4D6C-B453-C340742CA252}" dt="2024-05-08T16:36:52.232" v="211" actId="478"/>
+          <ac:spMkLst>
+            <pc:docMk/>
+            <pc:sldMk cId="3388292743" sldId="256"/>
+            <ac:spMk id="187" creationId="{BC678DDF-259B-FE94-ED19-B2F56A8F2178}"/>
+          </ac:spMkLst>
+        </pc:spChg>
+        <pc:spChg chg="del">
+          <ac:chgData name="Fatima Pillosu" userId="a6295d4dc9e22643" providerId="LiveId" clId="{7C54D53B-6D8A-4D6C-B453-C340742CA252}" dt="2024-05-08T16:36:42.480" v="209" actId="478"/>
+          <ac:spMkLst>
+            <pc:docMk/>
+            <pc:sldMk cId="3388292743" sldId="256"/>
+            <ac:spMk id="188" creationId="{C57DAD50-E033-6C67-6375-BBF3C311655A}"/>
+          </ac:spMkLst>
+        </pc:spChg>
+        <pc:spChg chg="del">
+          <ac:chgData name="Fatima Pillosu" userId="a6295d4dc9e22643" providerId="LiveId" clId="{7C54D53B-6D8A-4D6C-B453-C340742CA252}" dt="2024-05-08T16:36:30.931" v="207" actId="478"/>
+          <ac:spMkLst>
+            <pc:docMk/>
+            <pc:sldMk cId="3388292743" sldId="256"/>
+            <ac:spMk id="189" creationId="{39BD5A5D-9AC7-83DF-F2EE-024517113188}"/>
+          </ac:spMkLst>
+        </pc:spChg>
+        <pc:spChg chg="del mod">
+          <ac:chgData name="Fatima Pillosu" userId="a6295d4dc9e22643" providerId="LiveId" clId="{7C54D53B-6D8A-4D6C-B453-C340742CA252}" dt="2024-05-08T21:01:51.861" v="550" actId="21"/>
+          <ac:spMkLst>
+            <pc:docMk/>
+            <pc:sldMk cId="3388292743" sldId="256"/>
+            <ac:spMk id="190" creationId="{4890512E-C14B-4307-4405-3E01D62F3DD9}"/>
+          </ac:spMkLst>
+        </pc:spChg>
+        <pc:spChg chg="del mod">
+          <ac:chgData name="Fatima Pillosu" userId="a6295d4dc9e22643" providerId="LiveId" clId="{7C54D53B-6D8A-4D6C-B453-C340742CA252}" dt="2024-05-08T21:01:51.861" v="550" actId="21"/>
+          <ac:spMkLst>
+            <pc:docMk/>
+            <pc:sldMk cId="3388292743" sldId="256"/>
+            <ac:spMk id="191" creationId="{59447B13-B89D-FC9A-CD9C-33B644EBC907}"/>
+          </ac:spMkLst>
+        </pc:spChg>
+        <pc:spChg chg="del mod">
+          <ac:chgData name="Fatima Pillosu" userId="a6295d4dc9e22643" providerId="LiveId" clId="{7C54D53B-6D8A-4D6C-B453-C340742CA252}" dt="2024-05-08T21:01:51.861" v="550" actId="21"/>
+          <ac:spMkLst>
+            <pc:docMk/>
+            <pc:sldMk cId="3388292743" sldId="256"/>
+            <ac:spMk id="192" creationId="{3F493713-49CE-3086-DBB4-A6D2E509DF44}"/>
+          </ac:spMkLst>
+        </pc:spChg>
+        <pc:spChg chg="del mod">
+          <ac:chgData name="Fatima Pillosu" userId="a6295d4dc9e22643" providerId="LiveId" clId="{7C54D53B-6D8A-4D6C-B453-C340742CA252}" dt="2024-05-08T21:01:51.861" v="550" actId="21"/>
+          <ac:spMkLst>
+            <pc:docMk/>
+            <pc:sldMk cId="3388292743" sldId="256"/>
+            <ac:spMk id="193" creationId="{8614CB93-7D0F-4778-AC3C-95DC509B5BB6}"/>
+          </ac:spMkLst>
+        </pc:spChg>
+        <pc:spChg chg="del mod">
+          <ac:chgData name="Fatima Pillosu" userId="a6295d4dc9e22643" providerId="LiveId" clId="{7C54D53B-6D8A-4D6C-B453-C340742CA252}" dt="2024-05-08T21:01:51.861" v="550" actId="21"/>
+          <ac:spMkLst>
+            <pc:docMk/>
+            <pc:sldMk cId="3388292743" sldId="256"/>
+            <ac:spMk id="194" creationId="{72C90102-5406-7E02-3F32-AF3976ADCA05}"/>
+          </ac:spMkLst>
+        </pc:spChg>
+        <pc:spChg chg="del mod">
+          <ac:chgData name="Fatima Pillosu" userId="a6295d4dc9e22643" providerId="LiveId" clId="{7C54D53B-6D8A-4D6C-B453-C340742CA252}" dt="2024-05-08T21:01:51.861" v="550" actId="21"/>
+          <ac:spMkLst>
+            <pc:docMk/>
+            <pc:sldMk cId="3388292743" sldId="256"/>
+            <ac:spMk id="195" creationId="{61778F51-38FA-CBAC-5341-AEA02B2B2122}"/>
+          </ac:spMkLst>
+        </pc:spChg>
+        <pc:spChg chg="del mod">
+          <ac:chgData name="Fatima Pillosu" userId="a6295d4dc9e22643" providerId="LiveId" clId="{7C54D53B-6D8A-4D6C-B453-C340742CA252}" dt="2024-05-08T21:01:51.861" v="550" actId="21"/>
+          <ac:spMkLst>
+            <pc:docMk/>
+            <pc:sldMk cId="3388292743" sldId="256"/>
+            <ac:spMk id="196" creationId="{42F42210-5AF2-1CB0-89C6-5FAFE8A9BB33}"/>
+          </ac:spMkLst>
+        </pc:spChg>
+        <pc:spChg chg="del mod">
+          <ac:chgData name="Fatima Pillosu" userId="a6295d4dc9e22643" providerId="LiveId" clId="{7C54D53B-6D8A-4D6C-B453-C340742CA252}" dt="2024-05-08T21:01:51.861" v="550" actId="21"/>
+          <ac:spMkLst>
+            <pc:docMk/>
+            <pc:sldMk cId="3388292743" sldId="256"/>
+            <ac:spMk id="197" creationId="{947107E1-4FE2-F829-5DD1-335D749B2668}"/>
+          </ac:spMkLst>
+        </pc:spChg>
+        <pc:spChg chg="del mod">
+          <ac:chgData name="Fatima Pillosu" userId="a6295d4dc9e22643" providerId="LiveId" clId="{7C54D53B-6D8A-4D6C-B453-C340742CA252}" dt="2024-05-08T21:01:51.861" v="550" actId="21"/>
+          <ac:spMkLst>
+            <pc:docMk/>
+            <pc:sldMk cId="3388292743" sldId="256"/>
+            <ac:spMk id="198" creationId="{723F1ED9-7BE4-D9A4-9E01-33D97040AF0B}"/>
+          </ac:spMkLst>
+        </pc:spChg>
+        <pc:spChg chg="del mod">
+          <ac:chgData name="Fatima Pillosu" userId="a6295d4dc9e22643" providerId="LiveId" clId="{7C54D53B-6D8A-4D6C-B453-C340742CA252}" dt="2024-05-08T21:01:51.861" v="550" actId="21"/>
+          <ac:spMkLst>
+            <pc:docMk/>
+            <pc:sldMk cId="3388292743" sldId="256"/>
+            <ac:spMk id="199" creationId="{430339F8-F0FF-BDEA-629C-88415B9A5479}"/>
+          </ac:spMkLst>
+        </pc:spChg>
+        <pc:spChg chg="del mod">
+          <ac:chgData name="Fatima Pillosu" userId="a6295d4dc9e22643" providerId="LiveId" clId="{7C54D53B-6D8A-4D6C-B453-C340742CA252}" dt="2024-05-08T21:01:51.861" v="550" actId="21"/>
+          <ac:spMkLst>
+            <pc:docMk/>
+            <pc:sldMk cId="3388292743" sldId="256"/>
+            <ac:spMk id="200" creationId="{F625D947-E661-BF1E-72CD-D8943EE98399}"/>
+          </ac:spMkLst>
+        </pc:spChg>
+        <pc:spChg chg="del">
+          <ac:chgData name="Fatima Pillosu" userId="a6295d4dc9e22643" providerId="LiveId" clId="{7C54D53B-6D8A-4D6C-B453-C340742CA252}" dt="2024-05-08T21:01:51.861" v="550" actId="21"/>
+          <ac:spMkLst>
+            <pc:docMk/>
+            <pc:sldMk cId="3388292743" sldId="256"/>
+            <ac:spMk id="201" creationId="{6B0FE4F4-4332-1404-89CD-7401053C5B5C}"/>
+          </ac:spMkLst>
+        </pc:spChg>
+        <pc:spChg chg="del">
+          <ac:chgData name="Fatima Pillosu" userId="a6295d4dc9e22643" providerId="LiveId" clId="{7C54D53B-6D8A-4D6C-B453-C340742CA252}" dt="2024-05-08T16:35:20.453" v="174" actId="478"/>
+          <ac:spMkLst>
+            <pc:docMk/>
+            <pc:sldMk cId="3388292743" sldId="256"/>
+            <ac:spMk id="202" creationId="{8A647566-7DA2-B1C5-74B3-6696ADFFE35F}"/>
+          </ac:spMkLst>
+        </pc:spChg>
+        <pc:spChg chg="del mod">
+          <ac:chgData name="Fatima Pillosu" userId="a6295d4dc9e22643" providerId="LiveId" clId="{7C54D53B-6D8A-4D6C-B453-C340742CA252}" dt="2024-05-08T21:01:51.861" v="550" actId="21"/>
+          <ac:spMkLst>
+            <pc:docMk/>
+            <pc:sldMk cId="3388292743" sldId="256"/>
+            <ac:spMk id="203" creationId="{75B3B1DF-4E71-1C4C-2F95-09AB66C82232}"/>
+          </ac:spMkLst>
+        </pc:spChg>
+        <pc:spChg chg="del mod">
+          <ac:chgData name="Fatima Pillosu" userId="a6295d4dc9e22643" providerId="LiveId" clId="{7C54D53B-6D8A-4D6C-B453-C340742CA252}" dt="2024-05-08T21:01:51.861" v="550" actId="21"/>
+          <ac:spMkLst>
+            <pc:docMk/>
+            <pc:sldMk cId="3388292743" sldId="256"/>
+            <ac:spMk id="204" creationId="{150DE9CB-877F-ACC2-F342-432D5F2AC406}"/>
+          </ac:spMkLst>
+        </pc:spChg>
+        <pc:spChg chg="add del mod">
+          <ac:chgData name="Fatima Pillosu" userId="a6295d4dc9e22643" providerId="LiveId" clId="{7C54D53B-6D8A-4D6C-B453-C340742CA252}" dt="2024-05-09T06:19:33.859" v="2497" actId="21"/>
+          <ac:spMkLst>
+            <pc:docMk/>
+            <pc:sldMk cId="3388292743" sldId="256"/>
+            <ac:spMk id="206" creationId="{1E455E57-08A1-0E51-0071-B6D600A3E043}"/>
+          </ac:spMkLst>
+        </pc:spChg>
+        <pc:spChg chg="add del mod">
+          <ac:chgData name="Fatima Pillosu" userId="a6295d4dc9e22643" providerId="LiveId" clId="{7C54D53B-6D8A-4D6C-B453-C340742CA252}" dt="2024-05-09T06:19:33.859" v="2497" actId="21"/>
+          <ac:spMkLst>
+            <pc:docMk/>
+            <pc:sldMk cId="3388292743" sldId="256"/>
+            <ac:spMk id="207" creationId="{C56A8EE4-CD46-74D0-DE7B-C1604B37F049}"/>
+          </ac:spMkLst>
+        </pc:spChg>
+        <pc:spChg chg="add del mod">
+          <ac:chgData name="Fatima Pillosu" userId="a6295d4dc9e22643" providerId="LiveId" clId="{7C54D53B-6D8A-4D6C-B453-C340742CA252}" dt="2024-05-09T06:19:33.859" v="2497" actId="21"/>
+          <ac:spMkLst>
+            <pc:docMk/>
+            <pc:sldMk cId="3388292743" sldId="256"/>
+            <ac:spMk id="208" creationId="{CCCFEB7F-89D7-F70F-6D92-04367A337B84}"/>
+          </ac:spMkLst>
+        </pc:spChg>
+        <pc:spChg chg="add del mod">
+          <ac:chgData name="Fatima Pillosu" userId="a6295d4dc9e22643" providerId="LiveId" clId="{7C54D53B-6D8A-4D6C-B453-C340742CA252}" dt="2024-05-09T06:19:33.859" v="2497" actId="21"/>
+          <ac:spMkLst>
+            <pc:docMk/>
+            <pc:sldMk cId="3388292743" sldId="256"/>
+            <ac:spMk id="210" creationId="{3300A01E-235D-1DD2-1046-7974B1269CEB}"/>
+          </ac:spMkLst>
+        </pc:spChg>
+        <pc:spChg chg="add del mod">
+          <ac:chgData name="Fatima Pillosu" userId="a6295d4dc9e22643" providerId="LiveId" clId="{7C54D53B-6D8A-4D6C-B453-C340742CA252}" dt="2024-05-09T06:19:33.859" v="2497" actId="21"/>
+          <ac:spMkLst>
+            <pc:docMk/>
+            <pc:sldMk cId="3388292743" sldId="256"/>
+            <ac:spMk id="212" creationId="{F4E6BABA-CF52-332B-45BA-54A1CACC58FC}"/>
+          </ac:spMkLst>
+        </pc:spChg>
+        <pc:spChg chg="add del mod">
+          <ac:chgData name="Fatima Pillosu" userId="a6295d4dc9e22643" providerId="LiveId" clId="{7C54D53B-6D8A-4D6C-B453-C340742CA252}" dt="2024-05-09T06:19:33.859" v="2497" actId="21"/>
+          <ac:spMkLst>
+            <pc:docMk/>
+            <pc:sldMk cId="3388292743" sldId="256"/>
+            <ac:spMk id="213" creationId="{BFA738AA-1A14-537F-FAA0-B27ED9F0C108}"/>
+          </ac:spMkLst>
+        </pc:spChg>
+        <pc:spChg chg="add del mod">
+          <ac:chgData name="Fatima Pillosu" userId="a6295d4dc9e22643" providerId="LiveId" clId="{7C54D53B-6D8A-4D6C-B453-C340742CA252}" dt="2024-05-09T06:19:33.859" v="2497" actId="21"/>
+          <ac:spMkLst>
+            <pc:docMk/>
+            <pc:sldMk cId="3388292743" sldId="256"/>
+            <ac:spMk id="215" creationId="{505B27EA-9787-9D34-CA40-8728A8A176C6}"/>
+          </ac:spMkLst>
+        </pc:spChg>
+        <pc:spChg chg="add del mod">
+          <ac:chgData name="Fatima Pillosu" userId="a6295d4dc9e22643" providerId="LiveId" clId="{7C54D53B-6D8A-4D6C-B453-C340742CA252}" dt="2024-05-09T06:19:33.859" v="2497" actId="21"/>
+          <ac:spMkLst>
+            <pc:docMk/>
+            <pc:sldMk cId="3388292743" sldId="256"/>
+            <ac:spMk id="217" creationId="{30D92BAE-9356-3CEF-66A3-7C59AC60EC40}"/>
+          </ac:spMkLst>
+        </pc:spChg>
+        <pc:spChg chg="add del mod">
+          <ac:chgData name="Fatima Pillosu" userId="a6295d4dc9e22643" providerId="LiveId" clId="{7C54D53B-6D8A-4D6C-B453-C340742CA252}" dt="2024-05-08T21:10:31.738" v="786" actId="478"/>
+          <ac:spMkLst>
+            <pc:docMk/>
+            <pc:sldMk cId="3388292743" sldId="256"/>
+            <ac:spMk id="219" creationId="{E2B1CE2C-7A68-C459-BA67-60A8E847DAF0}"/>
+          </ac:spMkLst>
+        </pc:spChg>
+        <pc:spChg chg="add del mod">
+          <ac:chgData name="Fatima Pillosu" userId="a6295d4dc9e22643" providerId="LiveId" clId="{7C54D53B-6D8A-4D6C-B453-C340742CA252}" dt="2024-05-09T06:19:33.859" v="2497" actId="21"/>
+          <ac:spMkLst>
+            <pc:docMk/>
+            <pc:sldMk cId="3388292743" sldId="256"/>
+            <ac:spMk id="238" creationId="{29DA69A1-5464-F75C-D422-6B922EE5DEC2}"/>
+          </ac:spMkLst>
+        </pc:spChg>
+        <pc:spChg chg="add del mod">
+          <ac:chgData name="Fatima Pillosu" userId="a6295d4dc9e22643" providerId="LiveId" clId="{7C54D53B-6D8A-4D6C-B453-C340742CA252}" dt="2024-05-08T22:12:07.638" v="2212" actId="478"/>
+          <ac:spMkLst>
+            <pc:docMk/>
+            <pc:sldMk cId="3388292743" sldId="256"/>
+            <ac:spMk id="239" creationId="{85D2ADFB-1080-617C-F171-0B734F05BA85}"/>
+          </ac:spMkLst>
+        </pc:spChg>
+        <pc:spChg chg="add del mod">
+          <ac:chgData name="Fatima Pillosu" userId="a6295d4dc9e22643" providerId="LiveId" clId="{7C54D53B-6D8A-4D6C-B453-C340742CA252}" dt="2024-05-09T06:19:33.859" v="2497" actId="21"/>
+          <ac:spMkLst>
+            <pc:docMk/>
+            <pc:sldMk cId="3388292743" sldId="256"/>
+            <ac:spMk id="242" creationId="{DEF58A02-A5F2-2E9F-64AA-78385CE21FC9}"/>
+          </ac:spMkLst>
+        </pc:spChg>
+        <pc:spChg chg="add del mod">
+          <ac:chgData name="Fatima Pillosu" userId="a6295d4dc9e22643" providerId="LiveId" clId="{7C54D53B-6D8A-4D6C-B453-C340742CA252}" dt="2024-05-09T06:19:33.859" v="2497" actId="21"/>
+          <ac:spMkLst>
+            <pc:docMk/>
+            <pc:sldMk cId="3388292743" sldId="256"/>
+            <ac:spMk id="259" creationId="{60AF2B9A-0FE0-A649-167B-DDE2A8752D1A}"/>
+          </ac:spMkLst>
+        </pc:spChg>
+        <pc:spChg chg="add del mod">
+          <ac:chgData name="Fatima Pillosu" userId="a6295d4dc9e22643" providerId="LiveId" clId="{7C54D53B-6D8A-4D6C-B453-C340742CA252}" dt="2024-05-09T06:15:45.528" v="2356" actId="478"/>
+          <ac:spMkLst>
+            <pc:docMk/>
+            <pc:sldMk cId="3388292743" sldId="256"/>
+            <ac:spMk id="261" creationId="{41D2563B-0B90-A1FF-6095-C344052FC71F}"/>
+          </ac:spMkLst>
+        </pc:spChg>
+        <pc:spChg chg="add del">
+          <ac:chgData name="Fatima Pillosu" userId="a6295d4dc9e22643" providerId="LiveId" clId="{7C54D53B-6D8A-4D6C-B453-C340742CA252}" dt="2024-05-09T06:19:22.972" v="2496" actId="478"/>
+          <ac:spMkLst>
+            <pc:docMk/>
+            <pc:sldMk cId="3388292743" sldId="256"/>
+            <ac:spMk id="262" creationId="{F05604E4-4166-79E7-F789-50FAD9E4FBDF}"/>
+          </ac:spMkLst>
+        </pc:spChg>
+        <pc:spChg chg="add mod">
+          <ac:chgData name="Fatima Pillosu" userId="a6295d4dc9e22643" providerId="LiveId" clId="{7C54D53B-6D8A-4D6C-B453-C340742CA252}" dt="2024-05-09T06:20:16.517" v="2508" actId="1037"/>
+          <ac:spMkLst>
+            <pc:docMk/>
+            <pc:sldMk cId="3388292743" sldId="256"/>
+            <ac:spMk id="265" creationId="{341B6CC0-95DA-DF6B-9D38-624B86F61C40}"/>
+          </ac:spMkLst>
+        </pc:spChg>
+        <pc:spChg chg="add mod">
+          <ac:chgData name="Fatima Pillosu" userId="a6295d4dc9e22643" providerId="LiveId" clId="{7C54D53B-6D8A-4D6C-B453-C340742CA252}" dt="2024-05-09T06:20:16.517" v="2508" actId="1037"/>
+          <ac:spMkLst>
+            <pc:docMk/>
+            <pc:sldMk cId="3388292743" sldId="256"/>
+            <ac:spMk id="266" creationId="{FB8278F0-21EE-2265-77C3-77C8768E2FE5}"/>
+          </ac:spMkLst>
+        </pc:spChg>
+        <pc:spChg chg="add mod">
+          <ac:chgData name="Fatima Pillosu" userId="a6295d4dc9e22643" providerId="LiveId" clId="{7C54D53B-6D8A-4D6C-B453-C340742CA252}" dt="2024-05-09T06:20:16.517" v="2508" actId="1037"/>
+          <ac:spMkLst>
+            <pc:docMk/>
+            <pc:sldMk cId="3388292743" sldId="256"/>
+            <ac:spMk id="267" creationId="{B9FB475C-B225-D2F3-5205-F9FCD40EF953}"/>
+          </ac:spMkLst>
+        </pc:spChg>
+        <pc:spChg chg="add mod">
+          <ac:chgData name="Fatima Pillosu" userId="a6295d4dc9e22643" providerId="LiveId" clId="{7C54D53B-6D8A-4D6C-B453-C340742CA252}" dt="2024-05-09T06:20:16.517" v="2508" actId="1037"/>
+          <ac:spMkLst>
+            <pc:docMk/>
+            <pc:sldMk cId="3388292743" sldId="256"/>
+            <ac:spMk id="268" creationId="{5420BF1F-8ACB-CDB0-93ED-F146B75F943E}"/>
+          </ac:spMkLst>
+        </pc:spChg>
+        <pc:spChg chg="add mod">
+          <ac:chgData name="Fatima Pillosu" userId="a6295d4dc9e22643" providerId="LiveId" clId="{7C54D53B-6D8A-4D6C-B453-C340742CA252}" dt="2024-05-09T06:20:16.517" v="2508" actId="1037"/>
+          <ac:spMkLst>
+            <pc:docMk/>
+            <pc:sldMk cId="3388292743" sldId="256"/>
+            <ac:spMk id="269" creationId="{72EA513E-674D-22A3-4D1A-BCAAF6325C08}"/>
+          </ac:spMkLst>
+        </pc:spChg>
+        <pc:spChg chg="add mod">
+          <ac:chgData name="Fatima Pillosu" userId="a6295d4dc9e22643" providerId="LiveId" clId="{7C54D53B-6D8A-4D6C-B453-C340742CA252}" dt="2024-05-09T06:20:16.517" v="2508" actId="1037"/>
+          <ac:spMkLst>
+            <pc:docMk/>
+            <pc:sldMk cId="3388292743" sldId="256"/>
+            <ac:spMk id="270" creationId="{F146C399-7227-0E2A-0831-891527B04537}"/>
+          </ac:spMkLst>
+        </pc:spChg>
+        <pc:spChg chg="add mod">
+          <ac:chgData name="Fatima Pillosu" userId="a6295d4dc9e22643" providerId="LiveId" clId="{7C54D53B-6D8A-4D6C-B453-C340742CA252}" dt="2024-05-09T06:20:16.517" v="2508" actId="1037"/>
+          <ac:spMkLst>
+            <pc:docMk/>
+            <pc:sldMk cId="3388292743" sldId="256"/>
+            <ac:spMk id="271" creationId="{F01C1A77-F0C7-CD0E-8092-95A42F369D20}"/>
+          </ac:spMkLst>
+        </pc:spChg>
+        <pc:spChg chg="add mod">
+          <ac:chgData name="Fatima Pillosu" userId="a6295d4dc9e22643" providerId="LiveId" clId="{7C54D53B-6D8A-4D6C-B453-C340742CA252}" dt="2024-05-09T06:20:16.517" v="2508" actId="1037"/>
+          <ac:spMkLst>
+            <pc:docMk/>
+            <pc:sldMk cId="3388292743" sldId="256"/>
+            <ac:spMk id="272" creationId="{F58B99BE-A1CD-FCCA-47E0-1FEDEE6562B3}"/>
+          </ac:spMkLst>
+        </pc:spChg>
+        <pc:spChg chg="add mod">
+          <ac:chgData name="Fatima Pillosu" userId="a6295d4dc9e22643" providerId="LiveId" clId="{7C54D53B-6D8A-4D6C-B453-C340742CA252}" dt="2024-05-09T06:20:16.517" v="2508" actId="1037"/>
+          <ac:spMkLst>
+            <pc:docMk/>
+            <pc:sldMk cId="3388292743" sldId="256"/>
+            <ac:spMk id="273" creationId="{D06D54BA-6CF4-A757-1F65-5E18A806330E}"/>
+          </ac:spMkLst>
+        </pc:spChg>
+        <pc:spChg chg="add mod">
+          <ac:chgData name="Fatima Pillosu" userId="a6295d4dc9e22643" providerId="LiveId" clId="{7C54D53B-6D8A-4D6C-B453-C340742CA252}" dt="2024-05-09T06:20:16.517" v="2508" actId="1037"/>
+          <ac:spMkLst>
+            <pc:docMk/>
+            <pc:sldMk cId="3388292743" sldId="256"/>
+            <ac:spMk id="274" creationId="{D269D1C8-C5E6-8DE4-AB7C-CD76BD58C52B}"/>
+          </ac:spMkLst>
+        </pc:spChg>
+        <pc:spChg chg="add mod">
+          <ac:chgData name="Fatima Pillosu" userId="a6295d4dc9e22643" providerId="LiveId" clId="{7C54D53B-6D8A-4D6C-B453-C340742CA252}" dt="2024-05-09T06:20:16.517" v="2508" actId="1037"/>
+          <ac:spMkLst>
+            <pc:docMk/>
+            <pc:sldMk cId="3388292743" sldId="256"/>
+            <ac:spMk id="276" creationId="{013E7CC0-A9FF-B00A-C38F-6287C0D15C1F}"/>
+          </ac:spMkLst>
+        </pc:spChg>
+        <pc:spChg chg="add mod">
+          <ac:chgData name="Fatima Pillosu" userId="a6295d4dc9e22643" providerId="LiveId" clId="{7C54D53B-6D8A-4D6C-B453-C340742CA252}" dt="2024-05-09T06:20:16.517" v="2508" actId="1037"/>
+          <ac:spMkLst>
+            <pc:docMk/>
+            <pc:sldMk cId="3388292743" sldId="256"/>
+            <ac:spMk id="277" creationId="{FBC309C0-9B4B-C1CC-6C25-E96D14960766}"/>
+          </ac:spMkLst>
+        </pc:spChg>
+        <pc:spChg chg="add mod">
+          <ac:chgData name="Fatima Pillosu" userId="a6295d4dc9e22643" providerId="LiveId" clId="{7C54D53B-6D8A-4D6C-B453-C340742CA252}" dt="2024-05-09T06:20:16.517" v="2508" actId="1037"/>
+          <ac:spMkLst>
+            <pc:docMk/>
+            <pc:sldMk cId="3388292743" sldId="256"/>
+            <ac:spMk id="278" creationId="{CC55E134-5E53-DB9D-8CB7-42A176D2F1D8}"/>
+          </ac:spMkLst>
+        </pc:spChg>
+        <pc:spChg chg="add mod">
+          <ac:chgData name="Fatima Pillosu" userId="a6295d4dc9e22643" providerId="LiveId" clId="{7C54D53B-6D8A-4D6C-B453-C340742CA252}" dt="2024-05-09T06:20:16.517" v="2508" actId="1037"/>
+          <ac:spMkLst>
+            <pc:docMk/>
+            <pc:sldMk cId="3388292743" sldId="256"/>
+            <ac:spMk id="279" creationId="{1BE8F177-F720-1B6F-FE84-EEAB025D35EA}"/>
+          </ac:spMkLst>
+        </pc:spChg>
+        <pc:spChg chg="add mod">
+          <ac:chgData name="Fatima Pillosu" userId="a6295d4dc9e22643" providerId="LiveId" clId="{7C54D53B-6D8A-4D6C-B453-C340742CA252}" dt="2024-05-09T06:20:16.517" v="2508" actId="1037"/>
+          <ac:spMkLst>
+            <pc:docMk/>
+            <pc:sldMk cId="3388292743" sldId="256"/>
+            <ac:spMk id="280" creationId="{157A6840-12F7-0B50-A52C-5F44094E4909}"/>
+          </ac:spMkLst>
+        </pc:spChg>
+        <pc:spChg chg="add mod">
+          <ac:chgData name="Fatima Pillosu" userId="a6295d4dc9e22643" providerId="LiveId" clId="{7C54D53B-6D8A-4D6C-B453-C340742CA252}" dt="2024-05-09T06:20:16.517" v="2508" actId="1037"/>
+          <ac:spMkLst>
+            <pc:docMk/>
+            <pc:sldMk cId="3388292743" sldId="256"/>
+            <ac:spMk id="281" creationId="{5344D74F-978E-318A-72CB-3A051107275C}"/>
+          </ac:spMkLst>
+        </pc:spChg>
+        <pc:spChg chg="add mod">
+          <ac:chgData name="Fatima Pillosu" userId="a6295d4dc9e22643" providerId="LiveId" clId="{7C54D53B-6D8A-4D6C-B453-C340742CA252}" dt="2024-05-09T06:20:16.517" v="2508" actId="1037"/>
+          <ac:spMkLst>
+            <pc:docMk/>
+            <pc:sldMk cId="3388292743" sldId="256"/>
+            <ac:spMk id="282" creationId="{8E4254DA-7414-5337-1865-D5B003645431}"/>
+          </ac:spMkLst>
+        </pc:spChg>
+        <pc:spChg chg="add mod">
+          <ac:chgData name="Fatima Pillosu" userId="a6295d4dc9e22643" providerId="LiveId" clId="{7C54D53B-6D8A-4D6C-B453-C340742CA252}" dt="2024-05-09T06:20:16.517" v="2508" actId="1037"/>
+          <ac:spMkLst>
+            <pc:docMk/>
+            <pc:sldMk cId="3388292743" sldId="256"/>
+            <ac:spMk id="283" creationId="{BC21C05E-B007-ADA2-26FE-F0D990BB6808}"/>
+          </ac:spMkLst>
+        </pc:spChg>
+        <pc:spChg chg="add mod">
+          <ac:chgData name="Fatima Pillosu" userId="a6295d4dc9e22643" providerId="LiveId" clId="{7C54D53B-6D8A-4D6C-B453-C340742CA252}" dt="2024-05-09T06:20:16.517" v="2508" actId="1037"/>
+          <ac:spMkLst>
+            <pc:docMk/>
+            <pc:sldMk cId="3388292743" sldId="256"/>
+            <ac:spMk id="284" creationId="{CC1CDF8B-AC74-D1DE-CCA3-EAF6C4C979F7}"/>
+          </ac:spMkLst>
+        </pc:spChg>
+        <pc:spChg chg="add mod">
+          <ac:chgData name="Fatima Pillosu" userId="a6295d4dc9e22643" providerId="LiveId" clId="{7C54D53B-6D8A-4D6C-B453-C340742CA252}" dt="2024-05-09T06:20:16.517" v="2508" actId="1037"/>
+          <ac:spMkLst>
+            <pc:docMk/>
+            <pc:sldMk cId="3388292743" sldId="256"/>
+            <ac:spMk id="285" creationId="{6118CAD5-931D-8CF8-C9E5-9F4B3C595220}"/>
+          </ac:spMkLst>
+        </pc:spChg>
+        <pc:spChg chg="add mod">
+          <ac:chgData name="Fatima Pillosu" userId="a6295d4dc9e22643" providerId="LiveId" clId="{7C54D53B-6D8A-4D6C-B453-C340742CA252}" dt="2024-05-09T06:20:16.517" v="2508" actId="1037"/>
+          <ac:spMkLst>
+            <pc:docMk/>
+            <pc:sldMk cId="3388292743" sldId="256"/>
+            <ac:spMk id="286" creationId="{E8D42597-42ED-EE18-2F7C-E609B7C02247}"/>
+          </ac:spMkLst>
+        </pc:spChg>
+        <pc:spChg chg="add mod">
+          <ac:chgData name="Fatima Pillosu" userId="a6295d4dc9e22643" providerId="LiveId" clId="{7C54D53B-6D8A-4D6C-B453-C340742CA252}" dt="2024-05-09T06:20:16.517" v="2508" actId="1037"/>
+          <ac:spMkLst>
+            <pc:docMk/>
+            <pc:sldMk cId="3388292743" sldId="256"/>
+            <ac:spMk id="287" creationId="{CDD30FB1-67EF-8288-2ABE-020961B6E393}"/>
+          </ac:spMkLst>
+        </pc:spChg>
+        <pc:spChg chg="add mod">
+          <ac:chgData name="Fatima Pillosu" userId="a6295d4dc9e22643" providerId="LiveId" clId="{7C54D53B-6D8A-4D6C-B453-C340742CA252}" dt="2024-05-09T06:20:16.517" v="2508" actId="1037"/>
+          <ac:spMkLst>
+            <pc:docMk/>
+            <pc:sldMk cId="3388292743" sldId="256"/>
+            <ac:spMk id="288" creationId="{0F0E9CCF-8FF1-BF1F-C704-2A0D456C7A04}"/>
+          </ac:spMkLst>
+        </pc:spChg>
+        <pc:spChg chg="add mod">
+          <ac:chgData name="Fatima Pillosu" userId="a6295d4dc9e22643" providerId="LiveId" clId="{7C54D53B-6D8A-4D6C-B453-C340742CA252}" dt="2024-05-09T06:20:16.517" v="2508" actId="1037"/>
+          <ac:spMkLst>
+            <pc:docMk/>
+            <pc:sldMk cId="3388292743" sldId="256"/>
+            <ac:spMk id="289" creationId="{4C284D1A-2B77-B2E5-6059-BBB25D8EF4CE}"/>
+          </ac:spMkLst>
+        </pc:spChg>
+        <pc:spChg chg="add mod">
+          <ac:chgData name="Fatima Pillosu" userId="a6295d4dc9e22643" providerId="LiveId" clId="{7C54D53B-6D8A-4D6C-B453-C340742CA252}" dt="2024-05-09T06:20:16.517" v="2508" actId="1037"/>
+          <ac:spMkLst>
+            <pc:docMk/>
+            <pc:sldMk cId="3388292743" sldId="256"/>
+            <ac:spMk id="290" creationId="{8837560C-2E75-687C-DA53-3994646EC002}"/>
+          </ac:spMkLst>
+        </pc:spChg>
+        <pc:spChg chg="add mod">
+          <ac:chgData name="Fatima Pillosu" userId="a6295d4dc9e22643" providerId="LiveId" clId="{7C54D53B-6D8A-4D6C-B453-C340742CA252}" dt="2024-05-09T06:20:16.517" v="2508" actId="1037"/>
+          <ac:spMkLst>
+            <pc:docMk/>
+            <pc:sldMk cId="3388292743" sldId="256"/>
+            <ac:spMk id="313" creationId="{0DE3A2D0-0747-FC6D-5B6F-56BD4F0A1109}"/>
+          </ac:spMkLst>
+        </pc:spChg>
+        <pc:spChg chg="add mod">
+          <ac:chgData name="Fatima Pillosu" userId="a6295d4dc9e22643" providerId="LiveId" clId="{7C54D53B-6D8A-4D6C-B453-C340742CA252}" dt="2024-05-09T06:41:37.696" v="2515" actId="1582"/>
+          <ac:spMkLst>
+            <pc:docMk/>
+            <pc:sldMk cId="3388292743" sldId="256"/>
+            <ac:spMk id="314" creationId="{347BB259-FB2B-A145-32AE-EAA56C91847D}"/>
+          </ac:spMkLst>
+        </pc:spChg>
+        <pc:spChg chg="add mod">
+          <ac:chgData name="Fatima Pillosu" userId="a6295d4dc9e22643" providerId="LiveId" clId="{7C54D53B-6D8A-4D6C-B453-C340742CA252}" dt="2024-05-09T06:20:16.517" v="2508" actId="1037"/>
+          <ac:spMkLst>
+            <pc:docMk/>
+            <pc:sldMk cId="3388292743" sldId="256"/>
+            <ac:spMk id="315" creationId="{B4D75FD4-D1FA-AC94-808E-096009631695}"/>
+          </ac:spMkLst>
+        </pc:spChg>
+        <pc:spChg chg="add mod">
+          <ac:chgData name="Fatima Pillosu" userId="a6295d4dc9e22643" providerId="LiveId" clId="{7C54D53B-6D8A-4D6C-B453-C340742CA252}" dt="2024-05-09T06:56:05.591" v="2562" actId="20577"/>
+          <ac:spMkLst>
+            <pc:docMk/>
+            <pc:sldMk cId="3388292743" sldId="256"/>
+            <ac:spMk id="316" creationId="{A4B219D7-765D-B8D7-7BDB-17D65A3591DA}"/>
+          </ac:spMkLst>
+        </pc:spChg>
+        <pc:spChg chg="add mod">
+          <ac:chgData name="Fatima Pillosu" userId="a6295d4dc9e22643" providerId="LiveId" clId="{7C54D53B-6D8A-4D6C-B453-C340742CA252}" dt="2024-05-09T06:20:16.517" v="2508" actId="1037"/>
+          <ac:spMkLst>
+            <pc:docMk/>
+            <pc:sldMk cId="3388292743" sldId="256"/>
+            <ac:spMk id="317" creationId="{15AAAF4A-6BCE-A456-1655-D9776C39855C}"/>
+          </ac:spMkLst>
+        </pc:spChg>
+        <pc:spChg chg="add mod">
+          <ac:chgData name="Fatima Pillosu" userId="a6295d4dc9e22643" providerId="LiveId" clId="{7C54D53B-6D8A-4D6C-B453-C340742CA252}" dt="2024-05-09T06:20:16.517" v="2508" actId="1037"/>
+          <ac:spMkLst>
+            <pc:docMk/>
+            <pc:sldMk cId="3388292743" sldId="256"/>
+            <ac:spMk id="318" creationId="{18642212-44F7-2387-AB1A-8C33ADBD8DC7}"/>
+          </ac:spMkLst>
+        </pc:spChg>
+        <pc:spChg chg="add mod">
+          <ac:chgData name="Fatima Pillosu" userId="a6295d4dc9e22643" providerId="LiveId" clId="{7C54D53B-6D8A-4D6C-B453-C340742CA252}" dt="2024-05-09T06:20:16.517" v="2508" actId="1037"/>
+          <ac:spMkLst>
+            <pc:docMk/>
+            <pc:sldMk cId="3388292743" sldId="256"/>
+            <ac:spMk id="319" creationId="{98E7E9E1-E652-5DC4-A7F6-6EE2E0DA0598}"/>
+          </ac:spMkLst>
+        </pc:spChg>
+        <pc:spChg chg="add mod">
+          <ac:chgData name="Fatima Pillosu" userId="a6295d4dc9e22643" providerId="LiveId" clId="{7C54D53B-6D8A-4D6C-B453-C340742CA252}" dt="2024-05-09T06:20:16.517" v="2508" actId="1037"/>
+          <ac:spMkLst>
+            <pc:docMk/>
+            <pc:sldMk cId="3388292743" sldId="256"/>
+            <ac:spMk id="320" creationId="{64CFDDD0-5DD8-5DC1-37BA-5485285CB364}"/>
+          </ac:spMkLst>
+        </pc:spChg>
+        <pc:spChg chg="add mod">
+          <ac:chgData name="Fatima Pillosu" userId="a6295d4dc9e22643" providerId="LiveId" clId="{7C54D53B-6D8A-4D6C-B453-C340742CA252}" dt="2024-05-09T06:20:16.517" v="2508" actId="1037"/>
+          <ac:spMkLst>
+            <pc:docMk/>
+            <pc:sldMk cId="3388292743" sldId="256"/>
+            <ac:spMk id="333" creationId="{C7B5D47C-8DCB-D2A3-6002-5C69316DE3A6}"/>
+          </ac:spMkLst>
+        </pc:spChg>
+        <pc:spChg chg="add mod">
+          <ac:chgData name="Fatima Pillosu" userId="a6295d4dc9e22643" providerId="LiveId" clId="{7C54D53B-6D8A-4D6C-B453-C340742CA252}" dt="2024-05-09T06:20:16.517" v="2508" actId="1037"/>
+          <ac:spMkLst>
+            <pc:docMk/>
+            <pc:sldMk cId="3388292743" sldId="256"/>
+            <ac:spMk id="335" creationId="{0134731C-F9A5-E920-2356-DF6CA954B123}"/>
+          </ac:spMkLst>
+        </pc:spChg>
+        <pc:spChg chg="add mod">
+          <ac:chgData name="Fatima Pillosu" userId="a6295d4dc9e22643" providerId="LiveId" clId="{7C54D53B-6D8A-4D6C-B453-C340742CA252}" dt="2024-05-09T06:40:40.694" v="2514" actId="207"/>
+          <ac:spMkLst>
+            <pc:docMk/>
+            <pc:sldMk cId="3388292743" sldId="256"/>
+            <ac:spMk id="336" creationId="{C55DA829-058C-A163-AD8C-BC6F204F9093}"/>
+          </ac:spMkLst>
+        </pc:spChg>
+        <pc:grpChg chg="add del mod">
+          <ac:chgData name="Fatima Pillosu" userId="a6295d4dc9e22643" providerId="LiveId" clId="{7C54D53B-6D8A-4D6C-B453-C340742CA252}" dt="2024-05-09T06:19:33.859" v="2497" actId="21"/>
+          <ac:grpSpMkLst>
+            <pc:docMk/>
+            <pc:sldMk cId="3388292743" sldId="256"/>
+            <ac:grpSpMk id="221" creationId="{787D03CB-8A7B-EF47-6CF2-689A93E33BBC}"/>
+          </ac:grpSpMkLst>
+        </pc:grpChg>
+        <pc:grpChg chg="add del mod">
+          <ac:chgData name="Fatima Pillosu" userId="a6295d4dc9e22643" providerId="LiveId" clId="{7C54D53B-6D8A-4D6C-B453-C340742CA252}" dt="2024-05-09T06:19:33.859" v="2497" actId="21"/>
+          <ac:grpSpMkLst>
+            <pc:docMk/>
+            <pc:sldMk cId="3388292743" sldId="256"/>
+            <ac:grpSpMk id="226" creationId="{C3370288-6A75-56EF-A321-8D0AAF816430}"/>
+          </ac:grpSpMkLst>
+        </pc:grpChg>
+        <pc:grpChg chg="add del mod">
+          <ac:chgData name="Fatima Pillosu" userId="a6295d4dc9e22643" providerId="LiveId" clId="{7C54D53B-6D8A-4D6C-B453-C340742CA252}" dt="2024-05-09T06:19:33.859" v="2497" actId="21"/>
+          <ac:grpSpMkLst>
+            <pc:docMk/>
+            <pc:sldMk cId="3388292743" sldId="256"/>
+            <ac:grpSpMk id="231" creationId="{81E89677-8D44-6CB9-ACEE-B45A9F4D64CB}"/>
+          </ac:grpSpMkLst>
+        </pc:grpChg>
+        <pc:grpChg chg="add del mod">
+          <ac:chgData name="Fatima Pillosu" userId="a6295d4dc9e22643" providerId="LiveId" clId="{7C54D53B-6D8A-4D6C-B453-C340742CA252}" dt="2024-05-09T06:37:01.735" v="2511" actId="478"/>
+          <ac:grpSpMkLst>
+            <pc:docMk/>
+            <pc:sldMk cId="3388292743" sldId="256"/>
+            <ac:grpSpMk id="321" creationId="{2359ABCB-B52E-21E3-C3AB-C2E33D878A33}"/>
+          </ac:grpSpMkLst>
+        </pc:grpChg>
+        <pc:grpChg chg="add del mod">
+          <ac:chgData name="Fatima Pillosu" userId="a6295d4dc9e22643" providerId="LiveId" clId="{7C54D53B-6D8A-4D6C-B453-C340742CA252}" dt="2024-05-09T06:37:03.238" v="2512" actId="478"/>
+          <ac:grpSpMkLst>
+            <pc:docMk/>
+            <pc:sldMk cId="3388292743" sldId="256"/>
+            <ac:grpSpMk id="324" creationId="{6D166750-7A06-ABD7-384D-BAA77C47E85B}"/>
+          </ac:grpSpMkLst>
+        </pc:grpChg>
+        <pc:grpChg chg="add del mod">
+          <ac:chgData name="Fatima Pillosu" userId="a6295d4dc9e22643" providerId="LiveId" clId="{7C54D53B-6D8A-4D6C-B453-C340742CA252}" dt="2024-05-09T06:37:03.840" v="2513" actId="478"/>
+          <ac:grpSpMkLst>
+            <pc:docMk/>
+            <pc:sldMk cId="3388292743" sldId="256"/>
+            <ac:grpSpMk id="327" creationId="{30C9FC10-C5E3-5537-226B-51E01067427C}"/>
+          </ac:grpSpMkLst>
+        </pc:grpChg>
+        <pc:grpChg chg="add del mod">
+          <ac:chgData name="Fatima Pillosu" userId="a6295d4dc9e22643" providerId="LiveId" clId="{7C54D53B-6D8A-4D6C-B453-C340742CA252}" dt="2024-05-09T06:37:01.735" v="2511" actId="478"/>
+          <ac:grpSpMkLst>
+            <pc:docMk/>
+            <pc:sldMk cId="3388292743" sldId="256"/>
+            <ac:grpSpMk id="337" creationId="{A066009A-621D-9841-81ED-84CBC3FF5518}"/>
+          </ac:grpSpMkLst>
+        </pc:grpChg>
+        <pc:grpChg chg="add del mod">
+          <ac:chgData name="Fatima Pillosu" userId="a6295d4dc9e22643" providerId="LiveId" clId="{7C54D53B-6D8A-4D6C-B453-C340742CA252}" dt="2024-05-09T06:37:01.735" v="2511" actId="478"/>
+          <ac:grpSpMkLst>
+            <pc:docMk/>
+            <pc:sldMk cId="3388292743" sldId="256"/>
+            <ac:grpSpMk id="340" creationId="{26731D50-734C-4105-4EF1-691861FC8351}"/>
+          </ac:grpSpMkLst>
+        </pc:grpChg>
+        <pc:picChg chg="add del mod">
+          <ac:chgData name="Fatima Pillosu" userId="a6295d4dc9e22643" providerId="LiveId" clId="{7C54D53B-6D8A-4D6C-B453-C340742CA252}" dt="2024-05-08T16:16:13.688" v="40" actId="478"/>
+          <ac:picMkLst>
+            <pc:docMk/>
+            <pc:sldMk cId="3388292743" sldId="256"/>
+            <ac:picMk id="2" creationId="{4A471AC6-2412-563E-88F5-079CEB99747F}"/>
+          </ac:picMkLst>
+        </pc:picChg>
+        <pc:picChg chg="add del mod">
+          <ac:chgData name="Fatima Pillosu" userId="a6295d4dc9e22643" providerId="LiveId" clId="{7C54D53B-6D8A-4D6C-B453-C340742CA252}" dt="2024-05-08T21:01:51.861" v="550" actId="21"/>
+          <ac:picMkLst>
+            <pc:docMk/>
+            <pc:sldMk cId="3388292743" sldId="256"/>
+            <ac:picMk id="3" creationId="{4EA66A31-F04E-06F3-9D92-32E5B65E9C1C}"/>
+          </ac:picMkLst>
+        </pc:picChg>
+        <pc:picChg chg="add del mod">
+          <ac:chgData name="Fatima Pillosu" userId="a6295d4dc9e22643" providerId="LiveId" clId="{7C54D53B-6D8A-4D6C-B453-C340742CA252}" dt="2024-05-08T21:01:51.861" v="550" actId="21"/>
+          <ac:picMkLst>
+            <pc:docMk/>
+            <pc:sldMk cId="3388292743" sldId="256"/>
+            <ac:picMk id="4" creationId="{A7CE705C-AA78-40B7-605F-0721B19C4404}"/>
+          </ac:picMkLst>
+        </pc:picChg>
+        <pc:picChg chg="add del mod">
+          <ac:chgData name="Fatima Pillosu" userId="a6295d4dc9e22643" providerId="LiveId" clId="{7C54D53B-6D8A-4D6C-B453-C340742CA252}" dt="2024-05-08T21:01:51.861" v="550" actId="21"/>
+          <ac:picMkLst>
+            <pc:docMk/>
+            <pc:sldMk cId="3388292743" sldId="256"/>
+            <ac:picMk id="5" creationId="{55A4F82E-2216-EAD1-3138-C18E92D67AFC}"/>
+          </ac:picMkLst>
+        </pc:picChg>
+        <pc:picChg chg="add del mod">
+          <ac:chgData name="Fatima Pillosu" userId="a6295d4dc9e22643" providerId="LiveId" clId="{7C54D53B-6D8A-4D6C-B453-C340742CA252}" dt="2024-05-08T21:01:51.861" v="550" actId="21"/>
+          <ac:picMkLst>
+            <pc:docMk/>
+            <pc:sldMk cId="3388292743" sldId="256"/>
+            <ac:picMk id="6" creationId="{9535B73C-461A-193C-B93D-95877B7D98A2}"/>
+          </ac:picMkLst>
+        </pc:picChg>
+        <pc:picChg chg="add del mod">
+          <ac:chgData name="Fatima Pillosu" userId="a6295d4dc9e22643" providerId="LiveId" clId="{7C54D53B-6D8A-4D6C-B453-C340742CA252}" dt="2024-05-08T21:01:51.861" v="550" actId="21"/>
+          <ac:picMkLst>
+            <pc:docMk/>
+            <pc:sldMk cId="3388292743" sldId="256"/>
+            <ac:picMk id="7" creationId="{5DBABDF5-45B8-F964-7DDF-97928596E2E0}"/>
+          </ac:picMkLst>
+        </pc:picChg>
+        <pc:picChg chg="add del mod">
+          <ac:chgData name="Fatima Pillosu" userId="a6295d4dc9e22643" providerId="LiveId" clId="{7C54D53B-6D8A-4D6C-B453-C340742CA252}" dt="2024-05-08T21:01:51.861" v="550" actId="21"/>
+          <ac:picMkLst>
+            <pc:docMk/>
+            <pc:sldMk cId="3388292743" sldId="256"/>
+            <ac:picMk id="8" creationId="{2B3F6639-3833-1CE7-C890-ABB785243AA0}"/>
+          </ac:picMkLst>
+        </pc:picChg>
+        <pc:picChg chg="add del mod">
+          <ac:chgData name="Fatima Pillosu" userId="a6295d4dc9e22643" providerId="LiveId" clId="{7C54D53B-6D8A-4D6C-B453-C340742CA252}" dt="2024-05-08T21:01:51.861" v="550" actId="21"/>
+          <ac:picMkLst>
+            <pc:docMk/>
+            <pc:sldMk cId="3388292743" sldId="256"/>
+            <ac:picMk id="9" creationId="{3BA03F68-CA21-5442-1814-520C32F10F6B}"/>
+          </ac:picMkLst>
+        </pc:picChg>
+        <pc:picChg chg="add del mod">
+          <ac:chgData name="Fatima Pillosu" userId="a6295d4dc9e22643" providerId="LiveId" clId="{7C54D53B-6D8A-4D6C-B453-C340742CA252}" dt="2024-05-08T21:01:51.861" v="550" actId="21"/>
+          <ac:picMkLst>
+            <pc:docMk/>
+            <pc:sldMk cId="3388292743" sldId="256"/>
+            <ac:picMk id="10" creationId="{AAE9AFFD-D6FC-8796-2FD1-9F9E3DAE7AEA}"/>
+          </ac:picMkLst>
+        </pc:picChg>
+        <pc:picChg chg="add del mod">
+          <ac:chgData name="Fatima Pillosu" userId="a6295d4dc9e22643" providerId="LiveId" clId="{7C54D53B-6D8A-4D6C-B453-C340742CA252}" dt="2024-05-08T16:22:44.309" v="60"/>
+          <ac:picMkLst>
+            <pc:docMk/>
+            <pc:sldMk cId="3388292743" sldId="256"/>
+            <ac:picMk id="11" creationId="{3E6738AF-E444-5788-DA52-560C30EC3B72}"/>
+          </ac:picMkLst>
+        </pc:picChg>
+        <pc:picChg chg="add del mod">
+          <ac:chgData name="Fatima Pillosu" userId="a6295d4dc9e22643" providerId="LiveId" clId="{7C54D53B-6D8A-4D6C-B453-C340742CA252}" dt="2024-05-08T16:22:44.309" v="60"/>
+          <ac:picMkLst>
+            <pc:docMk/>
+            <pc:sldMk cId="3388292743" sldId="256"/>
+            <ac:picMk id="12" creationId="{75675E13-EFD4-7782-E2D1-F2C3A9AF12D1}"/>
+          </ac:picMkLst>
+        </pc:picChg>
+        <pc:picChg chg="add del mod">
+          <ac:chgData name="Fatima Pillosu" userId="a6295d4dc9e22643" providerId="LiveId" clId="{7C54D53B-6D8A-4D6C-B453-C340742CA252}" dt="2024-05-08T16:22:44.309" v="60"/>
+          <ac:picMkLst>
+            <pc:docMk/>
+            <pc:sldMk cId="3388292743" sldId="256"/>
+            <ac:picMk id="13" creationId="{8A823944-4707-6E2C-48A7-C3CA0FDE8D34}"/>
+          </ac:picMkLst>
+        </pc:picChg>
+        <pc:picChg chg="add del mod">
+          <ac:chgData name="Fatima Pillosu" userId="a6295d4dc9e22643" providerId="LiveId" clId="{7C54D53B-6D8A-4D6C-B453-C340742CA252}" dt="2024-05-08T16:22:44.309" v="60"/>
+          <ac:picMkLst>
+            <pc:docMk/>
+            <pc:sldMk cId="3388292743" sldId="256"/>
+            <ac:picMk id="14" creationId="{1C3F0F14-C803-2072-09E2-8A49016D52A4}"/>
+          </ac:picMkLst>
+        </pc:picChg>
+        <pc:picChg chg="add del mod">
+          <ac:chgData name="Fatima Pillosu" userId="a6295d4dc9e22643" providerId="LiveId" clId="{7C54D53B-6D8A-4D6C-B453-C340742CA252}" dt="2024-05-08T21:01:51.861" v="550" actId="21"/>
+          <ac:picMkLst>
+            <pc:docMk/>
+            <pc:sldMk cId="3388292743" sldId="256"/>
+            <ac:picMk id="15" creationId="{65D4C9A9-478E-F923-2E80-D483A45ADF7B}"/>
+          </ac:picMkLst>
+        </pc:picChg>
+        <pc:picChg chg="add del mod">
+          <ac:chgData name="Fatima Pillosu" userId="a6295d4dc9e22643" providerId="LiveId" clId="{7C54D53B-6D8A-4D6C-B453-C340742CA252}" dt="2024-05-08T21:01:51.861" v="550" actId="21"/>
+          <ac:picMkLst>
+            <pc:docMk/>
+            <pc:sldMk cId="3388292743" sldId="256"/>
+            <ac:picMk id="16" creationId="{3F1FC917-3CA0-1F1B-CF82-9F29F69E4B0D}"/>
+          </ac:picMkLst>
+        </pc:picChg>
+        <pc:picChg chg="add del mod">
+          <ac:chgData name="Fatima Pillosu" userId="a6295d4dc9e22643" providerId="LiveId" clId="{7C54D53B-6D8A-4D6C-B453-C340742CA252}" dt="2024-05-08T21:01:51.861" v="550" actId="21"/>
+          <ac:picMkLst>
+            <pc:docMk/>
+            <pc:sldMk cId="3388292743" sldId="256"/>
+            <ac:picMk id="17" creationId="{E7527CDE-7785-17F4-4A48-523254CF5B54}"/>
+          </ac:picMkLst>
+        </pc:picChg>
+        <pc:picChg chg="add del mod">
+          <ac:chgData name="Fatima Pillosu" userId="a6295d4dc9e22643" providerId="LiveId" clId="{7C54D53B-6D8A-4D6C-B453-C340742CA252}" dt="2024-05-08T16:26:57.527" v="78" actId="478"/>
+          <ac:picMkLst>
+            <pc:docMk/>
+            <pc:sldMk cId="3388292743" sldId="256"/>
+            <ac:picMk id="18" creationId="{0432027C-C1F2-19D6-2CBD-7A7F032DA18F}"/>
+          </ac:picMkLst>
+        </pc:picChg>
+        <pc:picChg chg="add del mod">
+          <ac:chgData name="Fatima Pillosu" userId="a6295d4dc9e22643" providerId="LiveId" clId="{7C54D53B-6D8A-4D6C-B453-C340742CA252}" dt="2024-05-08T21:01:51.861" v="550" actId="21"/>
+          <ac:picMkLst>
+            <pc:docMk/>
+            <pc:sldMk cId="3388292743" sldId="256"/>
+            <ac:picMk id="19" creationId="{092DA9A2-2FB6-52FF-2A21-4002901FB33A}"/>
+          </ac:picMkLst>
+        </pc:picChg>
+        <pc:picChg chg="add del mod">
+          <ac:chgData name="Fatima Pillosu" userId="a6295d4dc9e22643" providerId="LiveId" clId="{7C54D53B-6D8A-4D6C-B453-C340742CA252}" dt="2024-05-09T06:19:33.859" v="2497" actId="21"/>
+          <ac:picMkLst>
+            <pc:docMk/>
+            <pc:sldMk cId="3388292743" sldId="256"/>
+            <ac:picMk id="34" creationId="{4F23C26A-58D0-BAC4-692B-A7C14064DC46}"/>
+          </ac:picMkLst>
+        </pc:picChg>
+        <pc:picChg chg="add del mod">
+          <ac:chgData name="Fatima Pillosu" userId="a6295d4dc9e22643" providerId="LiveId" clId="{7C54D53B-6D8A-4D6C-B453-C340742CA252}" dt="2024-05-09T06:19:33.859" v="2497" actId="21"/>
+          <ac:picMkLst>
+            <pc:docMk/>
+            <pc:sldMk cId="3388292743" sldId="256"/>
+            <ac:picMk id="35" creationId="{FC070FA8-DA5B-564D-87EA-C607E5AE1155}"/>
+          </ac:picMkLst>
+        </pc:picChg>
+        <pc:picChg chg="add del mod">
+          <ac:chgData name="Fatima Pillosu" userId="a6295d4dc9e22643" providerId="LiveId" clId="{7C54D53B-6D8A-4D6C-B453-C340742CA252}" dt="2024-05-09T06:19:33.859" v="2497" actId="21"/>
+          <ac:picMkLst>
+            <pc:docMk/>
+            <pc:sldMk cId="3388292743" sldId="256"/>
+            <ac:picMk id="139" creationId="{055B52CD-6CAB-CF0C-A5C7-629000B03C0B}"/>
+          </ac:picMkLst>
+        </pc:picChg>
+        <pc:picChg chg="add del mod">
+          <ac:chgData name="Fatima Pillosu" userId="a6295d4dc9e22643" providerId="LiveId" clId="{7C54D53B-6D8A-4D6C-B453-C340742CA252}" dt="2024-05-09T06:19:33.859" v="2497" actId="21"/>
+          <ac:picMkLst>
+            <pc:docMk/>
+            <pc:sldMk cId="3388292743" sldId="256"/>
+            <ac:picMk id="140" creationId="{1B1B6B0B-E956-1393-A45C-6C1B4DF6D477}"/>
+          </ac:picMkLst>
+        </pc:picChg>
+        <pc:picChg chg="add del mod">
+          <ac:chgData name="Fatima Pillosu" userId="a6295d4dc9e22643" providerId="LiveId" clId="{7C54D53B-6D8A-4D6C-B453-C340742CA252}" dt="2024-05-09T06:19:33.859" v="2497" actId="21"/>
+          <ac:picMkLst>
+            <pc:docMk/>
+            <pc:sldMk cId="3388292743" sldId="256"/>
+            <ac:picMk id="141" creationId="{482FC85C-6620-E974-5E93-8D12BBC58AF9}"/>
+          </ac:picMkLst>
+        </pc:picChg>
+        <pc:picChg chg="add del mod">
+          <ac:chgData name="Fatima Pillosu" userId="a6295d4dc9e22643" providerId="LiveId" clId="{7C54D53B-6D8A-4D6C-B453-C340742CA252}" dt="2024-05-09T06:19:33.859" v="2497" actId="21"/>
+          <ac:picMkLst>
+            <pc:docMk/>
+            <pc:sldMk cId="3388292743" sldId="256"/>
+            <ac:picMk id="142" creationId="{4370475D-8170-96FE-7372-0D17B15FA1C7}"/>
+          </ac:picMkLst>
+        </pc:picChg>
+        <pc:picChg chg="add del mod">
+          <ac:chgData name="Fatima Pillosu" userId="a6295d4dc9e22643" providerId="LiveId" clId="{7C54D53B-6D8A-4D6C-B453-C340742CA252}" dt="2024-05-09T06:19:33.859" v="2497" actId="21"/>
+          <ac:picMkLst>
+            <pc:docMk/>
+            <pc:sldMk cId="3388292743" sldId="256"/>
+            <ac:picMk id="143" creationId="{73DB4366-7758-7085-9D87-7EC342E543E5}"/>
+          </ac:picMkLst>
+        </pc:picChg>
+        <pc:picChg chg="add del mod">
+          <ac:chgData name="Fatima Pillosu" userId="a6295d4dc9e22643" providerId="LiveId" clId="{7C54D53B-6D8A-4D6C-B453-C340742CA252}" dt="2024-05-09T06:19:33.859" v="2497" actId="21"/>
+          <ac:picMkLst>
+            <pc:docMk/>
+            <pc:sldMk cId="3388292743" sldId="256"/>
+            <ac:picMk id="144" creationId="{F29F466B-CFD1-C132-A9ED-9EA247E55092}"/>
+          </ac:picMkLst>
+        </pc:picChg>
+        <pc:picChg chg="add del mod">
+          <ac:chgData name="Fatima Pillosu" userId="a6295d4dc9e22643" providerId="LiveId" clId="{7C54D53B-6D8A-4D6C-B453-C340742CA252}" dt="2024-05-09T06:19:33.859" v="2497" actId="21"/>
+          <ac:picMkLst>
+            <pc:docMk/>
+            <pc:sldMk cId="3388292743" sldId="256"/>
+            <ac:picMk id="145" creationId="{0E696A36-86CD-5381-DACA-AD1A99F8EBCE}"/>
+          </ac:picMkLst>
+        </pc:picChg>
+        <pc:picChg chg="add del mod">
+          <ac:chgData name="Fatima Pillosu" userId="a6295d4dc9e22643" providerId="LiveId" clId="{7C54D53B-6D8A-4D6C-B453-C340742CA252}" dt="2024-05-09T06:19:33.859" v="2497" actId="21"/>
+          <ac:picMkLst>
+            <pc:docMk/>
+            <pc:sldMk cId="3388292743" sldId="256"/>
+            <ac:picMk id="146" creationId="{03342AEC-56C6-76C0-4F4F-9D3DE6AA7F2F}"/>
+          </ac:picMkLst>
+        </pc:picChg>
+        <pc:picChg chg="add del mod">
+          <ac:chgData name="Fatima Pillosu" userId="a6295d4dc9e22643" providerId="LiveId" clId="{7C54D53B-6D8A-4D6C-B453-C340742CA252}" dt="2024-05-09T06:19:33.859" v="2497" actId="21"/>
+          <ac:picMkLst>
+            <pc:docMk/>
+            <pc:sldMk cId="3388292743" sldId="256"/>
+            <ac:picMk id="147" creationId="{4F64D579-9811-B550-0760-95F55ED1BFEF}"/>
+          </ac:picMkLst>
+        </pc:picChg>
+        <pc:picChg chg="add del mod">
+          <ac:chgData name="Fatima Pillosu" userId="a6295d4dc9e22643" providerId="LiveId" clId="{7C54D53B-6D8A-4D6C-B453-C340742CA252}" dt="2024-05-08T21:14:55.200" v="802" actId="478"/>
+          <ac:picMkLst>
+            <pc:docMk/>
+            <pc:sldMk cId="3388292743" sldId="256"/>
+            <ac:picMk id="148" creationId="{812AAA90-36A7-4B4A-A2EA-27622D8D26CB}"/>
+          </ac:picMkLst>
+        </pc:picChg>
+        <pc:picChg chg="add del mod">
+          <ac:chgData name="Fatima Pillosu" userId="a6295d4dc9e22643" providerId="LiveId" clId="{7C54D53B-6D8A-4D6C-B453-C340742CA252}" dt="2024-05-08T21:14:55.200" v="802" actId="478"/>
+          <ac:picMkLst>
+            <pc:docMk/>
+            <pc:sldMk cId="3388292743" sldId="256"/>
+            <ac:picMk id="149" creationId="{4B56B9A5-31FF-40BB-21AA-060A63561A92}"/>
+          </ac:picMkLst>
+        </pc:picChg>
+        <pc:picChg chg="add del mod">
+          <ac:chgData name="Fatima Pillosu" userId="a6295d4dc9e22643" providerId="LiveId" clId="{7C54D53B-6D8A-4D6C-B453-C340742CA252}" dt="2024-05-08T21:14:55.200" v="802" actId="478"/>
+          <ac:picMkLst>
+            <pc:docMk/>
+            <pc:sldMk cId="3388292743" sldId="256"/>
+            <ac:picMk id="150" creationId="{9D2D368E-0468-040E-D036-09AF757C7855}"/>
+          </ac:picMkLst>
+        </pc:picChg>
+        <pc:picChg chg="del">
+          <ac:chgData name="Fatima Pillosu" userId="a6295d4dc9e22643" providerId="LiveId" clId="{7C54D53B-6D8A-4D6C-B453-C340742CA252}" dt="2024-05-08T21:01:51.861" v="550" actId="21"/>
+          <ac:picMkLst>
+            <pc:docMk/>
+            <pc:sldMk cId="3388292743" sldId="256"/>
+            <ac:picMk id="152" creationId="{703E96B9-318C-E6E2-8984-31E67101476C}"/>
+          </ac:picMkLst>
+        </pc:picChg>
+        <pc:picChg chg="del mod ord">
+          <ac:chgData name="Fatima Pillosu" userId="a6295d4dc9e22643" providerId="LiveId" clId="{7C54D53B-6D8A-4D6C-B453-C340742CA252}" dt="2024-05-08T21:01:51.861" v="550" actId="21"/>
+          <ac:picMkLst>
+            <pc:docMk/>
+            <pc:sldMk cId="3388292743" sldId="256"/>
+            <ac:picMk id="178" creationId="{D3E76F8A-C466-6EA8-878C-69CEAA4CFA00}"/>
+          </ac:picMkLst>
+        </pc:picChg>
+        <pc:picChg chg="mod">
+          <ac:chgData name="Fatima Pillosu" userId="a6295d4dc9e22643" providerId="LiveId" clId="{7C54D53B-6D8A-4D6C-B453-C340742CA252}" dt="2024-05-08T21:13:51.534" v="787"/>
+          <ac:picMkLst>
+            <pc:docMk/>
+            <pc:sldMk cId="3388292743" sldId="256"/>
+            <ac:picMk id="222" creationId="{832FEAB7-69D3-970E-9C68-42FAA9F11F06}"/>
+          </ac:picMkLst>
+        </pc:picChg>
+        <pc:picChg chg="mod">
+          <ac:chgData name="Fatima Pillosu" userId="a6295d4dc9e22643" providerId="LiveId" clId="{7C54D53B-6D8A-4D6C-B453-C340742CA252}" dt="2024-05-08T21:13:51.534" v="787"/>
+          <ac:picMkLst>
+            <pc:docMk/>
+            <pc:sldMk cId="3388292743" sldId="256"/>
+            <ac:picMk id="224" creationId="{E3BD5D2E-67C9-DEA2-B496-8E3162698151}"/>
+          </ac:picMkLst>
+        </pc:picChg>
+        <pc:picChg chg="mod">
+          <ac:chgData name="Fatima Pillosu" userId="a6295d4dc9e22643" providerId="LiveId" clId="{7C54D53B-6D8A-4D6C-B453-C340742CA252}" dt="2024-05-08T21:13:51.534" v="787"/>
+          <ac:picMkLst>
+            <pc:docMk/>
+            <pc:sldMk cId="3388292743" sldId="256"/>
+            <ac:picMk id="228" creationId="{E4DFEBA3-EF97-FF5B-1385-97E23CBB3138}"/>
+          </ac:picMkLst>
+        </pc:picChg>
+        <pc:picChg chg="mod">
+          <ac:chgData name="Fatima Pillosu" userId="a6295d4dc9e22643" providerId="LiveId" clId="{7C54D53B-6D8A-4D6C-B453-C340742CA252}" dt="2024-05-08T21:13:51.534" v="787"/>
+          <ac:picMkLst>
+            <pc:docMk/>
+            <pc:sldMk cId="3388292743" sldId="256"/>
+            <ac:picMk id="230" creationId="{688BFE09-942C-8413-86AE-2198FDBBD064}"/>
+          </ac:picMkLst>
+        </pc:picChg>
+        <pc:picChg chg="mod">
+          <ac:chgData name="Fatima Pillosu" userId="a6295d4dc9e22643" providerId="LiveId" clId="{7C54D53B-6D8A-4D6C-B453-C340742CA252}" dt="2024-05-08T21:13:51.534" v="787"/>
+          <ac:picMkLst>
+            <pc:docMk/>
+            <pc:sldMk cId="3388292743" sldId="256"/>
+            <ac:picMk id="233" creationId="{A8156BC2-16A4-7E36-1F14-320AEBF6318E}"/>
+          </ac:picMkLst>
+        </pc:picChg>
+        <pc:picChg chg="mod">
+          <ac:chgData name="Fatima Pillosu" userId="a6295d4dc9e22643" providerId="LiveId" clId="{7C54D53B-6D8A-4D6C-B453-C340742CA252}" dt="2024-05-08T21:13:51.534" v="787"/>
+          <ac:picMkLst>
+            <pc:docMk/>
+            <pc:sldMk cId="3388292743" sldId="256"/>
+            <ac:picMk id="234" creationId="{83E8EBF4-1AE4-4536-9007-03DE30CED059}"/>
+          </ac:picMkLst>
+        </pc:picChg>
+        <pc:picChg chg="add del mod">
+          <ac:chgData name="Fatima Pillosu" userId="a6295d4dc9e22643" providerId="LiveId" clId="{7C54D53B-6D8A-4D6C-B453-C340742CA252}" dt="2024-05-09T06:19:33.859" v="2497" actId="21"/>
+          <ac:picMkLst>
+            <pc:docMk/>
+            <pc:sldMk cId="3388292743" sldId="256"/>
+            <ac:picMk id="235" creationId="{B27E45BE-55DC-3C37-362D-18659E847786}"/>
+          </ac:picMkLst>
+        </pc:picChg>
+        <pc:picChg chg="add del mod">
+          <ac:chgData name="Fatima Pillosu" userId="a6295d4dc9e22643" providerId="LiveId" clId="{7C54D53B-6D8A-4D6C-B453-C340742CA252}" dt="2024-05-09T06:19:33.859" v="2497" actId="21"/>
+          <ac:picMkLst>
+            <pc:docMk/>
+            <pc:sldMk cId="3388292743" sldId="256"/>
+            <ac:picMk id="236" creationId="{82BCA49D-4776-5AF7-A4B7-8C6424B1A849}"/>
+          </ac:picMkLst>
+        </pc:picChg>
+        <pc:picChg chg="add del mod">
+          <ac:chgData name="Fatima Pillosu" userId="a6295d4dc9e22643" providerId="LiveId" clId="{7C54D53B-6D8A-4D6C-B453-C340742CA252}" dt="2024-05-09T06:19:33.859" v="2497" actId="21"/>
+          <ac:picMkLst>
+            <pc:docMk/>
+            <pc:sldMk cId="3388292743" sldId="256"/>
+            <ac:picMk id="237" creationId="{390F585D-3F66-48D8-57C0-B6E4E25378B5}"/>
+          </ac:picMkLst>
+        </pc:picChg>
+        <pc:picChg chg="add mod">
+          <ac:chgData name="Fatima Pillosu" userId="a6295d4dc9e22643" providerId="LiveId" clId="{7C54D53B-6D8A-4D6C-B453-C340742CA252}" dt="2024-05-09T06:20:16.517" v="2508" actId="1037"/>
+          <ac:picMkLst>
+            <pc:docMk/>
+            <pc:sldMk cId="3388292743" sldId="256"/>
+            <ac:picMk id="263" creationId="{BC293C7B-6FFC-AFD8-B305-98F11D0B42D7}"/>
+          </ac:picMkLst>
+        </pc:picChg>
+        <pc:picChg chg="add mod">
+          <ac:chgData name="Fatima Pillosu" userId="a6295d4dc9e22643" providerId="LiveId" clId="{7C54D53B-6D8A-4D6C-B453-C340742CA252}" dt="2024-05-09T06:20:16.517" v="2508" actId="1037"/>
+          <ac:picMkLst>
+            <pc:docMk/>
+            <pc:sldMk cId="3388292743" sldId="256"/>
+            <ac:picMk id="264" creationId="{143515C7-5A46-5B64-9BD6-2A94732ECB4E}"/>
+          </ac:picMkLst>
+        </pc:picChg>
+        <pc:picChg chg="add mod">
+          <ac:chgData name="Fatima Pillosu" userId="a6295d4dc9e22643" providerId="LiveId" clId="{7C54D53B-6D8A-4D6C-B453-C340742CA252}" dt="2024-05-09T06:20:16.517" v="2508" actId="1037"/>
+          <ac:picMkLst>
+            <pc:docMk/>
+            <pc:sldMk cId="3388292743" sldId="256"/>
+            <ac:picMk id="303" creationId="{375B7950-C745-764B-9770-05D4810F7F52}"/>
+          </ac:picMkLst>
+        </pc:picChg>
+        <pc:picChg chg="add mod">
+          <ac:chgData name="Fatima Pillosu" userId="a6295d4dc9e22643" providerId="LiveId" clId="{7C54D53B-6D8A-4D6C-B453-C340742CA252}" dt="2024-05-09T06:20:16.517" v="2508" actId="1037"/>
+          <ac:picMkLst>
+            <pc:docMk/>
+            <pc:sldMk cId="3388292743" sldId="256"/>
+            <ac:picMk id="304" creationId="{7A279477-4D1B-7818-BC12-9DBDE324C8E6}"/>
+          </ac:picMkLst>
+        </pc:picChg>
+        <pc:picChg chg="add mod">
+          <ac:chgData name="Fatima Pillosu" userId="a6295d4dc9e22643" providerId="LiveId" clId="{7C54D53B-6D8A-4D6C-B453-C340742CA252}" dt="2024-05-09T06:20:16.517" v="2508" actId="1037"/>
+          <ac:picMkLst>
+            <pc:docMk/>
+            <pc:sldMk cId="3388292743" sldId="256"/>
+            <ac:picMk id="305" creationId="{A8C75091-D5E8-2B27-F095-CFA9236C5257}"/>
+          </ac:picMkLst>
+        </pc:picChg>
+        <pc:picChg chg="add mod">
+          <ac:chgData name="Fatima Pillosu" userId="a6295d4dc9e22643" providerId="LiveId" clId="{7C54D53B-6D8A-4D6C-B453-C340742CA252}" dt="2024-05-09T06:20:16.517" v="2508" actId="1037"/>
+          <ac:picMkLst>
+            <pc:docMk/>
+            <pc:sldMk cId="3388292743" sldId="256"/>
+            <ac:picMk id="306" creationId="{EC470FEC-9FB2-F421-B989-8C7CEC686F9D}"/>
+          </ac:picMkLst>
+        </pc:picChg>
+        <pc:picChg chg="add mod">
+          <ac:chgData name="Fatima Pillosu" userId="a6295d4dc9e22643" providerId="LiveId" clId="{7C54D53B-6D8A-4D6C-B453-C340742CA252}" dt="2024-05-09T06:20:16.517" v="2508" actId="1037"/>
+          <ac:picMkLst>
+            <pc:docMk/>
+            <pc:sldMk cId="3388292743" sldId="256"/>
+            <ac:picMk id="307" creationId="{41E2C6CB-132A-046F-5775-6FDB848577FB}"/>
+          </ac:picMkLst>
+        </pc:picChg>
+        <pc:picChg chg="add mod">
+          <ac:chgData name="Fatima Pillosu" userId="a6295d4dc9e22643" providerId="LiveId" clId="{7C54D53B-6D8A-4D6C-B453-C340742CA252}" dt="2024-05-09T06:20:16.517" v="2508" actId="1037"/>
+          <ac:picMkLst>
+            <pc:docMk/>
+            <pc:sldMk cId="3388292743" sldId="256"/>
+            <ac:picMk id="308" creationId="{F6E5C22D-6784-9AE5-1F18-297F16AEE338}"/>
+          </ac:picMkLst>
+        </pc:picChg>
+        <pc:picChg chg="add mod">
+          <ac:chgData name="Fatima Pillosu" userId="a6295d4dc9e22643" providerId="LiveId" clId="{7C54D53B-6D8A-4D6C-B453-C340742CA252}" dt="2024-05-09T06:20:16.517" v="2508" actId="1037"/>
+          <ac:picMkLst>
+            <pc:docMk/>
+            <pc:sldMk cId="3388292743" sldId="256"/>
+            <ac:picMk id="309" creationId="{98FC1912-DCBD-7EBF-E478-181784C44CBE}"/>
+          </ac:picMkLst>
+        </pc:picChg>
+        <pc:picChg chg="add mod">
+          <ac:chgData name="Fatima Pillosu" userId="a6295d4dc9e22643" providerId="LiveId" clId="{7C54D53B-6D8A-4D6C-B453-C340742CA252}" dt="2024-05-09T06:20:16.517" v="2508" actId="1037"/>
+          <ac:picMkLst>
+            <pc:docMk/>
+            <pc:sldMk cId="3388292743" sldId="256"/>
+            <ac:picMk id="310" creationId="{15332E26-670D-3A26-AAB6-2D2D94408866}"/>
+          </ac:picMkLst>
+        </pc:picChg>
+        <pc:picChg chg="add mod">
+          <ac:chgData name="Fatima Pillosu" userId="a6295d4dc9e22643" providerId="LiveId" clId="{7C54D53B-6D8A-4D6C-B453-C340742CA252}" dt="2024-05-09T06:20:16.517" v="2508" actId="1037"/>
+          <ac:picMkLst>
+            <pc:docMk/>
+            <pc:sldMk cId="3388292743" sldId="256"/>
+            <ac:picMk id="311" creationId="{DED439BA-0A7B-E2E7-F60A-FF1D54F1232A}"/>
+          </ac:picMkLst>
+        </pc:picChg>
+        <pc:picChg chg="mod">
+          <ac:chgData name="Fatima Pillosu" userId="a6295d4dc9e22643" providerId="LiveId" clId="{7C54D53B-6D8A-4D6C-B453-C340742CA252}" dt="2024-05-09T06:19:53.341" v="2498"/>
+          <ac:picMkLst>
+            <pc:docMk/>
+            <pc:sldMk cId="3388292743" sldId="256"/>
+            <ac:picMk id="322" creationId="{E637BDEF-EC46-C253-2A1B-2AF6DFD6E06A}"/>
+          </ac:picMkLst>
+        </pc:picChg>
+        <pc:picChg chg="mod">
+          <ac:chgData name="Fatima Pillosu" userId="a6295d4dc9e22643" providerId="LiveId" clId="{7C54D53B-6D8A-4D6C-B453-C340742CA252}" dt="2024-05-09T06:19:53.341" v="2498"/>
+          <ac:picMkLst>
+            <pc:docMk/>
+            <pc:sldMk cId="3388292743" sldId="256"/>
+            <ac:picMk id="323" creationId="{83C56344-B5B2-89A4-04CE-3CB7ADCBCD8B}"/>
+          </ac:picMkLst>
+        </pc:picChg>
+        <pc:picChg chg="mod">
+          <ac:chgData name="Fatima Pillosu" userId="a6295d4dc9e22643" providerId="LiveId" clId="{7C54D53B-6D8A-4D6C-B453-C340742CA252}" dt="2024-05-09T06:19:53.341" v="2498"/>
+          <ac:picMkLst>
+            <pc:docMk/>
+            <pc:sldMk cId="3388292743" sldId="256"/>
+            <ac:picMk id="325" creationId="{46A05CE7-33D3-FDCF-856D-C69469C65AE8}"/>
+          </ac:picMkLst>
+        </pc:picChg>
+        <pc:picChg chg="mod">
+          <ac:chgData name="Fatima Pillosu" userId="a6295d4dc9e22643" providerId="LiveId" clId="{7C54D53B-6D8A-4D6C-B453-C340742CA252}" dt="2024-05-09T06:19:53.341" v="2498"/>
+          <ac:picMkLst>
+            <pc:docMk/>
+            <pc:sldMk cId="3388292743" sldId="256"/>
+            <ac:picMk id="326" creationId="{A5697923-4422-724B-A462-8A4C30B76123}"/>
+          </ac:picMkLst>
+        </pc:picChg>
+        <pc:picChg chg="mod">
+          <ac:chgData name="Fatima Pillosu" userId="a6295d4dc9e22643" providerId="LiveId" clId="{7C54D53B-6D8A-4D6C-B453-C340742CA252}" dt="2024-05-09T06:19:53.341" v="2498"/>
+          <ac:picMkLst>
+            <pc:docMk/>
+            <pc:sldMk cId="3388292743" sldId="256"/>
+            <ac:picMk id="328" creationId="{3F16D4AC-27F9-D483-8792-9DAC30690EB9}"/>
+          </ac:picMkLst>
+        </pc:picChg>
+        <pc:picChg chg="mod">
+          <ac:chgData name="Fatima Pillosu" userId="a6295d4dc9e22643" providerId="LiveId" clId="{7C54D53B-6D8A-4D6C-B453-C340742CA252}" dt="2024-05-09T06:19:53.341" v="2498"/>
+          <ac:picMkLst>
+            <pc:docMk/>
+            <pc:sldMk cId="3388292743" sldId="256"/>
+            <ac:picMk id="329" creationId="{FE603C4D-63F8-320F-E1AC-D914CDF4B328}"/>
+          </ac:picMkLst>
+        </pc:picChg>
+        <pc:picChg chg="add mod">
+          <ac:chgData name="Fatima Pillosu" userId="a6295d4dc9e22643" providerId="LiveId" clId="{7C54D53B-6D8A-4D6C-B453-C340742CA252}" dt="2024-05-09T06:20:16.517" v="2508" actId="1037"/>
+          <ac:picMkLst>
+            <pc:docMk/>
+            <pc:sldMk cId="3388292743" sldId="256"/>
+            <ac:picMk id="330" creationId="{FAA39167-1E3F-BC5C-1C1C-BB65FAF590C6}"/>
+          </ac:picMkLst>
+        </pc:picChg>
+        <pc:picChg chg="add mod">
+          <ac:chgData name="Fatima Pillosu" userId="a6295d4dc9e22643" providerId="LiveId" clId="{7C54D53B-6D8A-4D6C-B453-C340742CA252}" dt="2024-05-09T06:20:16.517" v="2508" actId="1037"/>
+          <ac:picMkLst>
+            <pc:docMk/>
+            <pc:sldMk cId="3388292743" sldId="256"/>
+            <ac:picMk id="331" creationId="{86D0BCB1-12D1-576C-E67D-2A1779EF441E}"/>
+          </ac:picMkLst>
+        </pc:picChg>
+        <pc:picChg chg="add mod">
+          <ac:chgData name="Fatima Pillosu" userId="a6295d4dc9e22643" providerId="LiveId" clId="{7C54D53B-6D8A-4D6C-B453-C340742CA252}" dt="2024-05-09T06:20:16.517" v="2508" actId="1037"/>
+          <ac:picMkLst>
+            <pc:docMk/>
+            <pc:sldMk cId="3388292743" sldId="256"/>
+            <ac:picMk id="332" creationId="{48DA8E0B-1130-8C29-1EB8-6988CAD3CC0B}"/>
+          </ac:picMkLst>
+        </pc:picChg>
+        <pc:picChg chg="mod">
+          <ac:chgData name="Fatima Pillosu" userId="a6295d4dc9e22643" providerId="LiveId" clId="{7C54D53B-6D8A-4D6C-B453-C340742CA252}" dt="2024-05-09T06:37:00.648" v="2510" actId="571"/>
+          <ac:picMkLst>
+            <pc:docMk/>
+            <pc:sldMk cId="3388292743" sldId="256"/>
+            <ac:picMk id="338" creationId="{078FFBE4-5639-64D7-C813-9748A7551142}"/>
+          </ac:picMkLst>
+        </pc:picChg>
+        <pc:picChg chg="mod">
+          <ac:chgData name="Fatima Pillosu" userId="a6295d4dc9e22643" providerId="LiveId" clId="{7C54D53B-6D8A-4D6C-B453-C340742CA252}" dt="2024-05-09T06:37:00.648" v="2510" actId="571"/>
+          <ac:picMkLst>
+            <pc:docMk/>
+            <pc:sldMk cId="3388292743" sldId="256"/>
+            <ac:picMk id="339" creationId="{9387B645-BD63-99D5-0372-4706310A9BFB}"/>
+          </ac:picMkLst>
+        </pc:picChg>
+        <pc:picChg chg="mod">
+          <ac:chgData name="Fatima Pillosu" userId="a6295d4dc9e22643" providerId="LiveId" clId="{7C54D53B-6D8A-4D6C-B453-C340742CA252}" dt="2024-05-09T06:37:00.648" v="2510" actId="571"/>
+          <ac:picMkLst>
+            <pc:docMk/>
+            <pc:sldMk cId="3388292743" sldId="256"/>
+            <ac:picMk id="341" creationId="{7F7CEAC7-31E8-9B43-91A8-6E6382677AC8}"/>
+          </ac:picMkLst>
+        </pc:picChg>
+        <pc:picChg chg="mod">
+          <ac:chgData name="Fatima Pillosu" userId="a6295d4dc9e22643" providerId="LiveId" clId="{7C54D53B-6D8A-4D6C-B453-C340742CA252}" dt="2024-05-09T06:37:00.648" v="2510" actId="571"/>
+          <ac:picMkLst>
+            <pc:docMk/>
+            <pc:sldMk cId="3388292743" sldId="256"/>
+            <ac:picMk id="342" creationId="{7E4DB6DF-3A84-F9A8-140D-DD47A78ECF5D}"/>
+          </ac:picMkLst>
+        </pc:picChg>
+        <pc:cxnChg chg="add del mod">
+          <ac:chgData name="Fatima Pillosu" userId="a6295d4dc9e22643" providerId="LiveId" clId="{7C54D53B-6D8A-4D6C-B453-C340742CA252}" dt="2024-05-08T16:39:56.546" v="240" actId="478"/>
+          <ac:cxnSpMkLst>
+            <pc:docMk/>
+            <pc:sldMk cId="3388292743" sldId="256"/>
+            <ac:cxnSpMk id="21" creationId="{5BF3D1D8-E032-F209-64A1-AACE542BC481}"/>
+          </ac:cxnSpMkLst>
+        </pc:cxnChg>
+        <pc:cxnChg chg="add del mod">
+          <ac:chgData name="Fatima Pillosu" userId="a6295d4dc9e22643" providerId="LiveId" clId="{7C54D53B-6D8A-4D6C-B453-C340742CA252}" dt="2024-05-08T21:01:51.861" v="550" actId="21"/>
+          <ac:cxnSpMkLst>
+            <pc:docMk/>
+            <pc:sldMk cId="3388292743" sldId="256"/>
+            <ac:cxnSpMk id="23" creationId="{D66FA4CE-5104-5274-818E-27A0A578F513}"/>
+          </ac:cxnSpMkLst>
+        </pc:cxnChg>
+        <pc:cxnChg chg="add del mod">
+          <ac:chgData name="Fatima Pillosu" userId="a6295d4dc9e22643" providerId="LiveId" clId="{7C54D53B-6D8A-4D6C-B453-C340742CA252}" dt="2024-05-09T06:19:33.859" v="2497" actId="21"/>
+          <ac:cxnSpMkLst>
+            <pc:docMk/>
+            <pc:sldMk cId="3388292743" sldId="256"/>
+            <ac:cxnSpMk id="47" creationId="{FA100065-7316-CAC1-30AB-DB0C1E5716A4}"/>
+          </ac:cxnSpMkLst>
+        </pc:cxnChg>
+        <pc:cxnChg chg="add del mod">
+          <ac:chgData name="Fatima Pillosu" userId="a6295d4dc9e22643" providerId="LiveId" clId="{7C54D53B-6D8A-4D6C-B453-C340742CA252}" dt="2024-05-09T06:19:33.859" v="2497" actId="21"/>
+          <ac:cxnSpMkLst>
+            <pc:docMk/>
+            <pc:sldMk cId="3388292743" sldId="256"/>
+            <ac:cxnSpMk id="63" creationId="{CDEB429C-F3A2-96B7-CECB-23E65FB35242}"/>
+          </ac:cxnSpMkLst>
+        </pc:cxnChg>
+        <pc:cxnChg chg="add del mod">
+          <ac:chgData name="Fatima Pillosu" userId="a6295d4dc9e22643" providerId="LiveId" clId="{7C54D53B-6D8A-4D6C-B453-C340742CA252}" dt="2024-05-09T06:19:33.859" v="2497" actId="21"/>
+          <ac:cxnSpMkLst>
+            <pc:docMk/>
+            <pc:sldMk cId="3388292743" sldId="256"/>
+            <ac:cxnSpMk id="128" creationId="{858247D8-F5AE-DD32-9D4A-F103FF44757C}"/>
+          </ac:cxnSpMkLst>
+        </pc:cxnChg>
+        <pc:cxnChg chg="add del mod">
+          <ac:chgData name="Fatima Pillosu" userId="a6295d4dc9e22643" providerId="LiveId" clId="{7C54D53B-6D8A-4D6C-B453-C340742CA252}" dt="2024-05-09T06:19:33.859" v="2497" actId="21"/>
+          <ac:cxnSpMkLst>
+            <pc:docMk/>
+            <pc:sldMk cId="3388292743" sldId="256"/>
+            <ac:cxnSpMk id="129" creationId="{8B7C084C-A64D-6450-C4A2-9856342D7839}"/>
+          </ac:cxnSpMkLst>
+        </pc:cxnChg>
+        <pc:cxnChg chg="add del mod">
+          <ac:chgData name="Fatima Pillosu" userId="a6295d4dc9e22643" providerId="LiveId" clId="{7C54D53B-6D8A-4D6C-B453-C340742CA252}" dt="2024-05-09T06:19:33.859" v="2497" actId="21"/>
+          <ac:cxnSpMkLst>
+            <pc:docMk/>
+            <pc:sldMk cId="3388292743" sldId="256"/>
+            <ac:cxnSpMk id="130" creationId="{462E9023-AD26-BAB5-8C7A-CCAFD2D40C11}"/>
+          </ac:cxnSpMkLst>
+        </pc:cxnChg>
+        <pc:cxnChg chg="add del mod">
+          <ac:chgData name="Fatima Pillosu" userId="a6295d4dc9e22643" providerId="LiveId" clId="{7C54D53B-6D8A-4D6C-B453-C340742CA252}" dt="2024-05-09T06:19:33.859" v="2497" actId="21"/>
+          <ac:cxnSpMkLst>
+            <pc:docMk/>
+            <pc:sldMk cId="3388292743" sldId="256"/>
+            <ac:cxnSpMk id="131" creationId="{192BFA21-8C08-6313-606A-74AB0F40BC12}"/>
+          </ac:cxnSpMkLst>
+        </pc:cxnChg>
+        <pc:cxnChg chg="add del mod">
+          <ac:chgData name="Fatima Pillosu" userId="a6295d4dc9e22643" providerId="LiveId" clId="{7C54D53B-6D8A-4D6C-B453-C340742CA252}" dt="2024-05-09T06:19:33.859" v="2497" actId="21"/>
+          <ac:cxnSpMkLst>
+            <pc:docMk/>
+            <pc:sldMk cId="3388292743" sldId="256"/>
+            <ac:cxnSpMk id="132" creationId="{83DBE5A8-9A82-1834-DB8C-BBE5CF4A7458}"/>
+          </ac:cxnSpMkLst>
+        </pc:cxnChg>
+        <pc:cxnChg chg="add del mod">
+          <ac:chgData name="Fatima Pillosu" userId="a6295d4dc9e22643" providerId="LiveId" clId="{7C54D53B-6D8A-4D6C-B453-C340742CA252}" dt="2024-05-09T06:19:33.859" v="2497" actId="21"/>
+          <ac:cxnSpMkLst>
+            <pc:docMk/>
+            <pc:sldMk cId="3388292743" sldId="256"/>
+            <ac:cxnSpMk id="133" creationId="{43925032-7E1B-5D32-4F10-9F4D4B4AAD90}"/>
+          </ac:cxnSpMkLst>
+        </pc:cxnChg>
+        <pc:cxnChg chg="add del mod">
+          <ac:chgData name="Fatima Pillosu" userId="a6295d4dc9e22643" providerId="LiveId" clId="{7C54D53B-6D8A-4D6C-B453-C340742CA252}" dt="2024-05-09T06:19:33.859" v="2497" actId="21"/>
+          <ac:cxnSpMkLst>
+            <pc:docMk/>
+            <pc:sldMk cId="3388292743" sldId="256"/>
+            <ac:cxnSpMk id="134" creationId="{5FE2FDCD-4F4D-D7C2-D7C4-9C7CF6E634EA}"/>
+          </ac:cxnSpMkLst>
+        </pc:cxnChg>
+        <pc:cxnChg chg="add del mod">
+          <ac:chgData name="Fatima Pillosu" userId="a6295d4dc9e22643" providerId="LiveId" clId="{7C54D53B-6D8A-4D6C-B453-C340742CA252}" dt="2024-05-09T06:19:33.859" v="2497" actId="21"/>
+          <ac:cxnSpMkLst>
+            <pc:docMk/>
+            <pc:sldMk cId="3388292743" sldId="256"/>
+            <ac:cxnSpMk id="135" creationId="{7E1F048E-1769-86B5-3E54-2C5640C1F2F5}"/>
+          </ac:cxnSpMkLst>
+        </pc:cxnChg>
+        <pc:cxnChg chg="add del mod">
+          <ac:chgData name="Fatima Pillosu" userId="a6295d4dc9e22643" providerId="LiveId" clId="{7C54D53B-6D8A-4D6C-B453-C340742CA252}" dt="2024-05-09T06:19:33.859" v="2497" actId="21"/>
+          <ac:cxnSpMkLst>
+            <pc:docMk/>
+            <pc:sldMk cId="3388292743" sldId="256"/>
+            <ac:cxnSpMk id="136" creationId="{DFAF5428-DF2B-1E14-0565-44DF4119E72A}"/>
+          </ac:cxnSpMkLst>
+        </pc:cxnChg>
+        <pc:cxnChg chg="add del mod">
+          <ac:chgData name="Fatima Pillosu" userId="a6295d4dc9e22643" providerId="LiveId" clId="{7C54D53B-6D8A-4D6C-B453-C340742CA252}" dt="2024-05-09T06:19:33.859" v="2497" actId="21"/>
+          <ac:cxnSpMkLst>
+            <pc:docMk/>
+            <pc:sldMk cId="3388292743" sldId="256"/>
+            <ac:cxnSpMk id="137" creationId="{393809B6-4159-A270-4A3A-9629FBE9314C}"/>
+          </ac:cxnSpMkLst>
+        </pc:cxnChg>
+        <pc:cxnChg chg="add del mod">
+          <ac:chgData name="Fatima Pillosu" userId="a6295d4dc9e22643" providerId="LiveId" clId="{7C54D53B-6D8A-4D6C-B453-C340742CA252}" dt="2024-05-09T06:19:33.859" v="2497" actId="21"/>
+          <ac:cxnSpMkLst>
+            <pc:docMk/>
+            <pc:sldMk cId="3388292743" sldId="256"/>
+            <ac:cxnSpMk id="138" creationId="{3E665723-2469-4386-12B9-E3511FBB8999}"/>
+          </ac:cxnSpMkLst>
+        </pc:cxnChg>
+        <pc:cxnChg chg="add del mod">
+          <ac:chgData name="Fatima Pillosu" userId="a6295d4dc9e22643" providerId="LiveId" clId="{7C54D53B-6D8A-4D6C-B453-C340742CA252}" dt="2024-05-09T06:19:33.859" v="2497" actId="21"/>
+          <ac:cxnSpMkLst>
+            <pc:docMk/>
+            <pc:sldMk cId="3388292743" sldId="256"/>
+            <ac:cxnSpMk id="151" creationId="{D5725C4D-15A2-396F-2679-5D4FB86682DF}"/>
+          </ac:cxnSpMkLst>
+        </pc:cxnChg>
+        <pc:cxnChg chg="del">
+          <ac:chgData name="Fatima Pillosu" userId="a6295d4dc9e22643" providerId="LiveId" clId="{7C54D53B-6D8A-4D6C-B453-C340742CA252}" dt="2024-05-08T16:39:19.988" v="235" actId="478"/>
+          <ac:cxnSpMkLst>
+            <pc:docMk/>
+            <pc:sldMk cId="3388292743" sldId="256"/>
+            <ac:cxnSpMk id="174" creationId="{D0DD3196-6175-293A-F58C-69C095D3F6C6}"/>
+          </ac:cxnSpMkLst>
+        </pc:cxnChg>
+        <pc:cxnChg chg="del mod">
+          <ac:chgData name="Fatima Pillosu" userId="a6295d4dc9e22643" providerId="LiveId" clId="{7C54D53B-6D8A-4D6C-B453-C340742CA252}" dt="2024-05-08T21:01:51.861" v="550" actId="21"/>
+          <ac:cxnSpMkLst>
+            <pc:docMk/>
+            <pc:sldMk cId="3388292743" sldId="256"/>
+            <ac:cxnSpMk id="175" creationId="{04F66119-0D75-A1BB-D269-6684B13B45B8}"/>
+          </ac:cxnSpMkLst>
+        </pc:cxnChg>
+        <pc:cxnChg chg="del">
+          <ac:chgData name="Fatima Pillosu" userId="a6295d4dc9e22643" providerId="LiveId" clId="{7C54D53B-6D8A-4D6C-B453-C340742CA252}" dt="2024-05-08T16:39:21.686" v="236" actId="478"/>
+          <ac:cxnSpMkLst>
+            <pc:docMk/>
+            <pc:sldMk cId="3388292743" sldId="256"/>
+            <ac:cxnSpMk id="176" creationId="{194F5683-A6B8-BD9F-9123-DFFAC804E4D4}"/>
+          </ac:cxnSpMkLst>
+        </pc:cxnChg>
+        <pc:cxnChg chg="del mod">
+          <ac:chgData name="Fatima Pillosu" userId="a6295d4dc9e22643" providerId="LiveId" clId="{7C54D53B-6D8A-4D6C-B453-C340742CA252}" dt="2024-05-08T21:01:51.861" v="550" actId="21"/>
+          <ac:cxnSpMkLst>
+            <pc:docMk/>
+            <pc:sldMk cId="3388292743" sldId="256"/>
+            <ac:cxnSpMk id="205" creationId="{236AD5DE-9177-7623-D9F3-3160B68707B8}"/>
+          </ac:cxnSpMkLst>
+        </pc:cxnChg>
+        <pc:cxnChg chg="del">
+          <ac:chgData name="Fatima Pillosu" userId="a6295d4dc9e22643" providerId="LiveId" clId="{7C54D53B-6D8A-4D6C-B453-C340742CA252}" dt="2024-05-08T21:01:51.861" v="550" actId="21"/>
+          <ac:cxnSpMkLst>
+            <pc:docMk/>
+            <pc:sldMk cId="3388292743" sldId="256"/>
+            <ac:cxnSpMk id="209" creationId="{7D66217A-7B5A-176F-29C1-4344536B6821}"/>
+          </ac:cxnSpMkLst>
+        </pc:cxnChg>
+        <pc:cxnChg chg="del">
+          <ac:chgData name="Fatima Pillosu" userId="a6295d4dc9e22643" providerId="LiveId" clId="{7C54D53B-6D8A-4D6C-B453-C340742CA252}" dt="2024-05-08T21:01:51.861" v="550" actId="21"/>
+          <ac:cxnSpMkLst>
+            <pc:docMk/>
+            <pc:sldMk cId="3388292743" sldId="256"/>
+            <ac:cxnSpMk id="211" creationId="{4BB85298-2AB4-83CD-2496-4607CED357C5}"/>
+          </ac:cxnSpMkLst>
+        </pc:cxnChg>
+        <pc:cxnChg chg="del">
+          <ac:chgData name="Fatima Pillosu" userId="a6295d4dc9e22643" providerId="LiveId" clId="{7C54D53B-6D8A-4D6C-B453-C340742CA252}" dt="2024-05-08T21:01:51.861" v="550" actId="21"/>
+          <ac:cxnSpMkLst>
+            <pc:docMk/>
+            <pc:sldMk cId="3388292743" sldId="256"/>
+            <ac:cxnSpMk id="214" creationId="{FB4FF550-E0DD-7A5D-5FE2-F287A42F7D8B}"/>
+          </ac:cxnSpMkLst>
+        </pc:cxnChg>
+        <pc:cxnChg chg="del">
+          <ac:chgData name="Fatima Pillosu" userId="a6295d4dc9e22643" providerId="LiveId" clId="{7C54D53B-6D8A-4D6C-B453-C340742CA252}" dt="2024-05-08T21:01:51.861" v="550" actId="21"/>
+          <ac:cxnSpMkLst>
+            <pc:docMk/>
+            <pc:sldMk cId="3388292743" sldId="256"/>
+            <ac:cxnSpMk id="216" creationId="{68E808D6-C6B3-53BA-AF21-5AA208B9E4E1}"/>
+          </ac:cxnSpMkLst>
+        </pc:cxnChg>
+        <pc:cxnChg chg="del mod">
+          <ac:chgData name="Fatima Pillosu" userId="a6295d4dc9e22643" providerId="LiveId" clId="{7C54D53B-6D8A-4D6C-B453-C340742CA252}" dt="2024-05-08T21:01:51.861" v="550" actId="21"/>
+          <ac:cxnSpMkLst>
+            <pc:docMk/>
+            <pc:sldMk cId="3388292743" sldId="256"/>
+            <ac:cxnSpMk id="218" creationId="{51C97000-22C7-45AA-09C8-B40F2D71C428}"/>
+          </ac:cxnSpMkLst>
+        </pc:cxnChg>
+        <pc:cxnChg chg="del mod">
+          <ac:chgData name="Fatima Pillosu" userId="a6295d4dc9e22643" providerId="LiveId" clId="{7C54D53B-6D8A-4D6C-B453-C340742CA252}" dt="2024-05-08T21:01:51.861" v="550" actId="21"/>
+          <ac:cxnSpMkLst>
+            <pc:docMk/>
+            <pc:sldMk cId="3388292743" sldId="256"/>
+            <ac:cxnSpMk id="220" creationId="{EBBE1EAF-FC44-2C11-DD41-652D5D8EEE6E}"/>
+          </ac:cxnSpMkLst>
+        </pc:cxnChg>
+        <pc:cxnChg chg="del mod">
+          <ac:chgData name="Fatima Pillosu" userId="a6295d4dc9e22643" providerId="LiveId" clId="{7C54D53B-6D8A-4D6C-B453-C340742CA252}" dt="2024-05-08T21:01:51.861" v="550" actId="21"/>
+          <ac:cxnSpMkLst>
+            <pc:docMk/>
+            <pc:sldMk cId="3388292743" sldId="256"/>
+            <ac:cxnSpMk id="223" creationId="{DE37AEE8-E9AC-911F-D880-3654B8113288}"/>
+          </ac:cxnSpMkLst>
+        </pc:cxnChg>
+        <pc:cxnChg chg="del mod">
+          <ac:chgData name="Fatima Pillosu" userId="a6295d4dc9e22643" providerId="LiveId" clId="{7C54D53B-6D8A-4D6C-B453-C340742CA252}" dt="2024-05-08T21:01:51.861" v="550" actId="21"/>
+          <ac:cxnSpMkLst>
+            <pc:docMk/>
+            <pc:sldMk cId="3388292743" sldId="256"/>
+            <ac:cxnSpMk id="225" creationId="{8F0F7BA8-6CE8-AB43-7BAD-0DA5AABF4397}"/>
+          </ac:cxnSpMkLst>
+        </pc:cxnChg>
+        <pc:cxnChg chg="del mod">
+          <ac:chgData name="Fatima Pillosu" userId="a6295d4dc9e22643" providerId="LiveId" clId="{7C54D53B-6D8A-4D6C-B453-C340742CA252}" dt="2024-05-08T21:01:51.861" v="550" actId="21"/>
+          <ac:cxnSpMkLst>
+            <pc:docMk/>
+            <pc:sldMk cId="3388292743" sldId="256"/>
+            <ac:cxnSpMk id="227" creationId="{73C29097-90CC-6C73-7D65-6817A56E5B5B}"/>
+          </ac:cxnSpMkLst>
+        </pc:cxnChg>
+        <pc:cxnChg chg="del mod">
+          <ac:chgData name="Fatima Pillosu" userId="a6295d4dc9e22643" providerId="LiveId" clId="{7C54D53B-6D8A-4D6C-B453-C340742CA252}" dt="2024-05-08T21:01:51.861" v="550" actId="21"/>
+          <ac:cxnSpMkLst>
+            <pc:docMk/>
+            <pc:sldMk cId="3388292743" sldId="256"/>
+            <ac:cxnSpMk id="229" creationId="{A4CB8059-4966-CD59-8569-E79B5F61B321}"/>
+          </ac:cxnSpMkLst>
+        </pc:cxnChg>
+        <pc:cxnChg chg="del">
+          <ac:chgData name="Fatima Pillosu" userId="a6295d4dc9e22643" providerId="LiveId" clId="{7C54D53B-6D8A-4D6C-B453-C340742CA252}" dt="2024-05-08T21:01:51.861" v="550" actId="21"/>
+          <ac:cxnSpMkLst>
+            <pc:docMk/>
+            <pc:sldMk cId="3388292743" sldId="256"/>
+            <ac:cxnSpMk id="232" creationId="{7F3FDB81-E034-EF49-38EC-EC00C6EC21F4}"/>
+          </ac:cxnSpMkLst>
+        </pc:cxnChg>
+        <pc:cxnChg chg="add del mod">
+          <ac:chgData name="Fatima Pillosu" userId="a6295d4dc9e22643" providerId="LiveId" clId="{7C54D53B-6D8A-4D6C-B453-C340742CA252}" dt="2024-05-09T06:19:33.859" v="2497" actId="21"/>
+          <ac:cxnSpMkLst>
+            <pc:docMk/>
+            <pc:sldMk cId="3388292743" sldId="256"/>
+            <ac:cxnSpMk id="241" creationId="{D7EAB86B-E58D-8F5C-3759-1C0CF3A6B143}"/>
+          </ac:cxnSpMkLst>
+        </pc:cxnChg>
+        <pc:cxnChg chg="add del mod">
+          <ac:chgData name="Fatima Pillosu" userId="a6295d4dc9e22643" providerId="LiveId" clId="{7C54D53B-6D8A-4D6C-B453-C340742CA252}" dt="2024-05-09T06:18:48.487" v="2494" actId="478"/>
+          <ac:cxnSpMkLst>
+            <pc:docMk/>
+            <pc:sldMk cId="3388292743" sldId="256"/>
+            <ac:cxnSpMk id="260" creationId="{22F1327F-4762-23E6-8E56-0E2D8D2F7D1C}"/>
+          </ac:cxnSpMkLst>
+        </pc:cxnChg>
+        <pc:cxnChg chg="add mod">
+          <ac:chgData name="Fatima Pillosu" userId="a6295d4dc9e22643" providerId="LiveId" clId="{7C54D53B-6D8A-4D6C-B453-C340742CA252}" dt="2024-05-09T06:20:16.517" v="2508" actId="1037"/>
+          <ac:cxnSpMkLst>
+            <pc:docMk/>
+            <pc:sldMk cId="3388292743" sldId="256"/>
+            <ac:cxnSpMk id="275" creationId="{25FFFBF5-0962-FDF6-BFEE-62D5ACE79A93}"/>
+          </ac:cxnSpMkLst>
+        </pc:cxnChg>
+        <pc:cxnChg chg="add mod">
+          <ac:chgData name="Fatima Pillosu" userId="a6295d4dc9e22643" providerId="LiveId" clId="{7C54D53B-6D8A-4D6C-B453-C340742CA252}" dt="2024-05-09T06:20:16.517" v="2508" actId="1037"/>
+          <ac:cxnSpMkLst>
+            <pc:docMk/>
+            <pc:sldMk cId="3388292743" sldId="256"/>
+            <ac:cxnSpMk id="291" creationId="{F966BAC7-655C-B54C-6500-7B600429896B}"/>
+          </ac:cxnSpMkLst>
+        </pc:cxnChg>
+        <pc:cxnChg chg="add mod">
+          <ac:chgData name="Fatima Pillosu" userId="a6295d4dc9e22643" providerId="LiveId" clId="{7C54D53B-6D8A-4D6C-B453-C340742CA252}" dt="2024-05-09T06:20:16.517" v="2508" actId="1037"/>
+          <ac:cxnSpMkLst>
+            <pc:docMk/>
+            <pc:sldMk cId="3388292743" sldId="256"/>
+            <ac:cxnSpMk id="292" creationId="{36AC5CC4-998F-5AD7-29AA-F80C43B6709D}"/>
+          </ac:cxnSpMkLst>
+        </pc:cxnChg>
+        <pc:cxnChg chg="add mod">
+          <ac:chgData name="Fatima Pillosu" userId="a6295d4dc9e22643" providerId="LiveId" clId="{7C54D53B-6D8A-4D6C-B453-C340742CA252}" dt="2024-05-09T06:20:16.517" v="2508" actId="1037"/>
+          <ac:cxnSpMkLst>
+            <pc:docMk/>
+            <pc:sldMk cId="3388292743" sldId="256"/>
+            <ac:cxnSpMk id="293" creationId="{362821AF-ABD2-6F92-9356-59B702E658EF}"/>
+          </ac:cxnSpMkLst>
+        </pc:cxnChg>
+        <pc:cxnChg chg="add mod">
+          <ac:chgData name="Fatima Pillosu" userId="a6295d4dc9e22643" providerId="LiveId" clId="{7C54D53B-6D8A-4D6C-B453-C340742CA252}" dt="2024-05-09T06:20:16.517" v="2508" actId="1037"/>
+          <ac:cxnSpMkLst>
+            <pc:docMk/>
+            <pc:sldMk cId="3388292743" sldId="256"/>
+            <ac:cxnSpMk id="294" creationId="{46B9E1F7-471C-9B7C-8E2D-D9CAA5D954D0}"/>
+          </ac:cxnSpMkLst>
+        </pc:cxnChg>
+        <pc:cxnChg chg="add mod">
+          <ac:chgData name="Fatima Pillosu" userId="a6295d4dc9e22643" providerId="LiveId" clId="{7C54D53B-6D8A-4D6C-B453-C340742CA252}" dt="2024-05-09T06:20:16.517" v="2508" actId="1037"/>
+          <ac:cxnSpMkLst>
+            <pc:docMk/>
+            <pc:sldMk cId="3388292743" sldId="256"/>
+            <ac:cxnSpMk id="295" creationId="{0ED85F73-5F72-DEAB-1FF0-6565DE251992}"/>
+          </ac:cxnSpMkLst>
+        </pc:cxnChg>
+        <pc:cxnChg chg="add mod">
+          <ac:chgData name="Fatima Pillosu" userId="a6295d4dc9e22643" providerId="LiveId" clId="{7C54D53B-6D8A-4D6C-B453-C340742CA252}" dt="2024-05-09T06:20:16.517" v="2508" actId="1037"/>
+          <ac:cxnSpMkLst>
+            <pc:docMk/>
+            <pc:sldMk cId="3388292743" sldId="256"/>
+            <ac:cxnSpMk id="296" creationId="{DD3FCB64-F52D-2469-6017-51CFAA13227D}"/>
+          </ac:cxnSpMkLst>
+        </pc:cxnChg>
+        <pc:cxnChg chg="add mod">
+          <ac:chgData name="Fatima Pillosu" userId="a6295d4dc9e22643" providerId="LiveId" clId="{7C54D53B-6D8A-4D6C-B453-C340742CA252}" dt="2024-05-09T06:20:16.517" v="2508" actId="1037"/>
+          <ac:cxnSpMkLst>
+            <pc:docMk/>
+            <pc:sldMk cId="3388292743" sldId="256"/>
+            <ac:cxnSpMk id="297" creationId="{2E931C7E-C21E-38A5-A4FD-A7B174FCB54F}"/>
+          </ac:cxnSpMkLst>
+        </pc:cxnChg>
+        <pc:cxnChg chg="add mod">
+          <ac:chgData name="Fatima Pillosu" userId="a6295d4dc9e22643" providerId="LiveId" clId="{7C54D53B-6D8A-4D6C-B453-C340742CA252}" dt="2024-05-09T06:20:16.517" v="2508" actId="1037"/>
+          <ac:cxnSpMkLst>
+            <pc:docMk/>
+            <pc:sldMk cId="3388292743" sldId="256"/>
+            <ac:cxnSpMk id="298" creationId="{E7BCB7C7-2BEA-BE3E-E53C-D38BE3A5F591}"/>
+          </ac:cxnSpMkLst>
+        </pc:cxnChg>
+        <pc:cxnChg chg="add mod">
+          <ac:chgData name="Fatima Pillosu" userId="a6295d4dc9e22643" providerId="LiveId" clId="{7C54D53B-6D8A-4D6C-B453-C340742CA252}" dt="2024-05-09T06:20:16.517" v="2508" actId="1037"/>
+          <ac:cxnSpMkLst>
+            <pc:docMk/>
+            <pc:sldMk cId="3388292743" sldId="256"/>
+            <ac:cxnSpMk id="299" creationId="{5A3B356D-AE69-C313-5545-79A0124A6132}"/>
+          </ac:cxnSpMkLst>
+        </pc:cxnChg>
+        <pc:cxnChg chg="add mod">
+          <ac:chgData name="Fatima Pillosu" userId="a6295d4dc9e22643" providerId="LiveId" clId="{7C54D53B-6D8A-4D6C-B453-C340742CA252}" dt="2024-05-09T06:20:16.517" v="2508" actId="1037"/>
+          <ac:cxnSpMkLst>
+            <pc:docMk/>
+            <pc:sldMk cId="3388292743" sldId="256"/>
+            <ac:cxnSpMk id="300" creationId="{E0F7E986-713F-2CE8-FC68-E64A97D3F6FC}"/>
+          </ac:cxnSpMkLst>
+        </pc:cxnChg>
+        <pc:cxnChg chg="add mod">
+          <ac:chgData name="Fatima Pillosu" userId="a6295d4dc9e22643" providerId="LiveId" clId="{7C54D53B-6D8A-4D6C-B453-C340742CA252}" dt="2024-05-09T06:20:16.517" v="2508" actId="1037"/>
+          <ac:cxnSpMkLst>
+            <pc:docMk/>
+            <pc:sldMk cId="3388292743" sldId="256"/>
+            <ac:cxnSpMk id="301" creationId="{14CADFB2-BBFC-3EBD-48C4-C598D43EE6D6}"/>
+          </ac:cxnSpMkLst>
+        </pc:cxnChg>
+        <pc:cxnChg chg="add mod">
+          <ac:chgData name="Fatima Pillosu" userId="a6295d4dc9e22643" providerId="LiveId" clId="{7C54D53B-6D8A-4D6C-B453-C340742CA252}" dt="2024-05-09T06:19:53.341" v="2498"/>
+          <ac:cxnSpMkLst>
+            <pc:docMk/>
+            <pc:sldMk cId="3388292743" sldId="256"/>
+            <ac:cxnSpMk id="302" creationId="{44CAD452-9AED-C10C-BB8C-E4D60CE2DF49}"/>
+          </ac:cxnSpMkLst>
+        </pc:cxnChg>
+        <pc:cxnChg chg="add mod">
+          <ac:chgData name="Fatima Pillosu" userId="a6295d4dc9e22643" providerId="LiveId" clId="{7C54D53B-6D8A-4D6C-B453-C340742CA252}" dt="2024-05-09T06:20:16.517" v="2508" actId="1037"/>
+          <ac:cxnSpMkLst>
+            <pc:docMk/>
+            <pc:sldMk cId="3388292743" sldId="256"/>
+            <ac:cxnSpMk id="312" creationId="{09117A4A-7C73-868D-671B-E0DD6A42EF25}"/>
+          </ac:cxnSpMkLst>
+        </pc:cxnChg>
+        <pc:cxnChg chg="add mod">
+          <ac:chgData name="Fatima Pillosu" userId="a6295d4dc9e22643" providerId="LiveId" clId="{7C54D53B-6D8A-4D6C-B453-C340742CA252}" dt="2024-05-09T06:19:53.341" v="2498"/>
+          <ac:cxnSpMkLst>
+            <pc:docMk/>
+            <pc:sldMk cId="3388292743" sldId="256"/>
+            <ac:cxnSpMk id="334" creationId="{EFE4181B-56BF-8A56-22E8-E1BB120F69D4}"/>
+          </ac:cxnSpMkLst>
+        </pc:cxnChg>
+      </pc:sldChg>
+      <pc:sldChg chg="delSp new del mod">
+        <pc:chgData name="Fatima Pillosu" userId="a6295d4dc9e22643" providerId="LiveId" clId="{7C54D53B-6D8A-4D6C-B453-C340742CA252}" dt="2024-05-08T16:14:20.526" v="32" actId="2696"/>
+        <pc:sldMkLst>
+          <pc:docMk/>
+          <pc:sldMk cId="2805158887" sldId="257"/>
+        </pc:sldMkLst>
+        <pc:spChg chg="del">
+          <ac:chgData name="Fatima Pillosu" userId="a6295d4dc9e22643" providerId="LiveId" clId="{7C54D53B-6D8A-4D6C-B453-C340742CA252}" dt="2024-05-08T16:13:36.227" v="31" actId="478"/>
+          <ac:spMkLst>
+            <pc:docMk/>
+            <pc:sldMk cId="2805158887" sldId="257"/>
+            <ac:spMk id="2" creationId="{63D3BD71-85F9-2F69-3ED5-81D660398C37}"/>
+          </ac:spMkLst>
+        </pc:spChg>
+        <pc:spChg chg="del">
+          <ac:chgData name="Fatima Pillosu" userId="a6295d4dc9e22643" providerId="LiveId" clId="{7C54D53B-6D8A-4D6C-B453-C340742CA252}" dt="2024-05-08T16:13:35.683" v="30" actId="478"/>
+          <ac:spMkLst>
+            <pc:docMk/>
+            <pc:sldMk cId="2805158887" sldId="257"/>
+            <ac:spMk id="3" creationId="{145C2150-4F33-3E6A-B317-A0C556D7E871}"/>
+          </ac:spMkLst>
+        </pc:spChg>
+      </pc:sldChg>
+    </pc:docChg>
+  </pc:docChgLst>
   <pc:docChgLst>
     <pc:chgData name="Fatima Pillosu" userId="a6295d4dc9e22643" providerId="LiveId" clId="{2F856B84-E7F2-42B1-B652-585ABF37E7E2}"/>
     <pc:docChg chg="custSel modSld">
@@ -1541,15 +3601,15 @@
         </p:nvSpPr>
         <p:spPr>
           <a:xfrm>
-            <a:off x="760413" y="577290"/>
-            <a:ext cx="4562475" cy="1228066"/>
+            <a:off x="944960" y="671599"/>
+            <a:ext cx="5669756" cy="1428691"/>
           </a:xfrm>
         </p:spPr>
         <p:txBody>
           <a:bodyPr anchor="b"/>
           <a:lstStyle>
             <a:lvl1pPr algn="ctr">
-              <a:defRPr sz="2994"/>
+              <a:defRPr sz="3590"/>
             </a:lvl1pPr>
           </a:lstStyle>
           <a:p>
@@ -1573,8 +3633,8 @@
         </p:nvSpPr>
         <p:spPr>
           <a:xfrm>
-            <a:off x="760413" y="1852715"/>
-            <a:ext cx="4562475" cy="851644"/>
+            <a:off x="944960" y="2155387"/>
+            <a:ext cx="5669756" cy="990774"/>
           </a:xfrm>
         </p:spPr>
         <p:txBody>
@@ -1582,39 +3642,39 @@
           <a:lstStyle>
             <a:lvl1pPr marL="0" indent="0" algn="ctr">
               <a:buNone/>
-              <a:defRPr sz="1198"/>
+              <a:defRPr sz="1436"/>
             </a:lvl1pPr>
-            <a:lvl2pPr marL="228143" indent="0" algn="ctr">
+            <a:lvl2pPr marL="273588" indent="0" algn="ctr">
               <a:buNone/>
-              <a:defRPr sz="998"/>
+              <a:defRPr sz="1197"/>
             </a:lvl2pPr>
-            <a:lvl3pPr marL="456286" indent="0" algn="ctr">
+            <a:lvl3pPr marL="547177" indent="0" algn="ctr">
               <a:buNone/>
-              <a:defRPr sz="898"/>
+              <a:defRPr sz="1077"/>
             </a:lvl3pPr>
-            <a:lvl4pPr marL="684428" indent="0" algn="ctr">
+            <a:lvl4pPr marL="820765" indent="0" algn="ctr">
               <a:buNone/>
-              <a:defRPr sz="798"/>
+              <a:defRPr sz="957"/>
             </a:lvl4pPr>
-            <a:lvl5pPr marL="912571" indent="0" algn="ctr">
+            <a:lvl5pPr marL="1094354" indent="0" algn="ctr">
               <a:buNone/>
-              <a:defRPr sz="798"/>
+              <a:defRPr sz="957"/>
             </a:lvl5pPr>
-            <a:lvl6pPr marL="1140714" indent="0" algn="ctr">
+            <a:lvl6pPr marL="1367942" indent="0" algn="ctr">
               <a:buNone/>
-              <a:defRPr sz="798"/>
+              <a:defRPr sz="957"/>
             </a:lvl6pPr>
-            <a:lvl7pPr marL="1368857" indent="0" algn="ctr">
+            <a:lvl7pPr marL="1641531" indent="0" algn="ctr">
               <a:buNone/>
-              <a:defRPr sz="798"/>
+              <a:defRPr sz="957"/>
             </a:lvl7pPr>
-            <a:lvl8pPr marL="1597000" indent="0" algn="ctr">
+            <a:lvl8pPr marL="1915119" indent="0" algn="ctr">
               <a:buNone/>
-              <a:defRPr sz="798"/>
+              <a:defRPr sz="957"/>
             </a:lvl8pPr>
-            <a:lvl9pPr marL="1825142" indent="0" algn="ctr">
+            <a:lvl9pPr marL="2188708" indent="0" algn="ctr">
               <a:buNone/>
-              <a:defRPr sz="798"/>
+              <a:defRPr sz="957"/>
             </a:lvl9pPr>
           </a:lstStyle>
           <a:p>
@@ -1643,7 +3703,7 @@
           <a:p>
             <a:fld id="{BE90AB92-9B2A-4B8F-852B-2B1D132E881F}" type="datetimeFigureOut">
               <a:rPr lang="en-GB" smtClean="0"/>
-              <a:t>14/04/2024</a:t>
+              <a:t>08/05/2024</a:t>
             </a:fld>
             <a:endParaRPr lang="en-GB"/>
           </a:p>
@@ -1694,7 +3754,7 @@
     </p:spTree>
     <p:extLst>
       <p:ext uri="{BB962C8B-B14F-4D97-AF65-F5344CB8AC3E}">
-        <p14:creationId xmlns:p14="http://schemas.microsoft.com/office/powerpoint/2010/main" val="2993242036"/>
+        <p14:creationId xmlns:p14="http://schemas.microsoft.com/office/powerpoint/2010/main" val="961317533"/>
       </p:ext>
     </p:extLst>
   </p:cSld>
@@ -1813,7 +3873,7 @@
           <a:p>
             <a:fld id="{BE90AB92-9B2A-4B8F-852B-2B1D132E881F}" type="datetimeFigureOut">
               <a:rPr lang="en-GB" smtClean="0"/>
-              <a:t>14/04/2024</a:t>
+              <a:t>08/05/2024</a:t>
             </a:fld>
             <a:endParaRPr lang="en-GB"/>
           </a:p>
@@ -1864,7 +3924,7 @@
     </p:spTree>
     <p:extLst>
       <p:ext uri="{BB962C8B-B14F-4D97-AF65-F5344CB8AC3E}">
-        <p14:creationId xmlns:p14="http://schemas.microsoft.com/office/powerpoint/2010/main" val="4126652277"/>
+        <p14:creationId xmlns:p14="http://schemas.microsoft.com/office/powerpoint/2010/main" val="1458486571"/>
       </p:ext>
     </p:extLst>
   </p:cSld>
@@ -1903,8 +3963,8 @@
         </p:nvSpPr>
         <p:spPr>
           <a:xfrm>
-            <a:off x="4353361" y="187803"/>
-            <a:ext cx="1311712" cy="2989330"/>
+            <a:off x="5409892" y="218483"/>
+            <a:ext cx="1630055" cy="3477686"/>
           </a:xfrm>
         </p:spPr>
         <p:txBody>
@@ -1931,8 +3991,8 @@
         </p:nvSpPr>
         <p:spPr>
           <a:xfrm>
-            <a:off x="418227" y="187803"/>
-            <a:ext cx="3859093" cy="2989330"/>
+            <a:off x="519728" y="218483"/>
+            <a:ext cx="4795669" cy="3477686"/>
           </a:xfrm>
         </p:spPr>
         <p:txBody>
@@ -1993,7 +4053,7 @@
           <a:p>
             <a:fld id="{BE90AB92-9B2A-4B8F-852B-2B1D132E881F}" type="datetimeFigureOut">
               <a:rPr lang="en-GB" smtClean="0"/>
-              <a:t>14/04/2024</a:t>
+              <a:t>08/05/2024</a:t>
             </a:fld>
             <a:endParaRPr lang="en-GB"/>
           </a:p>
@@ -2044,7 +4104,7 @@
     </p:spTree>
     <p:extLst>
       <p:ext uri="{BB962C8B-B14F-4D97-AF65-F5344CB8AC3E}">
-        <p14:creationId xmlns:p14="http://schemas.microsoft.com/office/powerpoint/2010/main" val="3429321635"/>
+        <p14:creationId xmlns:p14="http://schemas.microsoft.com/office/powerpoint/2010/main" val="2704502155"/>
       </p:ext>
     </p:extLst>
   </p:cSld>
@@ -2163,7 +4223,7 @@
           <a:p>
             <a:fld id="{BE90AB92-9B2A-4B8F-852B-2B1D132E881F}" type="datetimeFigureOut">
               <a:rPr lang="en-GB" smtClean="0"/>
-              <a:t>14/04/2024</a:t>
+              <a:t>08/05/2024</a:t>
             </a:fld>
             <a:endParaRPr lang="en-GB"/>
           </a:p>
@@ -2214,7 +4274,7 @@
     </p:spTree>
     <p:extLst>
       <p:ext uri="{BB962C8B-B14F-4D97-AF65-F5344CB8AC3E}">
-        <p14:creationId xmlns:p14="http://schemas.microsoft.com/office/powerpoint/2010/main" val="1100867749"/>
+        <p14:creationId xmlns:p14="http://schemas.microsoft.com/office/powerpoint/2010/main" val="3107945850"/>
       </p:ext>
     </p:extLst>
   </p:cSld>
@@ -2253,15 +4313,15 @@
         </p:nvSpPr>
         <p:spPr>
           <a:xfrm>
-            <a:off x="415059" y="879407"/>
-            <a:ext cx="5246846" cy="1467311"/>
+            <a:off x="515790" y="1023073"/>
+            <a:ext cx="6520220" cy="1707020"/>
           </a:xfrm>
         </p:spPr>
         <p:txBody>
           <a:bodyPr anchor="b"/>
           <a:lstStyle>
             <a:lvl1pPr>
-              <a:defRPr sz="2994"/>
+              <a:defRPr sz="3590"/>
             </a:lvl1pPr>
           </a:lstStyle>
           <a:p>
@@ -2285,8 +4345,8 @@
         </p:nvSpPr>
         <p:spPr>
           <a:xfrm>
-            <a:off x="415059" y="2360599"/>
-            <a:ext cx="5246846" cy="771624"/>
+            <a:off x="515790" y="2746242"/>
+            <a:ext cx="6520220" cy="897681"/>
           </a:xfrm>
         </p:spPr>
         <p:txBody>
@@ -2294,7 +4354,7 @@
           <a:lstStyle>
             <a:lvl1pPr marL="0" indent="0">
               <a:buNone/>
-              <a:defRPr sz="1198">
+              <a:defRPr sz="1436">
                 <a:solidFill>
                   <a:schemeClr val="tx1">
                     <a:tint val="75000"/>
@@ -2302,9 +4362,9 @@
                 </a:solidFill>
               </a:defRPr>
             </a:lvl1pPr>
-            <a:lvl2pPr marL="228143" indent="0">
+            <a:lvl2pPr marL="273588" indent="0">
               <a:buNone/>
-              <a:defRPr sz="998">
+              <a:defRPr sz="1197">
                 <a:solidFill>
                   <a:schemeClr val="tx1">
                     <a:tint val="75000"/>
@@ -2312,9 +4372,9 @@
                 </a:solidFill>
               </a:defRPr>
             </a:lvl2pPr>
-            <a:lvl3pPr marL="456286" indent="0">
+            <a:lvl3pPr marL="547177" indent="0">
               <a:buNone/>
-              <a:defRPr sz="898">
+              <a:defRPr sz="1077">
                 <a:solidFill>
                   <a:schemeClr val="tx1">
                     <a:tint val="75000"/>
@@ -2322,9 +4382,9 @@
                 </a:solidFill>
               </a:defRPr>
             </a:lvl3pPr>
-            <a:lvl4pPr marL="684428" indent="0">
+            <a:lvl4pPr marL="820765" indent="0">
               <a:buNone/>
-              <a:defRPr sz="798">
+              <a:defRPr sz="957">
                 <a:solidFill>
                   <a:schemeClr val="tx1">
                     <a:tint val="75000"/>
@@ -2332,9 +4392,9 @@
                 </a:solidFill>
               </a:defRPr>
             </a:lvl4pPr>
-            <a:lvl5pPr marL="912571" indent="0">
+            <a:lvl5pPr marL="1094354" indent="0">
               <a:buNone/>
-              <a:defRPr sz="798">
+              <a:defRPr sz="957">
                 <a:solidFill>
                   <a:schemeClr val="tx1">
                     <a:tint val="75000"/>
@@ -2342,9 +4402,9 @@
                 </a:solidFill>
               </a:defRPr>
             </a:lvl5pPr>
-            <a:lvl6pPr marL="1140714" indent="0">
+            <a:lvl6pPr marL="1367942" indent="0">
               <a:buNone/>
-              <a:defRPr sz="798">
+              <a:defRPr sz="957">
                 <a:solidFill>
                   <a:schemeClr val="tx1">
                     <a:tint val="75000"/>
@@ -2352,9 +4412,9 @@
                 </a:solidFill>
               </a:defRPr>
             </a:lvl6pPr>
-            <a:lvl7pPr marL="1368857" indent="0">
+            <a:lvl7pPr marL="1641531" indent="0">
               <a:buNone/>
-              <a:defRPr sz="798">
+              <a:defRPr sz="957">
                 <a:solidFill>
                   <a:schemeClr val="tx1">
                     <a:tint val="75000"/>
@@ -2362,9 +4422,9 @@
                 </a:solidFill>
               </a:defRPr>
             </a:lvl7pPr>
-            <a:lvl8pPr marL="1597000" indent="0">
+            <a:lvl8pPr marL="1915119" indent="0">
               <a:buNone/>
-              <a:defRPr sz="798">
+              <a:defRPr sz="957">
                 <a:solidFill>
                   <a:schemeClr val="tx1">
                     <a:tint val="75000"/>
@@ -2372,9 +4432,9 @@
                 </a:solidFill>
               </a:defRPr>
             </a:lvl8pPr>
-            <a:lvl9pPr marL="1825142" indent="0">
+            <a:lvl9pPr marL="2188708" indent="0">
               <a:buNone/>
-              <a:defRPr sz="798">
+              <a:defRPr sz="957">
                 <a:solidFill>
                   <a:schemeClr val="tx1">
                     <a:tint val="75000"/>
@@ -2409,7 +4469,7 @@
           <a:p>
             <a:fld id="{BE90AB92-9B2A-4B8F-852B-2B1D132E881F}" type="datetimeFigureOut">
               <a:rPr lang="en-GB" smtClean="0"/>
-              <a:t>14/04/2024</a:t>
+              <a:t>08/05/2024</a:t>
             </a:fld>
             <a:endParaRPr lang="en-GB"/>
           </a:p>
@@ -2460,7 +4520,7 @@
     </p:spTree>
     <p:extLst>
       <p:ext uri="{BB962C8B-B14F-4D97-AF65-F5344CB8AC3E}">
-        <p14:creationId xmlns:p14="http://schemas.microsoft.com/office/powerpoint/2010/main" val="906038897"/>
+        <p14:creationId xmlns:p14="http://schemas.microsoft.com/office/powerpoint/2010/main" val="52830123"/>
       </p:ext>
     </p:extLst>
   </p:cSld>
@@ -2522,8 +4582,8 @@
         </p:nvSpPr>
         <p:spPr>
           <a:xfrm>
-            <a:off x="418227" y="939013"/>
-            <a:ext cx="2585403" cy="2238119"/>
+            <a:off x="519728" y="1092417"/>
+            <a:ext cx="3212862" cy="2603752"/>
           </a:xfrm>
         </p:spPr>
         <p:txBody>
@@ -2579,8 +4639,8 @@
         </p:nvSpPr>
         <p:spPr>
           <a:xfrm>
-            <a:off x="3079670" y="939013"/>
-            <a:ext cx="2585403" cy="2238119"/>
+            <a:off x="3827085" y="1092417"/>
+            <a:ext cx="3212862" cy="2603752"/>
           </a:xfrm>
         </p:spPr>
         <p:txBody>
@@ -2641,7 +4701,7 @@
           <a:p>
             <a:fld id="{BE90AB92-9B2A-4B8F-852B-2B1D132E881F}" type="datetimeFigureOut">
               <a:rPr lang="en-GB" smtClean="0"/>
-              <a:t>14/04/2024</a:t>
+              <a:t>08/05/2024</a:t>
             </a:fld>
             <a:endParaRPr lang="en-GB"/>
           </a:p>
@@ -2692,7 +4752,7 @@
     </p:spTree>
     <p:extLst>
       <p:ext uri="{BB962C8B-B14F-4D97-AF65-F5344CB8AC3E}">
-        <p14:creationId xmlns:p14="http://schemas.microsoft.com/office/powerpoint/2010/main" val="3335244127"/>
+        <p14:creationId xmlns:p14="http://schemas.microsoft.com/office/powerpoint/2010/main" val="3328692468"/>
       </p:ext>
     </p:extLst>
   </p:cSld>
@@ -2731,8 +4791,8 @@
         </p:nvSpPr>
         <p:spPr>
           <a:xfrm>
-            <a:off x="419019" y="187803"/>
-            <a:ext cx="5246846" cy="681806"/>
+            <a:off x="520712" y="218484"/>
+            <a:ext cx="6520220" cy="793190"/>
           </a:xfrm>
         </p:spPr>
         <p:txBody>
@@ -2759,8 +4819,8 @@
         </p:nvSpPr>
         <p:spPr>
           <a:xfrm>
-            <a:off x="419019" y="864709"/>
-            <a:ext cx="2573521" cy="423781"/>
+            <a:off x="520712" y="1005974"/>
+            <a:ext cx="3198097" cy="493012"/>
           </a:xfrm>
         </p:spPr>
         <p:txBody>
@@ -2768,39 +4828,39 @@
           <a:lstStyle>
             <a:lvl1pPr marL="0" indent="0">
               <a:buNone/>
-              <a:defRPr sz="1198" b="1"/>
+              <a:defRPr sz="1436" b="1"/>
             </a:lvl1pPr>
-            <a:lvl2pPr marL="228143" indent="0">
+            <a:lvl2pPr marL="273588" indent="0">
               <a:buNone/>
-              <a:defRPr sz="998" b="1"/>
+              <a:defRPr sz="1197" b="1"/>
             </a:lvl2pPr>
-            <a:lvl3pPr marL="456286" indent="0">
+            <a:lvl3pPr marL="547177" indent="0">
               <a:buNone/>
-              <a:defRPr sz="898" b="1"/>
+              <a:defRPr sz="1077" b="1"/>
             </a:lvl3pPr>
-            <a:lvl4pPr marL="684428" indent="0">
+            <a:lvl4pPr marL="820765" indent="0">
               <a:buNone/>
-              <a:defRPr sz="798" b="1"/>
+              <a:defRPr sz="957" b="1"/>
             </a:lvl4pPr>
-            <a:lvl5pPr marL="912571" indent="0">
+            <a:lvl5pPr marL="1094354" indent="0">
               <a:buNone/>
-              <a:defRPr sz="798" b="1"/>
+              <a:defRPr sz="957" b="1"/>
             </a:lvl5pPr>
-            <a:lvl6pPr marL="1140714" indent="0">
+            <a:lvl6pPr marL="1367942" indent="0">
               <a:buNone/>
-              <a:defRPr sz="798" b="1"/>
+              <a:defRPr sz="957" b="1"/>
             </a:lvl6pPr>
-            <a:lvl7pPr marL="1368857" indent="0">
+            <a:lvl7pPr marL="1641531" indent="0">
               <a:buNone/>
-              <a:defRPr sz="798" b="1"/>
+              <a:defRPr sz="957" b="1"/>
             </a:lvl7pPr>
-            <a:lvl8pPr marL="1597000" indent="0">
+            <a:lvl8pPr marL="1915119" indent="0">
               <a:buNone/>
-              <a:defRPr sz="798" b="1"/>
+              <a:defRPr sz="957" b="1"/>
             </a:lvl8pPr>
-            <a:lvl9pPr marL="1825142" indent="0">
+            <a:lvl9pPr marL="2188708" indent="0">
               <a:buNone/>
-              <a:defRPr sz="798" b="1"/>
+              <a:defRPr sz="957" b="1"/>
             </a:lvl9pPr>
           </a:lstStyle>
           <a:p>
@@ -2824,8 +4884,8 @@
         </p:nvSpPr>
         <p:spPr>
           <a:xfrm>
-            <a:off x="419019" y="1288490"/>
-            <a:ext cx="2573521" cy="1895175"/>
+            <a:off x="520712" y="1498986"/>
+            <a:ext cx="3198097" cy="2204783"/>
           </a:xfrm>
         </p:spPr>
         <p:txBody>
@@ -2881,8 +4941,8 @@
         </p:nvSpPr>
         <p:spPr>
           <a:xfrm>
-            <a:off x="3079671" y="864709"/>
-            <a:ext cx="2586195" cy="423781"/>
+            <a:off x="3827085" y="1005974"/>
+            <a:ext cx="3213847" cy="493012"/>
           </a:xfrm>
         </p:spPr>
         <p:txBody>
@@ -2890,39 +4950,39 @@
           <a:lstStyle>
             <a:lvl1pPr marL="0" indent="0">
               <a:buNone/>
-              <a:defRPr sz="1198" b="1"/>
+              <a:defRPr sz="1436" b="1"/>
             </a:lvl1pPr>
-            <a:lvl2pPr marL="228143" indent="0">
+            <a:lvl2pPr marL="273588" indent="0">
               <a:buNone/>
-              <a:defRPr sz="998" b="1"/>
+              <a:defRPr sz="1197" b="1"/>
             </a:lvl2pPr>
-            <a:lvl3pPr marL="456286" indent="0">
+            <a:lvl3pPr marL="547177" indent="0">
               <a:buNone/>
-              <a:defRPr sz="898" b="1"/>
+              <a:defRPr sz="1077" b="1"/>
             </a:lvl3pPr>
-            <a:lvl4pPr marL="684428" indent="0">
+            <a:lvl4pPr marL="820765" indent="0">
               <a:buNone/>
-              <a:defRPr sz="798" b="1"/>
+              <a:defRPr sz="957" b="1"/>
             </a:lvl4pPr>
-            <a:lvl5pPr marL="912571" indent="0">
+            <a:lvl5pPr marL="1094354" indent="0">
               <a:buNone/>
-              <a:defRPr sz="798" b="1"/>
+              <a:defRPr sz="957" b="1"/>
             </a:lvl5pPr>
-            <a:lvl6pPr marL="1140714" indent="0">
+            <a:lvl6pPr marL="1367942" indent="0">
               <a:buNone/>
-              <a:defRPr sz="798" b="1"/>
+              <a:defRPr sz="957" b="1"/>
             </a:lvl6pPr>
-            <a:lvl7pPr marL="1368857" indent="0">
+            <a:lvl7pPr marL="1641531" indent="0">
               <a:buNone/>
-              <a:defRPr sz="798" b="1"/>
+              <a:defRPr sz="957" b="1"/>
             </a:lvl7pPr>
-            <a:lvl8pPr marL="1597000" indent="0">
+            <a:lvl8pPr marL="1915119" indent="0">
               <a:buNone/>
-              <a:defRPr sz="798" b="1"/>
+              <a:defRPr sz="957" b="1"/>
             </a:lvl8pPr>
-            <a:lvl9pPr marL="1825142" indent="0">
+            <a:lvl9pPr marL="2188708" indent="0">
               <a:buNone/>
-              <a:defRPr sz="798" b="1"/>
+              <a:defRPr sz="957" b="1"/>
             </a:lvl9pPr>
           </a:lstStyle>
           <a:p>
@@ -2946,8 +5006,8 @@
         </p:nvSpPr>
         <p:spPr>
           <a:xfrm>
-            <a:off x="3079671" y="1288490"/>
-            <a:ext cx="2586195" cy="1895175"/>
+            <a:off x="3827085" y="1498986"/>
+            <a:ext cx="3213847" cy="2204783"/>
           </a:xfrm>
         </p:spPr>
         <p:txBody>
@@ -3008,7 +5068,7 @@
           <a:p>
             <a:fld id="{BE90AB92-9B2A-4B8F-852B-2B1D132E881F}" type="datetimeFigureOut">
               <a:rPr lang="en-GB" smtClean="0"/>
-              <a:t>14/04/2024</a:t>
+              <a:t>08/05/2024</a:t>
             </a:fld>
             <a:endParaRPr lang="en-GB"/>
           </a:p>
@@ -3059,7 +5119,7 @@
     </p:spTree>
     <p:extLst>
       <p:ext uri="{BB962C8B-B14F-4D97-AF65-F5344CB8AC3E}">
-        <p14:creationId xmlns:p14="http://schemas.microsoft.com/office/powerpoint/2010/main" val="1522585846"/>
+        <p14:creationId xmlns:p14="http://schemas.microsoft.com/office/powerpoint/2010/main" val="18169876"/>
       </p:ext>
     </p:extLst>
   </p:cSld>
@@ -3126,7 +5186,7 @@
           <a:p>
             <a:fld id="{BE90AB92-9B2A-4B8F-852B-2B1D132E881F}" type="datetimeFigureOut">
               <a:rPr lang="en-GB" smtClean="0"/>
-              <a:t>14/04/2024</a:t>
+              <a:t>08/05/2024</a:t>
             </a:fld>
             <a:endParaRPr lang="en-GB"/>
           </a:p>
@@ -3177,7 +5237,7 @@
     </p:spTree>
     <p:extLst>
       <p:ext uri="{BB962C8B-B14F-4D97-AF65-F5344CB8AC3E}">
-        <p14:creationId xmlns:p14="http://schemas.microsoft.com/office/powerpoint/2010/main" val="4167207200"/>
+        <p14:creationId xmlns:p14="http://schemas.microsoft.com/office/powerpoint/2010/main" val="1913484337"/>
       </p:ext>
     </p:extLst>
   </p:cSld>
@@ -3221,7 +5281,7 @@
           <a:p>
             <a:fld id="{BE90AB92-9B2A-4B8F-852B-2B1D132E881F}" type="datetimeFigureOut">
               <a:rPr lang="en-GB" smtClean="0"/>
-              <a:t>14/04/2024</a:t>
+              <a:t>08/05/2024</a:t>
             </a:fld>
             <a:endParaRPr lang="en-GB"/>
           </a:p>
@@ -3272,7 +5332,7 @@
     </p:spTree>
     <p:extLst>
       <p:ext uri="{BB962C8B-B14F-4D97-AF65-F5344CB8AC3E}">
-        <p14:creationId xmlns:p14="http://schemas.microsoft.com/office/powerpoint/2010/main" val="3656778486"/>
+        <p14:creationId xmlns:p14="http://schemas.microsoft.com/office/powerpoint/2010/main" val="511116787"/>
       </p:ext>
     </p:extLst>
   </p:cSld>
@@ -3311,15 +5371,15 @@
         </p:nvSpPr>
         <p:spPr>
           <a:xfrm>
-            <a:off x="419020" y="235162"/>
-            <a:ext cx="1962022" cy="823066"/>
+            <a:off x="520712" y="273579"/>
+            <a:ext cx="2438192" cy="957527"/>
           </a:xfrm>
         </p:spPr>
         <p:txBody>
           <a:bodyPr anchor="b"/>
           <a:lstStyle>
             <a:lvl1pPr>
-              <a:defRPr sz="1597"/>
+              <a:defRPr sz="1915"/>
             </a:lvl1pPr>
           </a:lstStyle>
           <a:p>
@@ -3343,39 +5403,39 @@
         </p:nvSpPr>
         <p:spPr>
           <a:xfrm>
-            <a:off x="2586195" y="507884"/>
-            <a:ext cx="3079671" cy="2506758"/>
+            <a:off x="3213847" y="590856"/>
+            <a:ext cx="3827085" cy="2916278"/>
           </a:xfrm>
         </p:spPr>
         <p:txBody>
           <a:bodyPr/>
           <a:lstStyle>
             <a:lvl1pPr>
-              <a:defRPr sz="1597"/>
+              <a:defRPr sz="1915"/>
             </a:lvl1pPr>
             <a:lvl2pPr>
-              <a:defRPr sz="1397"/>
+              <a:defRPr sz="1676"/>
             </a:lvl2pPr>
             <a:lvl3pPr>
-              <a:defRPr sz="1198"/>
+              <a:defRPr sz="1436"/>
             </a:lvl3pPr>
             <a:lvl4pPr>
-              <a:defRPr sz="998"/>
+              <a:defRPr sz="1197"/>
             </a:lvl4pPr>
             <a:lvl5pPr>
-              <a:defRPr sz="998"/>
+              <a:defRPr sz="1197"/>
             </a:lvl5pPr>
             <a:lvl6pPr>
-              <a:defRPr sz="998"/>
+              <a:defRPr sz="1197"/>
             </a:lvl6pPr>
             <a:lvl7pPr>
-              <a:defRPr sz="998"/>
+              <a:defRPr sz="1197"/>
             </a:lvl7pPr>
             <a:lvl8pPr>
-              <a:defRPr sz="998"/>
+              <a:defRPr sz="1197"/>
             </a:lvl8pPr>
             <a:lvl9pPr>
-              <a:defRPr sz="998"/>
+              <a:defRPr sz="1197"/>
             </a:lvl9pPr>
           </a:lstStyle>
           <a:p>
@@ -3428,8 +5488,8 @@
         </p:nvSpPr>
         <p:spPr>
           <a:xfrm>
-            <a:off x="419020" y="1058228"/>
-            <a:ext cx="1962022" cy="1960497"/>
+            <a:off x="520712" y="1231106"/>
+            <a:ext cx="2438192" cy="2280777"/>
           </a:xfrm>
         </p:spPr>
         <p:txBody>
@@ -3437,39 +5497,39 @@
           <a:lstStyle>
             <a:lvl1pPr marL="0" indent="0">
               <a:buNone/>
-              <a:defRPr sz="798"/>
+              <a:defRPr sz="957"/>
             </a:lvl1pPr>
-            <a:lvl2pPr marL="228143" indent="0">
+            <a:lvl2pPr marL="273588" indent="0">
               <a:buNone/>
-              <a:defRPr sz="699"/>
+              <a:defRPr sz="838"/>
             </a:lvl2pPr>
-            <a:lvl3pPr marL="456286" indent="0">
+            <a:lvl3pPr marL="547177" indent="0">
               <a:buNone/>
-              <a:defRPr sz="599"/>
+              <a:defRPr sz="718"/>
             </a:lvl3pPr>
-            <a:lvl4pPr marL="684428" indent="0">
+            <a:lvl4pPr marL="820765" indent="0">
               <a:buNone/>
-              <a:defRPr sz="499"/>
+              <a:defRPr sz="598"/>
             </a:lvl4pPr>
-            <a:lvl5pPr marL="912571" indent="0">
+            <a:lvl5pPr marL="1094354" indent="0">
               <a:buNone/>
-              <a:defRPr sz="499"/>
+              <a:defRPr sz="598"/>
             </a:lvl5pPr>
-            <a:lvl6pPr marL="1140714" indent="0">
+            <a:lvl6pPr marL="1367942" indent="0">
               <a:buNone/>
-              <a:defRPr sz="499"/>
+              <a:defRPr sz="598"/>
             </a:lvl6pPr>
-            <a:lvl7pPr marL="1368857" indent="0">
+            <a:lvl7pPr marL="1641531" indent="0">
               <a:buNone/>
-              <a:defRPr sz="499"/>
+              <a:defRPr sz="598"/>
             </a:lvl7pPr>
-            <a:lvl8pPr marL="1597000" indent="0">
+            <a:lvl8pPr marL="1915119" indent="0">
               <a:buNone/>
-              <a:defRPr sz="499"/>
+              <a:defRPr sz="598"/>
             </a:lvl8pPr>
-            <a:lvl9pPr marL="1825142" indent="0">
+            <a:lvl9pPr marL="2188708" indent="0">
               <a:buNone/>
-              <a:defRPr sz="499"/>
+              <a:defRPr sz="598"/>
             </a:lvl9pPr>
           </a:lstStyle>
           <a:p>
@@ -3498,7 +5558,7 @@
           <a:p>
             <a:fld id="{BE90AB92-9B2A-4B8F-852B-2B1D132E881F}" type="datetimeFigureOut">
               <a:rPr lang="en-GB" smtClean="0"/>
-              <a:t>14/04/2024</a:t>
+              <a:t>08/05/2024</a:t>
             </a:fld>
             <a:endParaRPr lang="en-GB"/>
           </a:p>
@@ -3549,7 +5609,7 @@
     </p:spTree>
     <p:extLst>
       <p:ext uri="{BB962C8B-B14F-4D97-AF65-F5344CB8AC3E}">
-        <p14:creationId xmlns:p14="http://schemas.microsoft.com/office/powerpoint/2010/main" val="808891830"/>
+        <p14:creationId xmlns:p14="http://schemas.microsoft.com/office/powerpoint/2010/main" val="1316026582"/>
       </p:ext>
     </p:extLst>
   </p:cSld>
@@ -3588,15 +5648,15 @@
         </p:nvSpPr>
         <p:spPr>
           <a:xfrm>
-            <a:off x="419020" y="235162"/>
-            <a:ext cx="1962022" cy="823066"/>
+            <a:off x="520712" y="273579"/>
+            <a:ext cx="2438192" cy="957527"/>
           </a:xfrm>
         </p:spPr>
         <p:txBody>
           <a:bodyPr anchor="b"/>
           <a:lstStyle>
             <a:lvl1pPr>
-              <a:defRPr sz="1597"/>
+              <a:defRPr sz="1915"/>
             </a:lvl1pPr>
           </a:lstStyle>
           <a:p>
@@ -3620,8 +5680,8 @@
         </p:nvSpPr>
         <p:spPr>
           <a:xfrm>
-            <a:off x="2586195" y="507884"/>
-            <a:ext cx="3079671" cy="2506758"/>
+            <a:off x="3213847" y="590856"/>
+            <a:ext cx="3827085" cy="2916278"/>
           </a:xfrm>
         </p:spPr>
         <p:txBody>
@@ -3629,39 +5689,39 @@
           <a:lstStyle>
             <a:lvl1pPr marL="0" indent="0">
               <a:buNone/>
-              <a:defRPr sz="1597"/>
+              <a:defRPr sz="1915"/>
             </a:lvl1pPr>
-            <a:lvl2pPr marL="228143" indent="0">
+            <a:lvl2pPr marL="273588" indent="0">
               <a:buNone/>
-              <a:defRPr sz="1397"/>
+              <a:defRPr sz="1676"/>
             </a:lvl2pPr>
-            <a:lvl3pPr marL="456286" indent="0">
+            <a:lvl3pPr marL="547177" indent="0">
               <a:buNone/>
-              <a:defRPr sz="1198"/>
+              <a:defRPr sz="1436"/>
             </a:lvl3pPr>
-            <a:lvl4pPr marL="684428" indent="0">
+            <a:lvl4pPr marL="820765" indent="0">
               <a:buNone/>
-              <a:defRPr sz="998"/>
+              <a:defRPr sz="1197"/>
             </a:lvl4pPr>
-            <a:lvl5pPr marL="912571" indent="0">
+            <a:lvl5pPr marL="1094354" indent="0">
               <a:buNone/>
-              <a:defRPr sz="998"/>
+              <a:defRPr sz="1197"/>
             </a:lvl5pPr>
-            <a:lvl6pPr marL="1140714" indent="0">
+            <a:lvl6pPr marL="1367942" indent="0">
               <a:buNone/>
-              <a:defRPr sz="998"/>
+              <a:defRPr sz="1197"/>
             </a:lvl6pPr>
-            <a:lvl7pPr marL="1368857" indent="0">
+            <a:lvl7pPr marL="1641531" indent="0">
               <a:buNone/>
-              <a:defRPr sz="998"/>
+              <a:defRPr sz="1197"/>
             </a:lvl7pPr>
-            <a:lvl8pPr marL="1597000" indent="0">
+            <a:lvl8pPr marL="1915119" indent="0">
               <a:buNone/>
-              <a:defRPr sz="998"/>
+              <a:defRPr sz="1197"/>
             </a:lvl8pPr>
-            <a:lvl9pPr marL="1825142" indent="0">
+            <a:lvl9pPr marL="2188708" indent="0">
               <a:buNone/>
-              <a:defRPr sz="998"/>
+              <a:defRPr sz="1197"/>
             </a:lvl9pPr>
           </a:lstStyle>
           <a:p>
@@ -3685,8 +5745,8 @@
         </p:nvSpPr>
         <p:spPr>
           <a:xfrm>
-            <a:off x="419020" y="1058228"/>
-            <a:ext cx="1962022" cy="1960497"/>
+            <a:off x="520712" y="1231106"/>
+            <a:ext cx="2438192" cy="2280777"/>
           </a:xfrm>
         </p:spPr>
         <p:txBody>
@@ -3694,39 +5754,39 @@
           <a:lstStyle>
             <a:lvl1pPr marL="0" indent="0">
               <a:buNone/>
-              <a:defRPr sz="798"/>
+              <a:defRPr sz="957"/>
             </a:lvl1pPr>
-            <a:lvl2pPr marL="228143" indent="0">
+            <a:lvl2pPr marL="273588" indent="0">
               <a:buNone/>
-              <a:defRPr sz="699"/>
+              <a:defRPr sz="838"/>
             </a:lvl2pPr>
-            <a:lvl3pPr marL="456286" indent="0">
+            <a:lvl3pPr marL="547177" indent="0">
               <a:buNone/>
-              <a:defRPr sz="599"/>
+              <a:defRPr sz="718"/>
             </a:lvl3pPr>
-            <a:lvl4pPr marL="684428" indent="0">
+            <a:lvl4pPr marL="820765" indent="0">
               <a:buNone/>
-              <a:defRPr sz="499"/>
+              <a:defRPr sz="598"/>
             </a:lvl4pPr>
-            <a:lvl5pPr marL="912571" indent="0">
+            <a:lvl5pPr marL="1094354" indent="0">
               <a:buNone/>
-              <a:defRPr sz="499"/>
+              <a:defRPr sz="598"/>
             </a:lvl5pPr>
-            <a:lvl6pPr marL="1140714" indent="0">
+            <a:lvl6pPr marL="1367942" indent="0">
               <a:buNone/>
-              <a:defRPr sz="499"/>
+              <a:defRPr sz="598"/>
             </a:lvl6pPr>
-            <a:lvl7pPr marL="1368857" indent="0">
+            <a:lvl7pPr marL="1641531" indent="0">
               <a:buNone/>
-              <a:defRPr sz="499"/>
+              <a:defRPr sz="598"/>
             </a:lvl7pPr>
-            <a:lvl8pPr marL="1597000" indent="0">
+            <a:lvl8pPr marL="1915119" indent="0">
               <a:buNone/>
-              <a:defRPr sz="499"/>
+              <a:defRPr sz="598"/>
             </a:lvl8pPr>
-            <a:lvl9pPr marL="1825142" indent="0">
+            <a:lvl9pPr marL="2188708" indent="0">
               <a:buNone/>
-              <a:defRPr sz="499"/>
+              <a:defRPr sz="598"/>
             </a:lvl9pPr>
           </a:lstStyle>
           <a:p>
@@ -3755,7 +5815,7 @@
           <a:p>
             <a:fld id="{BE90AB92-9B2A-4B8F-852B-2B1D132E881F}" type="datetimeFigureOut">
               <a:rPr lang="en-GB" smtClean="0"/>
-              <a:t>14/04/2024</a:t>
+              <a:t>08/05/2024</a:t>
             </a:fld>
             <a:endParaRPr lang="en-GB"/>
           </a:p>
@@ -3806,7 +5866,7 @@
     </p:spTree>
     <p:extLst>
       <p:ext uri="{BB962C8B-B14F-4D97-AF65-F5344CB8AC3E}">
-        <p14:creationId xmlns:p14="http://schemas.microsoft.com/office/powerpoint/2010/main" val="4181512574"/>
+        <p14:creationId xmlns:p14="http://schemas.microsoft.com/office/powerpoint/2010/main" val="3833073705"/>
       </p:ext>
     </p:extLst>
   </p:cSld>
@@ -3850,8 +5910,8 @@
         </p:nvSpPr>
         <p:spPr>
           <a:xfrm>
-            <a:off x="418227" y="187803"/>
-            <a:ext cx="5246846" cy="681806"/>
+            <a:off x="519728" y="218484"/>
+            <a:ext cx="6520220" cy="793190"/>
           </a:xfrm>
           <a:prstGeom prst="rect">
             <a:avLst/>
@@ -3883,8 +5943,8 @@
         </p:nvSpPr>
         <p:spPr>
           <a:xfrm>
-            <a:off x="418227" y="939013"/>
-            <a:ext cx="5246846" cy="2238119"/>
+            <a:off x="519728" y="1092417"/>
+            <a:ext cx="6520220" cy="2603752"/>
           </a:xfrm>
           <a:prstGeom prst="rect">
             <a:avLst/>
@@ -3945,8 +6005,8 @@
         </p:nvSpPr>
         <p:spPr>
           <a:xfrm>
-            <a:off x="418227" y="3269401"/>
-            <a:ext cx="1368743" cy="187803"/>
+            <a:off x="519728" y="3803511"/>
+            <a:ext cx="1700927" cy="218483"/>
           </a:xfrm>
           <a:prstGeom prst="rect">
             <a:avLst/>
@@ -3956,7 +6016,7 @@
           <a:bodyPr vert="horz" lIns="91440" tIns="45720" rIns="91440" bIns="45720" rtlCol="0" anchor="ctr"/>
           <a:lstStyle>
             <a:lvl1pPr algn="l">
-              <a:defRPr sz="599">
+              <a:defRPr sz="718">
                 <a:solidFill>
                   <a:schemeClr val="tx1">
                     <a:tint val="75000"/>
@@ -3968,7 +6028,7 @@
           <a:p>
             <a:fld id="{BE90AB92-9B2A-4B8F-852B-2B1D132E881F}" type="datetimeFigureOut">
               <a:rPr lang="en-GB" smtClean="0"/>
-              <a:t>14/04/2024</a:t>
+              <a:t>08/05/2024</a:t>
             </a:fld>
             <a:endParaRPr lang="en-GB"/>
           </a:p>
@@ -3986,8 +6046,8 @@
         </p:nvSpPr>
         <p:spPr>
           <a:xfrm>
-            <a:off x="2015093" y="3269401"/>
-            <a:ext cx="2053114" cy="187803"/>
+            <a:off x="2504143" y="3803511"/>
+            <a:ext cx="2551390" cy="218483"/>
           </a:xfrm>
           <a:prstGeom prst="rect">
             <a:avLst/>
@@ -3997,7 +6057,7 @@
           <a:bodyPr vert="horz" lIns="91440" tIns="45720" rIns="91440" bIns="45720" rtlCol="0" anchor="ctr"/>
           <a:lstStyle>
             <a:lvl1pPr algn="ctr">
-              <a:defRPr sz="599">
+              <a:defRPr sz="718">
                 <a:solidFill>
                   <a:schemeClr val="tx1">
                     <a:tint val="75000"/>
@@ -4023,8 +6083,8 @@
         </p:nvSpPr>
         <p:spPr>
           <a:xfrm>
-            <a:off x="4296330" y="3269401"/>
-            <a:ext cx="1368743" cy="187803"/>
+            <a:off x="5339020" y="3803511"/>
+            <a:ext cx="1700927" cy="218483"/>
           </a:xfrm>
           <a:prstGeom prst="rect">
             <a:avLst/>
@@ -4034,7 +6094,7 @@
           <a:bodyPr vert="horz" lIns="91440" tIns="45720" rIns="91440" bIns="45720" rtlCol="0" anchor="ctr"/>
           <a:lstStyle>
             <a:lvl1pPr algn="r">
-              <a:defRPr sz="599">
+              <a:defRPr sz="718">
                 <a:solidFill>
                   <a:schemeClr val="tx1">
                     <a:tint val="75000"/>
@@ -4055,27 +6115,27 @@
     </p:spTree>
     <p:extLst>
       <p:ext uri="{BB962C8B-B14F-4D97-AF65-F5344CB8AC3E}">
-        <p14:creationId xmlns:p14="http://schemas.microsoft.com/office/powerpoint/2010/main" val="3006826991"/>
+        <p14:creationId xmlns:p14="http://schemas.microsoft.com/office/powerpoint/2010/main" val="1265544361"/>
       </p:ext>
     </p:extLst>
   </p:cSld>
   <p:clrMap bg1="lt1" tx1="dk1" bg2="lt2" tx2="dk2" accent1="accent1" accent2="accent2" accent3="accent3" accent4="accent4" accent5="accent5" accent6="accent6" hlink="hlink" folHlink="folHlink"/>
   <p:sldLayoutIdLst>
-    <p:sldLayoutId id="2147483685" r:id="rId1"/>
-    <p:sldLayoutId id="2147483686" r:id="rId2"/>
-    <p:sldLayoutId id="2147483687" r:id="rId3"/>
-    <p:sldLayoutId id="2147483688" r:id="rId4"/>
-    <p:sldLayoutId id="2147483689" r:id="rId5"/>
-    <p:sldLayoutId id="2147483690" r:id="rId6"/>
-    <p:sldLayoutId id="2147483691" r:id="rId7"/>
-    <p:sldLayoutId id="2147483692" r:id="rId8"/>
-    <p:sldLayoutId id="2147483693" r:id="rId9"/>
-    <p:sldLayoutId id="2147483694" r:id="rId10"/>
-    <p:sldLayoutId id="2147483695" r:id="rId11"/>
+    <p:sldLayoutId id="2147483709" r:id="rId1"/>
+    <p:sldLayoutId id="2147483710" r:id="rId2"/>
+    <p:sldLayoutId id="2147483711" r:id="rId3"/>
+    <p:sldLayoutId id="2147483712" r:id="rId4"/>
+    <p:sldLayoutId id="2147483713" r:id="rId5"/>
+    <p:sldLayoutId id="2147483714" r:id="rId6"/>
+    <p:sldLayoutId id="2147483715" r:id="rId7"/>
+    <p:sldLayoutId id="2147483716" r:id="rId8"/>
+    <p:sldLayoutId id="2147483717" r:id="rId9"/>
+    <p:sldLayoutId id="2147483718" r:id="rId10"/>
+    <p:sldLayoutId id="2147483719" r:id="rId11"/>
   </p:sldLayoutIdLst>
   <p:txStyles>
     <p:titleStyle>
-      <a:lvl1pPr algn="l" defTabSz="456286" rtl="0" eaLnBrk="1" latinLnBrk="0" hangingPunct="1">
+      <a:lvl1pPr algn="l" defTabSz="547177" rtl="0" eaLnBrk="1" latinLnBrk="0" hangingPunct="1">
         <a:lnSpc>
           <a:spcPct val="90000"/>
         </a:lnSpc>
@@ -4083,7 +6143,7 @@
           <a:spcPct val="0"/>
         </a:spcBef>
         <a:buNone/>
-        <a:defRPr sz="2196" kern="1200">
+        <a:defRPr sz="2633" kern="1200">
           <a:solidFill>
             <a:schemeClr val="tx1"/>
           </a:solidFill>
@@ -4094,16 +6154,16 @@
       </a:lvl1pPr>
     </p:titleStyle>
     <p:bodyStyle>
-      <a:lvl1pPr marL="114071" indent="-114071" algn="l" defTabSz="456286" rtl="0" eaLnBrk="1" latinLnBrk="0" hangingPunct="1">
+      <a:lvl1pPr marL="136794" indent="-136794" algn="l" defTabSz="547177" rtl="0" eaLnBrk="1" latinLnBrk="0" hangingPunct="1">
         <a:lnSpc>
           <a:spcPct val="90000"/>
         </a:lnSpc>
         <a:spcBef>
-          <a:spcPts val="499"/>
+          <a:spcPts val="598"/>
         </a:spcBef>
         <a:buFont typeface="Arial" panose="020B0604020202020204" pitchFamily="34" charset="0"/>
         <a:buChar char="•"/>
-        <a:defRPr sz="1397" kern="1200">
+        <a:defRPr sz="1676" kern="1200">
           <a:solidFill>
             <a:schemeClr val="tx1"/>
           </a:solidFill>
@@ -4112,16 +6172,16 @@
           <a:cs typeface="+mn-cs"/>
         </a:defRPr>
       </a:lvl1pPr>
-      <a:lvl2pPr marL="342214" indent="-114071" algn="l" defTabSz="456286" rtl="0" eaLnBrk="1" latinLnBrk="0" hangingPunct="1">
+      <a:lvl2pPr marL="410383" indent="-136794" algn="l" defTabSz="547177" rtl="0" eaLnBrk="1" latinLnBrk="0" hangingPunct="1">
         <a:lnSpc>
           <a:spcPct val="90000"/>
         </a:lnSpc>
         <a:spcBef>
-          <a:spcPts val="250"/>
+          <a:spcPts val="299"/>
         </a:spcBef>
         <a:buFont typeface="Arial" panose="020B0604020202020204" pitchFamily="34" charset="0"/>
         <a:buChar char="•"/>
-        <a:defRPr sz="1198" kern="1200">
+        <a:defRPr sz="1436" kern="1200">
           <a:solidFill>
             <a:schemeClr val="tx1"/>
           </a:solidFill>
@@ -4130,16 +6190,16 @@
           <a:cs typeface="+mn-cs"/>
         </a:defRPr>
       </a:lvl2pPr>
-      <a:lvl3pPr marL="570357" indent="-114071" algn="l" defTabSz="456286" rtl="0" eaLnBrk="1" latinLnBrk="0" hangingPunct="1">
+      <a:lvl3pPr marL="683971" indent="-136794" algn="l" defTabSz="547177" rtl="0" eaLnBrk="1" latinLnBrk="0" hangingPunct="1">
         <a:lnSpc>
           <a:spcPct val="90000"/>
         </a:lnSpc>
         <a:spcBef>
-          <a:spcPts val="250"/>
+          <a:spcPts val="299"/>
         </a:spcBef>
         <a:buFont typeface="Arial" panose="020B0604020202020204" pitchFamily="34" charset="0"/>
         <a:buChar char="•"/>
-        <a:defRPr sz="998" kern="1200">
+        <a:defRPr sz="1197" kern="1200">
           <a:solidFill>
             <a:schemeClr val="tx1"/>
           </a:solidFill>
@@ -4148,16 +6208,16 @@
           <a:cs typeface="+mn-cs"/>
         </a:defRPr>
       </a:lvl3pPr>
-      <a:lvl4pPr marL="798500" indent="-114071" algn="l" defTabSz="456286" rtl="0" eaLnBrk="1" latinLnBrk="0" hangingPunct="1">
+      <a:lvl4pPr marL="957560" indent="-136794" algn="l" defTabSz="547177" rtl="0" eaLnBrk="1" latinLnBrk="0" hangingPunct="1">
         <a:lnSpc>
           <a:spcPct val="90000"/>
         </a:lnSpc>
         <a:spcBef>
-          <a:spcPts val="250"/>
+          <a:spcPts val="299"/>
         </a:spcBef>
         <a:buFont typeface="Arial" panose="020B0604020202020204" pitchFamily="34" charset="0"/>
         <a:buChar char="•"/>
-        <a:defRPr sz="898" kern="1200">
+        <a:defRPr sz="1077" kern="1200">
           <a:solidFill>
             <a:schemeClr val="tx1"/>
           </a:solidFill>
@@ -4166,16 +6226,16 @@
           <a:cs typeface="+mn-cs"/>
         </a:defRPr>
       </a:lvl4pPr>
-      <a:lvl5pPr marL="1026643" indent="-114071" algn="l" defTabSz="456286" rtl="0" eaLnBrk="1" latinLnBrk="0" hangingPunct="1">
+      <a:lvl5pPr marL="1231148" indent="-136794" algn="l" defTabSz="547177" rtl="0" eaLnBrk="1" latinLnBrk="0" hangingPunct="1">
         <a:lnSpc>
           <a:spcPct val="90000"/>
         </a:lnSpc>
         <a:spcBef>
-          <a:spcPts val="250"/>
+          <a:spcPts val="299"/>
         </a:spcBef>
         <a:buFont typeface="Arial" panose="020B0604020202020204" pitchFamily="34" charset="0"/>
         <a:buChar char="•"/>
-        <a:defRPr sz="898" kern="1200">
+        <a:defRPr sz="1077" kern="1200">
           <a:solidFill>
             <a:schemeClr val="tx1"/>
           </a:solidFill>
@@ -4184,16 +6244,16 @@
           <a:cs typeface="+mn-cs"/>
         </a:defRPr>
       </a:lvl5pPr>
-      <a:lvl6pPr marL="1254785" indent="-114071" algn="l" defTabSz="456286" rtl="0" eaLnBrk="1" latinLnBrk="0" hangingPunct="1">
+      <a:lvl6pPr marL="1504737" indent="-136794" algn="l" defTabSz="547177" rtl="0" eaLnBrk="1" latinLnBrk="0" hangingPunct="1">
         <a:lnSpc>
           <a:spcPct val="90000"/>
         </a:lnSpc>
         <a:spcBef>
-          <a:spcPts val="250"/>
+          <a:spcPts val="299"/>
         </a:spcBef>
         <a:buFont typeface="Arial" panose="020B0604020202020204" pitchFamily="34" charset="0"/>
         <a:buChar char="•"/>
-        <a:defRPr sz="898" kern="1200">
+        <a:defRPr sz="1077" kern="1200">
           <a:solidFill>
             <a:schemeClr val="tx1"/>
           </a:solidFill>
@@ -4202,16 +6262,16 @@
           <a:cs typeface="+mn-cs"/>
         </a:defRPr>
       </a:lvl6pPr>
-      <a:lvl7pPr marL="1482928" indent="-114071" algn="l" defTabSz="456286" rtl="0" eaLnBrk="1" latinLnBrk="0" hangingPunct="1">
+      <a:lvl7pPr marL="1778325" indent="-136794" algn="l" defTabSz="547177" rtl="0" eaLnBrk="1" latinLnBrk="0" hangingPunct="1">
         <a:lnSpc>
           <a:spcPct val="90000"/>
         </a:lnSpc>
         <a:spcBef>
-          <a:spcPts val="250"/>
+          <a:spcPts val="299"/>
         </a:spcBef>
         <a:buFont typeface="Arial" panose="020B0604020202020204" pitchFamily="34" charset="0"/>
         <a:buChar char="•"/>
-        <a:defRPr sz="898" kern="1200">
+        <a:defRPr sz="1077" kern="1200">
           <a:solidFill>
             <a:schemeClr val="tx1"/>
           </a:solidFill>
@@ -4220,16 +6280,16 @@
           <a:cs typeface="+mn-cs"/>
         </a:defRPr>
       </a:lvl7pPr>
-      <a:lvl8pPr marL="1711071" indent="-114071" algn="l" defTabSz="456286" rtl="0" eaLnBrk="1" latinLnBrk="0" hangingPunct="1">
+      <a:lvl8pPr marL="2051914" indent="-136794" algn="l" defTabSz="547177" rtl="0" eaLnBrk="1" latinLnBrk="0" hangingPunct="1">
         <a:lnSpc>
           <a:spcPct val="90000"/>
         </a:lnSpc>
         <a:spcBef>
-          <a:spcPts val="250"/>
+          <a:spcPts val="299"/>
         </a:spcBef>
         <a:buFont typeface="Arial" panose="020B0604020202020204" pitchFamily="34" charset="0"/>
         <a:buChar char="•"/>
-        <a:defRPr sz="898" kern="1200">
+        <a:defRPr sz="1077" kern="1200">
           <a:solidFill>
             <a:schemeClr val="tx1"/>
           </a:solidFill>
@@ -4238,16 +6298,16 @@
           <a:cs typeface="+mn-cs"/>
         </a:defRPr>
       </a:lvl8pPr>
-      <a:lvl9pPr marL="1939214" indent="-114071" algn="l" defTabSz="456286" rtl="0" eaLnBrk="1" latinLnBrk="0" hangingPunct="1">
+      <a:lvl9pPr marL="2325502" indent="-136794" algn="l" defTabSz="547177" rtl="0" eaLnBrk="1" latinLnBrk="0" hangingPunct="1">
         <a:lnSpc>
           <a:spcPct val="90000"/>
         </a:lnSpc>
         <a:spcBef>
-          <a:spcPts val="250"/>
+          <a:spcPts val="299"/>
         </a:spcBef>
         <a:buFont typeface="Arial" panose="020B0604020202020204" pitchFamily="34" charset="0"/>
         <a:buChar char="•"/>
-        <a:defRPr sz="898" kern="1200">
+        <a:defRPr sz="1077" kern="1200">
           <a:solidFill>
             <a:schemeClr val="tx1"/>
           </a:solidFill>
@@ -4261,8 +6321,8 @@
       <a:defPPr>
         <a:defRPr lang="en-US"/>
       </a:defPPr>
-      <a:lvl1pPr marL="0" algn="l" defTabSz="456286" rtl="0" eaLnBrk="1" latinLnBrk="0" hangingPunct="1">
-        <a:defRPr sz="898" kern="1200">
+      <a:lvl1pPr marL="0" algn="l" defTabSz="547177" rtl="0" eaLnBrk="1" latinLnBrk="0" hangingPunct="1">
+        <a:defRPr sz="1077" kern="1200">
           <a:solidFill>
             <a:schemeClr val="tx1"/>
           </a:solidFill>
@@ -4271,8 +6331,8 @@
           <a:cs typeface="+mn-cs"/>
         </a:defRPr>
       </a:lvl1pPr>
-      <a:lvl2pPr marL="228143" algn="l" defTabSz="456286" rtl="0" eaLnBrk="1" latinLnBrk="0" hangingPunct="1">
-        <a:defRPr sz="898" kern="1200">
+      <a:lvl2pPr marL="273588" algn="l" defTabSz="547177" rtl="0" eaLnBrk="1" latinLnBrk="0" hangingPunct="1">
+        <a:defRPr sz="1077" kern="1200">
           <a:solidFill>
             <a:schemeClr val="tx1"/>
           </a:solidFill>
@@ -4281,8 +6341,8 @@
           <a:cs typeface="+mn-cs"/>
         </a:defRPr>
       </a:lvl2pPr>
-      <a:lvl3pPr marL="456286" algn="l" defTabSz="456286" rtl="0" eaLnBrk="1" latinLnBrk="0" hangingPunct="1">
-        <a:defRPr sz="898" kern="1200">
+      <a:lvl3pPr marL="547177" algn="l" defTabSz="547177" rtl="0" eaLnBrk="1" latinLnBrk="0" hangingPunct="1">
+        <a:defRPr sz="1077" kern="1200">
           <a:solidFill>
             <a:schemeClr val="tx1"/>
           </a:solidFill>
@@ -4291,8 +6351,8 @@
           <a:cs typeface="+mn-cs"/>
         </a:defRPr>
       </a:lvl3pPr>
-      <a:lvl4pPr marL="684428" algn="l" defTabSz="456286" rtl="0" eaLnBrk="1" latinLnBrk="0" hangingPunct="1">
-        <a:defRPr sz="898" kern="1200">
+      <a:lvl4pPr marL="820765" algn="l" defTabSz="547177" rtl="0" eaLnBrk="1" latinLnBrk="0" hangingPunct="1">
+        <a:defRPr sz="1077" kern="1200">
           <a:solidFill>
             <a:schemeClr val="tx1"/>
           </a:solidFill>
@@ -4301,8 +6361,8 @@
           <a:cs typeface="+mn-cs"/>
         </a:defRPr>
       </a:lvl4pPr>
-      <a:lvl5pPr marL="912571" algn="l" defTabSz="456286" rtl="0" eaLnBrk="1" latinLnBrk="0" hangingPunct="1">
-        <a:defRPr sz="898" kern="1200">
+      <a:lvl5pPr marL="1094354" algn="l" defTabSz="547177" rtl="0" eaLnBrk="1" latinLnBrk="0" hangingPunct="1">
+        <a:defRPr sz="1077" kern="1200">
           <a:solidFill>
             <a:schemeClr val="tx1"/>
           </a:solidFill>
@@ -4311,8 +6371,8 @@
           <a:cs typeface="+mn-cs"/>
         </a:defRPr>
       </a:lvl5pPr>
-      <a:lvl6pPr marL="1140714" algn="l" defTabSz="456286" rtl="0" eaLnBrk="1" latinLnBrk="0" hangingPunct="1">
-        <a:defRPr sz="898" kern="1200">
+      <a:lvl6pPr marL="1367942" algn="l" defTabSz="547177" rtl="0" eaLnBrk="1" latinLnBrk="0" hangingPunct="1">
+        <a:defRPr sz="1077" kern="1200">
           <a:solidFill>
             <a:schemeClr val="tx1"/>
           </a:solidFill>
@@ -4321,8 +6381,8 @@
           <a:cs typeface="+mn-cs"/>
         </a:defRPr>
       </a:lvl6pPr>
-      <a:lvl7pPr marL="1368857" algn="l" defTabSz="456286" rtl="0" eaLnBrk="1" latinLnBrk="0" hangingPunct="1">
-        <a:defRPr sz="898" kern="1200">
+      <a:lvl7pPr marL="1641531" algn="l" defTabSz="547177" rtl="0" eaLnBrk="1" latinLnBrk="0" hangingPunct="1">
+        <a:defRPr sz="1077" kern="1200">
           <a:solidFill>
             <a:schemeClr val="tx1"/>
           </a:solidFill>
@@ -4331,8 +6391,8 @@
           <a:cs typeface="+mn-cs"/>
         </a:defRPr>
       </a:lvl7pPr>
-      <a:lvl8pPr marL="1597000" algn="l" defTabSz="456286" rtl="0" eaLnBrk="1" latinLnBrk="0" hangingPunct="1">
-        <a:defRPr sz="898" kern="1200">
+      <a:lvl8pPr marL="1915119" algn="l" defTabSz="547177" rtl="0" eaLnBrk="1" latinLnBrk="0" hangingPunct="1">
+        <a:defRPr sz="1077" kern="1200">
           <a:solidFill>
             <a:schemeClr val="tx1"/>
           </a:solidFill>
@@ -4341,8 +6401,8 @@
           <a:cs typeface="+mn-cs"/>
         </a:defRPr>
       </a:lvl8pPr>
-      <a:lvl9pPr marL="1825142" algn="l" defTabSz="456286" rtl="0" eaLnBrk="1" latinLnBrk="0" hangingPunct="1">
-        <a:defRPr sz="898" kern="1200">
+      <a:lvl9pPr marL="2188708" algn="l" defTabSz="547177" rtl="0" eaLnBrk="1" latinLnBrk="0" hangingPunct="1">
+        <a:defRPr sz="1077" kern="1200">
           <a:solidFill>
             <a:schemeClr val="tx1"/>
           </a:solidFill>
@@ -4383,10 +6443,10 @@
       </p:grpSpPr>
       <p:pic>
         <p:nvPicPr>
-          <p:cNvPr id="152" name="Picture 151" descr="A graph of different colored objects&#10;&#10;Description automatically generated with medium confidence">
+          <p:cNvPr id="263" name="Picture 262" descr="A graph with colored dots&#10;&#10;Description automatically generated with medium confidence">
             <a:extLst>
               <a:ext uri="{FF2B5EF4-FFF2-40B4-BE49-F238E27FC236}">
-                <a16:creationId xmlns:a16="http://schemas.microsoft.com/office/drawing/2014/main" id="{703E96B9-318C-E6E2-8984-31E67101476C}"/>
+                <a16:creationId xmlns:a16="http://schemas.microsoft.com/office/drawing/2014/main" id="{BC293C7B-6FFC-AFD8-B305-98F11D0B42D7}"/>
               </a:ext>
             </a:extLst>
           </p:cNvPr>
@@ -4397,6 +6457,51 @@
         </p:nvPicPr>
         <p:blipFill rotWithShape="1">
           <a:blip r:embed="rId2">
+            <a:clrChange>
+              <a:clrFrom>
+                <a:srgbClr val="FFFFFF"/>
+              </a:clrFrom>
+              <a:clrTo>
+                <a:srgbClr val="FFFFFF">
+                  <a:alpha val="0"/>
+                </a:srgbClr>
+              </a:clrTo>
+            </a:clrChange>
+            <a:extLst>
+              <a:ext uri="{28A0092B-C50C-407E-A947-70E740481C1C}">
+                <a14:useLocalDpi xmlns:a14="http://schemas.microsoft.com/office/drawing/2010/main" val="0"/>
+              </a:ext>
+            </a:extLst>
+          </a:blip>
+          <a:srcRect l="20480" t="3766" r="1" b="7573"/>
+          <a:stretch/>
+        </p:blipFill>
+        <p:spPr>
+          <a:xfrm>
+            <a:off x="4000032" y="1280457"/>
+            <a:ext cx="2519053" cy="2390624"/>
+          </a:xfrm>
+          <a:prstGeom prst="rect">
+            <a:avLst/>
+          </a:prstGeom>
+        </p:spPr>
+      </p:pic>
+      <p:pic>
+        <p:nvPicPr>
+          <p:cNvPr id="264" name="Picture 263" descr="A graph of different colored objects&#10;&#10;Description automatically generated with medium confidence">
+            <a:extLst>
+              <a:ext uri="{FF2B5EF4-FFF2-40B4-BE49-F238E27FC236}">
+                <a16:creationId xmlns:a16="http://schemas.microsoft.com/office/drawing/2014/main" id="{143515C7-5A46-5B64-9BD6-2A94732ECB4E}"/>
+              </a:ext>
+            </a:extLst>
+          </p:cNvPr>
+          <p:cNvPicPr>
+            <a:picLocks noChangeAspect="1"/>
+          </p:cNvPicPr>
+          <p:nvPr/>
+        </p:nvPicPr>
+        <p:blipFill rotWithShape="1">
+          <a:blip r:embed="rId3">
             <a:extLst>
               <a:ext uri="{28A0092B-C50C-407E-A947-70E740481C1C}">
                 <a14:useLocalDpi xmlns:a14="http://schemas.microsoft.com/office/drawing/2010/main" val="0"/>
@@ -4408,7 +6513,7 @@
         </p:blipFill>
         <p:spPr>
           <a:xfrm>
-            <a:off x="819520" y="382616"/>
+            <a:off x="755130" y="1075547"/>
             <a:ext cx="2262651" cy="2741584"/>
           </a:xfrm>
           <a:prstGeom prst="rect">
@@ -4418,10 +6523,10 @@
       </p:pic>
       <p:sp>
         <p:nvSpPr>
-          <p:cNvPr id="153" name="TextBox 152">
+          <p:cNvPr id="265" name="TextBox 264">
             <a:extLst>
               <a:ext uri="{FF2B5EF4-FFF2-40B4-BE49-F238E27FC236}">
-                <a16:creationId xmlns:a16="http://schemas.microsoft.com/office/drawing/2014/main" id="{D2AB30F9-38FC-373C-3451-FD974E7D6C4D}"/>
+                <a16:creationId xmlns:a16="http://schemas.microsoft.com/office/drawing/2014/main" id="{341B6CC0-95DA-DF6B-9D38-624B86F61C40}"/>
               </a:ext>
             </a:extLst>
           </p:cNvPr>
@@ -4429,9 +6534,9 @@
           <p:nvPr/>
         </p:nvSpPr>
         <p:spPr>
-          <a:xfrm>
-            <a:off x="-107100" y="337970"/>
-            <a:ext cx="955984" cy="230832"/>
+          <a:xfrm rot="16200000">
+            <a:off x="-192759" y="2175397"/>
+            <a:ext cx="833945" cy="415498"/>
           </a:xfrm>
           <a:prstGeom prst="rect">
             <a:avLst/>
@@ -4444,33 +6549,46 @@
           </a:bodyPr>
           <a:lstStyle/>
           <a:p>
-            <a:pPr algn="r"/>
-            <a:r>
-              <a:rPr lang="en-US" sz="900" dirty="0">
+            <a:pPr algn="ctr"/>
+            <a:r>
+              <a:rPr lang="en-US" sz="700" b="1" dirty="0">
                 <a:solidFill>
                   <a:schemeClr val="bg2">
                     <a:lumMod val="50000"/>
                   </a:schemeClr>
                 </a:solidFill>
+                <a:latin typeface="Aptos" panose="020B0004020202020204" pitchFamily="34" charset="0"/>
               </a:rPr>
-              <a:t>AllFF</a:t>
-            </a:r>
-            <a:endParaRPr lang="en-GB" sz="900" dirty="0">
+              <a:t>APPROACH 2 </a:t>
+            </a:r>
+            <a:r>
+              <a:rPr lang="en-US" sz="700" dirty="0">
+                <a:solidFill>
+                  <a:schemeClr val="bg2">
+                    <a:lumMod val="50000"/>
+                  </a:schemeClr>
+                </a:solidFill>
+                <a:latin typeface="Aptos" panose="020B0004020202020204" pitchFamily="34" charset="0"/>
+              </a:rPr>
+              <a:t>(partial domain used for training)</a:t>
+            </a:r>
+            <a:endParaRPr lang="en-GB" sz="700" dirty="0">
               <a:solidFill>
                 <a:schemeClr val="bg2">
                   <a:lumMod val="50000"/>
                 </a:schemeClr>
               </a:solidFill>
+              <a:latin typeface="Aptos" panose="020B0004020202020204" pitchFamily="34" charset="0"/>
             </a:endParaRPr>
           </a:p>
         </p:txBody>
       </p:sp>
       <p:sp>
         <p:nvSpPr>
-          <p:cNvPr id="154" name="TextBox 153">
+          <p:cNvPr id="266" name="TextBox 265">
             <a:extLst>
               <a:ext uri="{FF2B5EF4-FFF2-40B4-BE49-F238E27FC236}">
-                <a16:creationId xmlns:a16="http://schemas.microsoft.com/office/drawing/2014/main" id="{803874FC-1A0A-2CB3-385F-70C47B73DED4}"/>
+                <a16:creationId xmlns:a16="http://schemas.microsoft.com/office/drawing/2014/main" id="{FB8278F0-21EE-2265-77C3-77C8768E2FE5}"/>
               </a:ext>
             </a:extLst>
           </p:cNvPr>
@@ -4479,8 +6597,8 @@
         </p:nvSpPr>
         <p:spPr>
           <a:xfrm>
-            <a:off x="-107100" y="561501"/>
-            <a:ext cx="955984" cy="230832"/>
+            <a:off x="2785385" y="3781263"/>
+            <a:ext cx="306912" cy="200055"/>
           </a:xfrm>
           <a:prstGeom prst="rect">
             <a:avLst/>
@@ -4493,33 +6611,35 @@
           </a:bodyPr>
           <a:lstStyle/>
           <a:p>
-            <a:pPr algn="r"/>
-            <a:r>
-              <a:rPr lang="en-US" sz="900" dirty="0">
+            <a:pPr algn="ctr"/>
+            <a:r>
+              <a:rPr lang="en-US" sz="700" dirty="0">
                 <a:solidFill>
                   <a:schemeClr val="bg2">
                     <a:lumMod val="50000"/>
                   </a:schemeClr>
                 </a:solidFill>
+                <a:latin typeface="Aptos" panose="020B0004020202020204" pitchFamily="34" charset="0"/>
               </a:rPr>
-              <a:t>RedRnd_10</a:t>
-            </a:r>
-            <a:endParaRPr lang="en-GB" sz="900" dirty="0">
+              <a:t>16</a:t>
+            </a:r>
+            <a:endParaRPr lang="en-GB" sz="700" dirty="0">
               <a:solidFill>
                 <a:schemeClr val="bg2">
                   <a:lumMod val="50000"/>
                 </a:schemeClr>
               </a:solidFill>
+              <a:latin typeface="Aptos" panose="020B0004020202020204" pitchFamily="34" charset="0"/>
             </a:endParaRPr>
           </a:p>
         </p:txBody>
       </p:sp>
       <p:sp>
         <p:nvSpPr>
-          <p:cNvPr id="155" name="TextBox 154">
+          <p:cNvPr id="267" name="TextBox 266">
             <a:extLst>
               <a:ext uri="{FF2B5EF4-FFF2-40B4-BE49-F238E27FC236}">
-                <a16:creationId xmlns:a16="http://schemas.microsoft.com/office/drawing/2014/main" id="{70BFFEE2-BC9C-0047-235A-6B7C19450015}"/>
+                <a16:creationId xmlns:a16="http://schemas.microsoft.com/office/drawing/2014/main" id="{B9FB475C-B225-D2F3-5205-F9FCD40EF953}"/>
               </a:ext>
             </a:extLst>
           </p:cNvPr>
@@ -4528,8 +6648,8 @@
         </p:nvSpPr>
         <p:spPr>
           <a:xfrm>
-            <a:off x="-107100" y="785032"/>
-            <a:ext cx="955984" cy="230832"/>
+            <a:off x="2527404" y="3781263"/>
+            <a:ext cx="306912" cy="200055"/>
           </a:xfrm>
           <a:prstGeom prst="rect">
             <a:avLst/>
@@ -4542,33 +6662,35 @@
           </a:bodyPr>
           <a:lstStyle/>
           <a:p>
-            <a:pPr algn="r"/>
-            <a:r>
-              <a:rPr lang="en-US" sz="900" dirty="0">
+            <a:pPr algn="ctr"/>
+            <a:r>
+              <a:rPr lang="en-US" sz="700" dirty="0">
                 <a:solidFill>
                   <a:schemeClr val="bg2">
                     <a:lumMod val="50000"/>
                   </a:schemeClr>
                 </a:solidFill>
+                <a:latin typeface="Aptos" panose="020B0004020202020204" pitchFamily="34" charset="0"/>
               </a:rPr>
-              <a:t>RedRnd_50</a:t>
-            </a:r>
-            <a:endParaRPr lang="en-GB" sz="900" dirty="0">
+              <a:t>14</a:t>
+            </a:r>
+            <a:endParaRPr lang="en-GB" sz="700" dirty="0">
               <a:solidFill>
                 <a:schemeClr val="bg2">
                   <a:lumMod val="50000"/>
                 </a:schemeClr>
               </a:solidFill>
+              <a:latin typeface="Aptos" panose="020B0004020202020204" pitchFamily="34" charset="0"/>
             </a:endParaRPr>
           </a:p>
         </p:txBody>
       </p:sp>
       <p:sp>
         <p:nvSpPr>
-          <p:cNvPr id="156" name="TextBox 155">
+          <p:cNvPr id="268" name="TextBox 267">
             <a:extLst>
               <a:ext uri="{FF2B5EF4-FFF2-40B4-BE49-F238E27FC236}">
-                <a16:creationId xmlns:a16="http://schemas.microsoft.com/office/drawing/2014/main" id="{124B18A2-8999-39EB-1088-2AC5271DF04C}"/>
+                <a16:creationId xmlns:a16="http://schemas.microsoft.com/office/drawing/2014/main" id="{5420BF1F-8ACB-CDB0-93ED-F146B75F943E}"/>
               </a:ext>
             </a:extLst>
           </p:cNvPr>
@@ -4577,8 +6699,8 @@
         </p:nvSpPr>
         <p:spPr>
           <a:xfrm>
-            <a:off x="-107100" y="1008563"/>
-            <a:ext cx="955984" cy="230832"/>
+            <a:off x="1237479" y="3781263"/>
+            <a:ext cx="306912" cy="200055"/>
           </a:xfrm>
           <a:prstGeom prst="rect">
             <a:avLst/>
@@ -4591,33 +6713,35 @@
           </a:bodyPr>
           <a:lstStyle/>
           <a:p>
-            <a:pPr algn="r"/>
-            <a:r>
-              <a:rPr lang="en-US" sz="900" dirty="0">
+            <a:pPr algn="ctr"/>
+            <a:r>
+              <a:rPr lang="en-US" sz="700" dirty="0">
                 <a:solidFill>
                   <a:schemeClr val="bg2">
                     <a:lumMod val="50000"/>
                   </a:schemeClr>
                 </a:solidFill>
+                <a:latin typeface="Aptos" panose="020B0004020202020204" pitchFamily="34" charset="0"/>
               </a:rPr>
-              <a:t>RedRnd_90</a:t>
-            </a:r>
-            <a:endParaRPr lang="en-GB" sz="900" dirty="0">
+              <a:t>4</a:t>
+            </a:r>
+            <a:endParaRPr lang="en-GB" sz="700" dirty="0">
               <a:solidFill>
                 <a:schemeClr val="bg2">
                   <a:lumMod val="50000"/>
                 </a:schemeClr>
               </a:solidFill>
+              <a:latin typeface="Aptos" panose="020B0004020202020204" pitchFamily="34" charset="0"/>
             </a:endParaRPr>
           </a:p>
         </p:txBody>
       </p:sp>
       <p:sp>
         <p:nvSpPr>
-          <p:cNvPr id="157" name="TextBox 156">
+          <p:cNvPr id="269" name="TextBox 268">
             <a:extLst>
               <a:ext uri="{FF2B5EF4-FFF2-40B4-BE49-F238E27FC236}">
-                <a16:creationId xmlns:a16="http://schemas.microsoft.com/office/drawing/2014/main" id="{D9929BCA-E18C-B078-5127-B621ED62FC36}"/>
+                <a16:creationId xmlns:a16="http://schemas.microsoft.com/office/drawing/2014/main" id="{72EA513E-674D-22A3-4D1A-BCAAF6325C08}"/>
               </a:ext>
             </a:extLst>
           </p:cNvPr>
@@ -4626,8 +6750,8 @@
         </p:nvSpPr>
         <p:spPr>
           <a:xfrm>
-            <a:off x="-107100" y="1232094"/>
-            <a:ext cx="955984" cy="230832"/>
+            <a:off x="979494" y="3781263"/>
+            <a:ext cx="306912" cy="200055"/>
           </a:xfrm>
           <a:prstGeom prst="rect">
             <a:avLst/>
@@ -4640,33 +6764,35 @@
           </a:bodyPr>
           <a:lstStyle/>
           <a:p>
-            <a:pPr algn="r"/>
-            <a:r>
-              <a:rPr lang="en-US" sz="900" dirty="0">
+            <a:pPr algn="ctr"/>
+            <a:r>
+              <a:rPr lang="en-US" sz="700" dirty="0">
                 <a:solidFill>
                   <a:schemeClr val="bg2">
                     <a:lumMod val="50000"/>
                   </a:schemeClr>
                 </a:solidFill>
+                <a:latin typeface="Aptos" panose="020B0004020202020204" pitchFamily="34" charset="0"/>
               </a:rPr>
-              <a:t>NoEastGP</a:t>
-            </a:r>
-            <a:endParaRPr lang="en-GB" sz="900" dirty="0">
+              <a:t>2</a:t>
+            </a:r>
+            <a:endParaRPr lang="en-GB" sz="700" dirty="0">
               <a:solidFill>
                 <a:schemeClr val="bg2">
                   <a:lumMod val="50000"/>
                 </a:schemeClr>
               </a:solidFill>
+              <a:latin typeface="Aptos" panose="020B0004020202020204" pitchFamily="34" charset="0"/>
             </a:endParaRPr>
           </a:p>
         </p:txBody>
       </p:sp>
       <p:sp>
         <p:nvSpPr>
-          <p:cNvPr id="158" name="TextBox 157">
+          <p:cNvPr id="270" name="TextBox 269">
             <a:extLst>
               <a:ext uri="{FF2B5EF4-FFF2-40B4-BE49-F238E27FC236}">
-                <a16:creationId xmlns:a16="http://schemas.microsoft.com/office/drawing/2014/main" id="{95325DBE-9C30-8FC2-FC63-3C4AE58E11CE}"/>
+                <a16:creationId xmlns:a16="http://schemas.microsoft.com/office/drawing/2014/main" id="{F146C399-7227-0E2A-0831-891527B04537}"/>
               </a:ext>
             </a:extLst>
           </p:cNvPr>
@@ -4675,8 +6801,8 @@
         </p:nvSpPr>
         <p:spPr>
           <a:xfrm>
-            <a:off x="-107100" y="1455625"/>
-            <a:ext cx="955984" cy="230832"/>
+            <a:off x="1753449" y="3781263"/>
+            <a:ext cx="306912" cy="200055"/>
           </a:xfrm>
           <a:prstGeom prst="rect">
             <a:avLst/>
@@ -4689,33 +6815,35 @@
           </a:bodyPr>
           <a:lstStyle/>
           <a:p>
-            <a:pPr algn="r"/>
-            <a:r>
-              <a:rPr lang="en-US" sz="900" dirty="0">
+            <a:pPr algn="ctr"/>
+            <a:r>
+              <a:rPr lang="en-US" sz="700" dirty="0">
                 <a:solidFill>
                   <a:schemeClr val="bg2">
                     <a:lumMod val="50000"/>
                   </a:schemeClr>
                 </a:solidFill>
+                <a:latin typeface="Aptos" panose="020B0004020202020204" pitchFamily="34" charset="0"/>
               </a:rPr>
-              <a:t>NoWestGP</a:t>
-            </a:r>
-            <a:endParaRPr lang="en-GB" sz="900" dirty="0">
+              <a:t>8</a:t>
+            </a:r>
+            <a:endParaRPr lang="en-GB" sz="700" dirty="0">
               <a:solidFill>
                 <a:schemeClr val="bg2">
                   <a:lumMod val="50000"/>
                 </a:schemeClr>
               </a:solidFill>
+              <a:latin typeface="Aptos" panose="020B0004020202020204" pitchFamily="34" charset="0"/>
             </a:endParaRPr>
           </a:p>
         </p:txBody>
       </p:sp>
       <p:sp>
         <p:nvSpPr>
-          <p:cNvPr id="159" name="TextBox 158">
+          <p:cNvPr id="271" name="TextBox 270">
             <a:extLst>
               <a:ext uri="{FF2B5EF4-FFF2-40B4-BE49-F238E27FC236}">
-                <a16:creationId xmlns:a16="http://schemas.microsoft.com/office/drawing/2014/main" id="{5C8440C5-06AA-3B5A-3CEF-13DD79F0BF7E}"/>
+                <a16:creationId xmlns:a16="http://schemas.microsoft.com/office/drawing/2014/main" id="{F01C1A77-F0C7-CD0E-8092-95A42F369D20}"/>
               </a:ext>
             </a:extLst>
           </p:cNvPr>
@@ -4724,8 +6852,8 @@
         </p:nvSpPr>
         <p:spPr>
           <a:xfrm>
-            <a:off x="-107100" y="1679156"/>
-            <a:ext cx="955984" cy="230832"/>
+            <a:off x="1495464" y="3781263"/>
+            <a:ext cx="306912" cy="200055"/>
           </a:xfrm>
           <a:prstGeom prst="rect">
             <a:avLst/>
@@ -4738,33 +6866,35 @@
           </a:bodyPr>
           <a:lstStyle/>
           <a:p>
-            <a:pPr algn="r"/>
-            <a:r>
-              <a:rPr lang="en-US" sz="900" dirty="0">
+            <a:pPr algn="ctr"/>
+            <a:r>
+              <a:rPr lang="en-US" sz="700" dirty="0">
                 <a:solidFill>
                   <a:schemeClr val="bg2">
                     <a:lumMod val="50000"/>
                   </a:schemeClr>
                 </a:solidFill>
+                <a:latin typeface="Aptos" panose="020B0004020202020204" pitchFamily="34" charset="0"/>
               </a:rPr>
-              <a:t>NoSouthGP</a:t>
-            </a:r>
-            <a:endParaRPr lang="en-GB" sz="900" dirty="0">
+              <a:t>6</a:t>
+            </a:r>
+            <a:endParaRPr lang="en-GB" sz="700" dirty="0">
               <a:solidFill>
                 <a:schemeClr val="bg2">
                   <a:lumMod val="50000"/>
                 </a:schemeClr>
               </a:solidFill>
+              <a:latin typeface="Aptos" panose="020B0004020202020204" pitchFamily="34" charset="0"/>
             </a:endParaRPr>
           </a:p>
         </p:txBody>
       </p:sp>
       <p:sp>
         <p:nvSpPr>
-          <p:cNvPr id="160" name="TextBox 159">
+          <p:cNvPr id="272" name="TextBox 271">
             <a:extLst>
               <a:ext uri="{FF2B5EF4-FFF2-40B4-BE49-F238E27FC236}">
-                <a16:creationId xmlns:a16="http://schemas.microsoft.com/office/drawing/2014/main" id="{E45BF172-FA5E-E718-0F33-63002FE01660}"/>
+                <a16:creationId xmlns:a16="http://schemas.microsoft.com/office/drawing/2014/main" id="{F58B99BE-A1CD-FCCA-47E0-1FEDEE6562B3}"/>
               </a:ext>
             </a:extLst>
           </p:cNvPr>
@@ -4773,8 +6903,8 @@
         </p:nvSpPr>
         <p:spPr>
           <a:xfrm>
-            <a:off x="-107100" y="1902687"/>
-            <a:ext cx="955984" cy="230832"/>
+            <a:off x="2269419" y="3781263"/>
+            <a:ext cx="306912" cy="200055"/>
           </a:xfrm>
           <a:prstGeom prst="rect">
             <a:avLst/>
@@ -4787,33 +6917,35 @@
           </a:bodyPr>
           <a:lstStyle/>
           <a:p>
-            <a:pPr algn="r"/>
-            <a:r>
-              <a:rPr lang="en-US" sz="900" dirty="0">
+            <a:pPr algn="ctr"/>
+            <a:r>
+              <a:rPr lang="en-US" sz="700" dirty="0">
                 <a:solidFill>
                   <a:schemeClr val="bg2">
                     <a:lumMod val="50000"/>
                   </a:schemeClr>
                 </a:solidFill>
+                <a:latin typeface="Aptos" panose="020B0004020202020204" pitchFamily="34" charset="0"/>
               </a:rPr>
-              <a:t>NoNorthGP</a:t>
-            </a:r>
-            <a:endParaRPr lang="en-GB" sz="900" dirty="0">
+              <a:t>12</a:t>
+            </a:r>
+            <a:endParaRPr lang="en-GB" sz="700" dirty="0">
               <a:solidFill>
                 <a:schemeClr val="bg2">
                   <a:lumMod val="50000"/>
                 </a:schemeClr>
               </a:solidFill>
+              <a:latin typeface="Aptos" panose="020B0004020202020204" pitchFamily="34" charset="0"/>
             </a:endParaRPr>
           </a:p>
         </p:txBody>
       </p:sp>
       <p:sp>
         <p:nvSpPr>
-          <p:cNvPr id="161" name="TextBox 160">
+          <p:cNvPr id="273" name="TextBox 272">
             <a:extLst>
               <a:ext uri="{FF2B5EF4-FFF2-40B4-BE49-F238E27FC236}">
-                <a16:creationId xmlns:a16="http://schemas.microsoft.com/office/drawing/2014/main" id="{78228F64-4F48-0903-D91F-2AFA628D6C62}"/>
+                <a16:creationId xmlns:a16="http://schemas.microsoft.com/office/drawing/2014/main" id="{D06D54BA-6CF4-A757-1F65-5E18A806330E}"/>
               </a:ext>
             </a:extLst>
           </p:cNvPr>
@@ -4822,8 +6954,8 @@
         </p:nvSpPr>
         <p:spPr>
           <a:xfrm>
-            <a:off x="-107100" y="2126218"/>
-            <a:ext cx="955984" cy="230832"/>
+            <a:off x="2011434" y="3781263"/>
+            <a:ext cx="306912" cy="200055"/>
           </a:xfrm>
           <a:prstGeom prst="rect">
             <a:avLst/>
@@ -4836,33 +6968,35 @@
           </a:bodyPr>
           <a:lstStyle/>
           <a:p>
-            <a:pPr algn="r"/>
-            <a:r>
-              <a:rPr lang="en-US" sz="900" dirty="0">
+            <a:pPr algn="ctr"/>
+            <a:r>
+              <a:rPr lang="en-US" sz="700" dirty="0">
                 <a:solidFill>
                   <a:schemeClr val="bg2">
                     <a:lumMod val="50000"/>
                   </a:schemeClr>
                 </a:solidFill>
+                <a:latin typeface="Aptos" panose="020B0004020202020204" pitchFamily="34" charset="0"/>
               </a:rPr>
-              <a:t>NoEastFF</a:t>
-            </a:r>
-            <a:endParaRPr lang="en-GB" sz="900" dirty="0">
+              <a:t>10</a:t>
+            </a:r>
+            <a:endParaRPr lang="en-GB" sz="700" dirty="0">
               <a:solidFill>
                 <a:schemeClr val="bg2">
                   <a:lumMod val="50000"/>
                 </a:schemeClr>
               </a:solidFill>
+              <a:latin typeface="Aptos" panose="020B0004020202020204" pitchFamily="34" charset="0"/>
             </a:endParaRPr>
           </a:p>
         </p:txBody>
       </p:sp>
       <p:sp>
         <p:nvSpPr>
-          <p:cNvPr id="162" name="TextBox 161">
+          <p:cNvPr id="274" name="TextBox 273">
             <a:extLst>
               <a:ext uri="{FF2B5EF4-FFF2-40B4-BE49-F238E27FC236}">
-                <a16:creationId xmlns:a16="http://schemas.microsoft.com/office/drawing/2014/main" id="{5AF9F56D-FF17-EB23-23C5-9F77235E66E8}"/>
+                <a16:creationId xmlns:a16="http://schemas.microsoft.com/office/drawing/2014/main" id="{D269D1C8-C5E6-8DE4-AB7C-CD76BD58C52B}"/>
               </a:ext>
             </a:extLst>
           </p:cNvPr>
@@ -4871,8 +7005,8 @@
         </p:nvSpPr>
         <p:spPr>
           <a:xfrm>
-            <a:off x="-107100" y="2349749"/>
-            <a:ext cx="955984" cy="230832"/>
+            <a:off x="721509" y="3781263"/>
+            <a:ext cx="306912" cy="200055"/>
           </a:xfrm>
           <a:prstGeom prst="rect">
             <a:avLst/>
@@ -4885,629 +7019,48 @@
           </a:bodyPr>
           <a:lstStyle/>
           <a:p>
-            <a:pPr algn="r"/>
-            <a:r>
-              <a:rPr lang="en-US" sz="900" dirty="0">
+            <a:pPr algn="ctr"/>
+            <a:r>
+              <a:rPr lang="en-US" sz="700" dirty="0">
                 <a:solidFill>
                   <a:schemeClr val="bg2">
                     <a:lumMod val="50000"/>
                   </a:schemeClr>
                 </a:solidFill>
+                <a:latin typeface="Aptos" panose="020B0004020202020204" pitchFamily="34" charset="0"/>
               </a:rPr>
-              <a:t>NoWestFF</a:t>
-            </a:r>
-            <a:endParaRPr lang="en-GB" sz="900" dirty="0">
+              <a:t>0</a:t>
+            </a:r>
+            <a:endParaRPr lang="en-GB" sz="700" dirty="0">
               <a:solidFill>
                 <a:schemeClr val="bg2">
                   <a:lumMod val="50000"/>
                 </a:schemeClr>
               </a:solidFill>
+              <a:latin typeface="Aptos" panose="020B0004020202020204" pitchFamily="34" charset="0"/>
             </a:endParaRPr>
           </a:p>
         </p:txBody>
       </p:sp>
-      <p:sp>
-        <p:nvSpPr>
-          <p:cNvPr id="163" name="TextBox 162">
+      <p:cxnSp>
+        <p:nvCxnSpPr>
+          <p:cNvPr id="275" name="Straight Connector 274">
             <a:extLst>
               <a:ext uri="{FF2B5EF4-FFF2-40B4-BE49-F238E27FC236}">
-                <a16:creationId xmlns:a16="http://schemas.microsoft.com/office/drawing/2014/main" id="{42FE1052-0826-2F0D-E55D-EAE4580F9862}"/>
-              </a:ext>
-            </a:extLst>
-          </p:cNvPr>
-          <p:cNvSpPr txBox="1"/>
-          <p:nvPr/>
-        </p:nvSpPr>
-        <p:spPr>
-          <a:xfrm>
-            <a:off x="-107100" y="2573280"/>
-            <a:ext cx="955984" cy="230832"/>
-          </a:xfrm>
-          <a:prstGeom prst="rect">
-            <a:avLst/>
-          </a:prstGeom>
-          <a:noFill/>
-        </p:spPr>
-        <p:txBody>
-          <a:bodyPr wrap="square" rtlCol="0">
-            <a:spAutoFit/>
-          </a:bodyPr>
-          <a:lstStyle/>
-          <a:p>
-            <a:pPr algn="r"/>
-            <a:r>
-              <a:rPr lang="en-US" sz="900" dirty="0">
-                <a:solidFill>
-                  <a:schemeClr val="bg2">
-                    <a:lumMod val="50000"/>
-                  </a:schemeClr>
-                </a:solidFill>
-              </a:rPr>
-              <a:t>NoSouthFF</a:t>
-            </a:r>
-            <a:endParaRPr lang="en-GB" sz="900" dirty="0">
-              <a:solidFill>
-                <a:schemeClr val="bg2">
-                  <a:lumMod val="50000"/>
-                </a:schemeClr>
-              </a:solidFill>
-            </a:endParaRPr>
-          </a:p>
-        </p:txBody>
-      </p:sp>
-      <p:sp>
-        <p:nvSpPr>
-          <p:cNvPr id="164" name="TextBox 163">
-            <a:extLst>
-              <a:ext uri="{FF2B5EF4-FFF2-40B4-BE49-F238E27FC236}">
-                <a16:creationId xmlns:a16="http://schemas.microsoft.com/office/drawing/2014/main" id="{4CF9F185-4CBB-7253-5A08-6E7D44972D75}"/>
-              </a:ext>
-            </a:extLst>
-          </p:cNvPr>
-          <p:cNvSpPr txBox="1"/>
-          <p:nvPr/>
-        </p:nvSpPr>
-        <p:spPr>
-          <a:xfrm>
-            <a:off x="-107100" y="2796806"/>
-            <a:ext cx="955984" cy="230832"/>
-          </a:xfrm>
-          <a:prstGeom prst="rect">
-            <a:avLst/>
-          </a:prstGeom>
-          <a:noFill/>
-        </p:spPr>
-        <p:txBody>
-          <a:bodyPr wrap="square" rtlCol="0">
-            <a:spAutoFit/>
-          </a:bodyPr>
-          <a:lstStyle/>
-          <a:p>
-            <a:pPr algn="r"/>
-            <a:r>
-              <a:rPr lang="en-US" sz="900" dirty="0">
-                <a:solidFill>
-                  <a:schemeClr val="bg2">
-                    <a:lumMod val="50000"/>
-                  </a:schemeClr>
-                </a:solidFill>
-              </a:rPr>
-              <a:t>NoNorthFF</a:t>
-            </a:r>
-            <a:endParaRPr lang="en-GB" sz="900" dirty="0">
-              <a:solidFill>
-                <a:schemeClr val="bg2">
-                  <a:lumMod val="50000"/>
-                </a:schemeClr>
-              </a:solidFill>
-            </a:endParaRPr>
-          </a:p>
-        </p:txBody>
-      </p:sp>
-      <p:sp>
-        <p:nvSpPr>
-          <p:cNvPr id="165" name="TextBox 164">
-            <a:extLst>
-              <a:ext uri="{FF2B5EF4-FFF2-40B4-BE49-F238E27FC236}">
-                <a16:creationId xmlns:a16="http://schemas.microsoft.com/office/drawing/2014/main" id="{7D112BAC-8C54-6FBD-65AF-BE3F56F2D333}"/>
-              </a:ext>
-            </a:extLst>
-          </p:cNvPr>
-          <p:cNvSpPr txBox="1"/>
-          <p:nvPr/>
-        </p:nvSpPr>
-        <p:spPr>
-          <a:xfrm>
-            <a:off x="2849775" y="3088332"/>
-            <a:ext cx="306912" cy="230832"/>
-          </a:xfrm>
-          <a:prstGeom prst="rect">
-            <a:avLst/>
-          </a:prstGeom>
-          <a:noFill/>
-        </p:spPr>
-        <p:txBody>
-          <a:bodyPr wrap="square" rtlCol="0">
-            <a:spAutoFit/>
-          </a:bodyPr>
-          <a:lstStyle/>
-          <a:p>
-            <a:pPr algn="ctr"/>
-            <a:r>
-              <a:rPr lang="en-US" sz="900" dirty="0">
-                <a:solidFill>
-                  <a:schemeClr val="bg2">
-                    <a:lumMod val="50000"/>
-                  </a:schemeClr>
-                </a:solidFill>
-              </a:rPr>
-              <a:t>16</a:t>
-            </a:r>
-            <a:endParaRPr lang="en-GB" sz="900" dirty="0">
-              <a:solidFill>
-                <a:schemeClr val="bg2">
-                  <a:lumMod val="50000"/>
-                </a:schemeClr>
-              </a:solidFill>
-            </a:endParaRPr>
-          </a:p>
-        </p:txBody>
-      </p:sp>
-      <p:sp>
-        <p:nvSpPr>
-          <p:cNvPr id="166" name="TextBox 165">
-            <a:extLst>
-              <a:ext uri="{FF2B5EF4-FFF2-40B4-BE49-F238E27FC236}">
-                <a16:creationId xmlns:a16="http://schemas.microsoft.com/office/drawing/2014/main" id="{64F08175-4E24-D5B3-0F7B-18F2A604D71A}"/>
-              </a:ext>
-            </a:extLst>
-          </p:cNvPr>
-          <p:cNvSpPr txBox="1"/>
-          <p:nvPr/>
-        </p:nvSpPr>
-        <p:spPr>
-          <a:xfrm>
-            <a:off x="2591794" y="3088332"/>
-            <a:ext cx="306912" cy="230832"/>
-          </a:xfrm>
-          <a:prstGeom prst="rect">
-            <a:avLst/>
-          </a:prstGeom>
-          <a:noFill/>
-        </p:spPr>
-        <p:txBody>
-          <a:bodyPr wrap="square" rtlCol="0">
-            <a:spAutoFit/>
-          </a:bodyPr>
-          <a:lstStyle/>
-          <a:p>
-            <a:pPr algn="ctr"/>
-            <a:r>
-              <a:rPr lang="en-US" sz="900" dirty="0">
-                <a:solidFill>
-                  <a:schemeClr val="bg2">
-                    <a:lumMod val="50000"/>
-                  </a:schemeClr>
-                </a:solidFill>
-              </a:rPr>
-              <a:t>14</a:t>
-            </a:r>
-            <a:endParaRPr lang="en-GB" sz="900" dirty="0">
-              <a:solidFill>
-                <a:schemeClr val="bg2">
-                  <a:lumMod val="50000"/>
-                </a:schemeClr>
-              </a:solidFill>
-            </a:endParaRPr>
-          </a:p>
-        </p:txBody>
-      </p:sp>
-      <p:sp>
-        <p:nvSpPr>
-          <p:cNvPr id="167" name="TextBox 166">
-            <a:extLst>
-              <a:ext uri="{FF2B5EF4-FFF2-40B4-BE49-F238E27FC236}">
-                <a16:creationId xmlns:a16="http://schemas.microsoft.com/office/drawing/2014/main" id="{5DD3B105-F8A2-E8EF-724F-90A8BB14F452}"/>
-              </a:ext>
-            </a:extLst>
-          </p:cNvPr>
-          <p:cNvSpPr txBox="1"/>
-          <p:nvPr/>
-        </p:nvSpPr>
-        <p:spPr>
-          <a:xfrm>
-            <a:off x="1301869" y="3088332"/>
-            <a:ext cx="306912" cy="230832"/>
-          </a:xfrm>
-          <a:prstGeom prst="rect">
-            <a:avLst/>
-          </a:prstGeom>
-          <a:noFill/>
-        </p:spPr>
-        <p:txBody>
-          <a:bodyPr wrap="square" rtlCol="0">
-            <a:spAutoFit/>
-          </a:bodyPr>
-          <a:lstStyle/>
-          <a:p>
-            <a:pPr algn="ctr"/>
-            <a:r>
-              <a:rPr lang="en-US" sz="900" dirty="0">
-                <a:solidFill>
-                  <a:schemeClr val="bg2">
-                    <a:lumMod val="50000"/>
-                  </a:schemeClr>
-                </a:solidFill>
-              </a:rPr>
-              <a:t>4</a:t>
-            </a:r>
-            <a:endParaRPr lang="en-GB" sz="900" dirty="0">
-              <a:solidFill>
-                <a:schemeClr val="bg2">
-                  <a:lumMod val="50000"/>
-                </a:schemeClr>
-              </a:solidFill>
-            </a:endParaRPr>
-          </a:p>
-        </p:txBody>
-      </p:sp>
-      <p:sp>
-        <p:nvSpPr>
-          <p:cNvPr id="168" name="TextBox 167">
-            <a:extLst>
-              <a:ext uri="{FF2B5EF4-FFF2-40B4-BE49-F238E27FC236}">
-                <a16:creationId xmlns:a16="http://schemas.microsoft.com/office/drawing/2014/main" id="{3BF41DCA-D54D-A8D1-304C-A170C8F69342}"/>
-              </a:ext>
-            </a:extLst>
-          </p:cNvPr>
-          <p:cNvSpPr txBox="1"/>
-          <p:nvPr/>
-        </p:nvSpPr>
-        <p:spPr>
-          <a:xfrm>
-            <a:off x="1043884" y="3088332"/>
-            <a:ext cx="306912" cy="230832"/>
-          </a:xfrm>
-          <a:prstGeom prst="rect">
-            <a:avLst/>
-          </a:prstGeom>
-          <a:noFill/>
-        </p:spPr>
-        <p:txBody>
-          <a:bodyPr wrap="square" rtlCol="0">
-            <a:spAutoFit/>
-          </a:bodyPr>
-          <a:lstStyle/>
-          <a:p>
-            <a:pPr algn="ctr"/>
-            <a:r>
-              <a:rPr lang="en-US" sz="900" dirty="0">
-                <a:solidFill>
-                  <a:schemeClr val="bg2">
-                    <a:lumMod val="50000"/>
-                  </a:schemeClr>
-                </a:solidFill>
-              </a:rPr>
-              <a:t>2</a:t>
-            </a:r>
-            <a:endParaRPr lang="en-GB" sz="900" dirty="0">
-              <a:solidFill>
-                <a:schemeClr val="bg2">
-                  <a:lumMod val="50000"/>
-                </a:schemeClr>
-              </a:solidFill>
-            </a:endParaRPr>
-          </a:p>
-        </p:txBody>
-      </p:sp>
-      <p:sp>
-        <p:nvSpPr>
-          <p:cNvPr id="169" name="TextBox 168">
-            <a:extLst>
-              <a:ext uri="{FF2B5EF4-FFF2-40B4-BE49-F238E27FC236}">
-                <a16:creationId xmlns:a16="http://schemas.microsoft.com/office/drawing/2014/main" id="{C2842732-D070-D809-66FC-9E9EC9F1B584}"/>
-              </a:ext>
-            </a:extLst>
-          </p:cNvPr>
-          <p:cNvSpPr txBox="1"/>
-          <p:nvPr/>
-        </p:nvSpPr>
-        <p:spPr>
-          <a:xfrm>
-            <a:off x="1817839" y="3088332"/>
-            <a:ext cx="306912" cy="230832"/>
-          </a:xfrm>
-          <a:prstGeom prst="rect">
-            <a:avLst/>
-          </a:prstGeom>
-          <a:noFill/>
-        </p:spPr>
-        <p:txBody>
-          <a:bodyPr wrap="square" rtlCol="0">
-            <a:spAutoFit/>
-          </a:bodyPr>
-          <a:lstStyle/>
-          <a:p>
-            <a:pPr algn="ctr"/>
-            <a:r>
-              <a:rPr lang="en-US" sz="900" dirty="0">
-                <a:solidFill>
-                  <a:schemeClr val="bg2">
-                    <a:lumMod val="50000"/>
-                  </a:schemeClr>
-                </a:solidFill>
-              </a:rPr>
-              <a:t>8</a:t>
-            </a:r>
-            <a:endParaRPr lang="en-GB" sz="900" dirty="0">
-              <a:solidFill>
-                <a:schemeClr val="bg2">
-                  <a:lumMod val="50000"/>
-                </a:schemeClr>
-              </a:solidFill>
-            </a:endParaRPr>
-          </a:p>
-        </p:txBody>
-      </p:sp>
-      <p:sp>
-        <p:nvSpPr>
-          <p:cNvPr id="170" name="TextBox 169">
-            <a:extLst>
-              <a:ext uri="{FF2B5EF4-FFF2-40B4-BE49-F238E27FC236}">
-                <a16:creationId xmlns:a16="http://schemas.microsoft.com/office/drawing/2014/main" id="{1EA73855-0172-6795-C7BD-A406340C136F}"/>
-              </a:ext>
-            </a:extLst>
-          </p:cNvPr>
-          <p:cNvSpPr txBox="1"/>
-          <p:nvPr/>
-        </p:nvSpPr>
-        <p:spPr>
-          <a:xfrm>
-            <a:off x="1559854" y="3088332"/>
-            <a:ext cx="306912" cy="230832"/>
-          </a:xfrm>
-          <a:prstGeom prst="rect">
-            <a:avLst/>
-          </a:prstGeom>
-          <a:noFill/>
-        </p:spPr>
-        <p:txBody>
-          <a:bodyPr wrap="square" rtlCol="0">
-            <a:spAutoFit/>
-          </a:bodyPr>
-          <a:lstStyle/>
-          <a:p>
-            <a:pPr algn="ctr"/>
-            <a:r>
-              <a:rPr lang="en-US" sz="900" dirty="0">
-                <a:solidFill>
-                  <a:schemeClr val="bg2">
-                    <a:lumMod val="50000"/>
-                  </a:schemeClr>
-                </a:solidFill>
-              </a:rPr>
-              <a:t>6</a:t>
-            </a:r>
-            <a:endParaRPr lang="en-GB" sz="900" dirty="0">
-              <a:solidFill>
-                <a:schemeClr val="bg2">
-                  <a:lumMod val="50000"/>
-                </a:schemeClr>
-              </a:solidFill>
-            </a:endParaRPr>
-          </a:p>
-        </p:txBody>
-      </p:sp>
-      <p:sp>
-        <p:nvSpPr>
-          <p:cNvPr id="171" name="TextBox 170">
-            <a:extLst>
-              <a:ext uri="{FF2B5EF4-FFF2-40B4-BE49-F238E27FC236}">
-                <a16:creationId xmlns:a16="http://schemas.microsoft.com/office/drawing/2014/main" id="{674360D7-72C0-7DFE-1ADA-300CF411CB87}"/>
-              </a:ext>
-            </a:extLst>
-          </p:cNvPr>
-          <p:cNvSpPr txBox="1"/>
-          <p:nvPr/>
-        </p:nvSpPr>
-        <p:spPr>
-          <a:xfrm>
-            <a:off x="2333809" y="3088332"/>
-            <a:ext cx="306912" cy="230832"/>
-          </a:xfrm>
-          <a:prstGeom prst="rect">
-            <a:avLst/>
-          </a:prstGeom>
-          <a:noFill/>
-        </p:spPr>
-        <p:txBody>
-          <a:bodyPr wrap="square" rtlCol="0">
-            <a:spAutoFit/>
-          </a:bodyPr>
-          <a:lstStyle/>
-          <a:p>
-            <a:pPr algn="ctr"/>
-            <a:r>
-              <a:rPr lang="en-US" sz="900" dirty="0">
-                <a:solidFill>
-                  <a:schemeClr val="bg2">
-                    <a:lumMod val="50000"/>
-                  </a:schemeClr>
-                </a:solidFill>
-              </a:rPr>
-              <a:t>12</a:t>
-            </a:r>
-            <a:endParaRPr lang="en-GB" sz="900" dirty="0">
-              <a:solidFill>
-                <a:schemeClr val="bg2">
-                  <a:lumMod val="50000"/>
-                </a:schemeClr>
-              </a:solidFill>
-            </a:endParaRPr>
-          </a:p>
-        </p:txBody>
-      </p:sp>
-      <p:sp>
-        <p:nvSpPr>
-          <p:cNvPr id="172" name="TextBox 171">
-            <a:extLst>
-              <a:ext uri="{FF2B5EF4-FFF2-40B4-BE49-F238E27FC236}">
-                <a16:creationId xmlns:a16="http://schemas.microsoft.com/office/drawing/2014/main" id="{35D1D282-55C3-6663-BE59-F79D96D840C5}"/>
-              </a:ext>
-            </a:extLst>
-          </p:cNvPr>
-          <p:cNvSpPr txBox="1"/>
-          <p:nvPr/>
-        </p:nvSpPr>
-        <p:spPr>
-          <a:xfrm>
-            <a:off x="2075824" y="3088332"/>
-            <a:ext cx="306912" cy="230832"/>
-          </a:xfrm>
-          <a:prstGeom prst="rect">
-            <a:avLst/>
-          </a:prstGeom>
-          <a:noFill/>
-        </p:spPr>
-        <p:txBody>
-          <a:bodyPr wrap="square" rtlCol="0">
-            <a:spAutoFit/>
-          </a:bodyPr>
-          <a:lstStyle/>
-          <a:p>
-            <a:pPr algn="ctr"/>
-            <a:r>
-              <a:rPr lang="en-US" sz="900" dirty="0">
-                <a:solidFill>
-                  <a:schemeClr val="bg2">
-                    <a:lumMod val="50000"/>
-                  </a:schemeClr>
-                </a:solidFill>
-              </a:rPr>
-              <a:t>10</a:t>
-            </a:r>
-            <a:endParaRPr lang="en-GB" sz="900" dirty="0">
-              <a:solidFill>
-                <a:schemeClr val="bg2">
-                  <a:lumMod val="50000"/>
-                </a:schemeClr>
-              </a:solidFill>
-            </a:endParaRPr>
-          </a:p>
-        </p:txBody>
-      </p:sp>
-      <p:sp>
-        <p:nvSpPr>
-          <p:cNvPr id="173" name="TextBox 172">
-            <a:extLst>
-              <a:ext uri="{FF2B5EF4-FFF2-40B4-BE49-F238E27FC236}">
-                <a16:creationId xmlns:a16="http://schemas.microsoft.com/office/drawing/2014/main" id="{3A99DC02-401A-D121-A9D8-7FEC69A264A9}"/>
-              </a:ext>
-            </a:extLst>
-          </p:cNvPr>
-          <p:cNvSpPr txBox="1"/>
-          <p:nvPr/>
-        </p:nvSpPr>
-        <p:spPr>
-          <a:xfrm>
-            <a:off x="785899" y="3088332"/>
-            <a:ext cx="306912" cy="230832"/>
-          </a:xfrm>
-          <a:prstGeom prst="rect">
-            <a:avLst/>
-          </a:prstGeom>
-          <a:noFill/>
-        </p:spPr>
-        <p:txBody>
-          <a:bodyPr wrap="square" rtlCol="0">
-            <a:spAutoFit/>
-          </a:bodyPr>
-          <a:lstStyle/>
-          <a:p>
-            <a:pPr algn="ctr"/>
-            <a:r>
-              <a:rPr lang="en-US" sz="900" dirty="0">
-                <a:solidFill>
-                  <a:schemeClr val="bg2">
-                    <a:lumMod val="50000"/>
-                  </a:schemeClr>
-                </a:solidFill>
-              </a:rPr>
-              <a:t>0</a:t>
-            </a:r>
-            <a:endParaRPr lang="en-GB" sz="900" dirty="0">
-              <a:solidFill>
-                <a:schemeClr val="bg2">
-                  <a:lumMod val="50000"/>
-                </a:schemeClr>
-              </a:solidFill>
-            </a:endParaRPr>
-          </a:p>
-        </p:txBody>
-      </p:sp>
-      <p:cxnSp>
-        <p:nvCxnSpPr>
-          <p:cNvPr id="174" name="Straight Connector 173">
-            <a:extLst>
-              <a:ext uri="{FF2B5EF4-FFF2-40B4-BE49-F238E27FC236}">
-                <a16:creationId xmlns:a16="http://schemas.microsoft.com/office/drawing/2014/main" id="{D0DD3196-6175-293A-F58C-69C095D3F6C6}"/>
+                <a16:creationId xmlns:a16="http://schemas.microsoft.com/office/drawing/2014/main" id="{25FFFBF5-0962-FDF6-BFEE-62D5ACE79A93}"/>
               </a:ext>
             </a:extLst>
           </p:cNvPr>
           <p:cNvCxnSpPr>
             <a:cxnSpLocks/>
-          </p:cNvCxnSpPr>
-          <p:nvPr/>
-        </p:nvCxnSpPr>
-        <p:spPr>
-          <a:xfrm>
-            <a:off x="3314700" y="3089714"/>
-            <a:ext cx="2593152" cy="0"/>
-          </a:xfrm>
-          <a:prstGeom prst="line">
-            <a:avLst/>
-          </a:prstGeom>
-          <a:ln w="9525">
-            <a:solidFill>
-              <a:schemeClr val="bg2">
-                <a:lumMod val="75000"/>
-              </a:schemeClr>
-            </a:solidFill>
-          </a:ln>
-        </p:spPr>
-        <p:style>
-          <a:lnRef idx="1">
-            <a:schemeClr val="accent1"/>
-          </a:lnRef>
-          <a:fillRef idx="0">
-            <a:schemeClr val="accent1"/>
-          </a:fillRef>
-          <a:effectRef idx="0">
-            <a:schemeClr val="accent1"/>
-          </a:effectRef>
-          <a:fontRef idx="minor">
-            <a:schemeClr val="tx1"/>
-          </a:fontRef>
-        </p:style>
-      </p:cxnSp>
-      <p:cxnSp>
-        <p:nvCxnSpPr>
-          <p:cNvPr id="175" name="Straight Connector 174">
-            <a:extLst>
-              <a:ext uri="{FF2B5EF4-FFF2-40B4-BE49-F238E27FC236}">
-                <a16:creationId xmlns:a16="http://schemas.microsoft.com/office/drawing/2014/main" id="{04F66119-0D75-A1BB-D269-6684B13B45B8}"/>
-              </a:ext>
-            </a:extLst>
-          </p:cNvPr>
-          <p:cNvCxnSpPr>
-            <a:cxnSpLocks/>
+            <a:endCxn id="313" idx="0"/>
           </p:cNvCxnSpPr>
           <p:nvPr/>
         </p:nvCxnSpPr>
         <p:spPr>
           <a:xfrm flipV="1">
-            <a:off x="5401065" y="676917"/>
-            <a:ext cx="1647" cy="2354265"/>
+            <a:off x="5765491" y="1136816"/>
+            <a:ext cx="1647" cy="2458477"/>
           </a:xfrm>
           <a:prstGeom prst="line">
             <a:avLst/>
@@ -5535,12 +7088,705 @@
           </a:fontRef>
         </p:style>
       </p:cxnSp>
+      <p:sp>
+        <p:nvSpPr>
+          <p:cNvPr id="276" name="TextBox 275">
+            <a:extLst>
+              <a:ext uri="{FF2B5EF4-FFF2-40B4-BE49-F238E27FC236}">
+                <a16:creationId xmlns:a16="http://schemas.microsoft.com/office/drawing/2014/main" id="{013E7CC0-A9FF-B00A-C38F-6287C0D15C1F}"/>
+              </a:ext>
+            </a:extLst>
+          </p:cNvPr>
+          <p:cNvSpPr txBox="1"/>
+          <p:nvPr/>
+        </p:nvSpPr>
+        <p:spPr>
+          <a:xfrm>
+            <a:off x="5333283" y="981815"/>
+            <a:ext cx="867710" cy="200055"/>
+          </a:xfrm>
+          <a:prstGeom prst="rect">
+            <a:avLst/>
+          </a:prstGeom>
+          <a:noFill/>
+        </p:spPr>
+        <p:txBody>
+          <a:bodyPr wrap="square" rtlCol="0">
+            <a:spAutoFit/>
+          </a:bodyPr>
+          <a:lstStyle/>
+          <a:p>
+            <a:pPr algn="ctr"/>
+            <a:r>
+              <a:rPr lang="en-US" sz="700" dirty="0">
+                <a:solidFill>
+                  <a:schemeClr val="bg2">
+                    <a:lumMod val="50000"/>
+                  </a:schemeClr>
+                </a:solidFill>
+                <a:latin typeface="Aptos" panose="020B0004020202020204" pitchFamily="34" charset="0"/>
+              </a:rPr>
+              <a:t>247953</a:t>
+            </a:r>
+            <a:endParaRPr lang="en-GB" sz="700" dirty="0">
+              <a:solidFill>
+                <a:schemeClr val="bg2">
+                  <a:lumMod val="50000"/>
+                </a:schemeClr>
+              </a:solidFill>
+              <a:latin typeface="Aptos" panose="020B0004020202020204" pitchFamily="34" charset="0"/>
+            </a:endParaRPr>
+          </a:p>
+        </p:txBody>
+      </p:sp>
+      <p:sp>
+        <p:nvSpPr>
+          <p:cNvPr id="277" name="TextBox 276">
+            <a:extLst>
+              <a:ext uri="{FF2B5EF4-FFF2-40B4-BE49-F238E27FC236}">
+                <a16:creationId xmlns:a16="http://schemas.microsoft.com/office/drawing/2014/main" id="{FBC309C0-9B4B-C1CC-6C25-E96D14960766}"/>
+              </a:ext>
+            </a:extLst>
+          </p:cNvPr>
+          <p:cNvSpPr txBox="1"/>
+          <p:nvPr/>
+        </p:nvSpPr>
+        <p:spPr>
+          <a:xfrm>
+            <a:off x="4661838" y="3479840"/>
+            <a:ext cx="677986" cy="200055"/>
+          </a:xfrm>
+          <a:prstGeom prst="rect">
+            <a:avLst/>
+          </a:prstGeom>
+          <a:noFill/>
+        </p:spPr>
+        <p:txBody>
+          <a:bodyPr wrap="square" rtlCol="0">
+            <a:spAutoFit/>
+          </a:bodyPr>
+          <a:lstStyle/>
+          <a:p>
+            <a:pPr algn="ctr"/>
+            <a:r>
+              <a:rPr lang="en-US" sz="700" dirty="0">
+                <a:solidFill>
+                  <a:srgbClr val="FF0000"/>
+                </a:solidFill>
+                <a:latin typeface="Aptos" panose="020B0004020202020204" pitchFamily="34" charset="0"/>
+              </a:rPr>
+              <a:t>(-16.22 %)</a:t>
+            </a:r>
+            <a:endParaRPr lang="en-GB" sz="700" dirty="0">
+              <a:solidFill>
+                <a:srgbClr val="FF0000"/>
+              </a:solidFill>
+              <a:latin typeface="Aptos" panose="020B0004020202020204" pitchFamily="34" charset="0"/>
+            </a:endParaRPr>
+          </a:p>
+        </p:txBody>
+      </p:sp>
+      <p:sp>
+        <p:nvSpPr>
+          <p:cNvPr id="278" name="TextBox 277">
+            <a:extLst>
+              <a:ext uri="{FF2B5EF4-FFF2-40B4-BE49-F238E27FC236}">
+                <a16:creationId xmlns:a16="http://schemas.microsoft.com/office/drawing/2014/main" id="{CC55E134-5E53-DB9D-8CB7-42A176D2F1D8}"/>
+              </a:ext>
+            </a:extLst>
+          </p:cNvPr>
+          <p:cNvSpPr txBox="1"/>
+          <p:nvPr/>
+        </p:nvSpPr>
+        <p:spPr>
+          <a:xfrm>
+            <a:off x="4368370" y="3265945"/>
+            <a:ext cx="630648" cy="200055"/>
+          </a:xfrm>
+          <a:prstGeom prst="rect">
+            <a:avLst/>
+          </a:prstGeom>
+          <a:noFill/>
+        </p:spPr>
+        <p:txBody>
+          <a:bodyPr wrap="square" rtlCol="0">
+            <a:spAutoFit/>
+          </a:bodyPr>
+          <a:lstStyle/>
+          <a:p>
+            <a:pPr algn="ctr"/>
+            <a:r>
+              <a:rPr lang="en-US" sz="700" dirty="0">
+                <a:solidFill>
+                  <a:srgbClr val="FF0000"/>
+                </a:solidFill>
+                <a:latin typeface="Aptos" panose="020B0004020202020204" pitchFamily="34" charset="0"/>
+              </a:rPr>
+              <a:t>(-27.25 %)</a:t>
+            </a:r>
+            <a:endParaRPr lang="en-GB" sz="700" dirty="0">
+              <a:solidFill>
+                <a:srgbClr val="FF0000"/>
+              </a:solidFill>
+              <a:latin typeface="Aptos" panose="020B0004020202020204" pitchFamily="34" charset="0"/>
+            </a:endParaRPr>
+          </a:p>
+        </p:txBody>
+      </p:sp>
+      <p:sp>
+        <p:nvSpPr>
+          <p:cNvPr id="279" name="TextBox 278">
+            <a:extLst>
+              <a:ext uri="{FF2B5EF4-FFF2-40B4-BE49-F238E27FC236}">
+                <a16:creationId xmlns:a16="http://schemas.microsoft.com/office/drawing/2014/main" id="{1BE8F177-F720-1B6F-FE84-EEAB025D35EA}"/>
+              </a:ext>
+            </a:extLst>
+          </p:cNvPr>
+          <p:cNvSpPr txBox="1"/>
+          <p:nvPr/>
+        </p:nvSpPr>
+        <p:spPr>
+          <a:xfrm>
+            <a:off x="4015076" y="3050411"/>
+            <a:ext cx="621508" cy="200055"/>
+          </a:xfrm>
+          <a:prstGeom prst="rect">
+            <a:avLst/>
+          </a:prstGeom>
+          <a:noFill/>
+        </p:spPr>
+        <p:txBody>
+          <a:bodyPr wrap="square" rtlCol="0">
+            <a:spAutoFit/>
+          </a:bodyPr>
+          <a:lstStyle/>
+          <a:p>
+            <a:pPr algn="ctr"/>
+            <a:r>
+              <a:rPr lang="en-US" sz="700" dirty="0">
+                <a:solidFill>
+                  <a:srgbClr val="FF0000"/>
+                </a:solidFill>
+                <a:latin typeface="Aptos" panose="020B0004020202020204" pitchFamily="34" charset="0"/>
+              </a:rPr>
+              <a:t>(-39.00 %)</a:t>
+            </a:r>
+            <a:endParaRPr lang="en-GB" sz="700" dirty="0">
+              <a:solidFill>
+                <a:srgbClr val="FF0000"/>
+              </a:solidFill>
+              <a:latin typeface="Aptos" panose="020B0004020202020204" pitchFamily="34" charset="0"/>
+            </a:endParaRPr>
+          </a:p>
+        </p:txBody>
+      </p:sp>
+      <p:sp>
+        <p:nvSpPr>
+          <p:cNvPr id="280" name="TextBox 279">
+            <a:extLst>
+              <a:ext uri="{FF2B5EF4-FFF2-40B4-BE49-F238E27FC236}">
+                <a16:creationId xmlns:a16="http://schemas.microsoft.com/office/drawing/2014/main" id="{157A6840-12F7-0B50-A52C-5F44094E4909}"/>
+              </a:ext>
+            </a:extLst>
+          </p:cNvPr>
+          <p:cNvSpPr txBox="1"/>
+          <p:nvPr/>
+        </p:nvSpPr>
+        <p:spPr>
+          <a:xfrm>
+            <a:off x="3665130" y="2826311"/>
+            <a:ext cx="577701" cy="200055"/>
+          </a:xfrm>
+          <a:prstGeom prst="rect">
+            <a:avLst/>
+          </a:prstGeom>
+          <a:noFill/>
+        </p:spPr>
+        <p:txBody>
+          <a:bodyPr wrap="square" rtlCol="0">
+            <a:spAutoFit/>
+          </a:bodyPr>
+          <a:lstStyle/>
+          <a:p>
+            <a:pPr algn="ctr"/>
+            <a:r>
+              <a:rPr lang="en-US" sz="700" dirty="0">
+                <a:solidFill>
+                  <a:srgbClr val="FF0000"/>
+                </a:solidFill>
+                <a:latin typeface="Aptos" panose="020B0004020202020204" pitchFamily="34" charset="0"/>
+              </a:rPr>
+              <a:t>(-52.04 %)</a:t>
+            </a:r>
+            <a:endParaRPr lang="en-GB" sz="700" dirty="0">
+              <a:solidFill>
+                <a:srgbClr val="FF0000"/>
+              </a:solidFill>
+              <a:latin typeface="Aptos" panose="020B0004020202020204" pitchFamily="34" charset="0"/>
+            </a:endParaRPr>
+          </a:p>
+        </p:txBody>
+      </p:sp>
+      <p:sp>
+        <p:nvSpPr>
+          <p:cNvPr id="281" name="TextBox 280">
+            <a:extLst>
+              <a:ext uri="{FF2B5EF4-FFF2-40B4-BE49-F238E27FC236}">
+                <a16:creationId xmlns:a16="http://schemas.microsoft.com/office/drawing/2014/main" id="{5344D74F-978E-318A-72CB-3A051107275C}"/>
+              </a:ext>
+            </a:extLst>
+          </p:cNvPr>
+          <p:cNvSpPr txBox="1"/>
+          <p:nvPr/>
+        </p:nvSpPr>
+        <p:spPr>
+          <a:xfrm>
+            <a:off x="5244671" y="2601505"/>
+            <a:ext cx="558748" cy="200055"/>
+          </a:xfrm>
+          <a:prstGeom prst="rect">
+            <a:avLst/>
+          </a:prstGeom>
+          <a:noFill/>
+        </p:spPr>
+        <p:txBody>
+          <a:bodyPr wrap="square" rtlCol="0">
+            <a:spAutoFit/>
+          </a:bodyPr>
+          <a:lstStyle/>
+          <a:p>
+            <a:pPr algn="ctr"/>
+            <a:r>
+              <a:rPr lang="en-US" sz="700" dirty="0">
+                <a:solidFill>
+                  <a:srgbClr val="FF0000"/>
+                </a:solidFill>
+                <a:latin typeface="Aptos" panose="020B0004020202020204" pitchFamily="34" charset="0"/>
+              </a:rPr>
+              <a:t>(-1.18 %)</a:t>
+            </a:r>
+            <a:endParaRPr lang="en-GB" sz="700" dirty="0">
+              <a:solidFill>
+                <a:srgbClr val="FF0000"/>
+              </a:solidFill>
+              <a:latin typeface="Aptos" panose="020B0004020202020204" pitchFamily="34" charset="0"/>
+            </a:endParaRPr>
+          </a:p>
+        </p:txBody>
+      </p:sp>
+      <p:sp>
+        <p:nvSpPr>
+          <p:cNvPr id="282" name="TextBox 281">
+            <a:extLst>
+              <a:ext uri="{FF2B5EF4-FFF2-40B4-BE49-F238E27FC236}">
+                <a16:creationId xmlns:a16="http://schemas.microsoft.com/office/drawing/2014/main" id="{8E4254DA-7414-5337-1865-D5B003645431}"/>
+              </a:ext>
+            </a:extLst>
+          </p:cNvPr>
+          <p:cNvSpPr txBox="1"/>
+          <p:nvPr/>
+        </p:nvSpPr>
+        <p:spPr>
+          <a:xfrm>
+            <a:off x="4618928" y="2377177"/>
+            <a:ext cx="595294" cy="200055"/>
+          </a:xfrm>
+          <a:prstGeom prst="rect">
+            <a:avLst/>
+          </a:prstGeom>
+          <a:noFill/>
+        </p:spPr>
+        <p:txBody>
+          <a:bodyPr wrap="square" rtlCol="0">
+            <a:spAutoFit/>
+          </a:bodyPr>
+          <a:lstStyle/>
+          <a:p>
+            <a:pPr algn="ctr"/>
+            <a:r>
+              <a:rPr lang="en-US" sz="700" dirty="0">
+                <a:solidFill>
+                  <a:srgbClr val="FF0000"/>
+                </a:solidFill>
+                <a:latin typeface="Aptos" panose="020B0004020202020204" pitchFamily="34" charset="0"/>
+              </a:rPr>
+              <a:t>(-19.96 %)</a:t>
+            </a:r>
+            <a:endParaRPr lang="en-GB" sz="700" dirty="0">
+              <a:solidFill>
+                <a:srgbClr val="FF0000"/>
+              </a:solidFill>
+              <a:latin typeface="Aptos" panose="020B0004020202020204" pitchFamily="34" charset="0"/>
+            </a:endParaRPr>
+          </a:p>
+        </p:txBody>
+      </p:sp>
+      <p:sp>
+        <p:nvSpPr>
+          <p:cNvPr id="283" name="TextBox 282">
+            <a:extLst>
+              <a:ext uri="{FF2B5EF4-FFF2-40B4-BE49-F238E27FC236}">
+                <a16:creationId xmlns:a16="http://schemas.microsoft.com/office/drawing/2014/main" id="{BC21C05E-B007-ADA2-26FE-F0D990BB6808}"/>
+              </a:ext>
+            </a:extLst>
+          </p:cNvPr>
+          <p:cNvSpPr txBox="1"/>
+          <p:nvPr/>
+        </p:nvSpPr>
+        <p:spPr>
+          <a:xfrm>
+            <a:off x="5749138" y="2160661"/>
+            <a:ext cx="558748" cy="200055"/>
+          </a:xfrm>
+          <a:prstGeom prst="rect">
+            <a:avLst/>
+          </a:prstGeom>
+          <a:noFill/>
+        </p:spPr>
+        <p:txBody>
+          <a:bodyPr wrap="square" rtlCol="0">
+            <a:spAutoFit/>
+          </a:bodyPr>
+          <a:lstStyle/>
+          <a:p>
+            <a:pPr algn="ctr"/>
+            <a:r>
+              <a:rPr lang="en-US" sz="700" dirty="0">
+                <a:solidFill>
+                  <a:srgbClr val="FF0000"/>
+                </a:solidFill>
+                <a:latin typeface="Aptos" panose="020B0004020202020204" pitchFamily="34" charset="0"/>
+              </a:rPr>
+              <a:t>(+ 1.42 %)</a:t>
+            </a:r>
+            <a:endParaRPr lang="en-GB" sz="700" dirty="0">
+              <a:solidFill>
+                <a:srgbClr val="FF0000"/>
+              </a:solidFill>
+              <a:latin typeface="Aptos" panose="020B0004020202020204" pitchFamily="34" charset="0"/>
+            </a:endParaRPr>
+          </a:p>
+        </p:txBody>
+      </p:sp>
+      <p:sp>
+        <p:nvSpPr>
+          <p:cNvPr id="284" name="TextBox 283">
+            <a:extLst>
+              <a:ext uri="{FF2B5EF4-FFF2-40B4-BE49-F238E27FC236}">
+                <a16:creationId xmlns:a16="http://schemas.microsoft.com/office/drawing/2014/main" id="{CC1CDF8B-AC74-D1DE-CCA3-EAF6C4C979F7}"/>
+              </a:ext>
+            </a:extLst>
+          </p:cNvPr>
+          <p:cNvSpPr txBox="1"/>
+          <p:nvPr/>
+        </p:nvSpPr>
+        <p:spPr>
+          <a:xfrm>
+            <a:off x="4795845" y="1943548"/>
+            <a:ext cx="608575" cy="200055"/>
+          </a:xfrm>
+          <a:prstGeom prst="rect">
+            <a:avLst/>
+          </a:prstGeom>
+          <a:noFill/>
+        </p:spPr>
+        <p:txBody>
+          <a:bodyPr wrap="square" rtlCol="0">
+            <a:spAutoFit/>
+          </a:bodyPr>
+          <a:lstStyle/>
+          <a:p>
+            <a:pPr algn="ctr"/>
+            <a:r>
+              <a:rPr lang="en-US" sz="700" dirty="0">
+                <a:solidFill>
+                  <a:srgbClr val="FF0000"/>
+                </a:solidFill>
+                <a:latin typeface="Aptos" panose="020B0004020202020204" pitchFamily="34" charset="0"/>
+              </a:rPr>
+              <a:t>-13.75 %</a:t>
+            </a:r>
+            <a:endParaRPr lang="en-GB" sz="700" dirty="0">
+              <a:solidFill>
+                <a:srgbClr val="FF0000"/>
+              </a:solidFill>
+              <a:latin typeface="Aptos" panose="020B0004020202020204" pitchFamily="34" charset="0"/>
+            </a:endParaRPr>
+          </a:p>
+        </p:txBody>
+      </p:sp>
+      <p:sp>
+        <p:nvSpPr>
+          <p:cNvPr id="285" name="TextBox 284">
+            <a:extLst>
+              <a:ext uri="{FF2B5EF4-FFF2-40B4-BE49-F238E27FC236}">
+                <a16:creationId xmlns:a16="http://schemas.microsoft.com/office/drawing/2014/main" id="{6118CAD5-931D-8CF8-C9E5-9F4B3C595220}"/>
+              </a:ext>
+            </a:extLst>
+          </p:cNvPr>
+          <p:cNvSpPr txBox="1"/>
+          <p:nvPr/>
+        </p:nvSpPr>
+        <p:spPr>
+          <a:xfrm>
+            <a:off x="4085528" y="1714332"/>
+            <a:ext cx="624294" cy="200055"/>
+          </a:xfrm>
+          <a:prstGeom prst="rect">
+            <a:avLst/>
+          </a:prstGeom>
+          <a:noFill/>
+        </p:spPr>
+        <p:txBody>
+          <a:bodyPr wrap="square" rtlCol="0">
+            <a:spAutoFit/>
+          </a:bodyPr>
+          <a:lstStyle/>
+          <a:p>
+            <a:pPr algn="ctr"/>
+            <a:r>
+              <a:rPr lang="en-US" sz="700" dirty="0">
+                <a:solidFill>
+                  <a:srgbClr val="FF0000"/>
+                </a:solidFill>
+                <a:latin typeface="Aptos" panose="020B0004020202020204" pitchFamily="34" charset="0"/>
+              </a:rPr>
+              <a:t>-36.50 %</a:t>
+            </a:r>
+            <a:endParaRPr lang="en-GB" sz="700" dirty="0">
+              <a:solidFill>
+                <a:srgbClr val="FF0000"/>
+              </a:solidFill>
+              <a:latin typeface="Aptos" panose="020B0004020202020204" pitchFamily="34" charset="0"/>
+            </a:endParaRPr>
+          </a:p>
+        </p:txBody>
+      </p:sp>
+      <p:sp>
+        <p:nvSpPr>
+          <p:cNvPr id="286" name="TextBox 285">
+            <a:extLst>
+              <a:ext uri="{FF2B5EF4-FFF2-40B4-BE49-F238E27FC236}">
+                <a16:creationId xmlns:a16="http://schemas.microsoft.com/office/drawing/2014/main" id="{E8D42597-42ED-EE18-2F7C-E609B7C02247}"/>
+              </a:ext>
+            </a:extLst>
+          </p:cNvPr>
+          <p:cNvSpPr txBox="1"/>
+          <p:nvPr/>
+        </p:nvSpPr>
+        <p:spPr>
+          <a:xfrm>
+            <a:off x="4973963" y="1494163"/>
+            <a:ext cx="558748" cy="200055"/>
+          </a:xfrm>
+          <a:prstGeom prst="rect">
+            <a:avLst/>
+          </a:prstGeom>
+          <a:noFill/>
+        </p:spPr>
+        <p:txBody>
+          <a:bodyPr wrap="square" rtlCol="0">
+            <a:spAutoFit/>
+          </a:bodyPr>
+          <a:lstStyle/>
+          <a:p>
+            <a:pPr algn="ctr"/>
+            <a:r>
+              <a:rPr lang="en-US" sz="700" dirty="0">
+                <a:solidFill>
+                  <a:srgbClr val="FF0000"/>
+                </a:solidFill>
+                <a:latin typeface="Aptos" panose="020B0004020202020204" pitchFamily="34" charset="0"/>
+              </a:rPr>
+              <a:t>-9.56 %</a:t>
+            </a:r>
+            <a:endParaRPr lang="en-GB" sz="700" dirty="0">
+              <a:solidFill>
+                <a:srgbClr val="FF0000"/>
+              </a:solidFill>
+              <a:latin typeface="Aptos" panose="020B0004020202020204" pitchFamily="34" charset="0"/>
+            </a:endParaRPr>
+          </a:p>
+        </p:txBody>
+      </p:sp>
+      <p:sp>
+        <p:nvSpPr>
+          <p:cNvPr id="287" name="TextBox 286">
+            <a:extLst>
+              <a:ext uri="{FF2B5EF4-FFF2-40B4-BE49-F238E27FC236}">
+                <a16:creationId xmlns:a16="http://schemas.microsoft.com/office/drawing/2014/main" id="{CDD30FB1-67EF-8288-2ABE-020961B6E393}"/>
+              </a:ext>
+            </a:extLst>
+          </p:cNvPr>
+          <p:cNvSpPr txBox="1"/>
+          <p:nvPr/>
+        </p:nvSpPr>
+        <p:spPr>
+          <a:xfrm>
+            <a:off x="5765491" y="1279017"/>
+            <a:ext cx="558748" cy="200055"/>
+          </a:xfrm>
+          <a:prstGeom prst="rect">
+            <a:avLst/>
+          </a:prstGeom>
+          <a:noFill/>
+        </p:spPr>
+        <p:txBody>
+          <a:bodyPr wrap="square" rtlCol="0">
+            <a:spAutoFit/>
+          </a:bodyPr>
+          <a:lstStyle/>
+          <a:p>
+            <a:pPr algn="ctr"/>
+            <a:r>
+              <a:rPr lang="en-US" sz="700" dirty="0">
+                <a:solidFill>
+                  <a:srgbClr val="FF0000"/>
+                </a:solidFill>
+                <a:latin typeface="Aptos" panose="020B0004020202020204" pitchFamily="34" charset="0"/>
+              </a:rPr>
+              <a:t>+1.42 %</a:t>
+            </a:r>
+            <a:endParaRPr lang="en-GB" sz="700" dirty="0">
+              <a:solidFill>
+                <a:srgbClr val="FF0000"/>
+              </a:solidFill>
+              <a:latin typeface="Aptos" panose="020B0004020202020204" pitchFamily="34" charset="0"/>
+            </a:endParaRPr>
+          </a:p>
+        </p:txBody>
+      </p:sp>
+      <p:sp>
+        <p:nvSpPr>
+          <p:cNvPr id="288" name="TextBox 287">
+            <a:extLst>
+              <a:ext uri="{FF2B5EF4-FFF2-40B4-BE49-F238E27FC236}">
+                <a16:creationId xmlns:a16="http://schemas.microsoft.com/office/drawing/2014/main" id="{0F0E9CCF-8FF1-BF1F-C704-2A0D456C7A04}"/>
+              </a:ext>
+            </a:extLst>
+          </p:cNvPr>
+          <p:cNvSpPr txBox="1"/>
+          <p:nvPr/>
+        </p:nvSpPr>
+        <p:spPr>
+          <a:xfrm>
+            <a:off x="1428913" y="3911669"/>
+            <a:ext cx="955984" cy="200055"/>
+          </a:xfrm>
+          <a:prstGeom prst="rect">
+            <a:avLst/>
+          </a:prstGeom>
+          <a:noFill/>
+        </p:spPr>
+        <p:txBody>
+          <a:bodyPr wrap="square" rtlCol="0">
+            <a:spAutoFit/>
+          </a:bodyPr>
+          <a:lstStyle/>
+          <a:p>
+            <a:pPr algn="ctr"/>
+            <a:r>
+              <a:rPr lang="en-US" sz="700" dirty="0">
+                <a:solidFill>
+                  <a:schemeClr val="bg2">
+                    <a:lumMod val="50000"/>
+                  </a:schemeClr>
+                </a:solidFill>
+                <a:latin typeface="Aptos" panose="020B0004020202020204" pitchFamily="34" charset="0"/>
+              </a:rPr>
+              <a:t>Probabilities [%]</a:t>
+            </a:r>
+            <a:endParaRPr lang="en-GB" sz="700" dirty="0">
+              <a:solidFill>
+                <a:schemeClr val="bg2">
+                  <a:lumMod val="50000"/>
+                </a:schemeClr>
+              </a:solidFill>
+              <a:latin typeface="Aptos" panose="020B0004020202020204" pitchFamily="34" charset="0"/>
+            </a:endParaRPr>
+          </a:p>
+        </p:txBody>
+      </p:sp>
+      <p:sp>
+        <p:nvSpPr>
+          <p:cNvPr id="289" name="TextBox 288">
+            <a:extLst>
+              <a:ext uri="{FF2B5EF4-FFF2-40B4-BE49-F238E27FC236}">
+                <a16:creationId xmlns:a16="http://schemas.microsoft.com/office/drawing/2014/main" id="{4C284D1A-2B77-B2E5-6059-BBB25D8EF4CE}"/>
+              </a:ext>
+            </a:extLst>
+          </p:cNvPr>
+          <p:cNvSpPr txBox="1"/>
+          <p:nvPr/>
+        </p:nvSpPr>
+        <p:spPr>
+          <a:xfrm>
+            <a:off x="-64390" y="406413"/>
+            <a:ext cx="3359886" cy="215444"/>
+          </a:xfrm>
+          <a:prstGeom prst="rect">
+            <a:avLst/>
+          </a:prstGeom>
+          <a:noFill/>
+        </p:spPr>
+        <p:txBody>
+          <a:bodyPr wrap="square" rtlCol="0">
+            <a:spAutoFit/>
+          </a:bodyPr>
+          <a:lstStyle/>
+          <a:p>
+            <a:r>
+              <a:rPr lang="en-US" sz="800" dirty="0">
+                <a:latin typeface="Aptos" panose="020B0004020202020204" pitchFamily="34" charset="0"/>
+              </a:rPr>
+              <a:t>Distribution of predicted probabilities of having a flash flood in a grid-box</a:t>
+            </a:r>
+          </a:p>
+        </p:txBody>
+      </p:sp>
+      <p:sp>
+        <p:nvSpPr>
+          <p:cNvPr id="290" name="TextBox 289">
+            <a:extLst>
+              <a:ext uri="{FF2B5EF4-FFF2-40B4-BE49-F238E27FC236}">
+                <a16:creationId xmlns:a16="http://schemas.microsoft.com/office/drawing/2014/main" id="{8837560C-2E75-687C-DA53-3994646EC002}"/>
+              </a:ext>
+            </a:extLst>
+          </p:cNvPr>
+          <p:cNvSpPr txBox="1"/>
+          <p:nvPr/>
+        </p:nvSpPr>
+        <p:spPr>
+          <a:xfrm>
+            <a:off x="3497407" y="406413"/>
+            <a:ext cx="4107571" cy="338554"/>
+          </a:xfrm>
+          <a:prstGeom prst="rect">
+            <a:avLst/>
+          </a:prstGeom>
+          <a:noFill/>
+        </p:spPr>
+        <p:txBody>
+          <a:bodyPr wrap="square" rtlCol="0">
+            <a:spAutoFit/>
+          </a:bodyPr>
+          <a:lstStyle/>
+          <a:p>
+            <a:r>
+              <a:rPr lang="en-US" sz="800" dirty="0">
+                <a:latin typeface="Aptos" panose="020B0004020202020204" pitchFamily="34" charset="0"/>
+              </a:rPr>
+              <a:t>Flash flood signal: percentage difference in no. of grid-boxes exceeding the climatological average probability (=0.08%) of having a flash flood event</a:t>
+            </a:r>
+          </a:p>
+        </p:txBody>
+      </p:sp>
       <p:cxnSp>
         <p:nvCxnSpPr>
-          <p:cNvPr id="176" name="Straight Connector 175">
+          <p:cNvPr id="291" name="Straight Connector 290">
             <a:extLst>
               <a:ext uri="{FF2B5EF4-FFF2-40B4-BE49-F238E27FC236}">
-                <a16:creationId xmlns:a16="http://schemas.microsoft.com/office/drawing/2014/main" id="{194F5683-A6B8-BD9F-9123-DFFAC804E4D4}"/>
+                <a16:creationId xmlns:a16="http://schemas.microsoft.com/office/drawing/2014/main" id="{F966BAC7-655C-B54C-6500-7B600429896B}"/>
               </a:ext>
             </a:extLst>
           </p:cNvPr>
@@ -5550,1373 +7796,9 @@
           <p:nvPr/>
         </p:nvCxnSpPr>
         <p:spPr>
-          <a:xfrm rot="16200000">
-            <a:off x="5391912" y="3101413"/>
-            <a:ext cx="21600" cy="0"/>
-          </a:xfrm>
-          <a:prstGeom prst="line">
-            <a:avLst/>
-          </a:prstGeom>
-          <a:ln w="6350">
-            <a:solidFill>
-              <a:schemeClr val="bg2">
-                <a:lumMod val="75000"/>
-              </a:schemeClr>
-            </a:solidFill>
-          </a:ln>
-        </p:spPr>
-        <p:style>
-          <a:lnRef idx="1">
-            <a:schemeClr val="accent1"/>
-          </a:lnRef>
-          <a:fillRef idx="0">
-            <a:schemeClr val="accent1"/>
-          </a:fillRef>
-          <a:effectRef idx="0">
-            <a:schemeClr val="accent1"/>
-          </a:effectRef>
-          <a:fontRef idx="minor">
-            <a:schemeClr val="tx1"/>
-          </a:fontRef>
-        </p:style>
-      </p:cxnSp>
-      <p:sp>
-        <p:nvSpPr>
-          <p:cNvPr id="177" name="TextBox 176">
-            <a:extLst>
-              <a:ext uri="{FF2B5EF4-FFF2-40B4-BE49-F238E27FC236}">
-                <a16:creationId xmlns:a16="http://schemas.microsoft.com/office/drawing/2014/main" id="{3C28882B-D592-7823-9559-0111E55E7196}"/>
-              </a:ext>
-            </a:extLst>
-          </p:cNvPr>
-          <p:cNvSpPr txBox="1"/>
-          <p:nvPr/>
-        </p:nvSpPr>
-        <p:spPr>
-          <a:xfrm>
-            <a:off x="5117046" y="3070664"/>
-            <a:ext cx="867710" cy="230832"/>
-          </a:xfrm>
-          <a:prstGeom prst="rect">
-            <a:avLst/>
-          </a:prstGeom>
-          <a:noFill/>
-        </p:spPr>
-        <p:txBody>
-          <a:bodyPr wrap="square" rtlCol="0">
-            <a:spAutoFit/>
-          </a:bodyPr>
-          <a:lstStyle/>
-          <a:p>
-            <a:pPr algn="ctr"/>
-            <a:r>
-              <a:rPr lang="en-US" sz="900" dirty="0">
-                <a:solidFill>
-                  <a:schemeClr val="bg2">
-                    <a:lumMod val="50000"/>
-                  </a:schemeClr>
-                </a:solidFill>
-              </a:rPr>
-              <a:t>247953 (AllFF)</a:t>
-            </a:r>
-            <a:endParaRPr lang="en-GB" sz="900" dirty="0">
-              <a:solidFill>
-                <a:schemeClr val="bg2">
-                  <a:lumMod val="50000"/>
-                </a:schemeClr>
-              </a:solidFill>
-            </a:endParaRPr>
-          </a:p>
-        </p:txBody>
-      </p:sp>
-      <p:pic>
-        <p:nvPicPr>
-          <p:cNvPr id="178" name="Picture 177" descr="A graph with colored dots&#10;&#10;Description automatically generated with medium confidence">
-            <a:extLst>
-              <a:ext uri="{FF2B5EF4-FFF2-40B4-BE49-F238E27FC236}">
-                <a16:creationId xmlns:a16="http://schemas.microsoft.com/office/drawing/2014/main" id="{D3E76F8A-C466-6EA8-878C-69CEAA4CFA00}"/>
-              </a:ext>
-            </a:extLst>
-          </p:cNvPr>
-          <p:cNvPicPr>
-            <a:picLocks noChangeAspect="1"/>
-          </p:cNvPicPr>
-          <p:nvPr/>
-        </p:nvPicPr>
-        <p:blipFill rotWithShape="1">
-          <a:blip r:embed="rId3">
-            <a:clrChange>
-              <a:clrFrom>
-                <a:srgbClr val="FFFFFF"/>
-              </a:clrFrom>
-              <a:clrTo>
-                <a:srgbClr val="FFFFFF">
-                  <a:alpha val="0"/>
-                </a:srgbClr>
-              </a:clrTo>
-            </a:clrChange>
-            <a:extLst>
-              <a:ext uri="{28A0092B-C50C-407E-A947-70E740481C1C}">
-                <a14:useLocalDpi xmlns:a14="http://schemas.microsoft.com/office/drawing/2010/main" val="0"/>
-              </a:ext>
-            </a:extLst>
-          </a:blip>
-          <a:srcRect l="20480" t="3766" r="1" b="7573"/>
-          <a:stretch/>
-        </p:blipFill>
-        <p:spPr>
-          <a:xfrm>
-            <a:off x="3635604" y="587526"/>
-            <a:ext cx="2519053" cy="2390624"/>
-          </a:xfrm>
-          <a:prstGeom prst="rect">
-            <a:avLst/>
-          </a:prstGeom>
-        </p:spPr>
-      </p:pic>
-      <p:sp>
-        <p:nvSpPr>
-          <p:cNvPr id="179" name="TextBox 178">
-            <a:extLst>
-              <a:ext uri="{FF2B5EF4-FFF2-40B4-BE49-F238E27FC236}">
-                <a16:creationId xmlns:a16="http://schemas.microsoft.com/office/drawing/2014/main" id="{45F5AAEE-1C8F-34BA-9E28-A461586E6F8E}"/>
-              </a:ext>
-            </a:extLst>
-          </p:cNvPr>
-          <p:cNvSpPr txBox="1"/>
-          <p:nvPr/>
-        </p:nvSpPr>
-        <p:spPr>
-          <a:xfrm>
-            <a:off x="4450776" y="2802334"/>
-            <a:ext cx="558748" cy="200055"/>
-          </a:xfrm>
-          <a:prstGeom prst="rect">
-            <a:avLst/>
-          </a:prstGeom>
-          <a:noFill/>
-        </p:spPr>
-        <p:txBody>
-          <a:bodyPr wrap="square" rtlCol="0">
-            <a:spAutoFit/>
-          </a:bodyPr>
-          <a:lstStyle/>
-          <a:p>
-            <a:pPr algn="ctr"/>
-            <a:r>
-              <a:rPr lang="en-US" sz="700" dirty="0">
-                <a:solidFill>
-                  <a:schemeClr val="bg2">
-                    <a:lumMod val="50000"/>
-                  </a:schemeClr>
-                </a:solidFill>
-              </a:rPr>
-              <a:t>207735</a:t>
-            </a:r>
-            <a:endParaRPr lang="en-GB" sz="700" dirty="0">
-              <a:solidFill>
-                <a:schemeClr val="bg2">
-                  <a:lumMod val="50000"/>
-                </a:schemeClr>
-              </a:solidFill>
-            </a:endParaRPr>
-          </a:p>
-        </p:txBody>
-      </p:sp>
-      <p:sp>
-        <p:nvSpPr>
-          <p:cNvPr id="180" name="TextBox 179">
-            <a:extLst>
-              <a:ext uri="{FF2B5EF4-FFF2-40B4-BE49-F238E27FC236}">
-                <a16:creationId xmlns:a16="http://schemas.microsoft.com/office/drawing/2014/main" id="{0C51F898-AC3A-18AB-6C86-A43713C00944}"/>
-              </a:ext>
-            </a:extLst>
-          </p:cNvPr>
-          <p:cNvSpPr txBox="1"/>
-          <p:nvPr/>
-        </p:nvSpPr>
-        <p:spPr>
-          <a:xfrm>
-            <a:off x="4120171" y="2585040"/>
-            <a:ext cx="558748" cy="200055"/>
-          </a:xfrm>
-          <a:prstGeom prst="rect">
-            <a:avLst/>
-          </a:prstGeom>
-          <a:noFill/>
-        </p:spPr>
-        <p:txBody>
-          <a:bodyPr wrap="square" rtlCol="0">
-            <a:spAutoFit/>
-          </a:bodyPr>
-          <a:lstStyle/>
-          <a:p>
-            <a:pPr algn="ctr"/>
-            <a:r>
-              <a:rPr lang="en-US" sz="700" dirty="0">
-                <a:solidFill>
-                  <a:schemeClr val="bg2">
-                    <a:lumMod val="50000"/>
-                  </a:schemeClr>
-                </a:solidFill>
-              </a:rPr>
-              <a:t>180380</a:t>
-            </a:r>
-            <a:endParaRPr lang="en-GB" sz="700" dirty="0">
-              <a:solidFill>
-                <a:schemeClr val="bg2">
-                  <a:lumMod val="50000"/>
-                </a:schemeClr>
-              </a:solidFill>
-            </a:endParaRPr>
-          </a:p>
-        </p:txBody>
-      </p:sp>
-      <p:sp>
-        <p:nvSpPr>
-          <p:cNvPr id="181" name="TextBox 180">
-            <a:extLst>
-              <a:ext uri="{FF2B5EF4-FFF2-40B4-BE49-F238E27FC236}">
-                <a16:creationId xmlns:a16="http://schemas.microsoft.com/office/drawing/2014/main" id="{A40118BF-9077-9F62-6B11-94879C1E2B5D}"/>
-              </a:ext>
-            </a:extLst>
-          </p:cNvPr>
-          <p:cNvSpPr txBox="1"/>
-          <p:nvPr/>
-        </p:nvSpPr>
-        <p:spPr>
-          <a:xfrm>
-            <a:off x="3763570" y="2361514"/>
-            <a:ext cx="558748" cy="200055"/>
-          </a:xfrm>
-          <a:prstGeom prst="rect">
-            <a:avLst/>
-          </a:prstGeom>
-          <a:noFill/>
-        </p:spPr>
-        <p:txBody>
-          <a:bodyPr wrap="square" rtlCol="0">
-            <a:spAutoFit/>
-          </a:bodyPr>
-          <a:lstStyle/>
-          <a:p>
-            <a:pPr algn="ctr"/>
-            <a:r>
-              <a:rPr lang="en-US" sz="700" dirty="0">
-                <a:solidFill>
-                  <a:schemeClr val="bg2">
-                    <a:lumMod val="50000"/>
-                  </a:schemeClr>
-                </a:solidFill>
-              </a:rPr>
-              <a:t>151235</a:t>
-            </a:r>
-            <a:endParaRPr lang="en-GB" sz="700" dirty="0">
-              <a:solidFill>
-                <a:schemeClr val="bg2">
-                  <a:lumMod val="50000"/>
-                </a:schemeClr>
-              </a:solidFill>
-            </a:endParaRPr>
-          </a:p>
-        </p:txBody>
-      </p:sp>
-      <p:sp>
-        <p:nvSpPr>
-          <p:cNvPr id="182" name="TextBox 181">
-            <a:extLst>
-              <a:ext uri="{FF2B5EF4-FFF2-40B4-BE49-F238E27FC236}">
-                <a16:creationId xmlns:a16="http://schemas.microsoft.com/office/drawing/2014/main" id="{F73327A5-B0B9-AE36-EAFD-E92D60DE43EE}"/>
-              </a:ext>
-            </a:extLst>
-          </p:cNvPr>
-          <p:cNvSpPr txBox="1"/>
-          <p:nvPr/>
-        </p:nvSpPr>
-        <p:spPr>
-          <a:xfrm>
-            <a:off x="3366678" y="2146219"/>
-            <a:ext cx="558748" cy="200055"/>
-          </a:xfrm>
-          <a:prstGeom prst="rect">
-            <a:avLst/>
-          </a:prstGeom>
-          <a:noFill/>
-        </p:spPr>
-        <p:txBody>
-          <a:bodyPr wrap="square" rtlCol="0">
-            <a:spAutoFit/>
-          </a:bodyPr>
-          <a:lstStyle/>
-          <a:p>
-            <a:pPr algn="ctr"/>
-            <a:r>
-              <a:rPr lang="en-US" sz="700" dirty="0">
-                <a:solidFill>
-                  <a:schemeClr val="bg2">
-                    <a:lumMod val="50000"/>
-                  </a:schemeClr>
-                </a:solidFill>
-              </a:rPr>
-              <a:t>118936</a:t>
-            </a:r>
-            <a:endParaRPr lang="en-GB" sz="700" dirty="0">
-              <a:solidFill>
-                <a:schemeClr val="bg2">
-                  <a:lumMod val="50000"/>
-                </a:schemeClr>
-              </a:solidFill>
-            </a:endParaRPr>
-          </a:p>
-        </p:txBody>
-      </p:sp>
-      <p:sp>
-        <p:nvSpPr>
-          <p:cNvPr id="183" name="TextBox 182">
-            <a:extLst>
-              <a:ext uri="{FF2B5EF4-FFF2-40B4-BE49-F238E27FC236}">
-                <a16:creationId xmlns:a16="http://schemas.microsoft.com/office/drawing/2014/main" id="{91959072-4518-E61C-FF04-2D8353521810}"/>
-              </a:ext>
-            </a:extLst>
-          </p:cNvPr>
-          <p:cNvSpPr txBox="1"/>
-          <p:nvPr/>
-        </p:nvSpPr>
-        <p:spPr>
-          <a:xfrm>
-            <a:off x="4910866" y="1922688"/>
-            <a:ext cx="558748" cy="200055"/>
-          </a:xfrm>
-          <a:prstGeom prst="rect">
-            <a:avLst/>
-          </a:prstGeom>
-          <a:noFill/>
-        </p:spPr>
-        <p:txBody>
-          <a:bodyPr wrap="square" rtlCol="0">
-            <a:spAutoFit/>
-          </a:bodyPr>
-          <a:lstStyle/>
-          <a:p>
-            <a:pPr algn="ctr"/>
-            <a:r>
-              <a:rPr lang="en-US" sz="700" dirty="0">
-                <a:solidFill>
-                  <a:schemeClr val="bg2">
-                    <a:lumMod val="50000"/>
-                  </a:schemeClr>
-                </a:solidFill>
-              </a:rPr>
-              <a:t>245018</a:t>
-            </a:r>
-            <a:endParaRPr lang="en-GB" sz="700" dirty="0">
-              <a:solidFill>
-                <a:schemeClr val="bg2">
-                  <a:lumMod val="50000"/>
-                </a:schemeClr>
-              </a:solidFill>
-            </a:endParaRPr>
-          </a:p>
-        </p:txBody>
-      </p:sp>
-      <p:sp>
-        <p:nvSpPr>
-          <p:cNvPr id="184" name="TextBox 183">
-            <a:extLst>
-              <a:ext uri="{FF2B5EF4-FFF2-40B4-BE49-F238E27FC236}">
-                <a16:creationId xmlns:a16="http://schemas.microsoft.com/office/drawing/2014/main" id="{8B3394C6-045B-2B37-968C-ADC3A242E065}"/>
-              </a:ext>
-            </a:extLst>
-          </p:cNvPr>
-          <p:cNvSpPr txBox="1"/>
-          <p:nvPr/>
-        </p:nvSpPr>
-        <p:spPr>
-          <a:xfrm>
-            <a:off x="4347198" y="1701276"/>
-            <a:ext cx="558748" cy="200055"/>
-          </a:xfrm>
-          <a:prstGeom prst="rect">
-            <a:avLst/>
-          </a:prstGeom>
-          <a:noFill/>
-        </p:spPr>
-        <p:txBody>
-          <a:bodyPr wrap="square" rtlCol="0">
-            <a:spAutoFit/>
-          </a:bodyPr>
-          <a:lstStyle/>
-          <a:p>
-            <a:pPr algn="ctr"/>
-            <a:r>
-              <a:rPr lang="en-US" sz="700" dirty="0">
-                <a:solidFill>
-                  <a:schemeClr val="bg2">
-                    <a:lumMod val="50000"/>
-                  </a:schemeClr>
-                </a:solidFill>
-              </a:rPr>
-              <a:t>198465</a:t>
-            </a:r>
-            <a:endParaRPr lang="en-GB" sz="700" dirty="0">
-              <a:solidFill>
-                <a:schemeClr val="bg2">
-                  <a:lumMod val="50000"/>
-                </a:schemeClr>
-              </a:solidFill>
-            </a:endParaRPr>
-          </a:p>
-        </p:txBody>
-      </p:sp>
-      <p:sp>
-        <p:nvSpPr>
-          <p:cNvPr id="185" name="TextBox 184">
-            <a:extLst>
-              <a:ext uri="{FF2B5EF4-FFF2-40B4-BE49-F238E27FC236}">
-                <a16:creationId xmlns:a16="http://schemas.microsoft.com/office/drawing/2014/main" id="{D7367D7D-4314-0A11-899D-C29A2922E180}"/>
-              </a:ext>
-            </a:extLst>
-          </p:cNvPr>
-          <p:cNvSpPr txBox="1"/>
-          <p:nvPr/>
-        </p:nvSpPr>
-        <p:spPr>
-          <a:xfrm>
-            <a:off x="5341992" y="1475626"/>
-            <a:ext cx="558748" cy="200055"/>
-          </a:xfrm>
-          <a:prstGeom prst="rect">
-            <a:avLst/>
-          </a:prstGeom>
-          <a:noFill/>
-        </p:spPr>
-        <p:txBody>
-          <a:bodyPr wrap="square" rtlCol="0">
-            <a:spAutoFit/>
-          </a:bodyPr>
-          <a:lstStyle/>
-          <a:p>
-            <a:pPr algn="ctr"/>
-            <a:r>
-              <a:rPr lang="en-US" sz="700" dirty="0">
-                <a:solidFill>
-                  <a:schemeClr val="bg2">
-                    <a:lumMod val="50000"/>
-                  </a:schemeClr>
-                </a:solidFill>
-              </a:rPr>
-              <a:t>251486</a:t>
-            </a:r>
-            <a:endParaRPr lang="en-GB" sz="700" dirty="0">
-              <a:solidFill>
-                <a:schemeClr val="bg2">
-                  <a:lumMod val="50000"/>
-                </a:schemeClr>
-              </a:solidFill>
-            </a:endParaRPr>
-          </a:p>
-        </p:txBody>
-      </p:sp>
-      <p:sp>
-        <p:nvSpPr>
-          <p:cNvPr id="186" name="TextBox 185">
-            <a:extLst>
-              <a:ext uri="{FF2B5EF4-FFF2-40B4-BE49-F238E27FC236}">
-                <a16:creationId xmlns:a16="http://schemas.microsoft.com/office/drawing/2014/main" id="{8841C720-B8EE-161E-7D7A-B729B9B7BB45}"/>
-              </a:ext>
-            </a:extLst>
-          </p:cNvPr>
-          <p:cNvSpPr txBox="1"/>
-          <p:nvPr/>
-        </p:nvSpPr>
-        <p:spPr>
-          <a:xfrm>
-            <a:off x="4533345" y="1254759"/>
-            <a:ext cx="558748" cy="200055"/>
-          </a:xfrm>
-          <a:prstGeom prst="rect">
-            <a:avLst/>
-          </a:prstGeom>
-          <a:noFill/>
-        </p:spPr>
-        <p:txBody>
-          <a:bodyPr wrap="square" rtlCol="0">
-            <a:spAutoFit/>
-          </a:bodyPr>
-          <a:lstStyle/>
-          <a:p>
-            <a:pPr algn="ctr"/>
-            <a:r>
-              <a:rPr lang="en-US" sz="700" dirty="0">
-                <a:solidFill>
-                  <a:schemeClr val="bg2">
-                    <a:lumMod val="50000"/>
-                  </a:schemeClr>
-                </a:solidFill>
-              </a:rPr>
-              <a:t>213860</a:t>
-            </a:r>
-            <a:endParaRPr lang="en-GB" sz="700" dirty="0">
-              <a:solidFill>
-                <a:schemeClr val="bg2">
-                  <a:lumMod val="50000"/>
-                </a:schemeClr>
-              </a:solidFill>
-            </a:endParaRPr>
-          </a:p>
-        </p:txBody>
-      </p:sp>
-      <p:sp>
-        <p:nvSpPr>
-          <p:cNvPr id="187" name="TextBox 186">
-            <a:extLst>
-              <a:ext uri="{FF2B5EF4-FFF2-40B4-BE49-F238E27FC236}">
-                <a16:creationId xmlns:a16="http://schemas.microsoft.com/office/drawing/2014/main" id="{BC678DDF-259B-FE94-ED19-B2F56A8F2178}"/>
-              </a:ext>
-            </a:extLst>
-          </p:cNvPr>
-          <p:cNvSpPr txBox="1"/>
-          <p:nvPr/>
-        </p:nvSpPr>
-        <p:spPr>
-          <a:xfrm>
-            <a:off x="3847147" y="1035343"/>
-            <a:ext cx="558748" cy="200055"/>
-          </a:xfrm>
-          <a:prstGeom prst="rect">
-            <a:avLst/>
-          </a:prstGeom>
-          <a:noFill/>
-        </p:spPr>
-        <p:txBody>
-          <a:bodyPr wrap="square" rtlCol="0">
-            <a:spAutoFit/>
-          </a:bodyPr>
-          <a:lstStyle/>
-          <a:p>
-            <a:pPr algn="ctr"/>
-            <a:r>
-              <a:rPr lang="en-US" sz="700" dirty="0">
-                <a:solidFill>
-                  <a:schemeClr val="bg2">
-                    <a:lumMod val="50000"/>
-                  </a:schemeClr>
-                </a:solidFill>
-              </a:rPr>
-              <a:t>157447</a:t>
-            </a:r>
-            <a:endParaRPr lang="en-GB" sz="700" dirty="0">
-              <a:solidFill>
-                <a:schemeClr val="bg2">
-                  <a:lumMod val="50000"/>
-                </a:schemeClr>
-              </a:solidFill>
-            </a:endParaRPr>
-          </a:p>
-        </p:txBody>
-      </p:sp>
-      <p:sp>
-        <p:nvSpPr>
-          <p:cNvPr id="188" name="TextBox 187">
-            <a:extLst>
-              <a:ext uri="{FF2B5EF4-FFF2-40B4-BE49-F238E27FC236}">
-                <a16:creationId xmlns:a16="http://schemas.microsoft.com/office/drawing/2014/main" id="{C57DAD50-E033-6C67-6375-BBF3C311655A}"/>
-              </a:ext>
-            </a:extLst>
-          </p:cNvPr>
-          <p:cNvSpPr txBox="1"/>
-          <p:nvPr/>
-        </p:nvSpPr>
-        <p:spPr>
-          <a:xfrm>
-            <a:off x="4660206" y="810633"/>
-            <a:ext cx="558748" cy="200055"/>
-          </a:xfrm>
-          <a:prstGeom prst="rect">
-            <a:avLst/>
-          </a:prstGeom>
-          <a:noFill/>
-        </p:spPr>
-        <p:txBody>
-          <a:bodyPr wrap="square" rtlCol="0">
-            <a:spAutoFit/>
-          </a:bodyPr>
-          <a:lstStyle/>
-          <a:p>
-            <a:pPr algn="ctr"/>
-            <a:r>
-              <a:rPr lang="en-US" sz="700" dirty="0">
-                <a:solidFill>
-                  <a:schemeClr val="bg2">
-                    <a:lumMod val="50000"/>
-                  </a:schemeClr>
-                </a:solidFill>
-              </a:rPr>
-              <a:t>224252</a:t>
-            </a:r>
-            <a:endParaRPr lang="en-GB" sz="700" dirty="0">
-              <a:solidFill>
-                <a:schemeClr val="bg2">
-                  <a:lumMod val="50000"/>
-                </a:schemeClr>
-              </a:solidFill>
-            </a:endParaRPr>
-          </a:p>
-        </p:txBody>
-      </p:sp>
-      <p:sp>
-        <p:nvSpPr>
-          <p:cNvPr id="189" name="TextBox 188">
-            <a:extLst>
-              <a:ext uri="{FF2B5EF4-FFF2-40B4-BE49-F238E27FC236}">
-                <a16:creationId xmlns:a16="http://schemas.microsoft.com/office/drawing/2014/main" id="{39BD5A5D-9AC7-83DF-F2EE-024517113188}"/>
-              </a:ext>
-            </a:extLst>
-          </p:cNvPr>
-          <p:cNvSpPr txBox="1"/>
-          <p:nvPr/>
-        </p:nvSpPr>
-        <p:spPr>
-          <a:xfrm>
-            <a:off x="5349104" y="587526"/>
-            <a:ext cx="558748" cy="200055"/>
-          </a:xfrm>
-          <a:prstGeom prst="rect">
-            <a:avLst/>
-          </a:prstGeom>
-          <a:noFill/>
-        </p:spPr>
-        <p:txBody>
-          <a:bodyPr wrap="square" rtlCol="0">
-            <a:spAutoFit/>
-          </a:bodyPr>
-          <a:lstStyle/>
-          <a:p>
-            <a:pPr algn="ctr"/>
-            <a:r>
-              <a:rPr lang="en-US" sz="700" dirty="0">
-                <a:solidFill>
-                  <a:schemeClr val="bg2">
-                    <a:lumMod val="50000"/>
-                  </a:schemeClr>
-                </a:solidFill>
-              </a:rPr>
-              <a:t>251486</a:t>
-            </a:r>
-            <a:endParaRPr lang="en-GB" sz="700" dirty="0">
-              <a:solidFill>
-                <a:schemeClr val="bg2">
-                  <a:lumMod val="50000"/>
-                </a:schemeClr>
-              </a:solidFill>
-            </a:endParaRPr>
-          </a:p>
-        </p:txBody>
-      </p:sp>
-      <p:sp>
-        <p:nvSpPr>
-          <p:cNvPr id="190" name="TextBox 189">
-            <a:extLst>
-              <a:ext uri="{FF2B5EF4-FFF2-40B4-BE49-F238E27FC236}">
-                <a16:creationId xmlns:a16="http://schemas.microsoft.com/office/drawing/2014/main" id="{4890512E-C14B-4307-4405-3E01D62F3DD9}"/>
-              </a:ext>
-            </a:extLst>
-          </p:cNvPr>
-          <p:cNvSpPr txBox="1"/>
-          <p:nvPr/>
-        </p:nvSpPr>
-        <p:spPr>
-          <a:xfrm>
-            <a:off x="4445461" y="2718223"/>
-            <a:ext cx="558748" cy="200055"/>
-          </a:xfrm>
-          <a:prstGeom prst="rect">
-            <a:avLst/>
-          </a:prstGeom>
-          <a:noFill/>
-        </p:spPr>
-        <p:txBody>
-          <a:bodyPr wrap="square" rtlCol="0">
-            <a:spAutoFit/>
-          </a:bodyPr>
-          <a:lstStyle/>
-          <a:p>
-            <a:pPr algn="ctr"/>
-            <a:r>
-              <a:rPr lang="en-US" sz="700" dirty="0">
-                <a:solidFill>
-                  <a:srgbClr val="FF0000"/>
-                </a:solidFill>
-              </a:rPr>
-              <a:t>(-16.22 %)</a:t>
-            </a:r>
-            <a:endParaRPr lang="en-GB" sz="700" dirty="0">
-              <a:solidFill>
-                <a:srgbClr val="FF0000"/>
-              </a:solidFill>
-            </a:endParaRPr>
-          </a:p>
-        </p:txBody>
-      </p:sp>
-      <p:sp>
-        <p:nvSpPr>
-          <p:cNvPr id="191" name="TextBox 190">
-            <a:extLst>
-              <a:ext uri="{FF2B5EF4-FFF2-40B4-BE49-F238E27FC236}">
-                <a16:creationId xmlns:a16="http://schemas.microsoft.com/office/drawing/2014/main" id="{59447B13-B89D-FC9A-CD9C-33B644EBC907}"/>
-              </a:ext>
-            </a:extLst>
-          </p:cNvPr>
-          <p:cNvSpPr txBox="1"/>
-          <p:nvPr/>
-        </p:nvSpPr>
-        <p:spPr>
-          <a:xfrm>
-            <a:off x="4120171" y="2480894"/>
-            <a:ext cx="558748" cy="200055"/>
-          </a:xfrm>
-          <a:prstGeom prst="rect">
-            <a:avLst/>
-          </a:prstGeom>
-          <a:noFill/>
-        </p:spPr>
-        <p:txBody>
-          <a:bodyPr wrap="square" rtlCol="0">
-            <a:spAutoFit/>
-          </a:bodyPr>
-          <a:lstStyle/>
-          <a:p>
-            <a:pPr algn="ctr"/>
-            <a:r>
-              <a:rPr lang="en-US" sz="700" dirty="0">
-                <a:solidFill>
-                  <a:srgbClr val="FF0000"/>
-                </a:solidFill>
-              </a:rPr>
-              <a:t>(-27.25 %)</a:t>
-            </a:r>
-            <a:endParaRPr lang="en-GB" sz="700" dirty="0">
-              <a:solidFill>
-                <a:srgbClr val="FF0000"/>
-              </a:solidFill>
-            </a:endParaRPr>
-          </a:p>
-        </p:txBody>
-      </p:sp>
-      <p:sp>
-        <p:nvSpPr>
-          <p:cNvPr id="192" name="TextBox 191">
-            <a:extLst>
-              <a:ext uri="{FF2B5EF4-FFF2-40B4-BE49-F238E27FC236}">
-                <a16:creationId xmlns:a16="http://schemas.microsoft.com/office/drawing/2014/main" id="{3F493713-49CE-3086-DBB4-A6D2E509DF44}"/>
-              </a:ext>
-            </a:extLst>
-          </p:cNvPr>
-          <p:cNvSpPr txBox="1"/>
-          <p:nvPr/>
-        </p:nvSpPr>
-        <p:spPr>
-          <a:xfrm>
-            <a:off x="3764958" y="2262673"/>
-            <a:ext cx="558748" cy="200055"/>
-          </a:xfrm>
-          <a:prstGeom prst="rect">
-            <a:avLst/>
-          </a:prstGeom>
-          <a:noFill/>
-        </p:spPr>
-        <p:txBody>
-          <a:bodyPr wrap="square" rtlCol="0">
-            <a:spAutoFit/>
-          </a:bodyPr>
-          <a:lstStyle/>
-          <a:p>
-            <a:pPr algn="ctr"/>
-            <a:r>
-              <a:rPr lang="en-US" sz="700" dirty="0">
-                <a:solidFill>
-                  <a:srgbClr val="FF0000"/>
-                </a:solidFill>
-              </a:rPr>
-              <a:t>(-39.00 %)</a:t>
-            </a:r>
-            <a:endParaRPr lang="en-GB" sz="700" dirty="0">
-              <a:solidFill>
-                <a:srgbClr val="FF0000"/>
-              </a:solidFill>
-            </a:endParaRPr>
-          </a:p>
-        </p:txBody>
-      </p:sp>
-      <p:sp>
-        <p:nvSpPr>
-          <p:cNvPr id="193" name="TextBox 192">
-            <a:extLst>
-              <a:ext uri="{FF2B5EF4-FFF2-40B4-BE49-F238E27FC236}">
-                <a16:creationId xmlns:a16="http://schemas.microsoft.com/office/drawing/2014/main" id="{8614CB93-7D0F-4778-AC3C-95DC509B5BB6}"/>
-              </a:ext>
-            </a:extLst>
-          </p:cNvPr>
-          <p:cNvSpPr txBox="1"/>
-          <p:nvPr/>
-        </p:nvSpPr>
-        <p:spPr>
-          <a:xfrm>
-            <a:off x="3354068" y="2048809"/>
-            <a:ext cx="558748" cy="200055"/>
-          </a:xfrm>
-          <a:prstGeom prst="rect">
-            <a:avLst/>
-          </a:prstGeom>
-          <a:noFill/>
-        </p:spPr>
-        <p:txBody>
-          <a:bodyPr wrap="square" rtlCol="0">
-            <a:spAutoFit/>
-          </a:bodyPr>
-          <a:lstStyle/>
-          <a:p>
-            <a:pPr algn="ctr"/>
-            <a:r>
-              <a:rPr lang="en-US" sz="700" dirty="0">
-                <a:solidFill>
-                  <a:srgbClr val="FF0000"/>
-                </a:solidFill>
-              </a:rPr>
-              <a:t>(-52.04 %)</a:t>
-            </a:r>
-            <a:endParaRPr lang="en-GB" sz="700" dirty="0">
-              <a:solidFill>
-                <a:srgbClr val="FF0000"/>
-              </a:solidFill>
-            </a:endParaRPr>
-          </a:p>
-        </p:txBody>
-      </p:sp>
-      <p:sp>
-        <p:nvSpPr>
-          <p:cNvPr id="194" name="TextBox 193">
-            <a:extLst>
-              <a:ext uri="{FF2B5EF4-FFF2-40B4-BE49-F238E27FC236}">
-                <a16:creationId xmlns:a16="http://schemas.microsoft.com/office/drawing/2014/main" id="{72C90102-5406-7E02-3F32-AF3976ADCA05}"/>
-              </a:ext>
-            </a:extLst>
-          </p:cNvPr>
-          <p:cNvSpPr txBox="1"/>
-          <p:nvPr/>
-        </p:nvSpPr>
-        <p:spPr>
-          <a:xfrm>
-            <a:off x="4910436" y="1833995"/>
-            <a:ext cx="558748" cy="200055"/>
-          </a:xfrm>
-          <a:prstGeom prst="rect">
-            <a:avLst/>
-          </a:prstGeom>
-          <a:noFill/>
-        </p:spPr>
-        <p:txBody>
-          <a:bodyPr wrap="square" rtlCol="0">
-            <a:spAutoFit/>
-          </a:bodyPr>
-          <a:lstStyle/>
-          <a:p>
-            <a:pPr algn="ctr"/>
-            <a:r>
-              <a:rPr lang="en-US" sz="700" dirty="0">
-                <a:solidFill>
-                  <a:srgbClr val="FF0000"/>
-                </a:solidFill>
-              </a:rPr>
-              <a:t>(-1.18 %)</a:t>
-            </a:r>
-            <a:endParaRPr lang="en-GB" sz="700" dirty="0">
-              <a:solidFill>
-                <a:srgbClr val="FF0000"/>
-              </a:solidFill>
-            </a:endParaRPr>
-          </a:p>
-        </p:txBody>
-      </p:sp>
-      <p:sp>
-        <p:nvSpPr>
-          <p:cNvPr id="195" name="TextBox 194">
-            <a:extLst>
-              <a:ext uri="{FF2B5EF4-FFF2-40B4-BE49-F238E27FC236}">
-                <a16:creationId xmlns:a16="http://schemas.microsoft.com/office/drawing/2014/main" id="{61778F51-38FA-CBAC-5341-AEA02B2B2122}"/>
-              </a:ext>
-            </a:extLst>
-          </p:cNvPr>
-          <p:cNvSpPr txBox="1"/>
-          <p:nvPr/>
-        </p:nvSpPr>
-        <p:spPr>
-          <a:xfrm>
-            <a:off x="4348123" y="1610393"/>
-            <a:ext cx="558748" cy="200055"/>
-          </a:xfrm>
-          <a:prstGeom prst="rect">
-            <a:avLst/>
-          </a:prstGeom>
-          <a:noFill/>
-        </p:spPr>
-        <p:txBody>
-          <a:bodyPr wrap="square" rtlCol="0">
-            <a:spAutoFit/>
-          </a:bodyPr>
-          <a:lstStyle/>
-          <a:p>
-            <a:pPr algn="ctr"/>
-            <a:r>
-              <a:rPr lang="en-US" sz="700" dirty="0">
-                <a:solidFill>
-                  <a:srgbClr val="FF0000"/>
-                </a:solidFill>
-              </a:rPr>
-              <a:t>(-19.96 %)</a:t>
-            </a:r>
-            <a:endParaRPr lang="en-GB" sz="700" dirty="0">
-              <a:solidFill>
-                <a:srgbClr val="FF0000"/>
-              </a:solidFill>
-            </a:endParaRPr>
-          </a:p>
-        </p:txBody>
-      </p:sp>
-      <p:sp>
-        <p:nvSpPr>
-          <p:cNvPr id="196" name="TextBox 195">
-            <a:extLst>
-              <a:ext uri="{FF2B5EF4-FFF2-40B4-BE49-F238E27FC236}">
-                <a16:creationId xmlns:a16="http://schemas.microsoft.com/office/drawing/2014/main" id="{42F42210-5AF2-1CB0-89C6-5FAFE8A9BB33}"/>
-              </a:ext>
-            </a:extLst>
-          </p:cNvPr>
-          <p:cNvSpPr txBox="1"/>
-          <p:nvPr/>
-        </p:nvSpPr>
-        <p:spPr>
-          <a:xfrm>
-            <a:off x="5330741" y="1383453"/>
-            <a:ext cx="558748" cy="200055"/>
-          </a:xfrm>
-          <a:prstGeom prst="rect">
-            <a:avLst/>
-          </a:prstGeom>
-          <a:noFill/>
-        </p:spPr>
-        <p:txBody>
-          <a:bodyPr wrap="square" rtlCol="0">
-            <a:spAutoFit/>
-          </a:bodyPr>
-          <a:lstStyle/>
-          <a:p>
-            <a:pPr algn="ctr"/>
-            <a:r>
-              <a:rPr lang="en-US" sz="700" dirty="0">
-                <a:solidFill>
-                  <a:srgbClr val="FF0000"/>
-                </a:solidFill>
-              </a:rPr>
-              <a:t>(+ 1.42 %)</a:t>
-            </a:r>
-            <a:endParaRPr lang="en-GB" sz="700" dirty="0">
-              <a:solidFill>
-                <a:srgbClr val="FF0000"/>
-              </a:solidFill>
-            </a:endParaRPr>
-          </a:p>
-        </p:txBody>
-      </p:sp>
-      <p:sp>
-        <p:nvSpPr>
-          <p:cNvPr id="197" name="TextBox 196">
-            <a:extLst>
-              <a:ext uri="{FF2B5EF4-FFF2-40B4-BE49-F238E27FC236}">
-                <a16:creationId xmlns:a16="http://schemas.microsoft.com/office/drawing/2014/main" id="{947107E1-4FE2-F829-5DD1-335D749B2668}"/>
-              </a:ext>
-            </a:extLst>
-          </p:cNvPr>
-          <p:cNvSpPr txBox="1"/>
-          <p:nvPr/>
-        </p:nvSpPr>
-        <p:spPr>
-          <a:xfrm>
-            <a:off x="4534987" y="1170700"/>
-            <a:ext cx="558748" cy="200055"/>
-          </a:xfrm>
-          <a:prstGeom prst="rect">
-            <a:avLst/>
-          </a:prstGeom>
-          <a:noFill/>
-        </p:spPr>
-        <p:txBody>
-          <a:bodyPr wrap="square" rtlCol="0">
-            <a:spAutoFit/>
-          </a:bodyPr>
-          <a:lstStyle/>
-          <a:p>
-            <a:pPr algn="ctr"/>
-            <a:r>
-              <a:rPr lang="en-US" sz="700" dirty="0">
-                <a:solidFill>
-                  <a:srgbClr val="FF0000"/>
-                </a:solidFill>
-              </a:rPr>
-              <a:t>(-13.75 %)</a:t>
-            </a:r>
-            <a:endParaRPr lang="en-GB" sz="700" dirty="0">
-              <a:solidFill>
-                <a:srgbClr val="FF0000"/>
-              </a:solidFill>
-            </a:endParaRPr>
-          </a:p>
-        </p:txBody>
-      </p:sp>
-      <p:sp>
-        <p:nvSpPr>
-          <p:cNvPr id="198" name="TextBox 197">
-            <a:extLst>
-              <a:ext uri="{FF2B5EF4-FFF2-40B4-BE49-F238E27FC236}">
-                <a16:creationId xmlns:a16="http://schemas.microsoft.com/office/drawing/2014/main" id="{723F1ED9-7BE4-D9A4-9E01-33D97040AF0B}"/>
-              </a:ext>
-            </a:extLst>
-          </p:cNvPr>
-          <p:cNvSpPr txBox="1"/>
-          <p:nvPr/>
-        </p:nvSpPr>
-        <p:spPr>
-          <a:xfrm>
-            <a:off x="3847578" y="923580"/>
-            <a:ext cx="558748" cy="200055"/>
-          </a:xfrm>
-          <a:prstGeom prst="rect">
-            <a:avLst/>
-          </a:prstGeom>
-          <a:noFill/>
-        </p:spPr>
-        <p:txBody>
-          <a:bodyPr wrap="square" rtlCol="0">
-            <a:spAutoFit/>
-          </a:bodyPr>
-          <a:lstStyle/>
-          <a:p>
-            <a:pPr algn="ctr"/>
-            <a:r>
-              <a:rPr lang="en-US" sz="700" dirty="0">
-                <a:solidFill>
-                  <a:srgbClr val="FF0000"/>
-                </a:solidFill>
-              </a:rPr>
-              <a:t>(-36.50 %)</a:t>
-            </a:r>
-            <a:endParaRPr lang="en-GB" sz="700" dirty="0">
-              <a:solidFill>
-                <a:srgbClr val="FF0000"/>
-              </a:solidFill>
-            </a:endParaRPr>
-          </a:p>
-        </p:txBody>
-      </p:sp>
-      <p:sp>
-        <p:nvSpPr>
-          <p:cNvPr id="199" name="TextBox 198">
-            <a:extLst>
-              <a:ext uri="{FF2B5EF4-FFF2-40B4-BE49-F238E27FC236}">
-                <a16:creationId xmlns:a16="http://schemas.microsoft.com/office/drawing/2014/main" id="{430339F8-F0FF-BDEA-629C-88415B9A5479}"/>
-              </a:ext>
-            </a:extLst>
-          </p:cNvPr>
-          <p:cNvSpPr txBox="1"/>
-          <p:nvPr/>
-        </p:nvSpPr>
-        <p:spPr>
-          <a:xfrm>
-            <a:off x="4674426" y="714795"/>
-            <a:ext cx="558748" cy="200055"/>
-          </a:xfrm>
-          <a:prstGeom prst="rect">
-            <a:avLst/>
-          </a:prstGeom>
-          <a:noFill/>
-        </p:spPr>
-        <p:txBody>
-          <a:bodyPr wrap="square" rtlCol="0">
-            <a:spAutoFit/>
-          </a:bodyPr>
-          <a:lstStyle/>
-          <a:p>
-            <a:pPr algn="ctr"/>
-            <a:r>
-              <a:rPr lang="en-US" sz="700" dirty="0">
-                <a:solidFill>
-                  <a:srgbClr val="FF0000"/>
-                </a:solidFill>
-              </a:rPr>
-              <a:t>(-9.56 %)</a:t>
-            </a:r>
-            <a:endParaRPr lang="en-GB" sz="700" dirty="0">
-              <a:solidFill>
-                <a:srgbClr val="FF0000"/>
-              </a:solidFill>
-            </a:endParaRPr>
-          </a:p>
-        </p:txBody>
-      </p:sp>
-      <p:sp>
-        <p:nvSpPr>
-          <p:cNvPr id="200" name="TextBox 199">
-            <a:extLst>
-              <a:ext uri="{FF2B5EF4-FFF2-40B4-BE49-F238E27FC236}">
-                <a16:creationId xmlns:a16="http://schemas.microsoft.com/office/drawing/2014/main" id="{F625D947-E661-BF1E-72CD-D8943EE98399}"/>
-              </a:ext>
-            </a:extLst>
-          </p:cNvPr>
-          <p:cNvSpPr txBox="1"/>
-          <p:nvPr/>
-        </p:nvSpPr>
-        <p:spPr>
-          <a:xfrm>
-            <a:off x="5349104" y="499618"/>
-            <a:ext cx="558748" cy="200055"/>
-          </a:xfrm>
-          <a:prstGeom prst="rect">
-            <a:avLst/>
-          </a:prstGeom>
-          <a:noFill/>
-        </p:spPr>
-        <p:txBody>
-          <a:bodyPr wrap="square" rtlCol="0">
-            <a:spAutoFit/>
-          </a:bodyPr>
-          <a:lstStyle/>
-          <a:p>
-            <a:pPr algn="ctr"/>
-            <a:r>
-              <a:rPr lang="en-US" sz="700" dirty="0">
-                <a:solidFill>
-                  <a:srgbClr val="FF0000"/>
-                </a:solidFill>
-              </a:rPr>
-              <a:t>(+1.42 %)</a:t>
-            </a:r>
-            <a:endParaRPr lang="en-GB" sz="700" dirty="0">
-              <a:solidFill>
-                <a:srgbClr val="FF0000"/>
-              </a:solidFill>
-            </a:endParaRPr>
-          </a:p>
-        </p:txBody>
-      </p:sp>
-      <p:sp>
-        <p:nvSpPr>
-          <p:cNvPr id="201" name="TextBox 200">
-            <a:extLst>
-              <a:ext uri="{FF2B5EF4-FFF2-40B4-BE49-F238E27FC236}">
-                <a16:creationId xmlns:a16="http://schemas.microsoft.com/office/drawing/2014/main" id="{6B0FE4F4-4332-1404-89CD-7401053C5B5C}"/>
-              </a:ext>
-            </a:extLst>
-          </p:cNvPr>
-          <p:cNvSpPr txBox="1"/>
-          <p:nvPr/>
-        </p:nvSpPr>
-        <p:spPr>
-          <a:xfrm>
-            <a:off x="1493303" y="3306201"/>
-            <a:ext cx="955984" cy="230832"/>
-          </a:xfrm>
-          <a:prstGeom prst="rect">
-            <a:avLst/>
-          </a:prstGeom>
-          <a:noFill/>
-        </p:spPr>
-        <p:txBody>
-          <a:bodyPr wrap="square" rtlCol="0">
-            <a:spAutoFit/>
-          </a:bodyPr>
-          <a:lstStyle/>
-          <a:p>
-            <a:pPr algn="ctr"/>
-            <a:r>
-              <a:rPr lang="en-US" sz="900" dirty="0">
-                <a:solidFill>
-                  <a:schemeClr val="bg2">
-                    <a:lumMod val="50000"/>
-                  </a:schemeClr>
-                </a:solidFill>
-              </a:rPr>
-              <a:t>Probabilities </a:t>
-            </a:r>
-            <a:r>
-              <a:rPr lang="en-US" sz="800" dirty="0">
-                <a:solidFill>
-                  <a:schemeClr val="bg2">
-                    <a:lumMod val="50000"/>
-                  </a:schemeClr>
-                </a:solidFill>
-              </a:rPr>
-              <a:t>[%]</a:t>
-            </a:r>
-            <a:endParaRPr lang="en-GB" sz="900" dirty="0">
-              <a:solidFill>
-                <a:schemeClr val="bg2">
-                  <a:lumMod val="50000"/>
-                </a:schemeClr>
-              </a:solidFill>
-            </a:endParaRPr>
-          </a:p>
-        </p:txBody>
-      </p:sp>
-      <p:sp>
-        <p:nvSpPr>
-          <p:cNvPr id="202" name="TextBox 201">
-            <a:extLst>
-              <a:ext uri="{FF2B5EF4-FFF2-40B4-BE49-F238E27FC236}">
-                <a16:creationId xmlns:a16="http://schemas.microsoft.com/office/drawing/2014/main" id="{8A647566-7DA2-B1C5-74B3-6696ADFFE35F}"/>
-              </a:ext>
-            </a:extLst>
-          </p:cNvPr>
-          <p:cNvSpPr txBox="1"/>
-          <p:nvPr/>
-        </p:nvSpPr>
-        <p:spPr>
-          <a:xfrm>
-            <a:off x="4049292" y="3299756"/>
-            <a:ext cx="1514897" cy="230832"/>
-          </a:xfrm>
-          <a:prstGeom prst="rect">
-            <a:avLst/>
-          </a:prstGeom>
-          <a:noFill/>
-        </p:spPr>
-        <p:txBody>
-          <a:bodyPr wrap="square" rtlCol="0">
-            <a:spAutoFit/>
-          </a:bodyPr>
-          <a:lstStyle/>
-          <a:p>
-            <a:pPr algn="ctr"/>
-            <a:r>
-              <a:rPr lang="en-US" sz="900" dirty="0">
-                <a:solidFill>
-                  <a:schemeClr val="bg2">
-                    <a:lumMod val="50000"/>
-                  </a:schemeClr>
-                </a:solidFill>
-              </a:rPr>
-              <a:t>Number of grid-boxes </a:t>
-            </a:r>
-            <a:r>
-              <a:rPr lang="en-US" sz="800" dirty="0">
-                <a:solidFill>
-                  <a:schemeClr val="bg2">
-                    <a:lumMod val="50000"/>
-                  </a:schemeClr>
-                </a:solidFill>
-              </a:rPr>
-              <a:t>[-]</a:t>
-            </a:r>
-            <a:endParaRPr lang="en-GB" sz="900" dirty="0">
-              <a:solidFill>
-                <a:schemeClr val="bg2">
-                  <a:lumMod val="50000"/>
-                </a:schemeClr>
-              </a:solidFill>
-            </a:endParaRPr>
-          </a:p>
-        </p:txBody>
-      </p:sp>
-      <p:sp>
-        <p:nvSpPr>
-          <p:cNvPr id="203" name="TextBox 202">
-            <a:extLst>
-              <a:ext uri="{FF2B5EF4-FFF2-40B4-BE49-F238E27FC236}">
-                <a16:creationId xmlns:a16="http://schemas.microsoft.com/office/drawing/2014/main" id="{75B3B1DF-4E71-1C4C-2F95-09AB66C82232}"/>
-              </a:ext>
-            </a:extLst>
-          </p:cNvPr>
-          <p:cNvSpPr txBox="1"/>
-          <p:nvPr/>
-        </p:nvSpPr>
-        <p:spPr>
-          <a:xfrm>
-            <a:off x="88900" y="-43034"/>
-            <a:ext cx="2986921" cy="369332"/>
-          </a:xfrm>
-          <a:prstGeom prst="rect">
-            <a:avLst/>
-          </a:prstGeom>
-          <a:noFill/>
-        </p:spPr>
-        <p:txBody>
-          <a:bodyPr wrap="square" rtlCol="0">
-            <a:spAutoFit/>
-          </a:bodyPr>
-          <a:lstStyle/>
-          <a:p>
-            <a:pPr algn="ctr"/>
-            <a:r>
-              <a:rPr lang="en-US" sz="900" b="1" dirty="0"/>
-              <a:t>Distribution of probabilities of having a flash flood event in a grid-box</a:t>
-            </a:r>
-          </a:p>
-        </p:txBody>
-      </p:sp>
-      <p:sp>
-        <p:nvSpPr>
-          <p:cNvPr id="204" name="TextBox 203">
-            <a:extLst>
-              <a:ext uri="{FF2B5EF4-FFF2-40B4-BE49-F238E27FC236}">
-                <a16:creationId xmlns:a16="http://schemas.microsoft.com/office/drawing/2014/main" id="{150DE9CB-877F-ACC2-F342-432D5F2AC406}"/>
-              </a:ext>
-            </a:extLst>
-          </p:cNvPr>
-          <p:cNvSpPr txBox="1"/>
-          <p:nvPr/>
-        </p:nvSpPr>
-        <p:spPr>
-          <a:xfrm>
-            <a:off x="3271509" y="-48692"/>
-            <a:ext cx="2636341" cy="507831"/>
-          </a:xfrm>
-          <a:prstGeom prst="rect">
-            <a:avLst/>
-          </a:prstGeom>
-          <a:noFill/>
-        </p:spPr>
-        <p:txBody>
-          <a:bodyPr wrap="square" rtlCol="0">
-            <a:spAutoFit/>
-          </a:bodyPr>
-          <a:lstStyle/>
-          <a:p>
-            <a:pPr algn="ctr"/>
-            <a:r>
-              <a:rPr lang="en-US" sz="900" b="1" dirty="0"/>
-              <a:t>Number of grid-boxes exceeding the climatological average probability (0.08%) of having a flash flood event in a grid-box</a:t>
-            </a:r>
-          </a:p>
-        </p:txBody>
-      </p:sp>
-      <p:cxnSp>
-        <p:nvCxnSpPr>
-          <p:cNvPr id="205" name="Straight Connector 204">
-            <a:extLst>
-              <a:ext uri="{FF2B5EF4-FFF2-40B4-BE49-F238E27FC236}">
-                <a16:creationId xmlns:a16="http://schemas.microsoft.com/office/drawing/2014/main" id="{236AD5DE-9177-7623-D9F3-3160B68707B8}"/>
-              </a:ext>
-            </a:extLst>
-          </p:cNvPr>
-          <p:cNvCxnSpPr>
-            <a:cxnSpLocks/>
-            <a:endCxn id="179" idx="1"/>
-          </p:cNvCxnSpPr>
-          <p:nvPr/>
-        </p:nvCxnSpPr>
-        <p:spPr>
           <a:xfrm flipV="1">
-            <a:off x="1455325" y="2902362"/>
-            <a:ext cx="2995451" cy="0"/>
+            <a:off x="1390934" y="3599185"/>
+            <a:ext cx="3348000" cy="0"/>
           </a:xfrm>
           <a:prstGeom prst="line">
             <a:avLst/>
@@ -6945,10 +7827,10 @@
       </p:cxnSp>
       <p:cxnSp>
         <p:nvCxnSpPr>
-          <p:cNvPr id="209" name="Straight Connector 208">
+          <p:cNvPr id="292" name="Straight Connector 291">
             <a:extLst>
               <a:ext uri="{FF2B5EF4-FFF2-40B4-BE49-F238E27FC236}">
-                <a16:creationId xmlns:a16="http://schemas.microsoft.com/office/drawing/2014/main" id="{7D66217A-7B5A-176F-29C1-4344536B6821}"/>
+                <a16:creationId xmlns:a16="http://schemas.microsoft.com/office/drawing/2014/main" id="{36AC5CC4-998F-5AD7-29AA-F80C43B6709D}"/>
               </a:ext>
             </a:extLst>
           </p:cNvPr>
@@ -6959,8 +7841,8 @@
         </p:nvCxnSpPr>
         <p:spPr>
           <a:xfrm flipV="1">
-            <a:off x="3093824" y="2685068"/>
-            <a:ext cx="1077147" cy="411"/>
+            <a:off x="3027703" y="3385290"/>
+            <a:ext cx="1340667" cy="0"/>
           </a:xfrm>
           <a:prstGeom prst="line">
             <a:avLst/>
@@ -6989,22 +7871,23 @@
       </p:cxnSp>
       <p:cxnSp>
         <p:nvCxnSpPr>
-          <p:cNvPr id="211" name="Straight Connector 210">
+          <p:cNvPr id="293" name="Straight Connector 292">
             <a:extLst>
               <a:ext uri="{FF2B5EF4-FFF2-40B4-BE49-F238E27FC236}">
-                <a16:creationId xmlns:a16="http://schemas.microsoft.com/office/drawing/2014/main" id="{4BB85298-2AB4-83CD-2496-4607CED357C5}"/>
+                <a16:creationId xmlns:a16="http://schemas.microsoft.com/office/drawing/2014/main" id="{362821AF-ABD2-6F92-9356-59B702E658EF}"/>
               </a:ext>
             </a:extLst>
           </p:cNvPr>
           <p:cNvCxnSpPr>
             <a:cxnSpLocks/>
+            <a:endCxn id="279" idx="1"/>
           </p:cNvCxnSpPr>
           <p:nvPr/>
         </p:nvCxnSpPr>
         <p:spPr>
-          <a:xfrm>
-            <a:off x="2057525" y="2461541"/>
-            <a:ext cx="1731445" cy="1"/>
+          <a:xfrm flipV="1">
+            <a:off x="1993135" y="3150439"/>
+            <a:ext cx="2021941" cy="4033"/>
           </a:xfrm>
           <a:prstGeom prst="line">
             <a:avLst/>
@@ -7033,22 +7916,23 @@
       </p:cxnSp>
       <p:cxnSp>
         <p:nvCxnSpPr>
-          <p:cNvPr id="214" name="Straight Connector 213">
+          <p:cNvPr id="294" name="Straight Connector 293">
             <a:extLst>
               <a:ext uri="{FF2B5EF4-FFF2-40B4-BE49-F238E27FC236}">
-                <a16:creationId xmlns:a16="http://schemas.microsoft.com/office/drawing/2014/main" id="{FB4FF550-E0DD-7A5D-5FE2-F287A42F7D8B}"/>
+                <a16:creationId xmlns:a16="http://schemas.microsoft.com/office/drawing/2014/main" id="{46B9E1F7-471C-9B7C-8E2D-D9CAA5D954D0}"/>
               </a:ext>
             </a:extLst>
           </p:cNvPr>
           <p:cNvCxnSpPr>
             <a:cxnSpLocks/>
+            <a:endCxn id="280" idx="1"/>
           </p:cNvCxnSpPr>
           <p:nvPr/>
         </p:nvCxnSpPr>
         <p:spPr>
-          <a:xfrm>
-            <a:off x="1187660" y="2238014"/>
-            <a:ext cx="2248868" cy="8233"/>
+          <a:xfrm flipV="1">
+            <a:off x="1110392" y="2926339"/>
+            <a:ext cx="2554738" cy="0"/>
           </a:xfrm>
           <a:prstGeom prst="line">
             <a:avLst/>
@@ -7077,10 +7961,10 @@
       </p:cxnSp>
       <p:cxnSp>
         <p:nvCxnSpPr>
-          <p:cNvPr id="216" name="Straight Connector 215">
+          <p:cNvPr id="295" name="Straight Connector 294">
             <a:extLst>
               <a:ext uri="{FF2B5EF4-FFF2-40B4-BE49-F238E27FC236}">
-                <a16:creationId xmlns:a16="http://schemas.microsoft.com/office/drawing/2014/main" id="{68E808D6-C6B3-53BA-AF21-5AA208B9E4E1}"/>
+                <a16:creationId xmlns:a16="http://schemas.microsoft.com/office/drawing/2014/main" id="{0ED85F73-5F72-DEAB-1FF0-6565DE251992}"/>
               </a:ext>
             </a:extLst>
           </p:cNvPr>
@@ -7090,9 +7974,9 @@
           <p:nvPr/>
         </p:nvCxnSpPr>
         <p:spPr>
-          <a:xfrm>
-            <a:off x="1988945" y="2020719"/>
-            <a:ext cx="2960021" cy="1997"/>
+          <a:xfrm flipV="1">
+            <a:off x="1866604" y="2707972"/>
+            <a:ext cx="3378067" cy="0"/>
           </a:xfrm>
           <a:prstGeom prst="line">
             <a:avLst/>
@@ -7121,10 +8005,10 @@
       </p:cxnSp>
       <p:cxnSp>
         <p:nvCxnSpPr>
-          <p:cNvPr id="218" name="Straight Connector 217">
+          <p:cNvPr id="296" name="Straight Connector 295">
             <a:extLst>
               <a:ext uri="{FF2B5EF4-FFF2-40B4-BE49-F238E27FC236}">
-                <a16:creationId xmlns:a16="http://schemas.microsoft.com/office/drawing/2014/main" id="{51C97000-22C7-45AA-09C8-B40F2D71C428}"/>
+                <a16:creationId xmlns:a16="http://schemas.microsoft.com/office/drawing/2014/main" id="{DD3FCB64-F52D-2469-6017-51CFAA13227D}"/>
               </a:ext>
             </a:extLst>
           </p:cNvPr>
@@ -7134,9 +8018,9 @@
           <p:nvPr/>
         </p:nvCxnSpPr>
         <p:spPr>
-          <a:xfrm>
-            <a:off x="2451591" y="1791949"/>
-            <a:ext cx="1940057" cy="9355"/>
+          <a:xfrm flipV="1">
+            <a:off x="2322811" y="2490083"/>
+            <a:ext cx="2296117" cy="0"/>
           </a:xfrm>
           <a:prstGeom prst="line">
             <a:avLst/>
@@ -7165,10 +8049,10 @@
       </p:cxnSp>
       <p:cxnSp>
         <p:nvCxnSpPr>
-          <p:cNvPr id="220" name="Straight Connector 219">
+          <p:cNvPr id="297" name="Straight Connector 296">
             <a:extLst>
               <a:ext uri="{FF2B5EF4-FFF2-40B4-BE49-F238E27FC236}">
-                <a16:creationId xmlns:a16="http://schemas.microsoft.com/office/drawing/2014/main" id="{EBBE1EAF-FC44-2C11-DD41-652D5D8EEE6E}"/>
+                <a16:creationId xmlns:a16="http://schemas.microsoft.com/office/drawing/2014/main" id="{2E931C7E-C21E-38A5-A4FD-A7B174FCB54F}"/>
               </a:ext>
             </a:extLst>
           </p:cNvPr>
@@ -7179,8 +8063,8 @@
         </p:nvCxnSpPr>
         <p:spPr>
           <a:xfrm>
-            <a:off x="2248549" y="1571781"/>
-            <a:ext cx="3060000" cy="0"/>
+            <a:off x="2145525" y="2269922"/>
+            <a:ext cx="3533135" cy="0"/>
           </a:xfrm>
           <a:prstGeom prst="line">
             <a:avLst/>
@@ -7209,10 +8093,10 @@
       </p:cxnSp>
       <p:cxnSp>
         <p:nvCxnSpPr>
-          <p:cNvPr id="223" name="Straight Connector 222">
+          <p:cNvPr id="298" name="Straight Connector 297">
             <a:extLst>
               <a:ext uri="{FF2B5EF4-FFF2-40B4-BE49-F238E27FC236}">
-                <a16:creationId xmlns:a16="http://schemas.microsoft.com/office/drawing/2014/main" id="{DE37AEE8-E9AC-911F-D880-3654B8113288}"/>
+                <a16:creationId xmlns:a16="http://schemas.microsoft.com/office/drawing/2014/main" id="{E7BCB7C7-2BEA-BE3E-E53C-D38BE3A5F591}"/>
               </a:ext>
             </a:extLst>
           </p:cNvPr>
@@ -7223,8 +8107,8 @@
         </p:nvCxnSpPr>
         <p:spPr>
           <a:xfrm>
-            <a:off x="1331648" y="1353860"/>
-            <a:ext cx="3276000" cy="0"/>
+            <a:off x="1267258" y="2044186"/>
+            <a:ext cx="3600000" cy="0"/>
           </a:xfrm>
           <a:prstGeom prst="line">
             <a:avLst/>
@@ -7253,22 +8137,23 @@
       </p:cxnSp>
       <p:cxnSp>
         <p:nvCxnSpPr>
-          <p:cNvPr id="225" name="Straight Connector 224">
+          <p:cNvPr id="299" name="Straight Connector 298">
             <a:extLst>
               <a:ext uri="{FF2B5EF4-FFF2-40B4-BE49-F238E27FC236}">
-                <a16:creationId xmlns:a16="http://schemas.microsoft.com/office/drawing/2014/main" id="{8F0F7BA8-6CE8-AB43-7BAD-0DA5AABF4397}"/>
+                <a16:creationId xmlns:a16="http://schemas.microsoft.com/office/drawing/2014/main" id="{5A3B356D-AE69-C313-5545-79A0124A6132}"/>
               </a:ext>
             </a:extLst>
           </p:cNvPr>
           <p:cNvCxnSpPr>
             <a:cxnSpLocks/>
+            <a:endCxn id="285" idx="1"/>
           </p:cNvCxnSpPr>
           <p:nvPr/>
         </p:nvCxnSpPr>
         <p:spPr>
-          <a:xfrm>
-            <a:off x="1544103" y="1123635"/>
-            <a:ext cx="2353844" cy="11736"/>
+          <a:xfrm flipV="1">
+            <a:off x="1441078" y="1814360"/>
+            <a:ext cx="2700000" cy="0"/>
           </a:xfrm>
           <a:prstGeom prst="line">
             <a:avLst/>
@@ -7297,22 +8182,23 @@
       </p:cxnSp>
       <p:cxnSp>
         <p:nvCxnSpPr>
-          <p:cNvPr id="227" name="Straight Connector 226">
+          <p:cNvPr id="300" name="Straight Connector 299">
             <a:extLst>
               <a:ext uri="{FF2B5EF4-FFF2-40B4-BE49-F238E27FC236}">
-                <a16:creationId xmlns:a16="http://schemas.microsoft.com/office/drawing/2014/main" id="{73C29097-90CC-6C73-7D65-6817A56E5B5B}"/>
+                <a16:creationId xmlns:a16="http://schemas.microsoft.com/office/drawing/2014/main" id="{E0F7E986-713F-2CE8-FC68-E64A97D3F6FC}"/>
               </a:ext>
             </a:extLst>
           </p:cNvPr>
           <p:cNvCxnSpPr>
             <a:cxnSpLocks/>
+            <a:endCxn id="286" idx="1"/>
           </p:cNvCxnSpPr>
           <p:nvPr/>
         </p:nvCxnSpPr>
         <p:spPr>
-          <a:xfrm>
-            <a:off x="1778629" y="900923"/>
-            <a:ext cx="2947632" cy="0"/>
+          <a:xfrm flipV="1">
+            <a:off x="1675604" y="1594191"/>
+            <a:ext cx="3348000" cy="0"/>
           </a:xfrm>
           <a:prstGeom prst="line">
             <a:avLst/>
@@ -7341,10 +8227,10 @@
       </p:cxnSp>
       <p:cxnSp>
         <p:nvCxnSpPr>
-          <p:cNvPr id="229" name="Straight Connector 228">
+          <p:cNvPr id="301" name="Straight Connector 300">
             <a:extLst>
               <a:ext uri="{FF2B5EF4-FFF2-40B4-BE49-F238E27FC236}">
-                <a16:creationId xmlns:a16="http://schemas.microsoft.com/office/drawing/2014/main" id="{A4CB8059-4966-CD59-8569-E79B5F61B321}"/>
+                <a16:creationId xmlns:a16="http://schemas.microsoft.com/office/drawing/2014/main" id="{14CADFB2-BBFC-3EBD-48C4-C598D43EE6D6}"/>
               </a:ext>
             </a:extLst>
           </p:cNvPr>
@@ -7355,8 +8241,8 @@
         </p:nvCxnSpPr>
         <p:spPr>
           <a:xfrm>
-            <a:off x="2035050" y="676917"/>
-            <a:ext cx="3273499" cy="0"/>
+            <a:off x="1970660" y="1387840"/>
+            <a:ext cx="3708000" cy="0"/>
           </a:xfrm>
           <a:prstGeom prst="line">
             <a:avLst/>
@@ -7385,10 +8271,10 @@
       </p:cxnSp>
       <p:cxnSp>
         <p:nvCxnSpPr>
-          <p:cNvPr id="232" name="Straight Connector 231">
+          <p:cNvPr id="302" name="Straight Connector 301">
             <a:extLst>
               <a:ext uri="{FF2B5EF4-FFF2-40B4-BE49-F238E27FC236}">
-                <a16:creationId xmlns:a16="http://schemas.microsoft.com/office/drawing/2014/main" id="{7F3FDB81-E034-EF49-38EC-EC00C6EC21F4}"/>
+                <a16:creationId xmlns:a16="http://schemas.microsoft.com/office/drawing/2014/main" id="{44CAD452-9AED-C10C-BB8C-E4D60CE2DF49}"/>
               </a:ext>
             </a:extLst>
           </p:cNvPr>
@@ -7399,8 +8285,8 @@
         </p:nvCxnSpPr>
         <p:spPr>
           <a:xfrm>
-            <a:off x="3207487" y="0"/>
-            <a:ext cx="0" cy="3527425"/>
+            <a:off x="3460381" y="406413"/>
+            <a:ext cx="0" cy="3648755"/>
           </a:xfrm>
           <a:prstGeom prst="line">
             <a:avLst/>
@@ -7426,6 +8312,1052 @@
           </a:fontRef>
         </p:style>
       </p:cxnSp>
+      <p:pic>
+        <p:nvPicPr>
+          <p:cNvPr id="303" name="Picture 302">
+            <a:extLst>
+              <a:ext uri="{FF2B5EF4-FFF2-40B4-BE49-F238E27FC236}">
+                <a16:creationId xmlns:a16="http://schemas.microsoft.com/office/drawing/2014/main" id="{375B7950-C745-764B-9770-05D4810F7F52}"/>
+              </a:ext>
+            </a:extLst>
+          </p:cNvPr>
+          <p:cNvPicPr>
+            <a:picLocks noChangeAspect="1"/>
+          </p:cNvPicPr>
+          <p:nvPr/>
+        </p:nvPicPr>
+        <p:blipFill>
+          <a:blip r:embed="rId4"/>
+          <a:stretch>
+            <a:fillRect/>
+          </a:stretch>
+        </p:blipFill>
+        <p:spPr>
+          <a:xfrm>
+            <a:off x="452708" y="3060439"/>
+            <a:ext cx="292500" cy="180000"/>
+          </a:xfrm>
+          <a:prstGeom prst="rect">
+            <a:avLst/>
+          </a:prstGeom>
+        </p:spPr>
+      </p:pic>
+      <p:pic>
+        <p:nvPicPr>
+          <p:cNvPr id="304" name="Picture 303">
+            <a:extLst>
+              <a:ext uri="{FF2B5EF4-FFF2-40B4-BE49-F238E27FC236}">
+                <a16:creationId xmlns:a16="http://schemas.microsoft.com/office/drawing/2014/main" id="{7A279477-4D1B-7818-BC12-9DBDE324C8E6}"/>
+              </a:ext>
+            </a:extLst>
+          </p:cNvPr>
+          <p:cNvPicPr>
+            <a:picLocks noChangeAspect="1"/>
+          </p:cNvPicPr>
+          <p:nvPr/>
+        </p:nvPicPr>
+        <p:blipFill>
+          <a:blip r:embed="rId5"/>
+          <a:stretch>
+            <a:fillRect/>
+          </a:stretch>
+        </p:blipFill>
+        <p:spPr>
+          <a:xfrm>
+            <a:off x="454223" y="3298026"/>
+            <a:ext cx="290985" cy="180000"/>
+          </a:xfrm>
+          <a:prstGeom prst="rect">
+            <a:avLst/>
+          </a:prstGeom>
+        </p:spPr>
+      </p:pic>
+      <p:pic>
+        <p:nvPicPr>
+          <p:cNvPr id="305" name="Picture 304">
+            <a:extLst>
+              <a:ext uri="{FF2B5EF4-FFF2-40B4-BE49-F238E27FC236}">
+                <a16:creationId xmlns:a16="http://schemas.microsoft.com/office/drawing/2014/main" id="{A8C75091-D5E8-2B27-F095-CFA9236C5257}"/>
+              </a:ext>
+            </a:extLst>
+          </p:cNvPr>
+          <p:cNvPicPr>
+            <a:picLocks noChangeAspect="1"/>
+          </p:cNvPicPr>
+          <p:nvPr/>
+        </p:nvPicPr>
+        <p:blipFill>
+          <a:blip r:embed="rId6"/>
+          <a:stretch>
+            <a:fillRect/>
+          </a:stretch>
+        </p:blipFill>
+        <p:spPr>
+          <a:xfrm>
+            <a:off x="454223" y="3515153"/>
+            <a:ext cx="290985" cy="180000"/>
+          </a:xfrm>
+          <a:prstGeom prst="rect">
+            <a:avLst/>
+          </a:prstGeom>
+        </p:spPr>
+      </p:pic>
+      <p:pic>
+        <p:nvPicPr>
+          <p:cNvPr id="306" name="Picture 305">
+            <a:extLst>
+              <a:ext uri="{FF2B5EF4-FFF2-40B4-BE49-F238E27FC236}">
+                <a16:creationId xmlns:a16="http://schemas.microsoft.com/office/drawing/2014/main" id="{EC470FEC-9FB2-F421-B989-8C7CEC686F9D}"/>
+              </a:ext>
+            </a:extLst>
+          </p:cNvPr>
+          <p:cNvPicPr>
+            <a:picLocks noChangeAspect="1"/>
+          </p:cNvPicPr>
+          <p:nvPr/>
+        </p:nvPicPr>
+        <p:blipFill>
+          <a:blip r:embed="rId7"/>
+          <a:stretch>
+            <a:fillRect/>
+          </a:stretch>
+        </p:blipFill>
+        <p:spPr>
+          <a:xfrm>
+            <a:off x="454223" y="2827964"/>
+            <a:ext cx="290985" cy="180000"/>
+          </a:xfrm>
+          <a:prstGeom prst="rect">
+            <a:avLst/>
+          </a:prstGeom>
+        </p:spPr>
+      </p:pic>
+      <p:pic>
+        <p:nvPicPr>
+          <p:cNvPr id="307" name="Picture 306">
+            <a:extLst>
+              <a:ext uri="{FF2B5EF4-FFF2-40B4-BE49-F238E27FC236}">
+                <a16:creationId xmlns:a16="http://schemas.microsoft.com/office/drawing/2014/main" id="{41E2C6CB-132A-046F-5775-6FDB848577FB}"/>
+              </a:ext>
+            </a:extLst>
+          </p:cNvPr>
+          <p:cNvPicPr>
+            <a:picLocks noChangeAspect="1"/>
+          </p:cNvPicPr>
+          <p:nvPr/>
+        </p:nvPicPr>
+        <p:blipFill>
+          <a:blip r:embed="rId8"/>
+          <a:stretch>
+            <a:fillRect/>
+          </a:stretch>
+        </p:blipFill>
+        <p:spPr>
+          <a:xfrm>
+            <a:off x="454223" y="2589758"/>
+            <a:ext cx="290985" cy="180000"/>
+          </a:xfrm>
+          <a:prstGeom prst="rect">
+            <a:avLst/>
+          </a:prstGeom>
+        </p:spPr>
+      </p:pic>
+      <p:pic>
+        <p:nvPicPr>
+          <p:cNvPr id="308" name="Picture 307">
+            <a:extLst>
+              <a:ext uri="{FF2B5EF4-FFF2-40B4-BE49-F238E27FC236}">
+                <a16:creationId xmlns:a16="http://schemas.microsoft.com/office/drawing/2014/main" id="{F6E5C22D-6784-9AE5-1F18-297F16AEE338}"/>
+              </a:ext>
+            </a:extLst>
+          </p:cNvPr>
+          <p:cNvPicPr>
+            <a:picLocks noChangeAspect="1"/>
+          </p:cNvPicPr>
+          <p:nvPr/>
+        </p:nvPicPr>
+        <p:blipFill>
+          <a:blip r:embed="rId9"/>
+          <a:stretch>
+            <a:fillRect/>
+          </a:stretch>
+        </p:blipFill>
+        <p:spPr>
+          <a:xfrm>
+            <a:off x="454223" y="2421505"/>
+            <a:ext cx="290985" cy="180000"/>
+          </a:xfrm>
+          <a:prstGeom prst="rect">
+            <a:avLst/>
+          </a:prstGeom>
+        </p:spPr>
+      </p:pic>
+      <p:pic>
+        <p:nvPicPr>
+          <p:cNvPr id="309" name="Picture 308">
+            <a:extLst>
+              <a:ext uri="{FF2B5EF4-FFF2-40B4-BE49-F238E27FC236}">
+                <a16:creationId xmlns:a16="http://schemas.microsoft.com/office/drawing/2014/main" id="{98FC1912-DCBD-7EBF-E478-181784C44CBE}"/>
+              </a:ext>
+            </a:extLst>
+          </p:cNvPr>
+          <p:cNvPicPr>
+            <a:picLocks noChangeAspect="1"/>
+          </p:cNvPicPr>
+          <p:nvPr/>
+        </p:nvPicPr>
+        <p:blipFill>
+          <a:blip r:embed="rId10"/>
+          <a:stretch>
+            <a:fillRect/>
+          </a:stretch>
+        </p:blipFill>
+        <p:spPr>
+          <a:xfrm>
+            <a:off x="454223" y="1966175"/>
+            <a:ext cx="290985" cy="180000"/>
+          </a:xfrm>
+          <a:prstGeom prst="rect">
+            <a:avLst/>
+          </a:prstGeom>
+        </p:spPr>
+      </p:pic>
+      <p:pic>
+        <p:nvPicPr>
+          <p:cNvPr id="310" name="Picture 309">
+            <a:extLst>
+              <a:ext uri="{FF2B5EF4-FFF2-40B4-BE49-F238E27FC236}">
+                <a16:creationId xmlns:a16="http://schemas.microsoft.com/office/drawing/2014/main" id="{15332E26-670D-3A26-AAB6-2D2D94408866}"/>
+              </a:ext>
+            </a:extLst>
+          </p:cNvPr>
+          <p:cNvPicPr>
+            <a:picLocks noChangeAspect="1"/>
+          </p:cNvPicPr>
+          <p:nvPr/>
+        </p:nvPicPr>
+        <p:blipFill>
+          <a:blip r:embed="rId11"/>
+          <a:stretch>
+            <a:fillRect/>
+          </a:stretch>
+        </p:blipFill>
+        <p:spPr>
+          <a:xfrm>
+            <a:off x="452707" y="2170689"/>
+            <a:ext cx="292501" cy="180000"/>
+          </a:xfrm>
+          <a:prstGeom prst="rect">
+            <a:avLst/>
+          </a:prstGeom>
+        </p:spPr>
+      </p:pic>
+      <p:pic>
+        <p:nvPicPr>
+          <p:cNvPr id="311" name="Picture 310">
+            <a:extLst>
+              <a:ext uri="{FF2B5EF4-FFF2-40B4-BE49-F238E27FC236}">
+                <a16:creationId xmlns:a16="http://schemas.microsoft.com/office/drawing/2014/main" id="{DED439BA-0A7B-E2E7-F60A-FF1D54F1232A}"/>
+              </a:ext>
+            </a:extLst>
+          </p:cNvPr>
+          <p:cNvPicPr>
+            <a:picLocks noChangeAspect="1"/>
+          </p:cNvPicPr>
+          <p:nvPr/>
+        </p:nvPicPr>
+        <p:blipFill>
+          <a:blip r:embed="rId12"/>
+          <a:stretch>
+            <a:fillRect/>
+          </a:stretch>
+        </p:blipFill>
+        <p:spPr>
+          <a:xfrm>
+            <a:off x="454223" y="1066110"/>
+            <a:ext cx="290985" cy="180000"/>
+          </a:xfrm>
+          <a:prstGeom prst="rect">
+            <a:avLst/>
+          </a:prstGeom>
+        </p:spPr>
+      </p:pic>
+      <p:cxnSp>
+        <p:nvCxnSpPr>
+          <p:cNvPr id="312" name="Straight Connector 311">
+            <a:extLst>
+              <a:ext uri="{FF2B5EF4-FFF2-40B4-BE49-F238E27FC236}">
+                <a16:creationId xmlns:a16="http://schemas.microsoft.com/office/drawing/2014/main" id="{09117A4A-7C73-868D-671B-E0DD6A42EF25}"/>
+              </a:ext>
+            </a:extLst>
+          </p:cNvPr>
+          <p:cNvCxnSpPr>
+            <a:cxnSpLocks/>
+          </p:cNvCxnSpPr>
+          <p:nvPr/>
+        </p:nvCxnSpPr>
+        <p:spPr>
+          <a:xfrm>
+            <a:off x="2164890" y="1154391"/>
+            <a:ext cx="3492000" cy="0"/>
+          </a:xfrm>
+          <a:prstGeom prst="line">
+            <a:avLst/>
+          </a:prstGeom>
+          <a:ln w="3175">
+            <a:solidFill>
+              <a:srgbClr val="E6E6E6"/>
+            </a:solidFill>
+            <a:prstDash val="lgDash"/>
+          </a:ln>
+        </p:spPr>
+        <p:style>
+          <a:lnRef idx="1">
+            <a:schemeClr val="accent1"/>
+          </a:lnRef>
+          <a:fillRef idx="0">
+            <a:schemeClr val="accent1"/>
+          </a:fillRef>
+          <a:effectRef idx="0">
+            <a:schemeClr val="accent1"/>
+          </a:effectRef>
+          <a:fontRef idx="minor">
+            <a:schemeClr val="tx1"/>
+          </a:fontRef>
+        </p:style>
+      </p:cxnSp>
+      <p:sp>
+        <p:nvSpPr>
+          <p:cNvPr id="313" name="Oval 312">
+            <a:extLst>
+              <a:ext uri="{FF2B5EF4-FFF2-40B4-BE49-F238E27FC236}">
+                <a16:creationId xmlns:a16="http://schemas.microsoft.com/office/drawing/2014/main" id="{0DE3A2D0-0747-FC6D-5B6F-56BD4F0A1109}"/>
+              </a:ext>
+            </a:extLst>
+          </p:cNvPr>
+          <p:cNvSpPr/>
+          <p:nvPr/>
+        </p:nvSpPr>
+        <p:spPr>
+          <a:xfrm>
+            <a:off x="5749138" y="1136816"/>
+            <a:ext cx="36000" cy="36000"/>
+          </a:xfrm>
+          <a:prstGeom prst="ellipse">
+            <a:avLst/>
+          </a:prstGeom>
+          <a:solidFill>
+            <a:srgbClr val="A9A9A9"/>
+          </a:solidFill>
+          <a:ln>
+            <a:noFill/>
+          </a:ln>
+        </p:spPr>
+        <p:style>
+          <a:lnRef idx="2">
+            <a:schemeClr val="accent1">
+              <a:shade val="15000"/>
+            </a:schemeClr>
+          </a:lnRef>
+          <a:fillRef idx="1">
+            <a:schemeClr val="accent1"/>
+          </a:fillRef>
+          <a:effectRef idx="0">
+            <a:schemeClr val="accent1"/>
+          </a:effectRef>
+          <a:fontRef idx="minor">
+            <a:schemeClr val="lt1"/>
+          </a:fontRef>
+        </p:style>
+        <p:txBody>
+          <a:bodyPr rtlCol="0" anchor="ctr"/>
+          <a:lstStyle/>
+          <a:p>
+            <a:pPr algn="ctr"/>
+            <a:endParaRPr lang="en-GB">
+              <a:latin typeface="Aptos" panose="020B0004020202020204" pitchFamily="34" charset="0"/>
+            </a:endParaRPr>
+          </a:p>
+        </p:txBody>
+      </p:sp>
+      <p:sp>
+        <p:nvSpPr>
+          <p:cNvPr id="314" name="Rectangle 313">
+            <a:extLst>
+              <a:ext uri="{FF2B5EF4-FFF2-40B4-BE49-F238E27FC236}">
+                <a16:creationId xmlns:a16="http://schemas.microsoft.com/office/drawing/2014/main" id="{347BB259-FB2B-A145-32AE-EAA56C91847D}"/>
+              </a:ext>
+            </a:extLst>
+          </p:cNvPr>
+          <p:cNvSpPr/>
+          <p:nvPr/>
+        </p:nvSpPr>
+        <p:spPr>
+          <a:xfrm>
+            <a:off x="31750" y="1928162"/>
+            <a:ext cx="6231633" cy="871957"/>
+          </a:xfrm>
+          <a:prstGeom prst="rect">
+            <a:avLst/>
+          </a:prstGeom>
+          <a:noFill/>
+          <a:ln w="12700">
+            <a:solidFill>
+              <a:srgbClr val="0000FF"/>
+            </a:solidFill>
+          </a:ln>
+        </p:spPr>
+        <p:style>
+          <a:lnRef idx="2">
+            <a:schemeClr val="accent1">
+              <a:shade val="15000"/>
+            </a:schemeClr>
+          </a:lnRef>
+          <a:fillRef idx="1">
+            <a:schemeClr val="accent1"/>
+          </a:fillRef>
+          <a:effectRef idx="0">
+            <a:schemeClr val="accent1"/>
+          </a:effectRef>
+          <a:fontRef idx="minor">
+            <a:schemeClr val="lt1"/>
+          </a:fontRef>
+        </p:style>
+        <p:txBody>
+          <a:bodyPr rtlCol="0" anchor="ctr"/>
+          <a:lstStyle/>
+          <a:p>
+            <a:pPr algn="ctr"/>
+            <a:endParaRPr lang="en-GB">
+              <a:latin typeface="Aptos" panose="020B0004020202020204" pitchFamily="34" charset="0"/>
+            </a:endParaRPr>
+          </a:p>
+        </p:txBody>
+      </p:sp>
+      <p:sp>
+        <p:nvSpPr>
+          <p:cNvPr id="315" name="TextBox 314">
+            <a:extLst>
+              <a:ext uri="{FF2B5EF4-FFF2-40B4-BE49-F238E27FC236}">
+                <a16:creationId xmlns:a16="http://schemas.microsoft.com/office/drawing/2014/main" id="{B4D75FD4-D1FA-AC94-808E-096009631695}"/>
+              </a:ext>
+            </a:extLst>
+          </p:cNvPr>
+          <p:cNvSpPr txBox="1"/>
+          <p:nvPr/>
+        </p:nvSpPr>
+        <p:spPr>
+          <a:xfrm rot="16200000">
+            <a:off x="-203764" y="3059426"/>
+            <a:ext cx="855956" cy="415498"/>
+          </a:xfrm>
+          <a:prstGeom prst="rect">
+            <a:avLst/>
+          </a:prstGeom>
+          <a:noFill/>
+        </p:spPr>
+        <p:txBody>
+          <a:bodyPr wrap="square" rtlCol="0">
+            <a:spAutoFit/>
+          </a:bodyPr>
+          <a:lstStyle/>
+          <a:p>
+            <a:pPr algn="ctr"/>
+            <a:r>
+              <a:rPr lang="en-US" sz="700" b="1" dirty="0">
+                <a:solidFill>
+                  <a:schemeClr val="bg2">
+                    <a:lumMod val="50000"/>
+                  </a:schemeClr>
+                </a:solidFill>
+                <a:latin typeface="Aptos" panose="020B0004020202020204" pitchFamily="34" charset="0"/>
+              </a:rPr>
+              <a:t>APPROACH 3 </a:t>
+            </a:r>
+          </a:p>
+          <a:p>
+            <a:pPr algn="ctr"/>
+            <a:r>
+              <a:rPr lang="en-US" sz="700" dirty="0">
+                <a:solidFill>
+                  <a:schemeClr val="bg2">
+                    <a:lumMod val="50000"/>
+                  </a:schemeClr>
+                </a:solidFill>
+                <a:latin typeface="Aptos" panose="020B0004020202020204" pitchFamily="34" charset="0"/>
+              </a:rPr>
+              <a:t>(full domain used for training)</a:t>
+            </a:r>
+            <a:endParaRPr lang="en-GB" sz="700" dirty="0">
+              <a:solidFill>
+                <a:schemeClr val="bg2">
+                  <a:lumMod val="50000"/>
+                </a:schemeClr>
+              </a:solidFill>
+              <a:latin typeface="Aptos" panose="020B0004020202020204" pitchFamily="34" charset="0"/>
+            </a:endParaRPr>
+          </a:p>
+        </p:txBody>
+      </p:sp>
+      <p:sp>
+        <p:nvSpPr>
+          <p:cNvPr id="316" name="TextBox 315">
+            <a:extLst>
+              <a:ext uri="{FF2B5EF4-FFF2-40B4-BE49-F238E27FC236}">
+                <a16:creationId xmlns:a16="http://schemas.microsoft.com/office/drawing/2014/main" id="{A4B219D7-765D-B8D7-7BDB-17D65A3591DA}"/>
+              </a:ext>
+            </a:extLst>
+          </p:cNvPr>
+          <p:cNvSpPr txBox="1"/>
+          <p:nvPr/>
+        </p:nvSpPr>
+        <p:spPr>
+          <a:xfrm>
+            <a:off x="16312" y="76271"/>
+            <a:ext cx="6687150" cy="246221"/>
+          </a:xfrm>
+          <a:prstGeom prst="rect">
+            <a:avLst/>
+          </a:prstGeom>
+          <a:noFill/>
+        </p:spPr>
+        <p:txBody>
+          <a:bodyPr wrap="square" rtlCol="0">
+            <a:spAutoFit/>
+          </a:bodyPr>
+          <a:lstStyle/>
+          <a:p>
+            <a:r>
+              <a:rPr lang="en-US" sz="1000" b="1" i="0" dirty="0">
+                <a:solidFill>
+                  <a:srgbClr val="0D0D0D"/>
+                </a:solidFill>
+                <a:effectLst/>
+                <a:latin typeface="Aptos" panose="020B0004020202020204" pitchFamily="34" charset="0"/>
+              </a:rPr>
+              <a:t>Train ML models only </a:t>
+            </a:r>
+            <a:r>
+              <a:rPr lang="en-US" sz="1000" b="1" i="0">
+                <a:solidFill>
+                  <a:srgbClr val="0D0D0D"/>
+                </a:solidFill>
+                <a:effectLst/>
+                <a:latin typeface="Aptos" panose="020B0004020202020204" pitchFamily="34" charset="0"/>
+              </a:rPr>
+              <a:t>over data-rich </a:t>
+            </a:r>
+            <a:r>
+              <a:rPr lang="en-US" sz="1000" b="1" i="0" dirty="0">
+                <a:solidFill>
+                  <a:srgbClr val="0D0D0D"/>
+                </a:solidFill>
+                <a:effectLst/>
+                <a:latin typeface="Aptos" panose="020B0004020202020204" pitchFamily="34" charset="0"/>
+              </a:rPr>
+              <a:t>areas to predict flash floods globally.</a:t>
+            </a:r>
+            <a:endParaRPr lang="en-US" sz="1000" b="1" dirty="0">
+              <a:latin typeface="Aptos" panose="020B0004020202020204" pitchFamily="34" charset="0"/>
+            </a:endParaRPr>
+          </a:p>
+        </p:txBody>
+      </p:sp>
+      <p:sp>
+        <p:nvSpPr>
+          <p:cNvPr id="317" name="Rectangle 316">
+            <a:extLst>
+              <a:ext uri="{FF2B5EF4-FFF2-40B4-BE49-F238E27FC236}">
+                <a16:creationId xmlns:a16="http://schemas.microsoft.com/office/drawing/2014/main" id="{15AAAF4A-6BCE-A456-1655-D9776C39855C}"/>
+              </a:ext>
+            </a:extLst>
+          </p:cNvPr>
+          <p:cNvSpPr/>
+          <p:nvPr/>
+        </p:nvSpPr>
+        <p:spPr>
+          <a:xfrm>
+            <a:off x="269549" y="725788"/>
+            <a:ext cx="442940" cy="180000"/>
+          </a:xfrm>
+          <a:prstGeom prst="rect">
+            <a:avLst/>
+          </a:prstGeom>
+          <a:gradFill flip="none" rotWithShape="1">
+            <a:gsLst>
+              <a:gs pos="0">
+                <a:schemeClr val="bg1"/>
+              </a:gs>
+              <a:gs pos="100000">
+                <a:srgbClr val="FF0066"/>
+              </a:gs>
+            </a:gsLst>
+            <a:lin ang="0" scaled="1"/>
+            <a:tileRect/>
+          </a:gradFill>
+          <a:ln w="3175">
+            <a:solidFill>
+              <a:schemeClr val="bg2">
+                <a:lumMod val="90000"/>
+              </a:schemeClr>
+            </a:solidFill>
+          </a:ln>
+        </p:spPr>
+        <p:style>
+          <a:lnRef idx="2">
+            <a:schemeClr val="accent1">
+              <a:shade val="15000"/>
+            </a:schemeClr>
+          </a:lnRef>
+          <a:fillRef idx="1">
+            <a:schemeClr val="accent1"/>
+          </a:fillRef>
+          <a:effectRef idx="0">
+            <a:schemeClr val="accent1"/>
+          </a:effectRef>
+          <a:fontRef idx="minor">
+            <a:schemeClr val="lt1"/>
+          </a:fontRef>
+        </p:style>
+        <p:txBody>
+          <a:bodyPr rtlCol="0" anchor="ctr"/>
+          <a:lstStyle/>
+          <a:p>
+            <a:pPr algn="ctr"/>
+            <a:endParaRPr lang="en-GB">
+              <a:latin typeface="Aptos" panose="020B0004020202020204" pitchFamily="34" charset="0"/>
+            </a:endParaRPr>
+          </a:p>
+        </p:txBody>
+      </p:sp>
+      <p:sp>
+        <p:nvSpPr>
+          <p:cNvPr id="318" name="TextBox 317">
+            <a:extLst>
+              <a:ext uri="{FF2B5EF4-FFF2-40B4-BE49-F238E27FC236}">
+                <a16:creationId xmlns:a16="http://schemas.microsoft.com/office/drawing/2014/main" id="{18642212-44F7-2387-AB1A-8C33ADBD8DC7}"/>
+              </a:ext>
+            </a:extLst>
+          </p:cNvPr>
+          <p:cNvSpPr txBox="1"/>
+          <p:nvPr/>
+        </p:nvSpPr>
+        <p:spPr>
+          <a:xfrm>
+            <a:off x="705655" y="674685"/>
+            <a:ext cx="1100281" cy="307777"/>
+          </a:xfrm>
+          <a:prstGeom prst="rect">
+            <a:avLst/>
+          </a:prstGeom>
+          <a:noFill/>
+        </p:spPr>
+        <p:txBody>
+          <a:bodyPr wrap="square" rtlCol="0">
+            <a:spAutoFit/>
+          </a:bodyPr>
+          <a:lstStyle/>
+          <a:p>
+            <a:pPr algn="ctr"/>
+            <a:r>
+              <a:rPr lang="en-US" sz="700" dirty="0">
+                <a:solidFill>
+                  <a:schemeClr val="bg2">
+                    <a:lumMod val="50000"/>
+                  </a:schemeClr>
+                </a:solidFill>
+                <a:latin typeface="Aptos" panose="020B0004020202020204" pitchFamily="34" charset="0"/>
+              </a:rPr>
+              <a:t>% of flash flood reports used for training</a:t>
+            </a:r>
+            <a:endParaRPr lang="en-GB" sz="700" dirty="0">
+              <a:solidFill>
+                <a:schemeClr val="bg2">
+                  <a:lumMod val="50000"/>
+                </a:schemeClr>
+              </a:solidFill>
+              <a:latin typeface="Aptos" panose="020B0004020202020204" pitchFamily="34" charset="0"/>
+            </a:endParaRPr>
+          </a:p>
+        </p:txBody>
+      </p:sp>
+      <p:sp>
+        <p:nvSpPr>
+          <p:cNvPr id="319" name="TextBox 318">
+            <a:extLst>
+              <a:ext uri="{FF2B5EF4-FFF2-40B4-BE49-F238E27FC236}">
+                <a16:creationId xmlns:a16="http://schemas.microsoft.com/office/drawing/2014/main" id="{98E7E9E1-E652-5DC4-A7F6-6EE2E0DA0598}"/>
+              </a:ext>
+            </a:extLst>
+          </p:cNvPr>
+          <p:cNvSpPr txBox="1"/>
+          <p:nvPr/>
+        </p:nvSpPr>
+        <p:spPr>
+          <a:xfrm>
+            <a:off x="112042" y="574658"/>
+            <a:ext cx="357117" cy="200055"/>
+          </a:xfrm>
+          <a:prstGeom prst="rect">
+            <a:avLst/>
+          </a:prstGeom>
+          <a:noFill/>
+        </p:spPr>
+        <p:txBody>
+          <a:bodyPr wrap="square" rtlCol="0">
+            <a:spAutoFit/>
+          </a:bodyPr>
+          <a:lstStyle/>
+          <a:p>
+            <a:pPr algn="ctr"/>
+            <a:r>
+              <a:rPr lang="en-US" sz="700" dirty="0">
+                <a:solidFill>
+                  <a:schemeClr val="bg2">
+                    <a:lumMod val="50000"/>
+                  </a:schemeClr>
+                </a:solidFill>
+                <a:latin typeface="Aptos" panose="020B0004020202020204" pitchFamily="34" charset="0"/>
+              </a:rPr>
+              <a:t>0</a:t>
+            </a:r>
+            <a:endParaRPr lang="en-GB" sz="700" dirty="0">
+              <a:solidFill>
+                <a:schemeClr val="bg2">
+                  <a:lumMod val="50000"/>
+                </a:schemeClr>
+              </a:solidFill>
+              <a:latin typeface="Aptos" panose="020B0004020202020204" pitchFamily="34" charset="0"/>
+            </a:endParaRPr>
+          </a:p>
+        </p:txBody>
+      </p:sp>
+      <p:sp>
+        <p:nvSpPr>
+          <p:cNvPr id="320" name="TextBox 319">
+            <a:extLst>
+              <a:ext uri="{FF2B5EF4-FFF2-40B4-BE49-F238E27FC236}">
+                <a16:creationId xmlns:a16="http://schemas.microsoft.com/office/drawing/2014/main" id="{64CFDDD0-5DD8-5DC1-37BA-5485285CB364}"/>
+              </a:ext>
+            </a:extLst>
+          </p:cNvPr>
+          <p:cNvSpPr txBox="1"/>
+          <p:nvPr/>
+        </p:nvSpPr>
+        <p:spPr>
+          <a:xfrm>
+            <a:off x="527097" y="574658"/>
+            <a:ext cx="357117" cy="200055"/>
+          </a:xfrm>
+          <a:prstGeom prst="rect">
+            <a:avLst/>
+          </a:prstGeom>
+          <a:noFill/>
+        </p:spPr>
+        <p:txBody>
+          <a:bodyPr wrap="square" rtlCol="0">
+            <a:spAutoFit/>
+          </a:bodyPr>
+          <a:lstStyle/>
+          <a:p>
+            <a:pPr algn="ctr"/>
+            <a:r>
+              <a:rPr lang="en-US" sz="700" dirty="0">
+                <a:solidFill>
+                  <a:schemeClr val="bg2">
+                    <a:lumMod val="50000"/>
+                  </a:schemeClr>
+                </a:solidFill>
+                <a:latin typeface="Aptos" panose="020B0004020202020204" pitchFamily="34" charset="0"/>
+              </a:rPr>
+              <a:t>100</a:t>
+            </a:r>
+            <a:endParaRPr lang="en-GB" sz="700" dirty="0">
+              <a:solidFill>
+                <a:schemeClr val="bg2">
+                  <a:lumMod val="50000"/>
+                </a:schemeClr>
+              </a:solidFill>
+              <a:latin typeface="Aptos" panose="020B0004020202020204" pitchFamily="34" charset="0"/>
+            </a:endParaRPr>
+          </a:p>
+        </p:txBody>
+      </p:sp>
+      <p:pic>
+        <p:nvPicPr>
+          <p:cNvPr id="330" name="Picture 329">
+            <a:extLst>
+              <a:ext uri="{FF2B5EF4-FFF2-40B4-BE49-F238E27FC236}">
+                <a16:creationId xmlns:a16="http://schemas.microsoft.com/office/drawing/2014/main" id="{FAA39167-1E3F-BC5C-1C1C-BB65FAF590C6}"/>
+              </a:ext>
+            </a:extLst>
+          </p:cNvPr>
+          <p:cNvPicPr>
+            <a:picLocks noChangeAspect="1"/>
+          </p:cNvPicPr>
+          <p:nvPr/>
+        </p:nvPicPr>
+        <p:blipFill>
+          <a:blip r:embed="rId13"/>
+          <a:stretch>
+            <a:fillRect/>
+          </a:stretch>
+        </p:blipFill>
+        <p:spPr>
+          <a:xfrm>
+            <a:off x="452708" y="1269739"/>
+            <a:ext cx="292500" cy="180000"/>
+          </a:xfrm>
+          <a:prstGeom prst="rect">
+            <a:avLst/>
+          </a:prstGeom>
+        </p:spPr>
+      </p:pic>
+      <p:pic>
+        <p:nvPicPr>
+          <p:cNvPr id="331" name="Picture 330">
+            <a:extLst>
+              <a:ext uri="{FF2B5EF4-FFF2-40B4-BE49-F238E27FC236}">
+                <a16:creationId xmlns:a16="http://schemas.microsoft.com/office/drawing/2014/main" id="{86D0BCB1-12D1-576C-E67D-2A1779EF441E}"/>
+              </a:ext>
+            </a:extLst>
+          </p:cNvPr>
+          <p:cNvPicPr>
+            <a:picLocks noChangeAspect="1"/>
+          </p:cNvPicPr>
+          <p:nvPr/>
+        </p:nvPicPr>
+        <p:blipFill>
+          <a:blip r:embed="rId14"/>
+          <a:stretch>
+            <a:fillRect/>
+          </a:stretch>
+        </p:blipFill>
+        <p:spPr>
+          <a:xfrm>
+            <a:off x="454224" y="1479072"/>
+            <a:ext cx="290984" cy="180000"/>
+          </a:xfrm>
+          <a:prstGeom prst="rect">
+            <a:avLst/>
+          </a:prstGeom>
+        </p:spPr>
+      </p:pic>
+      <p:pic>
+        <p:nvPicPr>
+          <p:cNvPr id="332" name="Picture 331">
+            <a:extLst>
+              <a:ext uri="{FF2B5EF4-FFF2-40B4-BE49-F238E27FC236}">
+                <a16:creationId xmlns:a16="http://schemas.microsoft.com/office/drawing/2014/main" id="{48DA8E0B-1130-8C29-1EB8-6988CAD3CC0B}"/>
+              </a:ext>
+            </a:extLst>
+          </p:cNvPr>
+          <p:cNvPicPr>
+            <a:picLocks noChangeAspect="1"/>
+          </p:cNvPicPr>
+          <p:nvPr/>
+        </p:nvPicPr>
+        <p:blipFill>
+          <a:blip r:embed="rId15"/>
+          <a:stretch>
+            <a:fillRect/>
+          </a:stretch>
+        </p:blipFill>
+        <p:spPr>
+          <a:xfrm>
+            <a:off x="452708" y="1714332"/>
+            <a:ext cx="292500" cy="180000"/>
+          </a:xfrm>
+          <a:prstGeom prst="rect">
+            <a:avLst/>
+          </a:prstGeom>
+        </p:spPr>
+      </p:pic>
+      <p:sp>
+        <p:nvSpPr>
+          <p:cNvPr id="333" name="TextBox 332">
+            <a:extLst>
+              <a:ext uri="{FF2B5EF4-FFF2-40B4-BE49-F238E27FC236}">
+                <a16:creationId xmlns:a16="http://schemas.microsoft.com/office/drawing/2014/main" id="{C7B5D47C-8DCB-D2A3-6002-5C69316DE3A6}"/>
+              </a:ext>
+            </a:extLst>
+          </p:cNvPr>
+          <p:cNvSpPr txBox="1"/>
+          <p:nvPr/>
+        </p:nvSpPr>
+        <p:spPr>
+          <a:xfrm>
+            <a:off x="-98773" y="1036424"/>
+            <a:ext cx="593493" cy="200055"/>
+          </a:xfrm>
+          <a:prstGeom prst="rect">
+            <a:avLst/>
+          </a:prstGeom>
+          <a:noFill/>
+        </p:spPr>
+        <p:txBody>
+          <a:bodyPr wrap="square" rtlCol="0">
+            <a:spAutoFit/>
+          </a:bodyPr>
+          <a:lstStyle/>
+          <a:p>
+            <a:pPr algn="r"/>
+            <a:r>
+              <a:rPr lang="en-US" sz="700" dirty="0">
+                <a:solidFill>
+                  <a:schemeClr val="bg2">
+                    <a:lumMod val="50000"/>
+                  </a:schemeClr>
+                </a:solidFill>
+                <a:latin typeface="Aptos" panose="020B0004020202020204" pitchFamily="34" charset="0"/>
+              </a:rPr>
+              <a:t>All data</a:t>
+            </a:r>
+            <a:endParaRPr lang="en-GB" sz="700" dirty="0">
+              <a:solidFill>
+                <a:schemeClr val="bg2">
+                  <a:lumMod val="50000"/>
+                </a:schemeClr>
+              </a:solidFill>
+              <a:latin typeface="Aptos" panose="020B0004020202020204" pitchFamily="34" charset="0"/>
+            </a:endParaRPr>
+          </a:p>
+        </p:txBody>
+      </p:sp>
+      <p:cxnSp>
+        <p:nvCxnSpPr>
+          <p:cNvPr id="334" name="Straight Connector 333">
+            <a:extLst>
+              <a:ext uri="{FF2B5EF4-FFF2-40B4-BE49-F238E27FC236}">
+                <a16:creationId xmlns:a16="http://schemas.microsoft.com/office/drawing/2014/main" id="{EFE4181B-56BF-8A56-22E8-E1BB120F69D4}"/>
+              </a:ext>
+            </a:extLst>
+          </p:cNvPr>
+          <p:cNvCxnSpPr>
+            <a:cxnSpLocks/>
+          </p:cNvCxnSpPr>
+          <p:nvPr/>
+        </p:nvCxnSpPr>
+        <p:spPr>
+          <a:xfrm rot="5400000">
+            <a:off x="-148250" y="180000"/>
+            <a:ext cx="360000" cy="0"/>
+          </a:xfrm>
+          <a:prstGeom prst="line">
+            <a:avLst/>
+          </a:prstGeom>
+          <a:ln w="76200">
+            <a:solidFill>
+              <a:srgbClr val="0000FF"/>
+            </a:solidFill>
+          </a:ln>
+        </p:spPr>
+        <p:style>
+          <a:lnRef idx="1">
+            <a:schemeClr val="accent1"/>
+          </a:lnRef>
+          <a:fillRef idx="0">
+            <a:schemeClr val="accent1"/>
+          </a:fillRef>
+          <a:effectRef idx="0">
+            <a:schemeClr val="accent1"/>
+          </a:effectRef>
+          <a:fontRef idx="minor">
+            <a:schemeClr val="tx1"/>
+          </a:fontRef>
+        </p:style>
+      </p:cxnSp>
+      <p:sp>
+        <p:nvSpPr>
+          <p:cNvPr id="335" name="TextBox 334">
+            <a:extLst>
+              <a:ext uri="{FF2B5EF4-FFF2-40B4-BE49-F238E27FC236}">
+                <a16:creationId xmlns:a16="http://schemas.microsoft.com/office/drawing/2014/main" id="{0134731C-F9A5-E920-2356-DF6CA954B123}"/>
+              </a:ext>
+            </a:extLst>
+          </p:cNvPr>
+          <p:cNvSpPr txBox="1"/>
+          <p:nvPr/>
+        </p:nvSpPr>
+        <p:spPr>
+          <a:xfrm rot="16200000">
+            <a:off x="-148932" y="1454989"/>
+            <a:ext cx="746293" cy="200055"/>
+          </a:xfrm>
+          <a:prstGeom prst="rect">
+            <a:avLst/>
+          </a:prstGeom>
+          <a:noFill/>
+        </p:spPr>
+        <p:txBody>
+          <a:bodyPr wrap="square" rtlCol="0">
+            <a:spAutoFit/>
+          </a:bodyPr>
+          <a:lstStyle/>
+          <a:p>
+            <a:pPr algn="ctr"/>
+            <a:r>
+              <a:rPr lang="en-US" sz="700" b="1" dirty="0">
+                <a:solidFill>
+                  <a:schemeClr val="bg2">
+                    <a:lumMod val="50000"/>
+                  </a:schemeClr>
+                </a:solidFill>
+                <a:latin typeface="Aptos" panose="020B0004020202020204" pitchFamily="34" charset="0"/>
+              </a:rPr>
+              <a:t>APPROACH 1</a:t>
+            </a:r>
+            <a:endParaRPr lang="en-GB" sz="700" b="1" dirty="0">
+              <a:solidFill>
+                <a:schemeClr val="bg2">
+                  <a:lumMod val="50000"/>
+                </a:schemeClr>
+              </a:solidFill>
+              <a:latin typeface="Aptos" panose="020B0004020202020204" pitchFamily="34" charset="0"/>
+            </a:endParaRPr>
+          </a:p>
+        </p:txBody>
+      </p:sp>
+      <p:sp>
+        <p:nvSpPr>
+          <p:cNvPr id="336" name="TextBox 335">
+            <a:extLst>
+              <a:ext uri="{FF2B5EF4-FFF2-40B4-BE49-F238E27FC236}">
+                <a16:creationId xmlns:a16="http://schemas.microsoft.com/office/drawing/2014/main" id="{C55DA829-058C-A163-AD8C-BC6F204F9093}"/>
+              </a:ext>
+            </a:extLst>
+          </p:cNvPr>
+          <p:cNvSpPr txBox="1"/>
+          <p:nvPr/>
+        </p:nvSpPr>
+        <p:spPr>
+          <a:xfrm>
+            <a:off x="6212064" y="1893737"/>
+            <a:ext cx="1361998" cy="954107"/>
+          </a:xfrm>
+          <a:prstGeom prst="rect">
+            <a:avLst/>
+          </a:prstGeom>
+          <a:noFill/>
+        </p:spPr>
+        <p:txBody>
+          <a:bodyPr wrap="square" rtlCol="0">
+            <a:spAutoFit/>
+          </a:bodyPr>
+          <a:lstStyle/>
+          <a:p>
+            <a:r>
+              <a:rPr lang="en-US" sz="800" dirty="0">
+                <a:solidFill>
+                  <a:srgbClr val="0000FF"/>
+                </a:solidFill>
+                <a:latin typeface="Aptos" panose="020B0004020202020204" pitchFamily="34" charset="0"/>
+              </a:rPr>
+              <a:t>APPROACH 2 provides the overall smallest flash flood signal loss out of the three tested approaches, maintaining similar probability distributions to the training with all data.</a:t>
+            </a:r>
+          </a:p>
+        </p:txBody>
+      </p:sp>
     </p:spTree>
     <p:extLst>
       <p:ext uri="{BB962C8B-B14F-4D97-AF65-F5344CB8AC3E}">
